--- a/image_manipulation/Intro_Ojos.pptx
+++ b/image_manipulation/Intro_Ojos.pptx
@@ -9,10 +9,9 @@
     <p:sldId id="257" r:id="rId3"/>
     <p:sldId id="258" r:id="rId4"/>
     <p:sldId id="259" r:id="rId5"/>
-    <p:sldId id="260" r:id="rId6"/>
-    <p:sldId id="262" r:id="rId7"/>
-    <p:sldId id="263" r:id="rId8"/>
-    <p:sldId id="264" r:id="rId9"/>
+    <p:sldId id="262" r:id="rId6"/>
+    <p:sldId id="263" r:id="rId7"/>
+    <p:sldId id="264" r:id="rId8"/>
   </p:sldIdLst>
   <p:sldSz cx="12192000" cy="6858000"/>
   <p:notesSz cx="6858000" cy="9144000"/>
@@ -4950,722 +4949,6 @@
           <a:chExt cx="0" cy="0"/>
         </a:xfrm>
       </p:grpSpPr>
-      <p:sp>
-        <p:nvSpPr>
-          <p:cNvPr id="2" name="Title 1">
-            <a:extLst>
-              <a:ext uri="{FF2B5EF4-FFF2-40B4-BE49-F238E27FC236}">
-                <a16:creationId xmlns:a16="http://schemas.microsoft.com/office/drawing/2014/main" id="{E37FF2D5-6C1D-AE91-C4A2-A4D45B28B7A5}"/>
-              </a:ext>
-            </a:extLst>
-          </p:cNvPr>
-          <p:cNvSpPr>
-            <a:spLocks noGrp="1"/>
-          </p:cNvSpPr>
-          <p:nvPr>
-            <p:ph type="title"/>
-          </p:nvPr>
-        </p:nvSpPr>
-        <p:spPr/>
-        <p:txBody>
-          <a:bodyPr/>
-          <a:lstStyle/>
-          <a:p>
-            <a:r>
-              <a:rPr lang="es-CO" noProof="0" dirty="0"/>
-              <a:t>Ojos simples (ocelos)</a:t>
-            </a:r>
-          </a:p>
-        </p:txBody>
-      </p:sp>
-      <p:graphicFrame>
-        <p:nvGraphicFramePr>
-          <p:cNvPr id="5" name="Content Placeholder 4">
-            <a:extLst>
-              <a:ext uri="{FF2B5EF4-FFF2-40B4-BE49-F238E27FC236}">
-                <a16:creationId xmlns:a16="http://schemas.microsoft.com/office/drawing/2014/main" id="{B85959D1-8590-B609-25DE-60998962EA59}"/>
-              </a:ext>
-            </a:extLst>
-          </p:cNvPr>
-          <p:cNvGraphicFramePr>
-            <a:graphicFrameLocks noGrp="1"/>
-          </p:cNvGraphicFramePr>
-          <p:nvPr>
-            <p:ph idx="1"/>
-            <p:extLst>
-              <p:ext uri="{D42A27DB-BD31-4B8C-83A1-F6EECF244321}">
-                <p14:modId xmlns:p14="http://schemas.microsoft.com/office/powerpoint/2010/main" val="2558150220"/>
-              </p:ext>
-            </p:extLst>
-          </p:nvPr>
-        </p:nvGraphicFramePr>
-        <p:xfrm>
-          <a:off x="838200" y="1825625"/>
-          <a:ext cx="10515600" cy="3182499"/>
-        </p:xfrm>
-        <a:graphic>
-          <a:graphicData uri="http://schemas.openxmlformats.org/drawingml/2006/table">
-            <a:tbl>
-              <a:tblPr/>
-              <a:tblGrid>
-                <a:gridCol w="3505200">
-                  <a:extLst>
-                    <a:ext uri="{9D8B030D-6E8A-4147-A177-3AD203B41FA5}">
-                      <a16:colId xmlns:a16="http://schemas.microsoft.com/office/drawing/2014/main" val="2279498959"/>
-                    </a:ext>
-                  </a:extLst>
-                </a:gridCol>
-                <a:gridCol w="3505200">
-                  <a:extLst>
-                    <a:ext uri="{9D8B030D-6E8A-4147-A177-3AD203B41FA5}">
-                      <a16:colId xmlns:a16="http://schemas.microsoft.com/office/drawing/2014/main" val="2854168461"/>
-                    </a:ext>
-                  </a:extLst>
-                </a:gridCol>
-                <a:gridCol w="3505200">
-                  <a:extLst>
-                    <a:ext uri="{9D8B030D-6E8A-4147-A177-3AD203B41FA5}">
-                      <a16:colId xmlns:a16="http://schemas.microsoft.com/office/drawing/2014/main" val="886304782"/>
-                    </a:ext>
-                  </a:extLst>
-                </a:gridCol>
-              </a:tblGrid>
-              <a:tr h="453936">
-                <a:tc>
-                  <a:txBody>
-                    <a:bodyPr/>
-                    <a:lstStyle/>
-                    <a:p>
-                      <a:pPr>
-                        <a:buNone/>
-                      </a:pPr>
-                      <a:r>
-                        <a:rPr lang="es-CO" sz="1600" noProof="0" dirty="0"/>
-                        <a:t>Tipo de ojo biológico</a:t>
-                      </a:r>
-                    </a:p>
-                  </a:txBody>
-                  <a:tcPr marL="45057" marR="45057" marT="22529" marB="22529" anchor="ctr">
-                    <a:lnL>
-                      <a:noFill/>
-                    </a:lnL>
-                    <a:lnR>
-                      <a:noFill/>
-                    </a:lnR>
-                    <a:lnT>
-                      <a:noFill/>
-                    </a:lnT>
-                    <a:lnB>
-                      <a:noFill/>
-                    </a:lnB>
-                    <a:noFill/>
-                  </a:tcPr>
-                </a:tc>
-                <a:tc>
-                  <a:txBody>
-                    <a:bodyPr/>
-                    <a:lstStyle/>
-                    <a:p>
-                      <a:pPr>
-                        <a:buNone/>
-                      </a:pPr>
-                      <a:r>
-                        <a:rPr lang="es-CO" sz="1600" noProof="0" dirty="0"/>
-                        <a:t>Analogía tecnológica</a:t>
-                      </a:r>
-                    </a:p>
-                  </a:txBody>
-                  <a:tcPr marL="45057" marR="45057" marT="22529" marB="22529" anchor="ctr">
-                    <a:lnL>
-                      <a:noFill/>
-                    </a:lnL>
-                    <a:lnR>
-                      <a:noFill/>
-                    </a:lnR>
-                    <a:lnT>
-                      <a:noFill/>
-                    </a:lnT>
-                    <a:lnB>
-                      <a:noFill/>
-                    </a:lnB>
-                    <a:noFill/>
-                  </a:tcPr>
-                </a:tc>
-                <a:tc>
-                  <a:txBody>
-                    <a:bodyPr/>
-                    <a:lstStyle/>
-                    <a:p>
-                      <a:pPr>
-                        <a:buNone/>
-                      </a:pPr>
-                      <a:r>
-                        <a:rPr lang="es-CO" sz="1600" noProof="0" dirty="0"/>
-                        <a:t>Explicación breve</a:t>
-                      </a:r>
-                    </a:p>
-                  </a:txBody>
-                  <a:tcPr marL="45057" marR="45057" marT="22529" marB="22529" anchor="ctr">
-                    <a:lnL>
-                      <a:noFill/>
-                    </a:lnL>
-                    <a:lnR>
-                      <a:noFill/>
-                    </a:lnR>
-                    <a:lnT>
-                      <a:noFill/>
-                    </a:lnT>
-                    <a:lnB>
-                      <a:noFill/>
-                    </a:lnB>
-                    <a:noFill/>
-                  </a:tcPr>
-                </a:tc>
-                <a:extLst>
-                  <a:ext uri="{0D108BD9-81ED-4DB2-BD59-A6C34878D82A}">
-                    <a16:rowId xmlns:a16="http://schemas.microsoft.com/office/drawing/2014/main" val="1584509934"/>
-                  </a:ext>
-                </a:extLst>
-              </a:tr>
-              <a:tr h="795625">
-                <a:tc>
-                  <a:txBody>
-                    <a:bodyPr/>
-                    <a:lstStyle/>
-                    <a:p>
-                      <a:pPr>
-                        <a:buNone/>
-                      </a:pPr>
-                      <a:r>
-                        <a:rPr lang="es-CO" sz="1600" noProof="0" dirty="0"/>
-                        <a:t>🟣 </a:t>
-                      </a:r>
-                      <a:r>
-                        <a:rPr lang="es-CO" sz="1600" b="1" noProof="0" dirty="0"/>
-                        <a:t>Ocelo</a:t>
-                      </a:r>
-                      <a:r>
-                        <a:rPr lang="es-CO" sz="1600" noProof="0" dirty="0"/>
-                        <a:t> (ojo simple primitivo)</a:t>
-                      </a:r>
-                    </a:p>
-                  </a:txBody>
-                  <a:tcPr marL="45057" marR="45057" marT="22529" marB="22529" anchor="ctr">
-                    <a:lnL>
-                      <a:noFill/>
-                    </a:lnL>
-                    <a:lnR>
-                      <a:noFill/>
-                    </a:lnR>
-                    <a:lnT>
-                      <a:noFill/>
-                    </a:lnT>
-                    <a:lnB>
-                      <a:noFill/>
-                    </a:lnB>
-                    <a:noFill/>
-                  </a:tcPr>
-                </a:tc>
-                <a:tc>
-                  <a:txBody>
-                    <a:bodyPr/>
-                    <a:lstStyle/>
-                    <a:p>
-                      <a:pPr>
-                        <a:buNone/>
-                      </a:pPr>
-                      <a:r>
-                        <a:rPr lang="es-CO" sz="1600" noProof="0" dirty="0"/>
-                        <a:t>🔋 </a:t>
-                      </a:r>
-                      <a:r>
-                        <a:rPr lang="es-CO" sz="1600" b="1" noProof="0" dirty="0"/>
-                        <a:t>Fotocelda</a:t>
-                      </a:r>
-                      <a:r>
-                        <a:rPr lang="es-CO" sz="1600" noProof="0" dirty="0"/>
-                        <a:t> (sensor de luz)</a:t>
-                      </a:r>
-                    </a:p>
-                  </a:txBody>
-                  <a:tcPr marL="45057" marR="45057" marT="22529" marB="22529" anchor="ctr">
-                    <a:lnL>
-                      <a:noFill/>
-                    </a:lnL>
-                    <a:lnR>
-                      <a:noFill/>
-                    </a:lnR>
-                    <a:lnT>
-                      <a:noFill/>
-                    </a:lnT>
-                    <a:lnB>
-                      <a:noFill/>
-                    </a:lnB>
-                    <a:noFill/>
-                  </a:tcPr>
-                </a:tc>
-                <a:tc>
-                  <a:txBody>
-                    <a:bodyPr/>
-                    <a:lstStyle/>
-                    <a:p>
-                      <a:pPr>
-                        <a:buNone/>
-                      </a:pPr>
-                      <a:r>
-                        <a:rPr lang="es-CO" sz="1600" noProof="0" dirty="0"/>
-                        <a:t>Detecta si hay luz o sombra, sin formar imágenes</a:t>
-                      </a:r>
-                    </a:p>
-                  </a:txBody>
-                  <a:tcPr marL="45057" marR="45057" marT="22529" marB="22529" anchor="ctr">
-                    <a:lnL>
-                      <a:noFill/>
-                    </a:lnL>
-                    <a:lnR>
-                      <a:noFill/>
-                    </a:lnR>
-                    <a:lnT>
-                      <a:noFill/>
-                    </a:lnT>
-                    <a:lnB>
-                      <a:noFill/>
-                    </a:lnB>
-                    <a:noFill/>
-                  </a:tcPr>
-                </a:tc>
-                <a:extLst>
-                  <a:ext uri="{0D108BD9-81ED-4DB2-BD59-A6C34878D82A}">
-                    <a16:rowId xmlns:a16="http://schemas.microsoft.com/office/drawing/2014/main" val="405549022"/>
-                  </a:ext>
-                </a:extLst>
-              </a:tr>
-              <a:tr h="1137313">
-                <a:tc>
-                  <a:txBody>
-                    <a:bodyPr/>
-                    <a:lstStyle/>
-                    <a:p>
-                      <a:pPr>
-                        <a:buNone/>
-                      </a:pPr>
-                      <a:r>
-                        <a:rPr lang="es-CO" sz="1600" noProof="0" dirty="0"/>
-                        <a:t>🟢 </a:t>
-                      </a:r>
-                      <a:r>
-                        <a:rPr lang="es-CO" sz="1600" b="1" noProof="0" dirty="0"/>
-                        <a:t>Ojo compuesto</a:t>
-                      </a:r>
-                      <a:r>
-                        <a:rPr lang="es-CO" sz="1600" noProof="0" dirty="0"/>
-                        <a:t> (con omatidios)</a:t>
-                      </a:r>
-                    </a:p>
-                  </a:txBody>
-                  <a:tcPr marL="45057" marR="45057" marT="22529" marB="22529" anchor="ctr">
-                    <a:lnL>
-                      <a:noFill/>
-                    </a:lnL>
-                    <a:lnR>
-                      <a:noFill/>
-                    </a:lnR>
-                    <a:lnT>
-                      <a:noFill/>
-                    </a:lnT>
-                    <a:lnB>
-                      <a:noFill/>
-                    </a:lnB>
-                    <a:noFill/>
-                  </a:tcPr>
-                </a:tc>
-                <a:tc>
-                  <a:txBody>
-                    <a:bodyPr/>
-                    <a:lstStyle/>
-                    <a:p>
-                      <a:pPr>
-                        <a:buNone/>
-                      </a:pPr>
-                      <a:r>
-                        <a:rPr lang="es-CO" sz="1600" noProof="0" dirty="0"/>
-                        <a:t>🧩 </a:t>
-                      </a:r>
-                      <a:r>
-                        <a:rPr lang="es-CO" sz="1600" b="1" noProof="0" dirty="0"/>
-                        <a:t>Matriz de fotoceldas</a:t>
-                      </a:r>
-                      <a:r>
-                        <a:rPr lang="es-CO" sz="1600" noProof="0" dirty="0"/>
-                        <a:t> en conos orientados</a:t>
-                      </a:r>
-                    </a:p>
-                  </a:txBody>
-                  <a:tcPr marL="45057" marR="45057" marT="22529" marB="22529" anchor="ctr">
-                    <a:lnL>
-                      <a:noFill/>
-                    </a:lnL>
-                    <a:lnR>
-                      <a:noFill/>
-                    </a:lnR>
-                    <a:lnT>
-                      <a:noFill/>
-                    </a:lnT>
-                    <a:lnB>
-                      <a:noFill/>
-                    </a:lnB>
-                    <a:noFill/>
-                  </a:tcPr>
-                </a:tc>
-                <a:tc>
-                  <a:txBody>
-                    <a:bodyPr/>
-                    <a:lstStyle/>
-                    <a:p>
-                      <a:pPr>
-                        <a:buNone/>
-                      </a:pPr>
-                      <a:r>
-                        <a:rPr lang="es-CO" sz="1600" noProof="0" dirty="0"/>
-                        <a:t>Cada omatidio es como una pequeña celda que mira una dirección</a:t>
-                      </a:r>
-                    </a:p>
-                  </a:txBody>
-                  <a:tcPr marL="45057" marR="45057" marT="22529" marB="22529" anchor="ctr">
-                    <a:lnL>
-                      <a:noFill/>
-                    </a:lnL>
-                    <a:lnR>
-                      <a:noFill/>
-                    </a:lnR>
-                    <a:lnT>
-                      <a:noFill/>
-                    </a:lnT>
-                    <a:lnB>
-                      <a:noFill/>
-                    </a:lnB>
-                    <a:noFill/>
-                  </a:tcPr>
-                </a:tc>
-                <a:extLst>
-                  <a:ext uri="{0D108BD9-81ED-4DB2-BD59-A6C34878D82A}">
-                    <a16:rowId xmlns:a16="http://schemas.microsoft.com/office/drawing/2014/main" val="3662662770"/>
-                  </a:ext>
-                </a:extLst>
-              </a:tr>
-              <a:tr h="795625">
-                <a:tc>
-                  <a:txBody>
-                    <a:bodyPr/>
-                    <a:lstStyle/>
-                    <a:p>
-                      <a:pPr>
-                        <a:buNone/>
-                      </a:pPr>
-                      <a:r>
-                        <a:rPr lang="es-CO" sz="1600" noProof="0" dirty="0"/>
-                        <a:t>🔵 </a:t>
-                      </a:r>
-                      <a:r>
-                        <a:rPr lang="es-CO" sz="1600" b="1" noProof="0" dirty="0"/>
-                        <a:t>Ojo de cámara y lente</a:t>
-                      </a:r>
-                      <a:endParaRPr lang="es-CO" sz="1600" noProof="0" dirty="0"/>
-                    </a:p>
-                  </a:txBody>
-                  <a:tcPr marL="45057" marR="45057" marT="22529" marB="22529" anchor="ctr">
-                    <a:lnL>
-                      <a:noFill/>
-                    </a:lnL>
-                    <a:lnR>
-                      <a:noFill/>
-                    </a:lnR>
-                    <a:lnT>
-                      <a:noFill/>
-                    </a:lnT>
-                    <a:lnB>
-                      <a:noFill/>
-                    </a:lnB>
-                    <a:noFill/>
-                  </a:tcPr>
-                </a:tc>
-                <a:tc>
-                  <a:txBody>
-                    <a:bodyPr/>
-                    <a:lstStyle/>
-                    <a:p>
-                      <a:pPr>
-                        <a:buNone/>
-                      </a:pPr>
-                      <a:r>
-                        <a:rPr lang="es-CO" sz="1600" noProof="0" dirty="0"/>
-                        <a:t>📷 </a:t>
-                      </a:r>
-                      <a:r>
-                        <a:rPr lang="es-CO" sz="1600" b="1" noProof="0" dirty="0"/>
-                        <a:t>Cámara digital con lente y sensor</a:t>
-                      </a:r>
-                      <a:endParaRPr lang="es-CO" sz="1600" noProof="0" dirty="0"/>
-                    </a:p>
-                  </a:txBody>
-                  <a:tcPr marL="45057" marR="45057" marT="22529" marB="22529" anchor="ctr">
-                    <a:lnL>
-                      <a:noFill/>
-                    </a:lnL>
-                    <a:lnR>
-                      <a:noFill/>
-                    </a:lnR>
-                    <a:lnT>
-                      <a:noFill/>
-                    </a:lnT>
-                    <a:lnB>
-                      <a:noFill/>
-                    </a:lnB>
-                    <a:noFill/>
-                  </a:tcPr>
-                </a:tc>
-                <a:tc>
-                  <a:txBody>
-                    <a:bodyPr/>
-                    <a:lstStyle/>
-                    <a:p>
-                      <a:pPr>
-                        <a:buNone/>
-                      </a:pPr>
-                      <a:r>
-                        <a:rPr lang="es-CO" sz="1600" noProof="0" dirty="0"/>
-                        <a:t>La lente enfoca y la retina es como un sensor CMOS/CCD</a:t>
-                      </a:r>
-                    </a:p>
-                  </a:txBody>
-                  <a:tcPr marL="45057" marR="45057" marT="22529" marB="22529" anchor="ctr">
-                    <a:lnL>
-                      <a:noFill/>
-                    </a:lnL>
-                    <a:lnR>
-                      <a:noFill/>
-                    </a:lnR>
-                    <a:lnT>
-                      <a:noFill/>
-                    </a:lnT>
-                    <a:lnB>
-                      <a:noFill/>
-                    </a:lnB>
-                    <a:noFill/>
-                  </a:tcPr>
-                </a:tc>
-                <a:extLst>
-                  <a:ext uri="{0D108BD9-81ED-4DB2-BD59-A6C34878D82A}">
-                    <a16:rowId xmlns:a16="http://schemas.microsoft.com/office/drawing/2014/main" val="1360553643"/>
-                  </a:ext>
-                </a:extLst>
-              </a:tr>
-            </a:tbl>
-          </a:graphicData>
-        </a:graphic>
-      </p:graphicFrame>
-      <p:pic>
-        <p:nvPicPr>
-          <p:cNvPr id="3074" name="Picture 2" descr="image">
-            <a:extLst>
-              <a:ext uri="{FF2B5EF4-FFF2-40B4-BE49-F238E27FC236}">
-                <a16:creationId xmlns:a16="http://schemas.microsoft.com/office/drawing/2014/main" id="{815714B9-2106-482D-E478-5A275AEC12B7}"/>
-              </a:ext>
-            </a:extLst>
-          </p:cNvPr>
-          <p:cNvPicPr>
-            <a:picLocks noChangeAspect="1" noChangeArrowheads="1"/>
-          </p:cNvPicPr>
-          <p:nvPr/>
-        </p:nvPicPr>
-        <p:blipFill>
-          <a:blip r:embed="rId2">
-            <a:extLst>
-              <a:ext uri="{28A0092B-C50C-407E-A947-70E740481C1C}">
-                <a14:useLocalDpi xmlns:a14="http://schemas.microsoft.com/office/drawing/2010/main" val="0"/>
-              </a:ext>
-            </a:extLst>
-          </a:blip>
-          <a:srcRect/>
-          <a:stretch>
-            <a:fillRect/>
-          </a:stretch>
-        </p:blipFill>
-        <p:spPr bwMode="auto">
-          <a:xfrm>
-            <a:off x="944336" y="4701173"/>
-            <a:ext cx="1943100" cy="2247900"/>
-          </a:xfrm>
-          <a:prstGeom prst="rect">
-            <a:avLst/>
-          </a:prstGeom>
-          <a:noFill/>
-          <a:extLst>
-            <a:ext uri="{909E8E84-426E-40DD-AFC4-6F175D3DCCD1}">
-              <a14:hiddenFill xmlns:a14="http://schemas.microsoft.com/office/drawing/2010/main">
-                <a:solidFill>
-                  <a:srgbClr val="FFFFFF"/>
-                </a:solidFill>
-              </a14:hiddenFill>
-            </a:ext>
-          </a:extLst>
-        </p:spPr>
-      </p:pic>
-      <p:sp>
-        <p:nvSpPr>
-          <p:cNvPr id="6" name="Rectangle 3">
-            <a:extLst>
-              <a:ext uri="{FF2B5EF4-FFF2-40B4-BE49-F238E27FC236}">
-                <a16:creationId xmlns:a16="http://schemas.microsoft.com/office/drawing/2014/main" id="{82EA8AA6-A4D1-2AAC-3203-6143ACA0B435}"/>
-              </a:ext>
-            </a:extLst>
-          </p:cNvPr>
-          <p:cNvSpPr>
-            <a:spLocks noChangeArrowheads="1"/>
-          </p:cNvSpPr>
-          <p:nvPr/>
-        </p:nvSpPr>
-        <p:spPr bwMode="auto">
-          <a:xfrm>
-            <a:off x="-1" y="338648"/>
-            <a:ext cx="22847193" cy="461665"/>
-          </a:xfrm>
-          <a:prstGeom prst="rect">
-            <a:avLst/>
-          </a:prstGeom>
-          <a:noFill/>
-          <a:ln>
-            <a:noFill/>
-          </a:ln>
-          <a:effectLst/>
-          <a:extLst>
-            <a:ext uri="{909E8E84-426E-40DD-AFC4-6F175D3DCCD1}">
-              <a14:hiddenFill xmlns:a14="http://schemas.microsoft.com/office/drawing/2010/main">
-                <a:solidFill>
-                  <a:schemeClr val="accent1"/>
-                </a:solidFill>
-              </a14:hiddenFill>
-            </a:ext>
-            <a:ext uri="{91240B29-F687-4F45-9708-019B960494DF}">
-              <a14:hiddenLine xmlns:a14="http://schemas.microsoft.com/office/drawing/2010/main" w="9525">
-                <a:solidFill>
-                  <a:schemeClr val="tx1"/>
-                </a:solidFill>
-                <a:miter lim="800000"/>
-                <a:headEnd/>
-                <a:tailEnd/>
-              </a14:hiddenLine>
-            </a:ext>
-            <a:ext uri="{AF507438-7753-43E0-B8FC-AC1667EBCBE1}">
-              <a14:hiddenEffects xmlns:a14="http://schemas.microsoft.com/office/drawing/2010/main">
-                <a:effectLst>
-                  <a:outerShdw dist="35921" dir="2700000" algn="ctr" rotWithShape="0">
-                    <a:schemeClr val="bg2"/>
-                  </a:outerShdw>
-                </a:effectLst>
-              </a14:hiddenEffects>
-            </a:ext>
-          </a:extLst>
-        </p:spPr>
-        <p:txBody>
-          <a:bodyPr vert="horz" wrap="square" lIns="91440" tIns="45720" rIns="91440" bIns="45720" numCol="1" anchor="ctr" anchorCtr="0" compatLnSpc="1">
-            <a:prstTxWarp prst="textNoShape">
-              <a:avLst/>
-            </a:prstTxWarp>
-            <a:spAutoFit/>
-          </a:bodyPr>
-          <a:lstStyle/>
-          <a:p>
-            <a:pPr marL="0" marR="0" lvl="0" indent="0" algn="l" defTabSz="914400" rtl="0" eaLnBrk="0" fontAlgn="base" latinLnBrk="0" hangingPunct="0">
-              <a:lnSpc>
-                <a:spcPct val="100000"/>
-              </a:lnSpc>
-              <a:spcBef>
-                <a:spcPct val="0"/>
-              </a:spcBef>
-              <a:spcAft>
-                <a:spcPct val="0"/>
-              </a:spcAft>
-              <a:buClrTx/>
-              <a:buSzTx/>
-              <a:buFontTx/>
-              <a:buNone/>
-              <a:tabLst/>
-            </a:pPr>
-            <a:r>
-              <a:rPr kumimoji="0" lang="es-CO" sz="600" b="1" i="0" u="none" strike="noStrike" cap="none" normalizeH="0" baseline="0" noProof="0" dirty="0">
-                <a:ln>
-                  <a:noFill/>
-                </a:ln>
-                <a:solidFill>
-                  <a:schemeClr val="tx1"/>
-                </a:solidFill>
-                <a:effectLst/>
-                <a:latin typeface="Arial" panose="020B0604020202020204" pitchFamily="34" charset="0"/>
-              </a:rPr>
-              <a:t>Analogía tecnológica para entender los tipos de ojos</a:t>
-            </a:r>
-          </a:p>
-          <a:p>
-            <a:pPr marL="0" marR="0" lvl="0" indent="0" algn="l" defTabSz="914400" rtl="0" eaLnBrk="0" fontAlgn="base" latinLnBrk="0" hangingPunct="0">
-              <a:lnSpc>
-                <a:spcPct val="100000"/>
-              </a:lnSpc>
-              <a:spcBef>
-                <a:spcPct val="0"/>
-              </a:spcBef>
-              <a:spcAft>
-                <a:spcPct val="0"/>
-              </a:spcAft>
-              <a:buClrTx/>
-              <a:buSzTx/>
-              <a:buFontTx/>
-              <a:buNone/>
-              <a:tabLst/>
-            </a:pPr>
-            <a:endParaRPr kumimoji="0" lang="es-CO" sz="1800" b="0" i="0" u="none" strike="noStrike" cap="none" normalizeH="0" baseline="0" noProof="0" dirty="0">
-              <a:ln>
-                <a:noFill/>
-              </a:ln>
-              <a:solidFill>
-                <a:schemeClr val="tx1"/>
-              </a:solidFill>
-              <a:effectLst/>
-              <a:latin typeface="Arial" panose="020B0604020202020204" pitchFamily="34" charset="0"/>
-            </a:endParaRPr>
-          </a:p>
-        </p:txBody>
-      </p:sp>
-    </p:spTree>
-    <p:extLst>
-      <p:ext uri="{BB962C8B-B14F-4D97-AF65-F5344CB8AC3E}">
-        <p14:creationId xmlns:p14="http://schemas.microsoft.com/office/powerpoint/2010/main" val="3727688068"/>
-      </p:ext>
-    </p:extLst>
-  </p:cSld>
-  <p:clrMapOvr>
-    <a:masterClrMapping/>
-  </p:clrMapOvr>
-</p:sld>
-</file>
-
-<file path=ppt/slides/slide6.xml><?xml version="1.0" encoding="utf-8"?>
-<p:sld xmlns:a="http://schemas.openxmlformats.org/drawingml/2006/main" xmlns:r="http://schemas.openxmlformats.org/officeDocument/2006/relationships" xmlns:p="http://schemas.openxmlformats.org/presentationml/2006/main">
-  <p:cSld>
-    <p:spTree>
-      <p:nvGrpSpPr>
-        <p:cNvPr id="1" name=""/>
-        <p:cNvGrpSpPr/>
-        <p:nvPr/>
-      </p:nvGrpSpPr>
-      <p:grpSpPr>
-        <a:xfrm>
-          <a:off x="0" y="0"/>
-          <a:ext cx="0" cy="0"/>
-          <a:chOff x="0" y="0"/>
-          <a:chExt cx="0" cy="0"/>
-        </a:xfrm>
-      </p:grpSpPr>
       <p:pic>
         <p:nvPicPr>
           <p:cNvPr id="5" name="Picture 4">
@@ -8393,7 +7676,7 @@
 </p:sld>
 </file>
 
-<file path=ppt/slides/slide7.xml><?xml version="1.0" encoding="utf-8"?>
+<file path=ppt/slides/slide6.xml><?xml version="1.0" encoding="utf-8"?>
 <p:sld xmlns:a="http://schemas.openxmlformats.org/drawingml/2006/main" xmlns:r="http://schemas.openxmlformats.org/officeDocument/2006/relationships" xmlns:p="http://schemas.openxmlformats.org/presentationml/2006/main">
   <p:cSld>
     <p:spTree>
@@ -11570,7 +10853,7 @@
 </p:sld>
 </file>
 
-<file path=ppt/slides/slide8.xml><?xml version="1.0" encoding="utf-8"?>
+<file path=ppt/slides/slide7.xml><?xml version="1.0" encoding="utf-8"?>
 <p:sld xmlns:a="http://schemas.openxmlformats.org/drawingml/2006/main" xmlns:r="http://schemas.openxmlformats.org/officeDocument/2006/relationships" xmlns:p="http://schemas.openxmlformats.org/presentationml/2006/main">
   <p:cSld>
     <p:spTree>
@@ -11637,14 +10920,14 @@
             <p:ph idx="1"/>
             <p:extLst>
               <p:ext uri="{D42A27DB-BD31-4B8C-83A1-F6EECF244321}">
-                <p14:modId xmlns:p14="http://schemas.microsoft.com/office/powerpoint/2010/main" val="2060891815"/>
+                <p14:modId xmlns:p14="http://schemas.microsoft.com/office/powerpoint/2010/main" val="3764248104"/>
               </p:ext>
             </p:extLst>
           </p:nvPr>
         </p:nvGraphicFramePr>
         <p:xfrm>
           <a:off x="467656" y="758825"/>
-          <a:ext cx="11495742" cy="5891838"/>
+          <a:ext cx="11495742" cy="5797098"/>
         </p:xfrm>
         <a:graphic>
           <a:graphicData uri="http://schemas.openxmlformats.org/drawingml/2006/table">
@@ -12195,8 +11478,8 @@
                         <a:buNone/>
                       </a:pPr>
                       <a:r>
-                        <a:rPr lang="en-US" sz="1600"/>
-                        <a:t>❌ No</a:t>
+                        <a:rPr lang="en-US" sz="1600" dirty="0"/>
+                        <a:t>No</a:t>
                       </a:r>
                     </a:p>
                   </a:txBody>
@@ -12527,9 +11810,10 @@
                         <a:buNone/>
                       </a:pPr>
                       <a:r>
-                        <a:rPr lang="en-US" sz="1600"/>
-                        <a:t>✅ Sí</a:t>
-                      </a:r>
+                        <a:rPr lang="en-US" sz="1600" dirty="0" err="1"/>
+                        <a:t>Sí</a:t>
+                      </a:r>
+                      <a:endParaRPr lang="en-US" sz="1600" dirty="0"/>
                     </a:p>
                   </a:txBody>
                   <a:tcPr marL="53065" marR="53065" marT="26533" marB="26533" anchor="ctr">
@@ -12859,8 +12143,8 @@
                         <a:buNone/>
                       </a:pPr>
                       <a:r>
-                        <a:rPr lang="en-US" sz="1600"/>
-                        <a:t>❌ No</a:t>
+                        <a:rPr lang="en-US" sz="1600" dirty="0"/>
+                        <a:t>No</a:t>
                       </a:r>
                     </a:p>
                   </a:txBody>
@@ -13191,8 +12475,8 @@
                         <a:buNone/>
                       </a:pPr>
                       <a:r>
-                        <a:rPr lang="en-US" sz="1600"/>
-                        <a:t>❌ No</a:t>
+                        <a:rPr lang="en-US" sz="1600" dirty="0"/>
+                        <a:t>No</a:t>
                       </a:r>
                     </a:p>
                   </a:txBody>
@@ -13544,8 +12828,8 @@
                         <a:buNone/>
                       </a:pPr>
                       <a:r>
-                        <a:rPr lang="es-MX" sz="1600"/>
-                        <a:t>❌ No (más allá del RGB)</a:t>
+                        <a:rPr lang="es-MX" sz="1600" dirty="0"/>
+                        <a:t>No (más allá del RGB)</a:t>
                       </a:r>
                     </a:p>
                   </a:txBody>
@@ -13890,8 +13174,20 @@
                         <a:buNone/>
                       </a:pPr>
                       <a:r>
-                        <a:rPr lang="en-US" sz="1600"/>
-                        <a:t>🟡 Parcialmente (con filtros)</a:t>
+                        <a:rPr lang="en-US" sz="1600" dirty="0" err="1"/>
+                        <a:t>Parcialmente</a:t>
+                      </a:r>
+                      <a:r>
+                        <a:rPr lang="en-US" sz="1600" dirty="0"/>
+                        <a:t> (con </a:t>
+                      </a:r>
+                      <a:r>
+                        <a:rPr lang="en-US" sz="1600" dirty="0" err="1"/>
+                        <a:t>filtros</a:t>
+                      </a:r>
+                      <a:r>
+                        <a:rPr lang="en-US" sz="1600" dirty="0"/>
+                        <a:t>)</a:t>
                       </a:r>
                     </a:p>
                   </a:txBody>
@@ -14320,7 +13616,7 @@
                           <a:ea typeface="+mn-ea"/>
                           <a:cs typeface="+mn-cs"/>
                         </a:rPr>
-                        <a:t>❌ No </a:t>
+                        <a:t>No </a:t>
                       </a:r>
                       <a:r>
                         <a:rPr lang="en-US" sz="1600" kern="1200" dirty="0" err="1">

--- a/image_manipulation/Intro_Ojos.pptx
+++ b/image_manipulation/Intro_Ojos.pptx
@@ -7,11 +7,12 @@
   <p:sldIdLst>
     <p:sldId id="256" r:id="rId2"/>
     <p:sldId id="257" r:id="rId3"/>
-    <p:sldId id="258" r:id="rId4"/>
-    <p:sldId id="259" r:id="rId5"/>
-    <p:sldId id="262" r:id="rId6"/>
-    <p:sldId id="263" r:id="rId7"/>
-    <p:sldId id="264" r:id="rId8"/>
+    <p:sldId id="262" r:id="rId4"/>
+    <p:sldId id="264" r:id="rId5"/>
+    <p:sldId id="263" r:id="rId6"/>
+    <p:sldId id="258" r:id="rId7"/>
+    <p:sldId id="259" r:id="rId8"/>
+    <p:sldId id="265" r:id="rId9"/>
   </p:sldIdLst>
   <p:sldSz cx="12192000" cy="6858000"/>
   <p:notesSz cx="6858000" cy="9144000"/>
@@ -3461,10 +3462,51 @@
           <a:p>
             <a:r>
               <a:rPr lang="es-CO" noProof="0" dirty="0"/>
+              <a:t>Visión en el reino Animal</a:t>
+            </a:r>
+          </a:p>
+          <a:p>
+            <a:pPr lvl="1"/>
+            <a:r>
+              <a:rPr lang="es-CO" noProof="0" dirty="0"/>
+              <a:t>Un Ocelo</a:t>
+            </a:r>
+          </a:p>
+          <a:p>
+            <a:pPr lvl="1"/>
+            <a:r>
+              <a:rPr lang="es-CO" noProof="0" dirty="0"/>
+              <a:t>Compuesto de Omatidios</a:t>
+            </a:r>
+          </a:p>
+          <a:p>
+            <a:pPr lvl="1"/>
+            <a:r>
+              <a:rPr lang="es-CO" noProof="0" dirty="0"/>
+              <a:t>Ojos con lente, cámara y retina</a:t>
+            </a:r>
+          </a:p>
+          <a:p>
+            <a:r>
+              <a:rPr lang="es-CO" noProof="0" dirty="0"/>
+              <a:t>Color</a:t>
+            </a:r>
+          </a:p>
+          <a:p>
+            <a:r>
+              <a:rPr lang="es-CO" noProof="0" dirty="0"/>
+              <a:t>Profundidad</a:t>
+            </a:r>
+          </a:p>
+          <a:p>
+            <a:pPr lvl="1"/>
+            <a:r>
+              <a:rPr lang="es-CO" noProof="0" dirty="0"/>
               <a:t>Ultrasonido</a:t>
             </a:r>
           </a:p>
           <a:p>
+            <a:pPr lvl="1"/>
             <a:r>
               <a:rPr lang="es-CO" noProof="0" dirty="0" err="1"/>
               <a:t>LiDAR</a:t>
@@ -3472,44 +3514,16 @@
             <a:endParaRPr lang="es-CO" noProof="0" dirty="0"/>
           </a:p>
           <a:p>
-            <a:r>
-              <a:rPr lang="es-CO" noProof="0" dirty="0"/>
-              <a:t>Visión en el reino Animal</a:t>
-            </a:r>
-          </a:p>
-          <a:p>
             <a:pPr lvl="1"/>
             <a:r>
-              <a:rPr lang="es-CO" noProof="0" dirty="0"/>
-              <a:t>Un Ocelo</a:t>
+              <a:rPr lang="es-CO" dirty="0"/>
+              <a:t>Estereopsis</a:t>
             </a:r>
+            <a:endParaRPr lang="es-CO" noProof="0" dirty="0"/>
           </a:p>
           <a:p>
             <a:pPr lvl="1"/>
-            <a:r>
-              <a:rPr lang="es-CO" noProof="0" dirty="0"/>
-              <a:t>Compuesto de Omatidios</a:t>
-            </a:r>
-          </a:p>
-          <a:p>
-            <a:pPr lvl="1"/>
-            <a:r>
-              <a:rPr lang="es-CO" noProof="0" dirty="0"/>
-              <a:t>Ojos con lente, cámara y retina</a:t>
-            </a:r>
-            <a:endParaRPr lang="es-CO" dirty="0"/>
-          </a:p>
-          <a:p>
-            <a:r>
-              <a:rPr lang="es-CO" noProof="0" dirty="0"/>
-              <a:t>Profundidad</a:t>
-            </a:r>
-          </a:p>
-          <a:p>
-            <a:r>
-              <a:rPr lang="es-CO" noProof="0" dirty="0"/>
-              <a:t>Color</a:t>
-            </a:r>
+            <a:endParaRPr lang="es-CO" noProof="0" dirty="0"/>
           </a:p>
         </p:txBody>
       </p:sp>
@@ -3527,1412 +3541,6 @@
 </file>
 
 <file path=ppt/slides/slide3.xml><?xml version="1.0" encoding="utf-8"?>
-<p:sld xmlns:a="http://schemas.openxmlformats.org/drawingml/2006/main" xmlns:r="http://schemas.openxmlformats.org/officeDocument/2006/relationships" xmlns:p="http://schemas.openxmlformats.org/presentationml/2006/main">
-  <p:cSld>
-    <p:spTree>
-      <p:nvGrpSpPr>
-        <p:cNvPr id="1" name=""/>
-        <p:cNvGrpSpPr/>
-        <p:nvPr/>
-      </p:nvGrpSpPr>
-      <p:grpSpPr>
-        <a:xfrm>
-          <a:off x="0" y="0"/>
-          <a:ext cx="0" cy="0"/>
-          <a:chOff x="0" y="0"/>
-          <a:chExt cx="0" cy="0"/>
-        </a:xfrm>
-      </p:grpSpPr>
-      <p:sp>
-        <p:nvSpPr>
-          <p:cNvPr id="6" name="Title 5">
-            <a:extLst>
-              <a:ext uri="{FF2B5EF4-FFF2-40B4-BE49-F238E27FC236}">
-                <a16:creationId xmlns:a16="http://schemas.microsoft.com/office/drawing/2014/main" id="{B8A1A04E-DC91-E989-E7D5-69D98B4AA4D4}"/>
-              </a:ext>
-            </a:extLst>
-          </p:cNvPr>
-          <p:cNvSpPr>
-            <a:spLocks noGrp="1"/>
-          </p:cNvSpPr>
-          <p:nvPr>
-            <p:ph type="title"/>
-          </p:nvPr>
-        </p:nvSpPr>
-        <p:spPr/>
-        <p:txBody>
-          <a:bodyPr/>
-          <a:lstStyle/>
-          <a:p>
-            <a:r>
-              <a:rPr lang="es-CO" noProof="0" dirty="0"/>
-              <a:t>SENSOR DE ULTRASONIDO</a:t>
-            </a:r>
-          </a:p>
-        </p:txBody>
-      </p:sp>
-      <p:sp>
-        <p:nvSpPr>
-          <p:cNvPr id="7" name="Content Placeholder 6">
-            <a:extLst>
-              <a:ext uri="{FF2B5EF4-FFF2-40B4-BE49-F238E27FC236}">
-                <a16:creationId xmlns:a16="http://schemas.microsoft.com/office/drawing/2014/main" id="{F94B07B4-AF9B-1B20-0FBE-2FF0F7043656}"/>
-              </a:ext>
-            </a:extLst>
-          </p:cNvPr>
-          <p:cNvSpPr>
-            <a:spLocks noGrp="1"/>
-          </p:cNvSpPr>
-          <p:nvPr>
-            <p:ph sz="half" idx="2"/>
-          </p:nvPr>
-        </p:nvSpPr>
-        <p:spPr/>
-        <p:txBody>
-          <a:bodyPr>
-            <a:normAutofit lnSpcReduction="10000"/>
-          </a:bodyPr>
-          <a:lstStyle/>
-          <a:p>
-            <a:r>
-              <a:rPr lang="es-CO" sz="1600" noProof="0" dirty="0"/>
-              <a:t>Ventajas</a:t>
-            </a:r>
-          </a:p>
-          <a:p>
-            <a:pPr lvl="1"/>
-            <a:r>
-              <a:rPr lang="es-CO" sz="1600" noProof="0" dirty="0"/>
-              <a:t>Bajo costo</a:t>
-            </a:r>
-          </a:p>
-          <a:p>
-            <a:pPr lvl="1"/>
-            <a:r>
-              <a:rPr lang="es-CO" sz="1600" noProof="0" dirty="0"/>
-              <a:t>No depende de la luz (funciona en la oscuridad)</a:t>
-            </a:r>
-          </a:p>
-          <a:p>
-            <a:pPr lvl="1"/>
-            <a:r>
-              <a:rPr lang="es-CO" sz="1600" noProof="0" dirty="0"/>
-              <a:t>Fácil de implementar</a:t>
-            </a:r>
-          </a:p>
-          <a:p>
-            <a:r>
-              <a:rPr lang="es-CO" sz="1600" noProof="0" dirty="0"/>
-              <a:t> Limitaciones y defectos</a:t>
-            </a:r>
-          </a:p>
-          <a:p>
-            <a:pPr lvl="1"/>
-            <a:r>
-              <a:rPr lang="es-CO" sz="1600" noProof="0" dirty="0"/>
-              <a:t>No direccional: Las ondas se dispersan en un ángulo amplio (~30°), dificultando precisión.</a:t>
-            </a:r>
-          </a:p>
-          <a:p>
-            <a:pPr lvl="1"/>
-            <a:r>
-              <a:rPr lang="es-CO" sz="1600" noProof="0" dirty="0"/>
-              <a:t>Rebotes falsos: Superficies anguladas reflejan el eco en otra.</a:t>
-            </a:r>
-          </a:p>
-          <a:p>
-            <a:pPr lvl="1"/>
-            <a:r>
-              <a:rPr lang="es-CO" sz="1600" noProof="0" dirty="0"/>
-              <a:t>Interferencias: Otros sonidos o sensores ultrasónicos cercanos pueden generar errores.</a:t>
-            </a:r>
-          </a:p>
-          <a:p>
-            <a:pPr lvl="1"/>
-            <a:r>
-              <a:rPr lang="es-CO" sz="1600" noProof="0" dirty="0"/>
-              <a:t>Material absorbente: Telas, espumas o superficies irregulares absorben o difunden el sonido.</a:t>
-            </a:r>
-          </a:p>
-          <a:p>
-            <a:r>
-              <a:rPr lang="es-CO" sz="2000" noProof="0" dirty="0"/>
-              <a:t>Pregunta:</a:t>
-            </a:r>
-          </a:p>
-          <a:p>
-            <a:pPr lvl="1"/>
-            <a:r>
-              <a:rPr lang="es-CO" sz="1600" noProof="0" dirty="0"/>
-              <a:t>¿Se puede mejorar utilizando interferometría?</a:t>
-            </a:r>
-          </a:p>
-        </p:txBody>
-      </p:sp>
-      <p:pic>
-        <p:nvPicPr>
-          <p:cNvPr id="1026" name="Picture 2" descr="Que es un sensor ultrasónico y como funciona">
-            <a:extLst>
-              <a:ext uri="{FF2B5EF4-FFF2-40B4-BE49-F238E27FC236}">
-                <a16:creationId xmlns:a16="http://schemas.microsoft.com/office/drawing/2014/main" id="{61BF8352-FF8A-C977-BB1F-803655334575}"/>
-              </a:ext>
-            </a:extLst>
-          </p:cNvPr>
-          <p:cNvPicPr>
-            <a:picLocks noChangeAspect="1" noChangeArrowheads="1"/>
-          </p:cNvPicPr>
-          <p:nvPr/>
-        </p:nvPicPr>
-        <p:blipFill rotWithShape="1">
-          <a:blip r:embed="rId2">
-            <a:extLst>
-              <a:ext uri="{28A0092B-C50C-407E-A947-70E740481C1C}">
-                <a14:useLocalDpi xmlns:a14="http://schemas.microsoft.com/office/drawing/2010/main" val="0"/>
-              </a:ext>
-            </a:extLst>
-          </a:blip>
-          <a:srcRect l="16333" t="15018" r="17023"/>
-          <a:stretch>
-            <a:fillRect/>
-          </a:stretch>
-        </p:blipFill>
-        <p:spPr bwMode="auto">
-          <a:xfrm>
-            <a:off x="2471057" y="4578000"/>
-            <a:ext cx="3178628" cy="2280000"/>
-          </a:xfrm>
-          <a:prstGeom prst="rect">
-            <a:avLst/>
-          </a:prstGeom>
-          <a:noFill/>
-          <a:extLst>
-            <a:ext uri="{909E8E84-426E-40DD-AFC4-6F175D3DCCD1}">
-              <a14:hiddenFill xmlns:a14="http://schemas.microsoft.com/office/drawing/2010/main">
-                <a:solidFill>
-                  <a:srgbClr val="FFFFFF"/>
-                </a:solidFill>
-              </a14:hiddenFill>
-            </a:ext>
-          </a:extLst>
-        </p:spPr>
-      </p:pic>
-      <p:sp>
-        <p:nvSpPr>
-          <p:cNvPr id="5" name="TextBox 4">
-            <a:extLst>
-              <a:ext uri="{FF2B5EF4-FFF2-40B4-BE49-F238E27FC236}">
-                <a16:creationId xmlns:a16="http://schemas.microsoft.com/office/drawing/2014/main" id="{DEB0F638-6662-9272-6411-263F00AABE0A}"/>
-              </a:ext>
-            </a:extLst>
-          </p:cNvPr>
-          <p:cNvSpPr txBox="1"/>
-          <p:nvPr/>
-        </p:nvSpPr>
-        <p:spPr>
-          <a:xfrm>
-            <a:off x="1578432" y="6370947"/>
-            <a:ext cx="4963885" cy="338554"/>
-          </a:xfrm>
-          <a:prstGeom prst="rect">
-            <a:avLst/>
-          </a:prstGeom>
-          <a:noFill/>
-        </p:spPr>
-        <p:txBody>
-          <a:bodyPr wrap="square">
-            <a:spAutoFit/>
-          </a:bodyPr>
-          <a:lstStyle/>
-          <a:p>
-            <a:r>
-              <a:rPr lang="es-CO" sz="800" noProof="0" dirty="0"/>
-              <a:t>Imagen tomada de:</a:t>
-            </a:r>
-          </a:p>
-          <a:p>
-            <a:r>
-              <a:rPr lang="es-CO" sz="800" noProof="0" dirty="0"/>
-              <a:t>https://www.ingmecafenix.com/automatizacion/sensores/ultrasonico/</a:t>
-            </a:r>
-          </a:p>
-        </p:txBody>
-      </p:sp>
-      <mc:AlternateContent xmlns:mc="http://schemas.openxmlformats.org/markup-compatibility/2006">
-        <mc:Choice xmlns:a14="http://schemas.microsoft.com/office/drawing/2010/main" Requires="a14">
-          <p:sp>
-            <p:nvSpPr>
-              <p:cNvPr id="3" name="Content Placeholder 2">
-                <a:extLst>
-                  <a:ext uri="{FF2B5EF4-FFF2-40B4-BE49-F238E27FC236}">
-                    <a16:creationId xmlns:a16="http://schemas.microsoft.com/office/drawing/2014/main" id="{F2898060-EA20-5CFA-F5B0-E5C689E2C6C8}"/>
-                  </a:ext>
-                </a:extLst>
-              </p:cNvPr>
-              <p:cNvSpPr>
-                <a:spLocks noGrp="1"/>
-              </p:cNvSpPr>
-              <p:nvPr>
-                <p:ph sz="half" idx="1"/>
-              </p:nvPr>
-            </p:nvSpPr>
-            <p:spPr/>
-            <p:txBody>
-              <a:bodyPr>
-                <a:normAutofit lnSpcReduction="10000"/>
-              </a:bodyPr>
-              <a:lstStyle/>
-              <a:p>
-                <a:r>
-                  <a:rPr lang="es-CO" sz="1600" noProof="0" dirty="0"/>
-                  <a:t>El </a:t>
-                </a:r>
-                <a:r>
-                  <a:rPr lang="es-CO" sz="1600" b="1" noProof="0" dirty="0"/>
-                  <a:t>emisor</a:t>
-                </a:r>
-                <a:r>
-                  <a:rPr lang="es-CO" sz="1600" noProof="0" dirty="0"/>
-                  <a:t> (transductor) genera un pulso ultrasónico.</a:t>
-                </a:r>
-              </a:p>
-              <a:p>
-                <a:r>
-                  <a:rPr lang="es-CO" sz="1600" noProof="0" dirty="0"/>
-                  <a:t>El pulso viaja por el aire hasta chocar con un objeto.</a:t>
-                </a:r>
-              </a:p>
-              <a:p>
-                <a:r>
-                  <a:rPr lang="es-CO" sz="1600" noProof="0" dirty="0"/>
-                  <a:t>El </a:t>
-                </a:r>
-                <a:r>
-                  <a:rPr lang="es-CO" sz="1600" b="1" noProof="0" dirty="0"/>
-                  <a:t>eco reflejado</a:t>
-                </a:r>
-                <a:r>
-                  <a:rPr lang="es-CO" sz="1600" noProof="0" dirty="0"/>
-                  <a:t> vuelve al receptor.</a:t>
-                </a:r>
-              </a:p>
-              <a:p>
-                <a:r>
-                  <a:rPr lang="es-CO" sz="1600" noProof="0" dirty="0"/>
-                  <a:t>El sensor mide el </a:t>
-                </a:r>
-                <a:r>
-                  <a:rPr lang="es-CO" sz="1600" b="1" noProof="0" dirty="0"/>
-                  <a:t>tiempo de ida y vuelta (t)</a:t>
-                </a:r>
-                <a:r>
-                  <a:rPr lang="es-CO" sz="1600" noProof="0" dirty="0"/>
-                  <a:t>.</a:t>
-                </a:r>
-              </a:p>
-              <a:p>
-                <a:r>
-                  <a:rPr lang="es-CO" sz="1600" noProof="0" dirty="0"/>
-                  <a:t>Se calcula la distancia con la fórmula:</a:t>
-                </a:r>
-              </a:p>
-              <a:p>
-                <a14:m>
-                  <m:oMath xmlns:m="http://schemas.openxmlformats.org/officeDocument/2006/math">
-                    <m:r>
-                      <a:rPr lang="es-CO" sz="1600" i="1" noProof="0" smtClean="0">
-                        <a:latin typeface="Cambria Math" panose="02040503050406030204" pitchFamily="18" charset="0"/>
-                      </a:rPr>
-                      <m:t>𝐷𝑖𝑠𝑡𝑎𝑛𝑐𝑖𝑎</m:t>
-                    </m:r>
-                    <m:r>
-                      <a:rPr lang="es-CO" sz="1600" i="1" noProof="0" smtClean="0">
-                        <a:latin typeface="Cambria Math" panose="02040503050406030204" pitchFamily="18" charset="0"/>
-                      </a:rPr>
-                      <m:t>=</m:t>
-                    </m:r>
-                    <m:f>
-                      <m:fPr>
-                        <m:ctrlPr>
-                          <a:rPr lang="es-CO" sz="1600" b="0" i="1" noProof="0" smtClean="0">
-                            <a:latin typeface="Cambria Math" panose="02040503050406030204" pitchFamily="18" charset="0"/>
-                          </a:rPr>
-                        </m:ctrlPr>
-                      </m:fPr>
-                      <m:num>
-                        <m:r>
-                          <a:rPr lang="es-CO" sz="1600" i="1" noProof="0" smtClean="0">
-                            <a:latin typeface="Cambria Math" panose="02040503050406030204" pitchFamily="18" charset="0"/>
-                          </a:rPr>
-                          <m:t>𝑣</m:t>
-                        </m:r>
-                        <m:r>
-                          <a:rPr lang="es-CO" sz="1600" i="1" noProof="0" smtClean="0">
-                            <a:latin typeface="Cambria Math" panose="02040503050406030204" pitchFamily="18" charset="0"/>
-                          </a:rPr>
-                          <m:t>⋅</m:t>
-                        </m:r>
-                        <m:r>
-                          <a:rPr lang="es-CO" sz="1600" i="1" noProof="0" smtClean="0">
-                            <a:latin typeface="Cambria Math" panose="02040503050406030204" pitchFamily="18" charset="0"/>
-                          </a:rPr>
-                          <m:t>𝑡</m:t>
-                        </m:r>
-                      </m:num>
-                      <m:den>
-                        <m:r>
-                          <a:rPr lang="es-CO" sz="1600" i="1" noProof="0" smtClean="0">
-                            <a:latin typeface="Cambria Math" panose="02040503050406030204" pitchFamily="18" charset="0"/>
-                          </a:rPr>
-                          <m:t>2</m:t>
-                        </m:r>
-                      </m:den>
-                    </m:f>
-                  </m:oMath>
-                </a14:m>
-                <a:endParaRPr lang="es-CO" sz="1600" noProof="0" dirty="0"/>
-              </a:p>
-              <a:p>
-                <a:r>
-                  <a:rPr lang="es-CO" sz="1600" noProof="0" dirty="0"/>
-                  <a:t>Donde </a:t>
-                </a:r>
-                <a14:m>
-                  <m:oMath xmlns:m="http://schemas.openxmlformats.org/officeDocument/2006/math">
-                    <m:r>
-                      <a:rPr lang="es-CO" sz="1600" i="1" noProof="0" smtClean="0">
-                        <a:latin typeface="Cambria Math" panose="02040503050406030204" pitchFamily="18" charset="0"/>
-                      </a:rPr>
-                      <m:t>𝑣</m:t>
-                    </m:r>
-                  </m:oMath>
-                </a14:m>
-                <a:r>
-                  <a:rPr lang="es-CO" sz="1600" noProof="0" dirty="0"/>
-                  <a:t> es la velocidad del sonido (~343 </a:t>
-                </a:r>
-                <a:r>
-                  <a:rPr lang="es-CO" sz="2100" noProof="0" dirty="0"/>
-                  <a:t>m/s en aire).</a:t>
-                </a:r>
-              </a:p>
-              <a:p>
-                <a:r>
-                  <a:rPr lang="es-CO" sz="2100" noProof="0" dirty="0"/>
-                  <a:t>Resolución 1 cm aprox.</a:t>
-                </a:r>
-              </a:p>
-            </p:txBody>
-          </p:sp>
-        </mc:Choice>
-        <mc:Fallback>
-          <p:sp>
-            <p:nvSpPr>
-              <p:cNvPr id="3" name="Content Placeholder 2">
-                <a:extLst>
-                  <a:ext uri="{FF2B5EF4-FFF2-40B4-BE49-F238E27FC236}">
-                    <a16:creationId xmlns:a16="http://schemas.microsoft.com/office/drawing/2014/main" id="{F2898060-EA20-5CFA-F5B0-E5C689E2C6C8}"/>
-                  </a:ext>
-                </a:extLst>
-              </p:cNvPr>
-              <p:cNvSpPr>
-                <a:spLocks noGrp="1" noRot="1" noChangeAspect="1" noMove="1" noResize="1" noEditPoints="1" noAdjustHandles="1" noChangeArrowheads="1" noChangeShapeType="1" noTextEdit="1"/>
-              </p:cNvSpPr>
-              <p:nvPr>
-                <p:ph sz="half" idx="1"/>
-              </p:nvPr>
-            </p:nvSpPr>
-            <p:spPr>
-              <a:blipFill>
-                <a:blip r:embed="rId3"/>
-                <a:stretch>
-                  <a:fillRect l="-1176" t="-1401"/>
-                </a:stretch>
-              </a:blipFill>
-            </p:spPr>
-            <p:txBody>
-              <a:bodyPr/>
-              <a:lstStyle/>
-              <a:p>
-                <a:r>
-                  <a:rPr lang="en-US">
-                    <a:noFill/>
-                  </a:rPr>
-                  <a:t> </a:t>
-                </a:r>
-              </a:p>
-            </p:txBody>
-          </p:sp>
-        </mc:Fallback>
-      </mc:AlternateContent>
-    </p:spTree>
-    <p:extLst>
-      <p:ext uri="{BB962C8B-B14F-4D97-AF65-F5344CB8AC3E}">
-        <p14:creationId xmlns:p14="http://schemas.microsoft.com/office/powerpoint/2010/main" val="1131813189"/>
-      </p:ext>
-    </p:extLst>
-  </p:cSld>
-  <p:clrMapOvr>
-    <a:masterClrMapping/>
-  </p:clrMapOvr>
-</p:sld>
-</file>
-
-<file path=ppt/slides/slide4.xml><?xml version="1.0" encoding="utf-8"?>
-<p:sld xmlns:a="http://schemas.openxmlformats.org/drawingml/2006/main" xmlns:r="http://schemas.openxmlformats.org/officeDocument/2006/relationships" xmlns:p="http://schemas.openxmlformats.org/presentationml/2006/main">
-  <p:cSld>
-    <p:spTree>
-      <p:nvGrpSpPr>
-        <p:cNvPr id="1" name=""/>
-        <p:cNvGrpSpPr/>
-        <p:nvPr/>
-      </p:nvGrpSpPr>
-      <p:grpSpPr>
-        <a:xfrm>
-          <a:off x="0" y="0"/>
-          <a:ext cx="0" cy="0"/>
-          <a:chOff x="0" y="0"/>
-          <a:chExt cx="0" cy="0"/>
-        </a:xfrm>
-      </p:grpSpPr>
-      <p:sp>
-        <p:nvSpPr>
-          <p:cNvPr id="2" name="Title 1">
-            <a:extLst>
-              <a:ext uri="{FF2B5EF4-FFF2-40B4-BE49-F238E27FC236}">
-                <a16:creationId xmlns:a16="http://schemas.microsoft.com/office/drawing/2014/main" id="{F129E6C1-5508-DA0E-86A5-C04974B54E90}"/>
-              </a:ext>
-            </a:extLst>
-          </p:cNvPr>
-          <p:cNvSpPr>
-            <a:spLocks noGrp="1"/>
-          </p:cNvSpPr>
-          <p:nvPr>
-            <p:ph type="title"/>
-          </p:nvPr>
-        </p:nvSpPr>
-        <p:spPr>
-          <a:xfrm>
-            <a:off x="762000" y="515866"/>
-            <a:ext cx="10515600" cy="1325563"/>
-          </a:xfrm>
-        </p:spPr>
-        <p:txBody>
-          <a:bodyPr/>
-          <a:lstStyle/>
-          <a:p>
-            <a:r>
-              <a:rPr lang="es-CO" noProof="0" dirty="0"/>
-              <a:t>LÍDAR (</a:t>
-            </a:r>
-            <a:r>
-              <a:rPr lang="es-CO" i="1" noProof="0" dirty="0"/>
-              <a:t>Light </a:t>
-            </a:r>
-            <a:r>
-              <a:rPr lang="es-CO" i="1" noProof="0" dirty="0" err="1"/>
-              <a:t>Detection</a:t>
-            </a:r>
-            <a:r>
-              <a:rPr lang="es-CO" i="1" noProof="0" dirty="0"/>
-              <a:t> and </a:t>
-            </a:r>
-            <a:r>
-              <a:rPr lang="es-CO" i="1" noProof="0" dirty="0" err="1"/>
-              <a:t>Ranging</a:t>
-            </a:r>
-            <a:r>
-              <a:rPr lang="es-CO" noProof="0" dirty="0"/>
-              <a:t>)</a:t>
-            </a:r>
-          </a:p>
-        </p:txBody>
-      </p:sp>
-      <p:sp>
-        <p:nvSpPr>
-          <p:cNvPr id="4" name="Content Placeholder 3">
-            <a:extLst>
-              <a:ext uri="{FF2B5EF4-FFF2-40B4-BE49-F238E27FC236}">
-                <a16:creationId xmlns:a16="http://schemas.microsoft.com/office/drawing/2014/main" id="{888E015C-C3ED-7E74-6A2A-2426E709CB3F}"/>
-              </a:ext>
-            </a:extLst>
-          </p:cNvPr>
-          <p:cNvSpPr>
-            <a:spLocks noGrp="1"/>
-          </p:cNvSpPr>
-          <p:nvPr>
-            <p:ph sz="half" idx="2"/>
-          </p:nvPr>
-        </p:nvSpPr>
-        <p:spPr/>
-        <p:txBody>
-          <a:bodyPr>
-            <a:normAutofit fontScale="70000" lnSpcReduction="20000"/>
-          </a:bodyPr>
-          <a:lstStyle/>
-          <a:p>
-            <a:r>
-              <a:rPr lang="es-CO" noProof="0" dirty="0"/>
-              <a:t>Ventajas</a:t>
-            </a:r>
-          </a:p>
-          <a:p>
-            <a:pPr lvl="1"/>
-            <a:r>
-              <a:rPr lang="es-CO" noProof="0" dirty="0"/>
-              <a:t>Alta precisión (mm)</a:t>
-            </a:r>
-          </a:p>
-          <a:p>
-            <a:pPr lvl="1"/>
-            <a:r>
-              <a:rPr lang="es-CO" noProof="0" dirty="0"/>
-              <a:t>Mapea entornos en 2D o 3D</a:t>
-            </a:r>
-          </a:p>
-          <a:p>
-            <a:pPr lvl="1"/>
-            <a:r>
-              <a:rPr lang="es-CO" noProof="0" dirty="0"/>
-              <a:t>Funciona a largas distancias (decenas o cientos de metros)</a:t>
-            </a:r>
-          </a:p>
-          <a:p>
-            <a:pPr lvl="1"/>
-            <a:r>
-              <a:rPr lang="es-CO" noProof="0" dirty="0"/>
-              <a:t>Se puede montar en drones, autos, aviones, trípodes</a:t>
-            </a:r>
-          </a:p>
-          <a:p>
-            <a:pPr lvl="1"/>
-            <a:r>
-              <a:rPr lang="es-CO" noProof="0" dirty="0"/>
-              <a:t>Ángulo de apertura menor a 1°</a:t>
-            </a:r>
-          </a:p>
-          <a:p>
-            <a:r>
-              <a:rPr lang="es-CO" noProof="0" dirty="0"/>
-              <a:t>Problemas	</a:t>
-            </a:r>
-          </a:p>
-          <a:p>
-            <a:pPr lvl="1"/>
-            <a:r>
-              <a:rPr lang="es-CO" noProof="0" dirty="0"/>
-              <a:t>Sensibilidad a niebla, lluvia</a:t>
-            </a:r>
-          </a:p>
-          <a:p>
-            <a:pPr lvl="1"/>
-            <a:r>
-              <a:rPr lang="es-CO" noProof="0" dirty="0"/>
-              <a:t>Alto costo	</a:t>
-            </a:r>
-          </a:p>
-          <a:p>
-            <a:pPr lvl="1"/>
-            <a:r>
-              <a:rPr lang="es-CO" noProof="0" dirty="0"/>
-              <a:t>Alto consumo</a:t>
-            </a:r>
-          </a:p>
-          <a:p>
-            <a:pPr lvl="1"/>
-            <a:r>
-              <a:rPr lang="es-CO" noProof="0" dirty="0"/>
-              <a:t>Superficies reflectantes u oscuras</a:t>
-            </a:r>
-          </a:p>
-          <a:p>
-            <a:r>
-              <a:rPr lang="es-CO" noProof="0" dirty="0"/>
-              <a:t>Preguntas</a:t>
-            </a:r>
-          </a:p>
-          <a:p>
-            <a:pPr lvl="1"/>
-            <a:r>
-              <a:rPr lang="es-CO" noProof="0" dirty="0"/>
-              <a:t>¿Puede ser peligros mirar un </a:t>
-            </a:r>
-            <a:r>
-              <a:rPr lang="es-CO" noProof="0" dirty="0" err="1"/>
-              <a:t>LiDAR</a:t>
-            </a:r>
-            <a:r>
-              <a:rPr lang="es-CO" noProof="0" dirty="0"/>
-              <a:t>?</a:t>
-            </a:r>
-          </a:p>
-          <a:p>
-            <a:pPr lvl="1"/>
-            <a:r>
-              <a:rPr lang="es-CO" noProof="0" dirty="0"/>
-              <a:t>¿Qué requisitos de velocidad de respuesta debe tener el circuito asociado?</a:t>
-            </a:r>
-          </a:p>
-        </p:txBody>
-      </p:sp>
-      <p:sp>
-        <p:nvSpPr>
-          <p:cNvPr id="8" name="AutoShape 7" descr="1D micro-scanning LiDAR illuminating the scenery with a vertical laser... |  Download Scientific Diagram">
-            <a:extLst>
-              <a:ext uri="{FF2B5EF4-FFF2-40B4-BE49-F238E27FC236}">
-                <a16:creationId xmlns:a16="http://schemas.microsoft.com/office/drawing/2014/main" id="{5D791E3B-16BC-E29D-98B8-4696908199EF}"/>
-              </a:ext>
-            </a:extLst>
-          </p:cNvPr>
-          <p:cNvSpPr>
-            <a:spLocks noChangeAspect="1" noChangeArrowheads="1"/>
-          </p:cNvSpPr>
-          <p:nvPr/>
-        </p:nvSpPr>
-        <p:spPr bwMode="auto">
-          <a:xfrm>
-            <a:off x="5943600" y="3276600"/>
-            <a:ext cx="304800" cy="304800"/>
-          </a:xfrm>
-          <a:prstGeom prst="rect">
-            <a:avLst/>
-          </a:prstGeom>
-          <a:noFill/>
-          <a:extLst>
-            <a:ext uri="{909E8E84-426E-40DD-AFC4-6F175D3DCCD1}">
-              <a14:hiddenFill xmlns:a14="http://schemas.microsoft.com/office/drawing/2010/main">
-                <a:solidFill>
-                  <a:srgbClr val="FFFFFF"/>
-                </a:solidFill>
-              </a14:hiddenFill>
-            </a:ext>
-          </a:extLst>
-        </p:spPr>
-        <p:txBody>
-          <a:bodyPr vert="horz" wrap="square" lIns="91440" tIns="45720" rIns="91440" bIns="45720" numCol="1" anchor="t" anchorCtr="0" compatLnSpc="1">
-            <a:prstTxWarp prst="textNoShape">
-              <a:avLst/>
-            </a:prstTxWarp>
-          </a:bodyPr>
-          <a:lstStyle/>
-          <a:p>
-            <a:endParaRPr lang="es-CO" noProof="0" dirty="0"/>
-          </a:p>
-        </p:txBody>
-      </p:sp>
-      <p:pic>
-        <p:nvPicPr>
-          <p:cNvPr id="2057" name="Picture 9" descr="1D micro-scanning LiDAR illuminating the scenery with a vertical laser beam line and scanning horizontally. Obtained with changes from [2].">
-            <a:extLst>
-              <a:ext uri="{FF2B5EF4-FFF2-40B4-BE49-F238E27FC236}">
-                <a16:creationId xmlns:a16="http://schemas.microsoft.com/office/drawing/2014/main" id="{89B9D7D7-D4DE-2CEE-3FA8-6497851B2438}"/>
-              </a:ext>
-            </a:extLst>
-          </p:cNvPr>
-          <p:cNvPicPr>
-            <a:picLocks noChangeAspect="1" noChangeArrowheads="1"/>
-          </p:cNvPicPr>
-          <p:nvPr/>
-        </p:nvPicPr>
-        <p:blipFill>
-          <a:blip r:embed="rId2">
-            <a:extLst>
-              <a:ext uri="{28A0092B-C50C-407E-A947-70E740481C1C}">
-                <a14:useLocalDpi xmlns:a14="http://schemas.microsoft.com/office/drawing/2010/main" val="0"/>
-              </a:ext>
-            </a:extLst>
-          </a:blip>
-          <a:srcRect/>
-          <a:stretch>
-            <a:fillRect/>
-          </a:stretch>
-        </p:blipFill>
-        <p:spPr bwMode="auto">
-          <a:xfrm>
-            <a:off x="955497" y="3729888"/>
-            <a:ext cx="4551452" cy="2447075"/>
-          </a:xfrm>
-          <a:prstGeom prst="rect">
-            <a:avLst/>
-          </a:prstGeom>
-          <a:noFill/>
-          <a:extLst>
-            <a:ext uri="{909E8E84-426E-40DD-AFC4-6F175D3DCCD1}">
-              <a14:hiddenFill xmlns:a14="http://schemas.microsoft.com/office/drawing/2010/main">
-                <a:solidFill>
-                  <a:srgbClr val="FFFFFF"/>
-                </a:solidFill>
-              </a14:hiddenFill>
-            </a:ext>
-          </a:extLst>
-        </p:spPr>
-      </p:pic>
-      <mc:AlternateContent xmlns:mc="http://schemas.openxmlformats.org/markup-compatibility/2006">
-        <mc:Choice xmlns:a14="http://schemas.microsoft.com/office/drawing/2010/main" Requires="a14">
-          <p:sp>
-            <p:nvSpPr>
-              <p:cNvPr id="5" name="Rectangle 1">
-                <a:extLst>
-                  <a:ext uri="{FF2B5EF4-FFF2-40B4-BE49-F238E27FC236}">
-                    <a16:creationId xmlns:a16="http://schemas.microsoft.com/office/drawing/2014/main" id="{5F96198F-B288-E649-93C1-C4D90259B6DC}"/>
-                  </a:ext>
-                </a:extLst>
-              </p:cNvPr>
-              <p:cNvSpPr>
-                <a:spLocks noGrp="1" noChangeArrowheads="1"/>
-              </p:cNvSpPr>
-              <p:nvPr>
-                <p:ph sz="half" idx="1"/>
-              </p:nvPr>
-            </p:nvSpPr>
-            <p:spPr bwMode="auto">
-              <a:xfrm>
-                <a:off x="838201" y="1825625"/>
-                <a:ext cx="5038618" cy="2598967"/>
-              </a:xfrm>
-              <a:prstGeom prst="rect">
-                <a:avLst/>
-              </a:prstGeom>
-              <a:noFill/>
-              <a:ln>
-                <a:noFill/>
-              </a:ln>
-              <a:effectLst/>
-              <a:extLst>
-                <a:ext uri="{909E8E84-426E-40DD-AFC4-6F175D3DCCD1}">
-                  <a14:hiddenFill>
-                    <a:solidFill>
-                      <a:schemeClr val="accent1"/>
-                    </a:solidFill>
-                  </a14:hiddenFill>
-                </a:ext>
-                <a:ext uri="{91240B29-F687-4F45-9708-019B960494DF}">
-                  <a14:hiddenLine w="9525">
-                    <a:solidFill>
-                      <a:schemeClr val="tx1"/>
-                    </a:solidFill>
-                    <a:miter lim="800000"/>
-                    <a:headEnd/>
-                    <a:tailEnd/>
-                  </a14:hiddenLine>
-                </a:ext>
-                <a:ext uri="{AF507438-7753-43E0-B8FC-AC1667EBCBE1}">
-                  <a14:hiddenEffects>
-                    <a:effectLst>
-                      <a:outerShdw dist="35921" dir="2700000" algn="ctr" rotWithShape="0">
-                        <a:schemeClr val="bg2"/>
-                      </a:outerShdw>
-                    </a:effectLst>
-                  </a14:hiddenEffects>
-                </a:ext>
-              </a:extLst>
-            </p:spPr>
-            <p:txBody>
-              <a:bodyPr vert="horz" wrap="square" lIns="91440" tIns="45720" rIns="91440" bIns="108000" numCol="1" anchor="t" anchorCtr="0" compatLnSpc="1">
-                <a:prstTxWarp prst="textNoShape">
-                  <a:avLst/>
-                </a:prstTxWarp>
-                <a:spAutoFit/>
-              </a:bodyPr>
-              <a:lstStyle/>
-              <a:p>
-                <a:pPr marL="0" marR="0" lvl="0" indent="0" algn="l" defTabSz="914400" rtl="0" eaLnBrk="0" fontAlgn="base" latinLnBrk="0" hangingPunct="0">
-                  <a:lnSpc>
-                    <a:spcPct val="100000"/>
-                  </a:lnSpc>
-                  <a:spcBef>
-                    <a:spcPct val="0"/>
-                  </a:spcBef>
-                  <a:spcAft>
-                    <a:spcPct val="0"/>
-                  </a:spcAft>
-                  <a:buClrTx/>
-                  <a:buSzTx/>
-                  <a:buFontTx/>
-                  <a:buChar char="•"/>
-                  <a:tabLst/>
-                </a:pPr>
-                <a:r>
-                  <a:rPr kumimoji="0" lang="es-CO" sz="1600" b="0" i="0" u="none" strike="noStrike" cap="none" normalizeH="0" baseline="0" noProof="0" dirty="0">
-                    <a:ln>
-                      <a:noFill/>
-                    </a:ln>
-                    <a:solidFill>
-                      <a:schemeClr val="tx1"/>
-                    </a:solidFill>
-                    <a:effectLst/>
-                    <a:latin typeface="Arial" panose="020B0604020202020204" pitchFamily="34" charset="0"/>
-                  </a:rPr>
-                  <a:t>El sensor </a:t>
-                </a:r>
-                <a:r>
-                  <a:rPr kumimoji="0" lang="es-CO" sz="1600" b="1" i="0" u="none" strike="noStrike" cap="none" normalizeH="0" baseline="0" noProof="0" dirty="0">
-                    <a:ln>
-                      <a:noFill/>
-                    </a:ln>
-                    <a:solidFill>
-                      <a:schemeClr val="tx1"/>
-                    </a:solidFill>
-                    <a:effectLst/>
-                    <a:latin typeface="Arial" panose="020B0604020202020204" pitchFamily="34" charset="0"/>
-                  </a:rPr>
-                  <a:t>emite un pulso láser</a:t>
-                </a:r>
-                <a:r>
-                  <a:rPr kumimoji="0" lang="es-CO" sz="1600" b="0" i="0" u="none" strike="noStrike" cap="none" normalizeH="0" baseline="0" noProof="0" dirty="0">
-                    <a:ln>
-                      <a:noFill/>
-                    </a:ln>
-                    <a:solidFill>
-                      <a:schemeClr val="tx1"/>
-                    </a:solidFill>
-                    <a:effectLst/>
-                    <a:latin typeface="Arial" panose="020B0604020202020204" pitchFamily="34" charset="0"/>
-                  </a:rPr>
-                  <a:t> (infrarrojo o visible).</a:t>
-                </a:r>
-              </a:p>
-              <a:p>
-                <a:pPr marL="0" marR="0" lvl="0" indent="0" algn="l" defTabSz="914400" rtl="0" eaLnBrk="0" fontAlgn="base" latinLnBrk="0" hangingPunct="0">
-                  <a:lnSpc>
-                    <a:spcPct val="100000"/>
-                  </a:lnSpc>
-                  <a:spcBef>
-                    <a:spcPct val="0"/>
-                  </a:spcBef>
-                  <a:spcAft>
-                    <a:spcPct val="0"/>
-                  </a:spcAft>
-                  <a:buClrTx/>
-                  <a:buSzTx/>
-                  <a:buNone/>
-                  <a:tabLst/>
-                </a:pPr>
-                <a:endParaRPr kumimoji="0" lang="es-CO" sz="1600" b="0" i="0" u="none" strike="noStrike" cap="none" normalizeH="0" baseline="0" noProof="0" dirty="0">
-                  <a:ln>
-                    <a:noFill/>
-                  </a:ln>
-                  <a:solidFill>
-                    <a:schemeClr val="tx1"/>
-                  </a:solidFill>
-                  <a:effectLst/>
-                  <a:latin typeface="Arial" panose="020B0604020202020204" pitchFamily="34" charset="0"/>
-                </a:endParaRPr>
-              </a:p>
-              <a:p>
-                <a:pPr marL="0" marR="0" lvl="0" indent="0" algn="l" defTabSz="914400" rtl="0" eaLnBrk="0" fontAlgn="base" latinLnBrk="0" hangingPunct="0">
-                  <a:lnSpc>
-                    <a:spcPct val="100000"/>
-                  </a:lnSpc>
-                  <a:spcBef>
-                    <a:spcPct val="0"/>
-                  </a:spcBef>
-                  <a:spcAft>
-                    <a:spcPct val="0"/>
-                  </a:spcAft>
-                  <a:buClrTx/>
-                  <a:buSzTx/>
-                  <a:buFontTx/>
-                  <a:buChar char="•"/>
-                  <a:tabLst/>
-                </a:pPr>
-                <a:r>
-                  <a:rPr kumimoji="0" lang="es-CO" sz="1600" b="0" i="0" u="none" strike="noStrike" cap="none" normalizeH="0" baseline="0" noProof="0" dirty="0">
-                    <a:ln>
-                      <a:noFill/>
-                    </a:ln>
-                    <a:solidFill>
-                      <a:schemeClr val="tx1"/>
-                    </a:solidFill>
-                    <a:effectLst/>
-                    <a:latin typeface="Arial" panose="020B0604020202020204" pitchFamily="34" charset="0"/>
-                  </a:rPr>
-                  <a:t>La luz </a:t>
-                </a:r>
-                <a:r>
-                  <a:rPr kumimoji="0" lang="es-CO" sz="1600" b="1" i="0" u="none" strike="noStrike" cap="none" normalizeH="0" baseline="0" noProof="0" dirty="0">
-                    <a:ln>
-                      <a:noFill/>
-                    </a:ln>
-                    <a:solidFill>
-                      <a:schemeClr val="tx1"/>
-                    </a:solidFill>
-                    <a:effectLst/>
-                    <a:latin typeface="Arial" panose="020B0604020202020204" pitchFamily="34" charset="0"/>
-                  </a:rPr>
-                  <a:t>rebota en el objeto</a:t>
-                </a:r>
-                <a:r>
-                  <a:rPr kumimoji="0" lang="es-CO" sz="1600" b="0" i="0" u="none" strike="noStrike" cap="none" normalizeH="0" baseline="0" noProof="0" dirty="0">
-                    <a:ln>
-                      <a:noFill/>
-                    </a:ln>
-                    <a:solidFill>
-                      <a:schemeClr val="tx1"/>
-                    </a:solidFill>
-                    <a:effectLst/>
-                    <a:latin typeface="Arial" panose="020B0604020202020204" pitchFamily="34" charset="0"/>
-                  </a:rPr>
-                  <a:t>.</a:t>
-                </a:r>
-              </a:p>
-              <a:p>
-                <a:pPr marL="0" marR="0" lvl="0" indent="0" algn="l" defTabSz="914400" rtl="0" eaLnBrk="0" fontAlgn="base" latinLnBrk="0" hangingPunct="0">
-                  <a:lnSpc>
-                    <a:spcPct val="100000"/>
-                  </a:lnSpc>
-                  <a:spcBef>
-                    <a:spcPct val="0"/>
-                  </a:spcBef>
-                  <a:spcAft>
-                    <a:spcPct val="0"/>
-                  </a:spcAft>
-                  <a:buClrTx/>
-                  <a:buSzTx/>
-                  <a:buNone/>
-                  <a:tabLst/>
-                </a:pPr>
-                <a:endParaRPr kumimoji="0" lang="es-CO" sz="1600" b="0" i="0" u="none" strike="noStrike" cap="none" normalizeH="0" baseline="0" noProof="0" dirty="0">
-                  <a:ln>
-                    <a:noFill/>
-                  </a:ln>
-                  <a:solidFill>
-                    <a:schemeClr val="tx1"/>
-                  </a:solidFill>
-                  <a:effectLst/>
-                  <a:latin typeface="Arial" panose="020B0604020202020204" pitchFamily="34" charset="0"/>
-                </a:endParaRPr>
-              </a:p>
-              <a:p>
-                <a:pPr marL="0" marR="0" lvl="0" indent="0" algn="l" defTabSz="914400" rtl="0" eaLnBrk="0" fontAlgn="base" latinLnBrk="0" hangingPunct="0">
-                  <a:lnSpc>
-                    <a:spcPct val="100000"/>
-                  </a:lnSpc>
-                  <a:spcBef>
-                    <a:spcPct val="0"/>
-                  </a:spcBef>
-                  <a:spcAft>
-                    <a:spcPct val="0"/>
-                  </a:spcAft>
-                  <a:buClrTx/>
-                  <a:buSzTx/>
-                  <a:buFontTx/>
-                  <a:buChar char="•"/>
-                  <a:tabLst/>
-                </a:pPr>
-                <a:r>
-                  <a:rPr kumimoji="0" lang="es-CO" sz="1600" b="0" i="0" u="none" strike="noStrike" cap="none" normalizeH="0" baseline="0" noProof="0" dirty="0">
-                    <a:ln>
-                      <a:noFill/>
-                    </a:ln>
-                    <a:solidFill>
-                      <a:schemeClr val="tx1"/>
-                    </a:solidFill>
-                    <a:effectLst/>
-                    <a:latin typeface="Arial" panose="020B0604020202020204" pitchFamily="34" charset="0"/>
-                  </a:rPr>
-                  <a:t>El sistema mide el </a:t>
-                </a:r>
-                <a:r>
-                  <a:rPr kumimoji="0" lang="es-CO" sz="1600" b="1" i="0" u="none" strike="noStrike" cap="none" normalizeH="0" baseline="0" noProof="0" dirty="0">
-                    <a:ln>
-                      <a:noFill/>
-                    </a:ln>
-                    <a:solidFill>
-                      <a:schemeClr val="tx1"/>
-                    </a:solidFill>
-                    <a:effectLst/>
-                    <a:latin typeface="Arial" panose="020B0604020202020204" pitchFamily="34" charset="0"/>
-                  </a:rPr>
-                  <a:t>tiempo de ida y vuelta</a:t>
-                </a:r>
-                <a:r>
-                  <a:rPr kumimoji="0" lang="es-CO" sz="1600" b="0" i="0" u="none" strike="noStrike" cap="none" normalizeH="0" baseline="0" noProof="0" dirty="0">
-                    <a:ln>
-                      <a:noFill/>
-                    </a:ln>
-                    <a:solidFill>
-                      <a:schemeClr val="tx1"/>
-                    </a:solidFill>
-                    <a:effectLst/>
-                    <a:latin typeface="Arial" panose="020B0604020202020204" pitchFamily="34" charset="0"/>
-                  </a:rPr>
-                  <a:t> del pulso.</a:t>
-                </a:r>
-              </a:p>
-              <a:p>
-                <a:pPr marL="0" marR="0" lvl="0" indent="0" algn="l" defTabSz="914400" rtl="0" eaLnBrk="0" fontAlgn="base" latinLnBrk="0" hangingPunct="0">
-                  <a:lnSpc>
-                    <a:spcPct val="100000"/>
-                  </a:lnSpc>
-                  <a:spcBef>
-                    <a:spcPct val="0"/>
-                  </a:spcBef>
-                  <a:spcAft>
-                    <a:spcPct val="0"/>
-                  </a:spcAft>
-                  <a:buClrTx/>
-                  <a:buSzTx/>
-                  <a:buFontTx/>
-                  <a:buNone/>
-                  <a:tabLst/>
-                </a:pPr>
-                <a14:m>
-                  <m:oMathPara xmlns:m="http://schemas.openxmlformats.org/officeDocument/2006/math">
-                    <m:oMathParaPr>
-                      <m:jc m:val="centerGroup"/>
-                    </m:oMathParaPr>
-                    <m:oMath xmlns:m="http://schemas.openxmlformats.org/officeDocument/2006/math">
-                      <m:r>
-                        <a:rPr kumimoji="0" lang="es-CO" sz="1600" b="0" i="1" u="none" strike="noStrike" cap="none" normalizeH="0" baseline="0" noProof="0" smtClean="0">
-                          <a:ln>
-                            <a:noFill/>
-                          </a:ln>
-                          <a:solidFill>
-                            <a:schemeClr val="tx1"/>
-                          </a:solidFill>
-                          <a:effectLst/>
-                          <a:latin typeface="Cambria Math" panose="02040503050406030204" pitchFamily="18" charset="0"/>
-                        </a:rPr>
-                        <m:t>𝐷𝑖𝑠𝑡𝑎𝑛𝑐𝑖𝑎</m:t>
-                      </m:r>
-                      <m:r>
-                        <a:rPr kumimoji="0" lang="es-CO" sz="1600" b="0" i="1" u="none" strike="noStrike" cap="none" normalizeH="0" baseline="0" noProof="0" smtClean="0">
-                          <a:ln>
-                            <a:noFill/>
-                          </a:ln>
-                          <a:solidFill>
-                            <a:schemeClr val="tx1"/>
-                          </a:solidFill>
-                          <a:effectLst/>
-                          <a:latin typeface="Cambria Math" panose="02040503050406030204" pitchFamily="18" charset="0"/>
-                        </a:rPr>
-                        <m:t>=</m:t>
-                      </m:r>
-                      <m:f>
-                        <m:fPr>
-                          <m:ctrlPr>
-                            <a:rPr kumimoji="0" lang="es-CO" sz="1600" b="0" i="1" u="none" strike="noStrike" cap="none" normalizeH="0" baseline="0" noProof="0" smtClean="0">
-                              <a:ln>
-                                <a:noFill/>
-                              </a:ln>
-                              <a:solidFill>
-                                <a:schemeClr val="tx1"/>
-                              </a:solidFill>
-                              <a:effectLst/>
-                              <a:latin typeface="Cambria Math" panose="02040503050406030204" pitchFamily="18" charset="0"/>
-                            </a:rPr>
-                          </m:ctrlPr>
-                        </m:fPr>
-                        <m:num>
-                          <m:r>
-                            <a:rPr kumimoji="0" lang="es-CO" sz="1600" b="0" i="1" u="none" strike="noStrike" cap="none" normalizeH="0" baseline="0" noProof="0" smtClean="0">
-                              <a:ln>
-                                <a:noFill/>
-                              </a:ln>
-                              <a:solidFill>
-                                <a:schemeClr val="tx1"/>
-                              </a:solidFill>
-                              <a:effectLst/>
-                              <a:latin typeface="Cambria Math" panose="02040503050406030204" pitchFamily="18" charset="0"/>
-                            </a:rPr>
-                            <m:t>𝑐</m:t>
-                          </m:r>
-                          <m:r>
-                            <a:rPr kumimoji="0" lang="es-CO" sz="1600" b="0" i="1" u="none" strike="noStrike" cap="none" normalizeH="0" baseline="0" noProof="0" smtClean="0">
-                              <a:ln>
-                                <a:noFill/>
-                              </a:ln>
-                              <a:solidFill>
-                                <a:schemeClr val="tx1"/>
-                              </a:solidFill>
-                              <a:effectLst/>
-                              <a:latin typeface="Cambria Math" panose="02040503050406030204" pitchFamily="18" charset="0"/>
-                            </a:rPr>
-                            <m:t>⋅</m:t>
-                          </m:r>
-                          <m:r>
-                            <a:rPr kumimoji="0" lang="es-CO" sz="1600" b="0" i="1" u="none" strike="noStrike" cap="none" normalizeH="0" baseline="0" noProof="0" smtClean="0">
-                              <a:ln>
-                                <a:noFill/>
-                              </a:ln>
-                              <a:solidFill>
-                                <a:schemeClr val="tx1"/>
-                              </a:solidFill>
-                              <a:effectLst/>
-                              <a:latin typeface="Cambria Math" panose="02040503050406030204" pitchFamily="18" charset="0"/>
-                            </a:rPr>
-                            <m:t>𝑡</m:t>
-                          </m:r>
-                        </m:num>
-                        <m:den>
-                          <m:r>
-                            <a:rPr kumimoji="0" lang="es-CO" sz="1600" b="0" i="1" u="none" strike="noStrike" cap="none" normalizeH="0" baseline="0" noProof="0" smtClean="0">
-                              <a:ln>
-                                <a:noFill/>
-                              </a:ln>
-                              <a:solidFill>
-                                <a:schemeClr val="tx1"/>
-                              </a:solidFill>
-                              <a:effectLst/>
-                              <a:latin typeface="Cambria Math" panose="02040503050406030204" pitchFamily="18" charset="0"/>
-                            </a:rPr>
-                            <m:t>2</m:t>
-                          </m:r>
-                        </m:den>
-                      </m:f>
-                      <m:r>
-                        <a:rPr kumimoji="0" lang="es-CO" sz="1600" b="0" i="1" u="none" strike="noStrike" cap="none" normalizeH="0" baseline="0" noProof="0" smtClean="0">
-                          <a:ln>
-                            <a:noFill/>
-                          </a:ln>
-                          <a:solidFill>
-                            <a:schemeClr val="tx1"/>
-                          </a:solidFill>
-                          <a:effectLst/>
-                          <a:latin typeface="Cambria Math" panose="02040503050406030204" pitchFamily="18" charset="0"/>
-                        </a:rPr>
-                        <m:t>​ </m:t>
-                      </m:r>
-                    </m:oMath>
-                  </m:oMathPara>
-                </a14:m>
-                <a:endParaRPr kumimoji="0" lang="es-CO" sz="1600" b="0" i="0" u="none" strike="noStrike" cap="none" normalizeH="0" baseline="0" noProof="0" dirty="0">
-                  <a:ln>
-                    <a:noFill/>
-                  </a:ln>
-                  <a:solidFill>
-                    <a:schemeClr val="tx1"/>
-                  </a:solidFill>
-                  <a:effectLst/>
-                  <a:latin typeface="Arial" panose="020B0604020202020204" pitchFamily="34" charset="0"/>
-                </a:endParaRPr>
-              </a:p>
-              <a:p>
-                <a:pPr marL="0" marR="0" lvl="0" indent="0" algn="l" defTabSz="914400" rtl="0" eaLnBrk="0" fontAlgn="base" latinLnBrk="0" hangingPunct="0">
-                  <a:lnSpc>
-                    <a:spcPct val="100000"/>
-                  </a:lnSpc>
-                  <a:spcBef>
-                    <a:spcPct val="0"/>
-                  </a:spcBef>
-                  <a:spcAft>
-                    <a:spcPct val="0"/>
-                  </a:spcAft>
-                  <a:buClrTx/>
-                  <a:buSzTx/>
-                  <a:buFontTx/>
-                  <a:buNone/>
-                  <a:tabLst/>
-                </a:pPr>
-                <a:r>
-                  <a:rPr kumimoji="0" lang="es-CO" sz="1600" b="0" i="0" u="none" strike="noStrike" cap="none" normalizeH="0" baseline="0" noProof="0" dirty="0">
-                    <a:ln>
-                      <a:noFill/>
-                    </a:ln>
-                    <a:solidFill>
-                      <a:schemeClr val="tx1"/>
-                    </a:solidFill>
-                    <a:effectLst/>
-                    <a:latin typeface="Arial" panose="020B0604020202020204" pitchFamily="34" charset="0"/>
-                  </a:rPr>
-                  <a:t>Donde </a:t>
-                </a:r>
-                <a14:m>
-                  <m:oMath xmlns:m="http://schemas.openxmlformats.org/officeDocument/2006/math">
-                    <m:r>
-                      <a:rPr kumimoji="0" lang="es-CO" sz="1600" b="0" i="1" u="none" strike="noStrike" cap="none" normalizeH="0" baseline="0" noProof="0" smtClean="0">
-                        <a:ln>
-                          <a:noFill/>
-                        </a:ln>
-                        <a:solidFill>
-                          <a:schemeClr val="tx1"/>
-                        </a:solidFill>
-                        <a:effectLst/>
-                        <a:latin typeface="Cambria Math" panose="02040503050406030204" pitchFamily="18" charset="0"/>
-                      </a:rPr>
-                      <m:t>𝑐</m:t>
-                    </m:r>
-                  </m:oMath>
-                </a14:m>
-                <a:r>
-                  <a:rPr kumimoji="0" lang="es-CO" sz="1600" b="0" i="0" u="none" strike="noStrike" cap="none" normalizeH="0" baseline="0" noProof="0" dirty="0">
-                    <a:ln>
-                      <a:noFill/>
-                    </a:ln>
-                    <a:solidFill>
-                      <a:schemeClr val="tx1"/>
-                    </a:solidFill>
-                    <a:effectLst/>
-                    <a:latin typeface="Arial" panose="020B0604020202020204" pitchFamily="34" charset="0"/>
-                  </a:rPr>
-                  <a:t> es la velocidad de la luz (~3×1083 \times 10^83×108 m/s).</a:t>
-                </a:r>
-              </a:p>
-              <a:p>
-                <a:pPr marL="0" marR="0" lvl="0" indent="0" algn="l" defTabSz="914400" rtl="0" eaLnBrk="0" fontAlgn="base" latinLnBrk="0" hangingPunct="0">
-                  <a:lnSpc>
-                    <a:spcPct val="100000"/>
-                  </a:lnSpc>
-                  <a:spcBef>
-                    <a:spcPct val="0"/>
-                  </a:spcBef>
-                  <a:spcAft>
-                    <a:spcPct val="0"/>
-                  </a:spcAft>
-                  <a:buClrTx/>
-                  <a:buSzTx/>
-                  <a:buFontTx/>
-                  <a:buNone/>
-                  <a:tabLst/>
-                </a:pPr>
-                <a:endParaRPr kumimoji="0" lang="es-CO" sz="1800" b="0" i="0" u="none" strike="noStrike" cap="none" normalizeH="0" baseline="0" noProof="0" dirty="0">
-                  <a:ln>
-                    <a:noFill/>
-                  </a:ln>
-                  <a:solidFill>
-                    <a:schemeClr val="tx1"/>
-                  </a:solidFill>
-                  <a:effectLst/>
-                  <a:latin typeface="Arial" panose="020B0604020202020204" pitchFamily="34" charset="0"/>
-                </a:endParaRPr>
-              </a:p>
-            </p:txBody>
-          </p:sp>
-        </mc:Choice>
-        <mc:Fallback>
-          <p:sp>
-            <p:nvSpPr>
-              <p:cNvPr id="5" name="Rectangle 1">
-                <a:extLst>
-                  <a:ext uri="{FF2B5EF4-FFF2-40B4-BE49-F238E27FC236}">
-                    <a16:creationId xmlns:a16="http://schemas.microsoft.com/office/drawing/2014/main" id="{5F96198F-B288-E649-93C1-C4D90259B6DC}"/>
-                  </a:ext>
-                </a:extLst>
-              </p:cNvPr>
-              <p:cNvSpPr>
-                <a:spLocks noGrp="1" noRot="1" noChangeAspect="1" noMove="1" noResize="1" noEditPoints="1" noAdjustHandles="1" noChangeArrowheads="1" noChangeShapeType="1" noTextEdit="1"/>
-              </p:cNvSpPr>
-              <p:nvPr>
-                <p:ph sz="half" idx="1"/>
-              </p:nvPr>
-            </p:nvSpPr>
-            <p:spPr bwMode="auto">
-              <a:xfrm>
-                <a:off x="838201" y="1825625"/>
-                <a:ext cx="5038618" cy="2598967"/>
-              </a:xfrm>
-              <a:prstGeom prst="rect">
-                <a:avLst/>
-              </a:prstGeom>
-              <a:blipFill>
-                <a:blip r:embed="rId3"/>
-                <a:stretch>
-                  <a:fillRect l="-726" t="-703"/>
-                </a:stretch>
-              </a:blipFill>
-              <a:ln>
-                <a:noFill/>
-              </a:ln>
-              <a:effectLst/>
-              <a:extLst>
-                <a:ext uri="{909E8E84-426E-40DD-AFC4-6F175D3DCCD1}">
-                  <a14:hiddenFill xmlns:a14="http://schemas.microsoft.com/office/drawing/2010/main">
-                    <a:solidFill>
-                      <a:schemeClr val="accent1"/>
-                    </a:solidFill>
-                  </a14:hiddenFill>
-                </a:ext>
-                <a:ext uri="{91240B29-F687-4F45-9708-019B960494DF}">
-                  <a14:hiddenLine xmlns:a14="http://schemas.microsoft.com/office/drawing/2010/main" w="9525">
-                    <a:solidFill>
-                      <a:schemeClr val="tx1"/>
-                    </a:solidFill>
-                    <a:miter lim="800000"/>
-                    <a:headEnd/>
-                    <a:tailEnd/>
-                  </a14:hiddenLine>
-                </a:ext>
-                <a:ext uri="{AF507438-7753-43E0-B8FC-AC1667EBCBE1}">
-                  <a14:hiddenEffects xmlns:a14="http://schemas.microsoft.com/office/drawing/2010/main">
-                    <a:effectLst>
-                      <a:outerShdw dist="35921" dir="2700000" algn="ctr" rotWithShape="0">
-                        <a:schemeClr val="bg2"/>
-                      </a:outerShdw>
-                    </a:effectLst>
-                  </a14:hiddenEffects>
-                </a:ext>
-              </a:extLst>
-            </p:spPr>
-            <p:txBody>
-              <a:bodyPr/>
-              <a:lstStyle/>
-              <a:p>
-                <a:r>
-                  <a:rPr lang="en-US">
-                    <a:noFill/>
-                  </a:rPr>
-                  <a:t> </a:t>
-                </a:r>
-              </a:p>
-            </p:txBody>
-          </p:sp>
-        </mc:Fallback>
-      </mc:AlternateContent>
-      <p:sp>
-        <p:nvSpPr>
-          <p:cNvPr id="10" name="TextBox 9">
-            <a:extLst>
-              <a:ext uri="{FF2B5EF4-FFF2-40B4-BE49-F238E27FC236}">
-                <a16:creationId xmlns:a16="http://schemas.microsoft.com/office/drawing/2014/main" id="{874EFCC6-2C71-D04C-E17F-457D888E506B}"/>
-              </a:ext>
-            </a:extLst>
-          </p:cNvPr>
-          <p:cNvSpPr txBox="1"/>
-          <p:nvPr/>
-        </p:nvSpPr>
-        <p:spPr>
-          <a:xfrm>
-            <a:off x="500864" y="6111301"/>
-            <a:ext cx="6097712" cy="461665"/>
-          </a:xfrm>
-          <a:prstGeom prst="rect">
-            <a:avLst/>
-          </a:prstGeom>
-          <a:noFill/>
-        </p:spPr>
-        <p:txBody>
-          <a:bodyPr wrap="square">
-            <a:spAutoFit/>
-          </a:bodyPr>
-          <a:lstStyle/>
-          <a:p>
-            <a:r>
-              <a:rPr lang="es-CO" sz="800" noProof="0" dirty="0"/>
-              <a:t>Imagen tomada de</a:t>
-            </a:r>
-          </a:p>
-          <a:p>
-            <a:r>
-              <a:rPr lang="es-CO" sz="800" noProof="0" dirty="0"/>
-              <a:t>https://www.researchgate.net/figure/D-micro-scanning-LiDAR-illuminating-the-scenery-with-a-vertical-laser-beam-line-and_fig1_331302767</a:t>
-            </a:r>
-          </a:p>
-        </p:txBody>
-      </p:sp>
-    </p:spTree>
-    <p:extLst>
-      <p:ext uri="{BB962C8B-B14F-4D97-AF65-F5344CB8AC3E}">
-        <p14:creationId xmlns:p14="http://schemas.microsoft.com/office/powerpoint/2010/main" val="1561124657"/>
-      </p:ext>
-    </p:extLst>
-  </p:cSld>
-  <p:clrMapOvr>
-    <a:masterClrMapping/>
-  </p:clrMapOvr>
-</p:sld>
-</file>
-
-<file path=ppt/slides/slide5.xml><?xml version="1.0" encoding="utf-8"?>
 <p:sld xmlns:a="http://schemas.openxmlformats.org/drawingml/2006/main" xmlns:r="http://schemas.openxmlformats.org/officeDocument/2006/relationships" xmlns:p="http://schemas.openxmlformats.org/presentationml/2006/main">
   <p:cSld>
     <p:spTree>
@@ -5029,7 +3637,7 @@
             <p:ph idx="1"/>
             <p:extLst>
               <p:ext uri="{D42A27DB-BD31-4B8C-83A1-F6EECF244321}">
-                <p14:modId xmlns:p14="http://schemas.microsoft.com/office/powerpoint/2010/main" val="3064968691"/>
+                <p14:modId xmlns:p14="http://schemas.microsoft.com/office/powerpoint/2010/main" val="1671377712"/>
               </p:ext>
             </p:extLst>
           </p:nvPr>
@@ -7657,7 +6265,7 @@
           <a:lstStyle/>
           <a:p>
             <a:r>
-              <a:rPr lang="en-US" sz="800" dirty="0"/>
+              <a:rPr lang="es-CO" sz="800" noProof="0" dirty="0"/>
               <a:t>https://www.thewebfoto.com/2-hacer-fotos/206-el-objetivo</a:t>
             </a:r>
           </a:p>
@@ -7676,7 +6284,2834 @@
 </p:sld>
 </file>
 
-<file path=ppt/slides/slide6.xml><?xml version="1.0" encoding="utf-8"?>
+<file path=ppt/slides/slide4.xml><?xml version="1.0" encoding="utf-8"?>
+<p:sld xmlns:a="http://schemas.openxmlformats.org/drawingml/2006/main" xmlns:r="http://schemas.openxmlformats.org/officeDocument/2006/relationships" xmlns:p="http://schemas.openxmlformats.org/presentationml/2006/main">
+  <p:cSld>
+    <p:spTree>
+      <p:nvGrpSpPr>
+        <p:cNvPr id="1" name=""/>
+        <p:cNvGrpSpPr/>
+        <p:nvPr/>
+      </p:nvGrpSpPr>
+      <p:grpSpPr>
+        <a:xfrm>
+          <a:off x="0" y="0"/>
+          <a:ext cx="0" cy="0"/>
+          <a:chOff x="0" y="0"/>
+          <a:chExt cx="0" cy="0"/>
+        </a:xfrm>
+      </p:grpSpPr>
+      <p:sp>
+        <p:nvSpPr>
+          <p:cNvPr id="2" name="Title 1">
+            <a:extLst>
+              <a:ext uri="{FF2B5EF4-FFF2-40B4-BE49-F238E27FC236}">
+                <a16:creationId xmlns:a16="http://schemas.microsoft.com/office/drawing/2014/main" id="{FF680D7E-564E-1569-8D95-667FD0688F24}"/>
+              </a:ext>
+            </a:extLst>
+          </p:cNvPr>
+          <p:cNvSpPr>
+            <a:spLocks noGrp="1"/>
+          </p:cNvSpPr>
+          <p:nvPr>
+            <p:ph type="title"/>
+          </p:nvPr>
+        </p:nvSpPr>
+        <p:spPr>
+          <a:xfrm>
+            <a:off x="1164772" y="-385989"/>
+            <a:ext cx="10515600" cy="1325563"/>
+          </a:xfrm>
+        </p:spPr>
+        <p:txBody>
+          <a:bodyPr/>
+          <a:lstStyle/>
+          <a:p>
+            <a:r>
+              <a:rPr lang="es-CO" noProof="0" dirty="0"/>
+              <a:t>Espectros, Colores y otros</a:t>
+            </a:r>
+          </a:p>
+        </p:txBody>
+      </p:sp>
+      <p:graphicFrame>
+        <p:nvGraphicFramePr>
+          <p:cNvPr id="4" name="Content Placeholder 3">
+            <a:extLst>
+              <a:ext uri="{FF2B5EF4-FFF2-40B4-BE49-F238E27FC236}">
+                <a16:creationId xmlns:a16="http://schemas.microsoft.com/office/drawing/2014/main" id="{351D1B04-427A-965D-9D90-9D8FE2B3FF08}"/>
+              </a:ext>
+            </a:extLst>
+          </p:cNvPr>
+          <p:cNvGraphicFramePr>
+            <a:graphicFrameLocks noGrp="1"/>
+          </p:cNvGraphicFramePr>
+          <p:nvPr>
+            <p:ph idx="1"/>
+            <p:extLst>
+              <p:ext uri="{D42A27DB-BD31-4B8C-83A1-F6EECF244321}">
+                <p14:modId xmlns:p14="http://schemas.microsoft.com/office/powerpoint/2010/main" val="64758578"/>
+              </p:ext>
+            </p:extLst>
+          </p:nvPr>
+        </p:nvGraphicFramePr>
+        <p:xfrm>
+          <a:off x="467656" y="758825"/>
+          <a:ext cx="11495742" cy="5797098"/>
+        </p:xfrm>
+        <a:graphic>
+          <a:graphicData uri="http://schemas.openxmlformats.org/drawingml/2006/table">
+            <a:tbl>
+              <a:tblPr/>
+              <a:tblGrid>
+                <a:gridCol w="535757">
+                  <a:extLst>
+                    <a:ext uri="{9D8B030D-6E8A-4147-A177-3AD203B41FA5}">
+                      <a16:colId xmlns:a16="http://schemas.microsoft.com/office/drawing/2014/main" val="3920753679"/>
+                    </a:ext>
+                  </a:extLst>
+                </a:gridCol>
+                <a:gridCol w="1532959">
+                  <a:extLst>
+                    <a:ext uri="{9D8B030D-6E8A-4147-A177-3AD203B41FA5}">
+                      <a16:colId xmlns:a16="http://schemas.microsoft.com/office/drawing/2014/main" val="424731653"/>
+                    </a:ext>
+                  </a:extLst>
+                </a:gridCol>
+                <a:gridCol w="2035628">
+                  <a:extLst>
+                    <a:ext uri="{9D8B030D-6E8A-4147-A177-3AD203B41FA5}">
+                      <a16:colId xmlns:a16="http://schemas.microsoft.com/office/drawing/2014/main" val="3432426061"/>
+                    </a:ext>
+                  </a:extLst>
+                </a:gridCol>
+                <a:gridCol w="1273629">
+                  <a:extLst>
+                    <a:ext uri="{9D8B030D-6E8A-4147-A177-3AD203B41FA5}">
+                      <a16:colId xmlns:a16="http://schemas.microsoft.com/office/drawing/2014/main" val="1415628104"/>
+                    </a:ext>
+                  </a:extLst>
+                </a:gridCol>
+                <a:gridCol w="4144191">
+                  <a:extLst>
+                    <a:ext uri="{9D8B030D-6E8A-4147-A177-3AD203B41FA5}">
+                      <a16:colId xmlns:a16="http://schemas.microsoft.com/office/drawing/2014/main" val="3565271087"/>
+                    </a:ext>
+                  </a:extLst>
+                </a:gridCol>
+                <a:gridCol w="1973578">
+                  <a:extLst>
+                    <a:ext uri="{9D8B030D-6E8A-4147-A177-3AD203B41FA5}">
+                      <a16:colId xmlns:a16="http://schemas.microsoft.com/office/drawing/2014/main" val="1887588002"/>
+                    </a:ext>
+                  </a:extLst>
+                </a:gridCol>
+              </a:tblGrid>
+              <a:tr h="371456">
+                <a:tc>
+                  <a:txBody>
+                    <a:bodyPr/>
+                    <a:lstStyle/>
+                    <a:p>
+                      <a:pPr>
+                        <a:buNone/>
+                      </a:pPr>
+                      <a:r>
+                        <a:rPr lang="es-CO" sz="1600" noProof="0" dirty="0" err="1"/>
+                        <a:t>Nº</a:t>
+                      </a:r>
+                      <a:endParaRPr lang="es-CO" sz="1600" noProof="0" dirty="0"/>
+                    </a:p>
+                  </a:txBody>
+                  <a:tcPr marL="53065" marR="53065" marT="26533" marB="26533" anchor="ctr">
+                    <a:lnL w="12700" cap="flat" cmpd="sng" algn="ctr">
+                      <a:solidFill>
+                        <a:schemeClr val="tx1"/>
+                      </a:solidFill>
+                      <a:prstDash val="solid"/>
+                      <a:round/>
+                      <a:headEnd type="none" w="med" len="med"/>
+                      <a:tailEnd type="none" w="med" len="med"/>
+                    </a:lnL>
+                    <a:lnR w="12700" cap="flat" cmpd="sng" algn="ctr">
+                      <a:solidFill>
+                        <a:schemeClr val="tx1"/>
+                      </a:solidFill>
+                      <a:prstDash val="solid"/>
+                      <a:round/>
+                      <a:headEnd type="none" w="med" len="med"/>
+                      <a:tailEnd type="none" w="med" len="med"/>
+                    </a:lnR>
+                    <a:lnT w="12700" cap="flat" cmpd="sng" algn="ctr">
+                      <a:solidFill>
+                        <a:schemeClr val="tx1"/>
+                      </a:solidFill>
+                      <a:prstDash val="solid"/>
+                      <a:round/>
+                      <a:headEnd type="none" w="med" len="med"/>
+                      <a:tailEnd type="none" w="med" len="med"/>
+                    </a:lnT>
+                    <a:lnB w="12700" cap="flat" cmpd="sng" algn="ctr">
+                      <a:solidFill>
+                        <a:schemeClr val="tx1"/>
+                      </a:solidFill>
+                      <a:prstDash val="solid"/>
+                      <a:round/>
+                      <a:headEnd type="none" w="med" len="med"/>
+                      <a:tailEnd type="none" w="med" len="med"/>
+                    </a:lnB>
+                    <a:noFill/>
+                  </a:tcPr>
+                </a:tc>
+                <a:tc>
+                  <a:txBody>
+                    <a:bodyPr/>
+                    <a:lstStyle/>
+                    <a:p>
+                      <a:pPr>
+                        <a:buNone/>
+                      </a:pPr>
+                      <a:endParaRPr lang="es-CO" sz="1600" noProof="0" dirty="0"/>
+                    </a:p>
+                  </a:txBody>
+                  <a:tcPr marL="53065" marR="53065" marT="26533" marB="26533" anchor="ctr">
+                    <a:lnL w="12700" cap="flat" cmpd="sng" algn="ctr">
+                      <a:solidFill>
+                        <a:schemeClr val="tx1"/>
+                      </a:solidFill>
+                      <a:prstDash val="solid"/>
+                      <a:round/>
+                      <a:headEnd type="none" w="med" len="med"/>
+                      <a:tailEnd type="none" w="med" len="med"/>
+                    </a:lnL>
+                    <a:lnR w="12700" cap="flat" cmpd="sng" algn="ctr">
+                      <a:solidFill>
+                        <a:schemeClr val="tx1"/>
+                      </a:solidFill>
+                      <a:prstDash val="solid"/>
+                      <a:round/>
+                      <a:headEnd type="none" w="med" len="med"/>
+                      <a:tailEnd type="none" w="med" len="med"/>
+                    </a:lnR>
+                    <a:lnT w="12700" cap="flat" cmpd="sng" algn="ctr">
+                      <a:solidFill>
+                        <a:schemeClr val="tx1"/>
+                      </a:solidFill>
+                      <a:prstDash val="solid"/>
+                      <a:round/>
+                      <a:headEnd type="none" w="med" len="med"/>
+                      <a:tailEnd type="none" w="med" len="med"/>
+                    </a:lnT>
+                    <a:lnB w="12700" cap="flat" cmpd="sng" algn="ctr">
+                      <a:solidFill>
+                        <a:schemeClr val="tx1"/>
+                      </a:solidFill>
+                      <a:prstDash val="solid"/>
+                      <a:round/>
+                      <a:headEnd type="none" w="med" len="med"/>
+                      <a:tailEnd type="none" w="med" len="med"/>
+                    </a:lnB>
+                    <a:noFill/>
+                  </a:tcPr>
+                </a:tc>
+                <a:tc>
+                  <a:txBody>
+                    <a:bodyPr/>
+                    <a:lstStyle/>
+                    <a:p>
+                      <a:pPr>
+                        <a:buNone/>
+                      </a:pPr>
+                      <a:r>
+                        <a:rPr lang="es-CO" sz="1600" noProof="0" dirty="0"/>
+                        <a:t>Longitud de onda (aprox.)</a:t>
+                      </a:r>
+                    </a:p>
+                  </a:txBody>
+                  <a:tcPr marL="53065" marR="53065" marT="26533" marB="26533" anchor="ctr">
+                    <a:lnL w="12700" cap="flat" cmpd="sng" algn="ctr">
+                      <a:solidFill>
+                        <a:schemeClr val="tx1"/>
+                      </a:solidFill>
+                      <a:prstDash val="solid"/>
+                      <a:round/>
+                      <a:headEnd type="none" w="med" len="med"/>
+                      <a:tailEnd type="none" w="med" len="med"/>
+                    </a:lnL>
+                    <a:lnR w="12700" cap="flat" cmpd="sng" algn="ctr">
+                      <a:solidFill>
+                        <a:schemeClr val="tx1"/>
+                      </a:solidFill>
+                      <a:prstDash val="solid"/>
+                      <a:round/>
+                      <a:headEnd type="none" w="med" len="med"/>
+                      <a:tailEnd type="none" w="med" len="med"/>
+                    </a:lnR>
+                    <a:lnT w="12700" cap="flat" cmpd="sng" algn="ctr">
+                      <a:solidFill>
+                        <a:schemeClr val="tx1"/>
+                      </a:solidFill>
+                      <a:prstDash val="solid"/>
+                      <a:round/>
+                      <a:headEnd type="none" w="med" len="med"/>
+                      <a:tailEnd type="none" w="med" len="med"/>
+                    </a:lnT>
+                    <a:lnB w="12700" cap="flat" cmpd="sng" algn="ctr">
+                      <a:solidFill>
+                        <a:schemeClr val="tx1"/>
+                      </a:solidFill>
+                      <a:prstDash val="solid"/>
+                      <a:round/>
+                      <a:headEnd type="none" w="med" len="med"/>
+                      <a:tailEnd type="none" w="med" len="med"/>
+                    </a:lnB>
+                    <a:noFill/>
+                  </a:tcPr>
+                </a:tc>
+                <a:tc>
+                  <a:txBody>
+                    <a:bodyPr/>
+                    <a:lstStyle/>
+                    <a:p>
+                      <a:pPr>
+                        <a:buNone/>
+                      </a:pPr>
+                      <a:r>
+                        <a:rPr lang="es-CO" sz="1600" noProof="0" dirty="0"/>
+                        <a:t>¿Visible para humanos?</a:t>
+                      </a:r>
+                    </a:p>
+                  </a:txBody>
+                  <a:tcPr marL="53065" marR="53065" marT="26533" marB="26533" anchor="ctr">
+                    <a:lnL w="12700" cap="flat" cmpd="sng" algn="ctr">
+                      <a:solidFill>
+                        <a:schemeClr val="tx1"/>
+                      </a:solidFill>
+                      <a:prstDash val="solid"/>
+                      <a:round/>
+                      <a:headEnd type="none" w="med" len="med"/>
+                      <a:tailEnd type="none" w="med" len="med"/>
+                    </a:lnL>
+                    <a:lnR w="12700" cap="flat" cmpd="sng" algn="ctr">
+                      <a:solidFill>
+                        <a:schemeClr val="tx1"/>
+                      </a:solidFill>
+                      <a:prstDash val="solid"/>
+                      <a:round/>
+                      <a:headEnd type="none" w="med" len="med"/>
+                      <a:tailEnd type="none" w="med" len="med"/>
+                    </a:lnR>
+                    <a:lnT w="12700" cap="flat" cmpd="sng" algn="ctr">
+                      <a:solidFill>
+                        <a:schemeClr val="tx1"/>
+                      </a:solidFill>
+                      <a:prstDash val="solid"/>
+                      <a:round/>
+                      <a:headEnd type="none" w="med" len="med"/>
+                      <a:tailEnd type="none" w="med" len="med"/>
+                    </a:lnT>
+                    <a:lnB w="12700" cap="flat" cmpd="sng" algn="ctr">
+                      <a:solidFill>
+                        <a:schemeClr val="tx1"/>
+                      </a:solidFill>
+                      <a:prstDash val="solid"/>
+                      <a:round/>
+                      <a:headEnd type="none" w="med" len="med"/>
+                      <a:tailEnd type="none" w="med" len="med"/>
+                    </a:lnB>
+                    <a:noFill/>
+                  </a:tcPr>
+                </a:tc>
+                <a:tc>
+                  <a:txBody>
+                    <a:bodyPr/>
+                    <a:lstStyle/>
+                    <a:p>
+                      <a:pPr>
+                        <a:buNone/>
+                      </a:pPr>
+                      <a:r>
+                        <a:rPr lang="es-CO" sz="1600" noProof="0" dirty="0"/>
+                        <a:t>Usado por...</a:t>
+                      </a:r>
+                    </a:p>
+                  </a:txBody>
+                  <a:tcPr marL="53065" marR="53065" marT="26533" marB="26533" anchor="ctr">
+                    <a:lnL w="12700" cap="flat" cmpd="sng" algn="ctr">
+                      <a:solidFill>
+                        <a:schemeClr val="tx1"/>
+                      </a:solidFill>
+                      <a:prstDash val="solid"/>
+                      <a:round/>
+                      <a:headEnd type="none" w="med" len="med"/>
+                      <a:tailEnd type="none" w="med" len="med"/>
+                    </a:lnL>
+                    <a:lnR w="12700" cap="flat" cmpd="sng" algn="ctr">
+                      <a:solidFill>
+                        <a:schemeClr val="tx1"/>
+                      </a:solidFill>
+                      <a:prstDash val="solid"/>
+                      <a:round/>
+                      <a:headEnd type="none" w="med" len="med"/>
+                      <a:tailEnd type="none" w="med" len="med"/>
+                    </a:lnR>
+                    <a:lnT w="12700" cap="flat" cmpd="sng" algn="ctr">
+                      <a:solidFill>
+                        <a:schemeClr val="tx1"/>
+                      </a:solidFill>
+                      <a:prstDash val="solid"/>
+                      <a:round/>
+                      <a:headEnd type="none" w="med" len="med"/>
+                      <a:tailEnd type="none" w="med" len="med"/>
+                    </a:lnT>
+                    <a:lnB w="12700" cap="flat" cmpd="sng" algn="ctr">
+                      <a:solidFill>
+                        <a:schemeClr val="tx1"/>
+                      </a:solidFill>
+                      <a:prstDash val="solid"/>
+                      <a:round/>
+                      <a:headEnd type="none" w="med" len="med"/>
+                      <a:tailEnd type="none" w="med" len="med"/>
+                    </a:lnB>
+                    <a:noFill/>
+                  </a:tcPr>
+                </a:tc>
+                <a:tc>
+                  <a:txBody>
+                    <a:bodyPr/>
+                    <a:lstStyle/>
+                    <a:p>
+                      <a:pPr>
+                        <a:buNone/>
+                      </a:pPr>
+                      <a:r>
+                        <a:rPr lang="es-CO" sz="1600" noProof="0" dirty="0"/>
+                        <a:t>Ejemplo de aplicación</a:t>
+                      </a:r>
+                    </a:p>
+                  </a:txBody>
+                  <a:tcPr marL="53065" marR="53065" marT="26533" marB="26533" anchor="ctr">
+                    <a:lnL w="12700" cap="flat" cmpd="sng" algn="ctr">
+                      <a:solidFill>
+                        <a:schemeClr val="tx1"/>
+                      </a:solidFill>
+                      <a:prstDash val="solid"/>
+                      <a:round/>
+                      <a:headEnd type="none" w="med" len="med"/>
+                      <a:tailEnd type="none" w="med" len="med"/>
+                    </a:lnL>
+                    <a:lnR w="12700" cap="flat" cmpd="sng" algn="ctr">
+                      <a:solidFill>
+                        <a:schemeClr val="tx1"/>
+                      </a:solidFill>
+                      <a:prstDash val="solid"/>
+                      <a:round/>
+                      <a:headEnd type="none" w="med" len="med"/>
+                      <a:tailEnd type="none" w="med" len="med"/>
+                    </a:lnR>
+                    <a:lnT w="12700" cap="flat" cmpd="sng" algn="ctr">
+                      <a:solidFill>
+                        <a:schemeClr val="tx1"/>
+                      </a:solidFill>
+                      <a:prstDash val="solid"/>
+                      <a:round/>
+                      <a:headEnd type="none" w="med" len="med"/>
+                      <a:tailEnd type="none" w="med" len="med"/>
+                    </a:lnT>
+                    <a:lnB w="12700" cap="flat" cmpd="sng" algn="ctr">
+                      <a:solidFill>
+                        <a:schemeClr val="tx1"/>
+                      </a:solidFill>
+                      <a:prstDash val="solid"/>
+                      <a:round/>
+                      <a:headEnd type="none" w="med" len="med"/>
+                      <a:tailEnd type="none" w="med" len="med"/>
+                    </a:lnB>
+                    <a:noFill/>
+                  </a:tcPr>
+                </a:tc>
+                <a:extLst>
+                  <a:ext uri="{0D108BD9-81ED-4DB2-BD59-A6C34878D82A}">
+                    <a16:rowId xmlns:a16="http://schemas.microsoft.com/office/drawing/2014/main" val="2833365528"/>
+                  </a:ext>
+                </a:extLst>
+              </a:tr>
+              <a:tr h="849042">
+                <a:tc>
+                  <a:txBody>
+                    <a:bodyPr/>
+                    <a:lstStyle/>
+                    <a:p>
+                      <a:pPr>
+                        <a:buNone/>
+                      </a:pPr>
+                      <a:r>
+                        <a:rPr lang="es-CO" sz="1600" noProof="0" dirty="0"/>
+                        <a:t>1</a:t>
+                      </a:r>
+                    </a:p>
+                  </a:txBody>
+                  <a:tcPr marL="53065" marR="53065" marT="26533" marB="26533" anchor="ctr">
+                    <a:lnL w="12700" cap="flat" cmpd="sng" algn="ctr">
+                      <a:solidFill>
+                        <a:schemeClr val="tx1"/>
+                      </a:solidFill>
+                      <a:prstDash val="solid"/>
+                      <a:round/>
+                      <a:headEnd type="none" w="med" len="med"/>
+                      <a:tailEnd type="none" w="med" len="med"/>
+                    </a:lnL>
+                    <a:lnR w="12700" cap="flat" cmpd="sng" algn="ctr">
+                      <a:solidFill>
+                        <a:schemeClr val="tx1"/>
+                      </a:solidFill>
+                      <a:prstDash val="solid"/>
+                      <a:round/>
+                      <a:headEnd type="none" w="med" len="med"/>
+                      <a:tailEnd type="none" w="med" len="med"/>
+                    </a:lnR>
+                    <a:lnT w="12700" cap="flat" cmpd="sng" algn="ctr">
+                      <a:solidFill>
+                        <a:schemeClr val="tx1"/>
+                      </a:solidFill>
+                      <a:prstDash val="solid"/>
+                      <a:round/>
+                      <a:headEnd type="none" w="med" len="med"/>
+                      <a:tailEnd type="none" w="med" len="med"/>
+                    </a:lnT>
+                    <a:lnB w="12700" cap="flat" cmpd="sng" algn="ctr">
+                      <a:solidFill>
+                        <a:schemeClr val="tx1"/>
+                      </a:solidFill>
+                      <a:prstDash val="solid"/>
+                      <a:round/>
+                      <a:headEnd type="none" w="med" len="med"/>
+                      <a:tailEnd type="none" w="med" len="med"/>
+                    </a:lnB>
+                    <a:noFill/>
+                  </a:tcPr>
+                </a:tc>
+                <a:tc>
+                  <a:txBody>
+                    <a:bodyPr/>
+                    <a:lstStyle/>
+                    <a:p>
+                      <a:pPr>
+                        <a:buNone/>
+                      </a:pPr>
+                      <a:r>
+                        <a:rPr lang="es-CO" sz="1600" b="1" noProof="0" dirty="0"/>
+                        <a:t>Ultravioleta (UV)</a:t>
+                      </a:r>
+                      <a:endParaRPr lang="es-CO" sz="1600" noProof="0" dirty="0"/>
+                    </a:p>
+                  </a:txBody>
+                  <a:tcPr marL="53065" marR="53065" marT="26533" marB="26533" anchor="ctr">
+                    <a:lnL w="12700" cap="flat" cmpd="sng" algn="ctr">
+                      <a:solidFill>
+                        <a:schemeClr val="tx1"/>
+                      </a:solidFill>
+                      <a:prstDash val="solid"/>
+                      <a:round/>
+                      <a:headEnd type="none" w="med" len="med"/>
+                      <a:tailEnd type="none" w="med" len="med"/>
+                    </a:lnL>
+                    <a:lnR w="12700" cap="flat" cmpd="sng" algn="ctr">
+                      <a:solidFill>
+                        <a:schemeClr val="tx1"/>
+                      </a:solidFill>
+                      <a:prstDash val="solid"/>
+                      <a:round/>
+                      <a:headEnd type="none" w="med" len="med"/>
+                      <a:tailEnd type="none" w="med" len="med"/>
+                    </a:lnR>
+                    <a:lnT w="12700" cap="flat" cmpd="sng" algn="ctr">
+                      <a:solidFill>
+                        <a:schemeClr val="tx1"/>
+                      </a:solidFill>
+                      <a:prstDash val="solid"/>
+                      <a:round/>
+                      <a:headEnd type="none" w="med" len="med"/>
+                      <a:tailEnd type="none" w="med" len="med"/>
+                    </a:lnT>
+                    <a:lnB w="12700" cap="flat" cmpd="sng" algn="ctr">
+                      <a:solidFill>
+                        <a:schemeClr val="tx1"/>
+                      </a:solidFill>
+                      <a:prstDash val="solid"/>
+                      <a:round/>
+                      <a:headEnd type="none" w="med" len="med"/>
+                      <a:tailEnd type="none" w="med" len="med"/>
+                    </a:lnB>
+                    <a:noFill/>
+                  </a:tcPr>
+                </a:tc>
+                <a:tc>
+                  <a:txBody>
+                    <a:bodyPr/>
+                    <a:lstStyle/>
+                    <a:p>
+                      <a:pPr>
+                        <a:buNone/>
+                      </a:pPr>
+                      <a:r>
+                        <a:rPr lang="es-CO" sz="1600" noProof="0" dirty="0"/>
+                        <a:t>10 – 400 nm</a:t>
+                      </a:r>
+                    </a:p>
+                  </a:txBody>
+                  <a:tcPr marL="53065" marR="53065" marT="26533" marB="26533" anchor="ctr">
+                    <a:lnL w="12700" cap="flat" cmpd="sng" algn="ctr">
+                      <a:solidFill>
+                        <a:schemeClr val="tx1"/>
+                      </a:solidFill>
+                      <a:prstDash val="solid"/>
+                      <a:round/>
+                      <a:headEnd type="none" w="med" len="med"/>
+                      <a:tailEnd type="none" w="med" len="med"/>
+                    </a:lnL>
+                    <a:lnR w="12700" cap="flat" cmpd="sng" algn="ctr">
+                      <a:solidFill>
+                        <a:schemeClr val="tx1"/>
+                      </a:solidFill>
+                      <a:prstDash val="solid"/>
+                      <a:round/>
+                      <a:headEnd type="none" w="med" len="med"/>
+                      <a:tailEnd type="none" w="med" len="med"/>
+                    </a:lnR>
+                    <a:lnT w="12700" cap="flat" cmpd="sng" algn="ctr">
+                      <a:solidFill>
+                        <a:schemeClr val="tx1"/>
+                      </a:solidFill>
+                      <a:prstDash val="solid"/>
+                      <a:round/>
+                      <a:headEnd type="none" w="med" len="med"/>
+                      <a:tailEnd type="none" w="med" len="med"/>
+                    </a:lnT>
+                    <a:lnB w="12700" cap="flat" cmpd="sng" algn="ctr">
+                      <a:solidFill>
+                        <a:schemeClr val="tx1"/>
+                      </a:solidFill>
+                      <a:prstDash val="solid"/>
+                      <a:round/>
+                      <a:headEnd type="none" w="med" len="med"/>
+                      <a:tailEnd type="none" w="med" len="med"/>
+                    </a:lnB>
+                    <a:noFill/>
+                  </a:tcPr>
+                </a:tc>
+                <a:tc>
+                  <a:txBody>
+                    <a:bodyPr/>
+                    <a:lstStyle/>
+                    <a:p>
+                      <a:pPr>
+                        <a:buNone/>
+                      </a:pPr>
+                      <a:r>
+                        <a:rPr lang="es-CO" sz="1600" noProof="0" dirty="0"/>
+                        <a:t>No</a:t>
+                      </a:r>
+                    </a:p>
+                  </a:txBody>
+                  <a:tcPr marL="53065" marR="53065" marT="26533" marB="26533" anchor="ctr">
+                    <a:lnL w="12700" cap="flat" cmpd="sng" algn="ctr">
+                      <a:solidFill>
+                        <a:schemeClr val="tx1"/>
+                      </a:solidFill>
+                      <a:prstDash val="solid"/>
+                      <a:round/>
+                      <a:headEnd type="none" w="med" len="med"/>
+                      <a:tailEnd type="none" w="med" len="med"/>
+                    </a:lnL>
+                    <a:lnR w="12700" cap="flat" cmpd="sng" algn="ctr">
+                      <a:solidFill>
+                        <a:schemeClr val="tx1"/>
+                      </a:solidFill>
+                      <a:prstDash val="solid"/>
+                      <a:round/>
+                      <a:headEnd type="none" w="med" len="med"/>
+                      <a:tailEnd type="none" w="med" len="med"/>
+                    </a:lnR>
+                    <a:lnT w="12700" cap="flat" cmpd="sng" algn="ctr">
+                      <a:solidFill>
+                        <a:schemeClr val="tx1"/>
+                      </a:solidFill>
+                      <a:prstDash val="solid"/>
+                      <a:round/>
+                      <a:headEnd type="none" w="med" len="med"/>
+                      <a:tailEnd type="none" w="med" len="med"/>
+                    </a:lnT>
+                    <a:lnB w="12700" cap="flat" cmpd="sng" algn="ctr">
+                      <a:solidFill>
+                        <a:schemeClr val="tx1"/>
+                      </a:solidFill>
+                      <a:prstDash val="solid"/>
+                      <a:round/>
+                      <a:headEnd type="none" w="med" len="med"/>
+                      <a:tailEnd type="none" w="med" len="med"/>
+                    </a:lnB>
+                    <a:noFill/>
+                  </a:tcPr>
+                </a:tc>
+                <a:tc>
+                  <a:txBody>
+                    <a:bodyPr/>
+                    <a:lstStyle/>
+                    <a:p>
+                      <a:pPr>
+                        <a:buNone/>
+                      </a:pPr>
+                      <a:r>
+                        <a:rPr lang="es-CO" sz="1600" noProof="0" dirty="0"/>
+                        <a:t>Abejas, mariposas, aves, camarones mantis</a:t>
+                      </a:r>
+                    </a:p>
+                  </a:txBody>
+                  <a:tcPr marL="53065" marR="53065" marT="26533" marB="26533" anchor="ctr">
+                    <a:lnL w="12700" cap="flat" cmpd="sng" algn="ctr">
+                      <a:solidFill>
+                        <a:schemeClr val="tx1"/>
+                      </a:solidFill>
+                      <a:prstDash val="solid"/>
+                      <a:round/>
+                      <a:headEnd type="none" w="med" len="med"/>
+                      <a:tailEnd type="none" w="med" len="med"/>
+                    </a:lnL>
+                    <a:lnR w="12700" cap="flat" cmpd="sng" algn="ctr">
+                      <a:solidFill>
+                        <a:schemeClr val="tx1"/>
+                      </a:solidFill>
+                      <a:prstDash val="solid"/>
+                      <a:round/>
+                      <a:headEnd type="none" w="med" len="med"/>
+                      <a:tailEnd type="none" w="med" len="med"/>
+                    </a:lnR>
+                    <a:lnT w="12700" cap="flat" cmpd="sng" algn="ctr">
+                      <a:solidFill>
+                        <a:schemeClr val="tx1"/>
+                      </a:solidFill>
+                      <a:prstDash val="solid"/>
+                      <a:round/>
+                      <a:headEnd type="none" w="med" len="med"/>
+                      <a:tailEnd type="none" w="med" len="med"/>
+                    </a:lnT>
+                    <a:lnB w="12700" cap="flat" cmpd="sng" algn="ctr">
+                      <a:solidFill>
+                        <a:schemeClr val="tx1"/>
+                      </a:solidFill>
+                      <a:prstDash val="solid"/>
+                      <a:round/>
+                      <a:headEnd type="none" w="med" len="med"/>
+                      <a:tailEnd type="none" w="med" len="med"/>
+                    </a:lnB>
+                    <a:noFill/>
+                  </a:tcPr>
+                </a:tc>
+                <a:tc>
+                  <a:txBody>
+                    <a:bodyPr/>
+                    <a:lstStyle/>
+                    <a:p>
+                      <a:pPr>
+                        <a:buNone/>
+                      </a:pPr>
+                      <a:r>
+                        <a:rPr lang="es-CO" sz="1600" noProof="0" dirty="0"/>
+                        <a:t>Polinización, detección de señales ocultas</a:t>
+                      </a:r>
+                    </a:p>
+                  </a:txBody>
+                  <a:tcPr marL="53065" marR="53065" marT="26533" marB="26533" anchor="ctr">
+                    <a:lnL w="12700" cap="flat" cmpd="sng" algn="ctr">
+                      <a:solidFill>
+                        <a:schemeClr val="tx1"/>
+                      </a:solidFill>
+                      <a:prstDash val="solid"/>
+                      <a:round/>
+                      <a:headEnd type="none" w="med" len="med"/>
+                      <a:tailEnd type="none" w="med" len="med"/>
+                    </a:lnL>
+                    <a:lnR w="12700" cap="flat" cmpd="sng" algn="ctr">
+                      <a:solidFill>
+                        <a:schemeClr val="tx1"/>
+                      </a:solidFill>
+                      <a:prstDash val="solid"/>
+                      <a:round/>
+                      <a:headEnd type="none" w="med" len="med"/>
+                      <a:tailEnd type="none" w="med" len="med"/>
+                    </a:lnR>
+                    <a:lnT w="12700" cap="flat" cmpd="sng" algn="ctr">
+                      <a:solidFill>
+                        <a:schemeClr val="tx1"/>
+                      </a:solidFill>
+                      <a:prstDash val="solid"/>
+                      <a:round/>
+                      <a:headEnd type="none" w="med" len="med"/>
+                      <a:tailEnd type="none" w="med" len="med"/>
+                    </a:lnT>
+                    <a:lnB w="12700" cap="flat" cmpd="sng" algn="ctr">
+                      <a:solidFill>
+                        <a:schemeClr val="tx1"/>
+                      </a:solidFill>
+                      <a:prstDash val="solid"/>
+                      <a:round/>
+                      <a:headEnd type="none" w="med" len="med"/>
+                      <a:tailEnd type="none" w="med" len="med"/>
+                    </a:lnB>
+                    <a:noFill/>
+                  </a:tcPr>
+                </a:tc>
+                <a:extLst>
+                  <a:ext uri="{0D108BD9-81ED-4DB2-BD59-A6C34878D82A}">
+                    <a16:rowId xmlns:a16="http://schemas.microsoft.com/office/drawing/2014/main" val="2309933280"/>
+                  </a:ext>
+                </a:extLst>
+              </a:tr>
+              <a:tr h="689846">
+                <a:tc>
+                  <a:txBody>
+                    <a:bodyPr/>
+                    <a:lstStyle/>
+                    <a:p>
+                      <a:pPr>
+                        <a:buNone/>
+                      </a:pPr>
+                      <a:r>
+                        <a:rPr lang="es-CO" sz="1600" noProof="0" dirty="0"/>
+                        <a:t>2</a:t>
+                      </a:r>
+                    </a:p>
+                  </a:txBody>
+                  <a:tcPr marL="53065" marR="53065" marT="26533" marB="26533" anchor="ctr">
+                    <a:lnL w="12700" cap="flat" cmpd="sng" algn="ctr">
+                      <a:solidFill>
+                        <a:schemeClr val="tx1"/>
+                      </a:solidFill>
+                      <a:prstDash val="solid"/>
+                      <a:round/>
+                      <a:headEnd type="none" w="med" len="med"/>
+                      <a:tailEnd type="none" w="med" len="med"/>
+                    </a:lnL>
+                    <a:lnR w="12700" cap="flat" cmpd="sng" algn="ctr">
+                      <a:solidFill>
+                        <a:schemeClr val="tx1"/>
+                      </a:solidFill>
+                      <a:prstDash val="solid"/>
+                      <a:round/>
+                      <a:headEnd type="none" w="med" len="med"/>
+                      <a:tailEnd type="none" w="med" len="med"/>
+                    </a:lnR>
+                    <a:lnT w="12700" cap="flat" cmpd="sng" algn="ctr">
+                      <a:solidFill>
+                        <a:schemeClr val="tx1"/>
+                      </a:solidFill>
+                      <a:prstDash val="solid"/>
+                      <a:round/>
+                      <a:headEnd type="none" w="med" len="med"/>
+                      <a:tailEnd type="none" w="med" len="med"/>
+                    </a:lnT>
+                    <a:lnB w="12700" cap="flat" cmpd="sng" algn="ctr">
+                      <a:solidFill>
+                        <a:schemeClr val="tx1"/>
+                      </a:solidFill>
+                      <a:prstDash val="solid"/>
+                      <a:round/>
+                      <a:headEnd type="none" w="med" len="med"/>
+                      <a:tailEnd type="none" w="med" len="med"/>
+                    </a:lnB>
+                    <a:noFill/>
+                  </a:tcPr>
+                </a:tc>
+                <a:tc>
+                  <a:txBody>
+                    <a:bodyPr/>
+                    <a:lstStyle/>
+                    <a:p>
+                      <a:pPr>
+                        <a:buNone/>
+                      </a:pPr>
+                      <a:r>
+                        <a:rPr lang="es-CO" sz="1600" b="1" noProof="0" dirty="0"/>
+                        <a:t>Visible (RGB)</a:t>
+                      </a:r>
+                      <a:endParaRPr lang="es-CO" sz="1600" noProof="0" dirty="0"/>
+                    </a:p>
+                  </a:txBody>
+                  <a:tcPr marL="53065" marR="53065" marT="26533" marB="26533" anchor="ctr">
+                    <a:lnL w="12700" cap="flat" cmpd="sng" algn="ctr">
+                      <a:solidFill>
+                        <a:schemeClr val="tx1"/>
+                      </a:solidFill>
+                      <a:prstDash val="solid"/>
+                      <a:round/>
+                      <a:headEnd type="none" w="med" len="med"/>
+                      <a:tailEnd type="none" w="med" len="med"/>
+                    </a:lnL>
+                    <a:lnR w="12700" cap="flat" cmpd="sng" algn="ctr">
+                      <a:solidFill>
+                        <a:schemeClr val="tx1"/>
+                      </a:solidFill>
+                      <a:prstDash val="solid"/>
+                      <a:round/>
+                      <a:headEnd type="none" w="med" len="med"/>
+                      <a:tailEnd type="none" w="med" len="med"/>
+                    </a:lnR>
+                    <a:lnT w="12700" cap="flat" cmpd="sng" algn="ctr">
+                      <a:solidFill>
+                        <a:schemeClr val="tx1"/>
+                      </a:solidFill>
+                      <a:prstDash val="solid"/>
+                      <a:round/>
+                      <a:headEnd type="none" w="med" len="med"/>
+                      <a:tailEnd type="none" w="med" len="med"/>
+                    </a:lnT>
+                    <a:lnB w="12700" cap="flat" cmpd="sng" algn="ctr">
+                      <a:solidFill>
+                        <a:schemeClr val="tx1"/>
+                      </a:solidFill>
+                      <a:prstDash val="solid"/>
+                      <a:round/>
+                      <a:headEnd type="none" w="med" len="med"/>
+                      <a:tailEnd type="none" w="med" len="med"/>
+                    </a:lnB>
+                    <a:noFill/>
+                  </a:tcPr>
+                </a:tc>
+                <a:tc>
+                  <a:txBody>
+                    <a:bodyPr/>
+                    <a:lstStyle/>
+                    <a:p>
+                      <a:pPr>
+                        <a:buNone/>
+                      </a:pPr>
+                      <a:r>
+                        <a:rPr lang="es-CO" sz="1600" noProof="0" dirty="0"/>
+                        <a:t>400 – 700 nm</a:t>
+                      </a:r>
+                    </a:p>
+                  </a:txBody>
+                  <a:tcPr marL="53065" marR="53065" marT="26533" marB="26533" anchor="ctr">
+                    <a:lnL w="12700" cap="flat" cmpd="sng" algn="ctr">
+                      <a:solidFill>
+                        <a:schemeClr val="tx1"/>
+                      </a:solidFill>
+                      <a:prstDash val="solid"/>
+                      <a:round/>
+                      <a:headEnd type="none" w="med" len="med"/>
+                      <a:tailEnd type="none" w="med" len="med"/>
+                    </a:lnL>
+                    <a:lnR w="12700" cap="flat" cmpd="sng" algn="ctr">
+                      <a:solidFill>
+                        <a:schemeClr val="tx1"/>
+                      </a:solidFill>
+                      <a:prstDash val="solid"/>
+                      <a:round/>
+                      <a:headEnd type="none" w="med" len="med"/>
+                      <a:tailEnd type="none" w="med" len="med"/>
+                    </a:lnR>
+                    <a:lnT w="12700" cap="flat" cmpd="sng" algn="ctr">
+                      <a:solidFill>
+                        <a:schemeClr val="tx1"/>
+                      </a:solidFill>
+                      <a:prstDash val="solid"/>
+                      <a:round/>
+                      <a:headEnd type="none" w="med" len="med"/>
+                      <a:tailEnd type="none" w="med" len="med"/>
+                    </a:lnT>
+                    <a:lnB w="12700" cap="flat" cmpd="sng" algn="ctr">
+                      <a:solidFill>
+                        <a:schemeClr val="tx1"/>
+                      </a:solidFill>
+                      <a:prstDash val="solid"/>
+                      <a:round/>
+                      <a:headEnd type="none" w="med" len="med"/>
+                      <a:tailEnd type="none" w="med" len="med"/>
+                    </a:lnB>
+                    <a:noFill/>
+                  </a:tcPr>
+                </a:tc>
+                <a:tc>
+                  <a:txBody>
+                    <a:bodyPr/>
+                    <a:lstStyle/>
+                    <a:p>
+                      <a:pPr>
+                        <a:buNone/>
+                      </a:pPr>
+                      <a:r>
+                        <a:rPr lang="es-CO" sz="1600" noProof="0" dirty="0"/>
+                        <a:t>Sí</a:t>
+                      </a:r>
+                    </a:p>
+                  </a:txBody>
+                  <a:tcPr marL="53065" marR="53065" marT="26533" marB="26533" anchor="ctr">
+                    <a:lnL w="12700" cap="flat" cmpd="sng" algn="ctr">
+                      <a:solidFill>
+                        <a:schemeClr val="tx1"/>
+                      </a:solidFill>
+                      <a:prstDash val="solid"/>
+                      <a:round/>
+                      <a:headEnd type="none" w="med" len="med"/>
+                      <a:tailEnd type="none" w="med" len="med"/>
+                    </a:lnL>
+                    <a:lnR w="12700" cap="flat" cmpd="sng" algn="ctr">
+                      <a:solidFill>
+                        <a:schemeClr val="tx1"/>
+                      </a:solidFill>
+                      <a:prstDash val="solid"/>
+                      <a:round/>
+                      <a:headEnd type="none" w="med" len="med"/>
+                      <a:tailEnd type="none" w="med" len="med"/>
+                    </a:lnR>
+                    <a:lnT w="12700" cap="flat" cmpd="sng" algn="ctr">
+                      <a:solidFill>
+                        <a:schemeClr val="tx1"/>
+                      </a:solidFill>
+                      <a:prstDash val="solid"/>
+                      <a:round/>
+                      <a:headEnd type="none" w="med" len="med"/>
+                      <a:tailEnd type="none" w="med" len="med"/>
+                    </a:lnT>
+                    <a:lnB w="12700" cap="flat" cmpd="sng" algn="ctr">
+                      <a:solidFill>
+                        <a:schemeClr val="tx1"/>
+                      </a:solidFill>
+                      <a:prstDash val="solid"/>
+                      <a:round/>
+                      <a:headEnd type="none" w="med" len="med"/>
+                      <a:tailEnd type="none" w="med" len="med"/>
+                    </a:lnB>
+                    <a:noFill/>
+                  </a:tcPr>
+                </a:tc>
+                <a:tc>
+                  <a:txBody>
+                    <a:bodyPr/>
+                    <a:lstStyle/>
+                    <a:p>
+                      <a:pPr>
+                        <a:buNone/>
+                      </a:pPr>
+                      <a:r>
+                        <a:rPr lang="es-CO" sz="1600" noProof="0" dirty="0"/>
+                        <a:t>Humanos, primates, cámaras digitales</a:t>
+                      </a:r>
+                    </a:p>
+                  </a:txBody>
+                  <a:tcPr marL="53065" marR="53065" marT="26533" marB="26533" anchor="ctr">
+                    <a:lnL w="12700" cap="flat" cmpd="sng" algn="ctr">
+                      <a:solidFill>
+                        <a:schemeClr val="tx1"/>
+                      </a:solidFill>
+                      <a:prstDash val="solid"/>
+                      <a:round/>
+                      <a:headEnd type="none" w="med" len="med"/>
+                      <a:tailEnd type="none" w="med" len="med"/>
+                    </a:lnL>
+                    <a:lnR w="12700" cap="flat" cmpd="sng" algn="ctr">
+                      <a:solidFill>
+                        <a:schemeClr val="tx1"/>
+                      </a:solidFill>
+                      <a:prstDash val="solid"/>
+                      <a:round/>
+                      <a:headEnd type="none" w="med" len="med"/>
+                      <a:tailEnd type="none" w="med" len="med"/>
+                    </a:lnR>
+                    <a:lnT w="12700" cap="flat" cmpd="sng" algn="ctr">
+                      <a:solidFill>
+                        <a:schemeClr val="tx1"/>
+                      </a:solidFill>
+                      <a:prstDash val="solid"/>
+                      <a:round/>
+                      <a:headEnd type="none" w="med" len="med"/>
+                      <a:tailEnd type="none" w="med" len="med"/>
+                    </a:lnT>
+                    <a:lnB w="12700" cap="flat" cmpd="sng" algn="ctr">
+                      <a:solidFill>
+                        <a:schemeClr val="tx1"/>
+                      </a:solidFill>
+                      <a:prstDash val="solid"/>
+                      <a:round/>
+                      <a:headEnd type="none" w="med" len="med"/>
+                      <a:tailEnd type="none" w="med" len="med"/>
+                    </a:lnB>
+                    <a:noFill/>
+                  </a:tcPr>
+                </a:tc>
+                <a:tc>
+                  <a:txBody>
+                    <a:bodyPr/>
+                    <a:lstStyle/>
+                    <a:p>
+                      <a:pPr>
+                        <a:buNone/>
+                      </a:pPr>
+                      <a:r>
+                        <a:rPr lang="es-CO" sz="1600" noProof="0" dirty="0"/>
+                        <a:t>Visión cotidiana, procesamiento de imágenes</a:t>
+                      </a:r>
+                    </a:p>
+                  </a:txBody>
+                  <a:tcPr marL="53065" marR="53065" marT="26533" marB="26533" anchor="ctr">
+                    <a:lnL w="12700" cap="flat" cmpd="sng" algn="ctr">
+                      <a:solidFill>
+                        <a:schemeClr val="tx1"/>
+                      </a:solidFill>
+                      <a:prstDash val="solid"/>
+                      <a:round/>
+                      <a:headEnd type="none" w="med" len="med"/>
+                      <a:tailEnd type="none" w="med" len="med"/>
+                    </a:lnL>
+                    <a:lnR w="12700" cap="flat" cmpd="sng" algn="ctr">
+                      <a:solidFill>
+                        <a:schemeClr val="tx1"/>
+                      </a:solidFill>
+                      <a:prstDash val="solid"/>
+                      <a:round/>
+                      <a:headEnd type="none" w="med" len="med"/>
+                      <a:tailEnd type="none" w="med" len="med"/>
+                    </a:lnR>
+                    <a:lnT w="12700" cap="flat" cmpd="sng" algn="ctr">
+                      <a:solidFill>
+                        <a:schemeClr val="tx1"/>
+                      </a:solidFill>
+                      <a:prstDash val="solid"/>
+                      <a:round/>
+                      <a:headEnd type="none" w="med" len="med"/>
+                      <a:tailEnd type="none" w="med" len="med"/>
+                    </a:lnT>
+                    <a:lnB w="12700" cap="flat" cmpd="sng" algn="ctr">
+                      <a:solidFill>
+                        <a:schemeClr val="tx1"/>
+                      </a:solidFill>
+                      <a:prstDash val="solid"/>
+                      <a:round/>
+                      <a:headEnd type="none" w="med" len="med"/>
+                      <a:tailEnd type="none" w="med" len="med"/>
+                    </a:lnB>
+                    <a:noFill/>
+                  </a:tcPr>
+                </a:tc>
+                <a:extLst>
+                  <a:ext uri="{0D108BD9-81ED-4DB2-BD59-A6C34878D82A}">
+                    <a16:rowId xmlns:a16="http://schemas.microsoft.com/office/drawing/2014/main" val="4005046479"/>
+                  </a:ext>
+                </a:extLst>
+              </a:tr>
+              <a:tr h="530651">
+                <a:tc>
+                  <a:txBody>
+                    <a:bodyPr/>
+                    <a:lstStyle/>
+                    <a:p>
+                      <a:pPr>
+                        <a:buNone/>
+                      </a:pPr>
+                      <a:r>
+                        <a:rPr lang="es-CO" sz="1600" noProof="0" dirty="0"/>
+                        <a:t>3</a:t>
+                      </a:r>
+                    </a:p>
+                  </a:txBody>
+                  <a:tcPr marL="53065" marR="53065" marT="26533" marB="26533" anchor="ctr">
+                    <a:lnL w="12700" cap="flat" cmpd="sng" algn="ctr">
+                      <a:solidFill>
+                        <a:schemeClr val="tx1"/>
+                      </a:solidFill>
+                      <a:prstDash val="solid"/>
+                      <a:round/>
+                      <a:headEnd type="none" w="med" len="med"/>
+                      <a:tailEnd type="none" w="med" len="med"/>
+                    </a:lnL>
+                    <a:lnR w="12700" cap="flat" cmpd="sng" algn="ctr">
+                      <a:solidFill>
+                        <a:schemeClr val="tx1"/>
+                      </a:solidFill>
+                      <a:prstDash val="solid"/>
+                      <a:round/>
+                      <a:headEnd type="none" w="med" len="med"/>
+                      <a:tailEnd type="none" w="med" len="med"/>
+                    </a:lnR>
+                    <a:lnT w="12700" cap="flat" cmpd="sng" algn="ctr">
+                      <a:solidFill>
+                        <a:schemeClr val="tx1"/>
+                      </a:solidFill>
+                      <a:prstDash val="solid"/>
+                      <a:round/>
+                      <a:headEnd type="none" w="med" len="med"/>
+                      <a:tailEnd type="none" w="med" len="med"/>
+                    </a:lnT>
+                    <a:lnB w="12700" cap="flat" cmpd="sng" algn="ctr">
+                      <a:solidFill>
+                        <a:schemeClr val="tx1"/>
+                      </a:solidFill>
+                      <a:prstDash val="solid"/>
+                      <a:round/>
+                      <a:headEnd type="none" w="med" len="med"/>
+                      <a:tailEnd type="none" w="med" len="med"/>
+                    </a:lnB>
+                    <a:noFill/>
+                  </a:tcPr>
+                </a:tc>
+                <a:tc>
+                  <a:txBody>
+                    <a:bodyPr/>
+                    <a:lstStyle/>
+                    <a:p>
+                      <a:pPr>
+                        <a:buNone/>
+                      </a:pPr>
+                      <a:r>
+                        <a:rPr lang="es-CO" sz="1600" b="1" noProof="0" dirty="0"/>
+                        <a:t>Infrarrojo cercano (NIR)</a:t>
+                      </a:r>
+                      <a:endParaRPr lang="es-CO" sz="1600" noProof="0" dirty="0"/>
+                    </a:p>
+                  </a:txBody>
+                  <a:tcPr marL="53065" marR="53065" marT="26533" marB="26533" anchor="ctr">
+                    <a:lnL w="12700" cap="flat" cmpd="sng" algn="ctr">
+                      <a:solidFill>
+                        <a:schemeClr val="tx1"/>
+                      </a:solidFill>
+                      <a:prstDash val="solid"/>
+                      <a:round/>
+                      <a:headEnd type="none" w="med" len="med"/>
+                      <a:tailEnd type="none" w="med" len="med"/>
+                    </a:lnL>
+                    <a:lnR w="12700" cap="flat" cmpd="sng" algn="ctr">
+                      <a:solidFill>
+                        <a:schemeClr val="tx1"/>
+                      </a:solidFill>
+                      <a:prstDash val="solid"/>
+                      <a:round/>
+                      <a:headEnd type="none" w="med" len="med"/>
+                      <a:tailEnd type="none" w="med" len="med"/>
+                    </a:lnR>
+                    <a:lnT w="12700" cap="flat" cmpd="sng" algn="ctr">
+                      <a:solidFill>
+                        <a:schemeClr val="tx1"/>
+                      </a:solidFill>
+                      <a:prstDash val="solid"/>
+                      <a:round/>
+                      <a:headEnd type="none" w="med" len="med"/>
+                      <a:tailEnd type="none" w="med" len="med"/>
+                    </a:lnT>
+                    <a:lnB w="12700" cap="flat" cmpd="sng" algn="ctr">
+                      <a:solidFill>
+                        <a:schemeClr val="tx1"/>
+                      </a:solidFill>
+                      <a:prstDash val="solid"/>
+                      <a:round/>
+                      <a:headEnd type="none" w="med" len="med"/>
+                      <a:tailEnd type="none" w="med" len="med"/>
+                    </a:lnB>
+                    <a:noFill/>
+                  </a:tcPr>
+                </a:tc>
+                <a:tc>
+                  <a:txBody>
+                    <a:bodyPr/>
+                    <a:lstStyle/>
+                    <a:p>
+                      <a:pPr>
+                        <a:buNone/>
+                      </a:pPr>
+                      <a:r>
+                        <a:rPr lang="es-CO" sz="1600" noProof="0" dirty="0"/>
+                        <a:t>700 – 1400 nm</a:t>
+                      </a:r>
+                    </a:p>
+                  </a:txBody>
+                  <a:tcPr marL="53065" marR="53065" marT="26533" marB="26533" anchor="ctr">
+                    <a:lnL w="12700" cap="flat" cmpd="sng" algn="ctr">
+                      <a:solidFill>
+                        <a:schemeClr val="tx1"/>
+                      </a:solidFill>
+                      <a:prstDash val="solid"/>
+                      <a:round/>
+                      <a:headEnd type="none" w="med" len="med"/>
+                      <a:tailEnd type="none" w="med" len="med"/>
+                    </a:lnL>
+                    <a:lnR w="12700" cap="flat" cmpd="sng" algn="ctr">
+                      <a:solidFill>
+                        <a:schemeClr val="tx1"/>
+                      </a:solidFill>
+                      <a:prstDash val="solid"/>
+                      <a:round/>
+                      <a:headEnd type="none" w="med" len="med"/>
+                      <a:tailEnd type="none" w="med" len="med"/>
+                    </a:lnR>
+                    <a:lnT w="12700" cap="flat" cmpd="sng" algn="ctr">
+                      <a:solidFill>
+                        <a:schemeClr val="tx1"/>
+                      </a:solidFill>
+                      <a:prstDash val="solid"/>
+                      <a:round/>
+                      <a:headEnd type="none" w="med" len="med"/>
+                      <a:tailEnd type="none" w="med" len="med"/>
+                    </a:lnT>
+                    <a:lnB w="12700" cap="flat" cmpd="sng" algn="ctr">
+                      <a:solidFill>
+                        <a:schemeClr val="tx1"/>
+                      </a:solidFill>
+                      <a:prstDash val="solid"/>
+                      <a:round/>
+                      <a:headEnd type="none" w="med" len="med"/>
+                      <a:tailEnd type="none" w="med" len="med"/>
+                    </a:lnB>
+                    <a:noFill/>
+                  </a:tcPr>
+                </a:tc>
+                <a:tc>
+                  <a:txBody>
+                    <a:bodyPr/>
+                    <a:lstStyle/>
+                    <a:p>
+                      <a:pPr>
+                        <a:buNone/>
+                      </a:pPr>
+                      <a:r>
+                        <a:rPr lang="es-CO" sz="1600" noProof="0" dirty="0"/>
+                        <a:t>No</a:t>
+                      </a:r>
+                    </a:p>
+                  </a:txBody>
+                  <a:tcPr marL="53065" marR="53065" marT="26533" marB="26533" anchor="ctr">
+                    <a:lnL w="12700" cap="flat" cmpd="sng" algn="ctr">
+                      <a:solidFill>
+                        <a:schemeClr val="tx1"/>
+                      </a:solidFill>
+                      <a:prstDash val="solid"/>
+                      <a:round/>
+                      <a:headEnd type="none" w="med" len="med"/>
+                      <a:tailEnd type="none" w="med" len="med"/>
+                    </a:lnL>
+                    <a:lnR w="12700" cap="flat" cmpd="sng" algn="ctr">
+                      <a:solidFill>
+                        <a:schemeClr val="tx1"/>
+                      </a:solidFill>
+                      <a:prstDash val="solid"/>
+                      <a:round/>
+                      <a:headEnd type="none" w="med" len="med"/>
+                      <a:tailEnd type="none" w="med" len="med"/>
+                    </a:lnR>
+                    <a:lnT w="12700" cap="flat" cmpd="sng" algn="ctr">
+                      <a:solidFill>
+                        <a:schemeClr val="tx1"/>
+                      </a:solidFill>
+                      <a:prstDash val="solid"/>
+                      <a:round/>
+                      <a:headEnd type="none" w="med" len="med"/>
+                      <a:tailEnd type="none" w="med" len="med"/>
+                    </a:lnT>
+                    <a:lnB w="12700" cap="flat" cmpd="sng" algn="ctr">
+                      <a:solidFill>
+                        <a:schemeClr val="tx1"/>
+                      </a:solidFill>
+                      <a:prstDash val="solid"/>
+                      <a:round/>
+                      <a:headEnd type="none" w="med" len="med"/>
+                      <a:tailEnd type="none" w="med" len="med"/>
+                    </a:lnB>
+                    <a:noFill/>
+                  </a:tcPr>
+                </a:tc>
+                <a:tc>
+                  <a:txBody>
+                    <a:bodyPr/>
+                    <a:lstStyle/>
+                    <a:p>
+                      <a:pPr>
+                        <a:buNone/>
+                      </a:pPr>
+                      <a:r>
+                        <a:rPr lang="es-CO" sz="1600" noProof="0" dirty="0"/>
+                        <a:t>Cámaras de seguridad, visión nocturna</a:t>
+                      </a:r>
+                    </a:p>
+                  </a:txBody>
+                  <a:tcPr marL="53065" marR="53065" marT="26533" marB="26533" anchor="ctr">
+                    <a:lnL w="12700" cap="flat" cmpd="sng" algn="ctr">
+                      <a:solidFill>
+                        <a:schemeClr val="tx1"/>
+                      </a:solidFill>
+                      <a:prstDash val="solid"/>
+                      <a:round/>
+                      <a:headEnd type="none" w="med" len="med"/>
+                      <a:tailEnd type="none" w="med" len="med"/>
+                    </a:lnL>
+                    <a:lnR w="12700" cap="flat" cmpd="sng" algn="ctr">
+                      <a:solidFill>
+                        <a:schemeClr val="tx1"/>
+                      </a:solidFill>
+                      <a:prstDash val="solid"/>
+                      <a:round/>
+                      <a:headEnd type="none" w="med" len="med"/>
+                      <a:tailEnd type="none" w="med" len="med"/>
+                    </a:lnR>
+                    <a:lnT w="12700" cap="flat" cmpd="sng" algn="ctr">
+                      <a:solidFill>
+                        <a:schemeClr val="tx1"/>
+                      </a:solidFill>
+                      <a:prstDash val="solid"/>
+                      <a:round/>
+                      <a:headEnd type="none" w="med" len="med"/>
+                      <a:tailEnd type="none" w="med" len="med"/>
+                    </a:lnT>
+                    <a:lnB w="12700" cap="flat" cmpd="sng" algn="ctr">
+                      <a:solidFill>
+                        <a:schemeClr val="tx1"/>
+                      </a:solidFill>
+                      <a:prstDash val="solid"/>
+                      <a:round/>
+                      <a:headEnd type="none" w="med" len="med"/>
+                      <a:tailEnd type="none" w="med" len="med"/>
+                    </a:lnB>
+                    <a:noFill/>
+                  </a:tcPr>
+                </a:tc>
+                <a:tc>
+                  <a:txBody>
+                    <a:bodyPr/>
+                    <a:lstStyle/>
+                    <a:p>
+                      <a:pPr>
+                        <a:buNone/>
+                      </a:pPr>
+                      <a:r>
+                        <a:rPr lang="es-CO" sz="1600" noProof="0" dirty="0"/>
+                        <a:t>Visión en oscuridad, sensores 3D</a:t>
+                      </a:r>
+                    </a:p>
+                  </a:txBody>
+                  <a:tcPr marL="53065" marR="53065" marT="26533" marB="26533" anchor="ctr">
+                    <a:lnL w="12700" cap="flat" cmpd="sng" algn="ctr">
+                      <a:solidFill>
+                        <a:schemeClr val="tx1"/>
+                      </a:solidFill>
+                      <a:prstDash val="solid"/>
+                      <a:round/>
+                      <a:headEnd type="none" w="med" len="med"/>
+                      <a:tailEnd type="none" w="med" len="med"/>
+                    </a:lnL>
+                    <a:lnR w="12700" cap="flat" cmpd="sng" algn="ctr">
+                      <a:solidFill>
+                        <a:schemeClr val="tx1"/>
+                      </a:solidFill>
+                      <a:prstDash val="solid"/>
+                      <a:round/>
+                      <a:headEnd type="none" w="med" len="med"/>
+                      <a:tailEnd type="none" w="med" len="med"/>
+                    </a:lnR>
+                    <a:lnT w="12700" cap="flat" cmpd="sng" algn="ctr">
+                      <a:solidFill>
+                        <a:schemeClr val="tx1"/>
+                      </a:solidFill>
+                      <a:prstDash val="solid"/>
+                      <a:round/>
+                      <a:headEnd type="none" w="med" len="med"/>
+                      <a:tailEnd type="none" w="med" len="med"/>
+                    </a:lnT>
+                    <a:lnB w="12700" cap="flat" cmpd="sng" algn="ctr">
+                      <a:solidFill>
+                        <a:schemeClr val="tx1"/>
+                      </a:solidFill>
+                      <a:prstDash val="solid"/>
+                      <a:round/>
+                      <a:headEnd type="none" w="med" len="med"/>
+                      <a:tailEnd type="none" w="med" len="med"/>
+                    </a:lnB>
+                    <a:noFill/>
+                  </a:tcPr>
+                </a:tc>
+                <a:extLst>
+                  <a:ext uri="{0D108BD9-81ED-4DB2-BD59-A6C34878D82A}">
+                    <a16:rowId xmlns:a16="http://schemas.microsoft.com/office/drawing/2014/main" val="1133990824"/>
+                  </a:ext>
+                </a:extLst>
+              </a:tr>
+              <a:tr h="530651">
+                <a:tc>
+                  <a:txBody>
+                    <a:bodyPr/>
+                    <a:lstStyle/>
+                    <a:p>
+                      <a:pPr>
+                        <a:buNone/>
+                      </a:pPr>
+                      <a:r>
+                        <a:rPr lang="es-CO" sz="1600" noProof="0" dirty="0"/>
+                        <a:t>4</a:t>
+                      </a:r>
+                    </a:p>
+                  </a:txBody>
+                  <a:tcPr marL="53065" marR="53065" marT="26533" marB="26533" anchor="ctr">
+                    <a:lnL w="12700" cap="flat" cmpd="sng" algn="ctr">
+                      <a:solidFill>
+                        <a:schemeClr val="tx1"/>
+                      </a:solidFill>
+                      <a:prstDash val="solid"/>
+                      <a:round/>
+                      <a:headEnd type="none" w="med" len="med"/>
+                      <a:tailEnd type="none" w="med" len="med"/>
+                    </a:lnL>
+                    <a:lnR w="12700" cap="flat" cmpd="sng" algn="ctr">
+                      <a:solidFill>
+                        <a:schemeClr val="tx1"/>
+                      </a:solidFill>
+                      <a:prstDash val="solid"/>
+                      <a:round/>
+                      <a:headEnd type="none" w="med" len="med"/>
+                      <a:tailEnd type="none" w="med" len="med"/>
+                    </a:lnR>
+                    <a:lnT w="12700" cap="flat" cmpd="sng" algn="ctr">
+                      <a:solidFill>
+                        <a:schemeClr val="tx1"/>
+                      </a:solidFill>
+                      <a:prstDash val="solid"/>
+                      <a:round/>
+                      <a:headEnd type="none" w="med" len="med"/>
+                      <a:tailEnd type="none" w="med" len="med"/>
+                    </a:lnT>
+                    <a:lnB w="12700" cap="flat" cmpd="sng" algn="ctr">
+                      <a:solidFill>
+                        <a:schemeClr val="tx1"/>
+                      </a:solidFill>
+                      <a:prstDash val="solid"/>
+                      <a:round/>
+                      <a:headEnd type="none" w="med" len="med"/>
+                      <a:tailEnd type="none" w="med" len="med"/>
+                    </a:lnB>
+                    <a:noFill/>
+                  </a:tcPr>
+                </a:tc>
+                <a:tc>
+                  <a:txBody>
+                    <a:bodyPr/>
+                    <a:lstStyle/>
+                    <a:p>
+                      <a:pPr>
+                        <a:buNone/>
+                      </a:pPr>
+                      <a:r>
+                        <a:rPr lang="es-CO" sz="1600" b="1" noProof="0" dirty="0"/>
+                        <a:t>Infrarrojo medio/lejos</a:t>
+                      </a:r>
+                      <a:endParaRPr lang="es-CO" sz="1600" noProof="0" dirty="0"/>
+                    </a:p>
+                  </a:txBody>
+                  <a:tcPr marL="53065" marR="53065" marT="26533" marB="26533" anchor="ctr">
+                    <a:lnL w="12700" cap="flat" cmpd="sng" algn="ctr">
+                      <a:solidFill>
+                        <a:schemeClr val="tx1"/>
+                      </a:solidFill>
+                      <a:prstDash val="solid"/>
+                      <a:round/>
+                      <a:headEnd type="none" w="med" len="med"/>
+                      <a:tailEnd type="none" w="med" len="med"/>
+                    </a:lnL>
+                    <a:lnR w="12700" cap="flat" cmpd="sng" algn="ctr">
+                      <a:solidFill>
+                        <a:schemeClr val="tx1"/>
+                      </a:solidFill>
+                      <a:prstDash val="solid"/>
+                      <a:round/>
+                      <a:headEnd type="none" w="med" len="med"/>
+                      <a:tailEnd type="none" w="med" len="med"/>
+                    </a:lnR>
+                    <a:lnT w="12700" cap="flat" cmpd="sng" algn="ctr">
+                      <a:solidFill>
+                        <a:schemeClr val="tx1"/>
+                      </a:solidFill>
+                      <a:prstDash val="solid"/>
+                      <a:round/>
+                      <a:headEnd type="none" w="med" len="med"/>
+                      <a:tailEnd type="none" w="med" len="med"/>
+                    </a:lnT>
+                    <a:lnB w="12700" cap="flat" cmpd="sng" algn="ctr">
+                      <a:solidFill>
+                        <a:schemeClr val="tx1"/>
+                      </a:solidFill>
+                      <a:prstDash val="solid"/>
+                      <a:round/>
+                      <a:headEnd type="none" w="med" len="med"/>
+                      <a:tailEnd type="none" w="med" len="med"/>
+                    </a:lnB>
+                    <a:noFill/>
+                  </a:tcPr>
+                </a:tc>
+                <a:tc>
+                  <a:txBody>
+                    <a:bodyPr/>
+                    <a:lstStyle/>
+                    <a:p>
+                      <a:pPr>
+                        <a:buNone/>
+                      </a:pPr>
+                      <a:r>
+                        <a:rPr lang="es-CO" sz="1600" noProof="0" dirty="0"/>
+                        <a:t>1400 – 15,000+ nm</a:t>
+                      </a:r>
+                    </a:p>
+                  </a:txBody>
+                  <a:tcPr marL="53065" marR="53065" marT="26533" marB="26533" anchor="ctr">
+                    <a:lnL w="12700" cap="flat" cmpd="sng" algn="ctr">
+                      <a:solidFill>
+                        <a:schemeClr val="tx1"/>
+                      </a:solidFill>
+                      <a:prstDash val="solid"/>
+                      <a:round/>
+                      <a:headEnd type="none" w="med" len="med"/>
+                      <a:tailEnd type="none" w="med" len="med"/>
+                    </a:lnL>
+                    <a:lnR w="12700" cap="flat" cmpd="sng" algn="ctr">
+                      <a:solidFill>
+                        <a:schemeClr val="tx1"/>
+                      </a:solidFill>
+                      <a:prstDash val="solid"/>
+                      <a:round/>
+                      <a:headEnd type="none" w="med" len="med"/>
+                      <a:tailEnd type="none" w="med" len="med"/>
+                    </a:lnR>
+                    <a:lnT w="12700" cap="flat" cmpd="sng" algn="ctr">
+                      <a:solidFill>
+                        <a:schemeClr val="tx1"/>
+                      </a:solidFill>
+                      <a:prstDash val="solid"/>
+                      <a:round/>
+                      <a:headEnd type="none" w="med" len="med"/>
+                      <a:tailEnd type="none" w="med" len="med"/>
+                    </a:lnT>
+                    <a:lnB w="12700" cap="flat" cmpd="sng" algn="ctr">
+                      <a:solidFill>
+                        <a:schemeClr val="tx1"/>
+                      </a:solidFill>
+                      <a:prstDash val="solid"/>
+                      <a:round/>
+                      <a:headEnd type="none" w="med" len="med"/>
+                      <a:tailEnd type="none" w="med" len="med"/>
+                    </a:lnB>
+                    <a:noFill/>
+                  </a:tcPr>
+                </a:tc>
+                <a:tc>
+                  <a:txBody>
+                    <a:bodyPr/>
+                    <a:lstStyle/>
+                    <a:p>
+                      <a:pPr>
+                        <a:buNone/>
+                      </a:pPr>
+                      <a:r>
+                        <a:rPr lang="es-CO" sz="1600" noProof="0" dirty="0"/>
+                        <a:t>No</a:t>
+                      </a:r>
+                    </a:p>
+                  </a:txBody>
+                  <a:tcPr marL="53065" marR="53065" marT="26533" marB="26533" anchor="ctr">
+                    <a:lnL w="12700" cap="flat" cmpd="sng" algn="ctr">
+                      <a:solidFill>
+                        <a:schemeClr val="tx1"/>
+                      </a:solidFill>
+                      <a:prstDash val="solid"/>
+                      <a:round/>
+                      <a:headEnd type="none" w="med" len="med"/>
+                      <a:tailEnd type="none" w="med" len="med"/>
+                    </a:lnL>
+                    <a:lnR w="12700" cap="flat" cmpd="sng" algn="ctr">
+                      <a:solidFill>
+                        <a:schemeClr val="tx1"/>
+                      </a:solidFill>
+                      <a:prstDash val="solid"/>
+                      <a:round/>
+                      <a:headEnd type="none" w="med" len="med"/>
+                      <a:tailEnd type="none" w="med" len="med"/>
+                    </a:lnR>
+                    <a:lnT w="12700" cap="flat" cmpd="sng" algn="ctr">
+                      <a:solidFill>
+                        <a:schemeClr val="tx1"/>
+                      </a:solidFill>
+                      <a:prstDash val="solid"/>
+                      <a:round/>
+                      <a:headEnd type="none" w="med" len="med"/>
+                      <a:tailEnd type="none" w="med" len="med"/>
+                    </a:lnT>
+                    <a:lnB w="12700" cap="flat" cmpd="sng" algn="ctr">
+                      <a:solidFill>
+                        <a:schemeClr val="tx1"/>
+                      </a:solidFill>
+                      <a:prstDash val="solid"/>
+                      <a:round/>
+                      <a:headEnd type="none" w="med" len="med"/>
+                      <a:tailEnd type="none" w="med" len="med"/>
+                    </a:lnB>
+                    <a:noFill/>
+                  </a:tcPr>
+                </a:tc>
+                <a:tc>
+                  <a:txBody>
+                    <a:bodyPr/>
+                    <a:lstStyle/>
+                    <a:p>
+                      <a:pPr>
+                        <a:buNone/>
+                      </a:pPr>
+                      <a:r>
+                        <a:rPr lang="es-CO" sz="1600" noProof="0" dirty="0"/>
+                        <a:t>Serpientes, cámaras térmicas</a:t>
+                      </a:r>
+                    </a:p>
+                  </a:txBody>
+                  <a:tcPr marL="53065" marR="53065" marT="26533" marB="26533" anchor="ctr">
+                    <a:lnL w="12700" cap="flat" cmpd="sng" algn="ctr">
+                      <a:solidFill>
+                        <a:schemeClr val="tx1"/>
+                      </a:solidFill>
+                      <a:prstDash val="solid"/>
+                      <a:round/>
+                      <a:headEnd type="none" w="med" len="med"/>
+                      <a:tailEnd type="none" w="med" len="med"/>
+                    </a:lnL>
+                    <a:lnR w="12700" cap="flat" cmpd="sng" algn="ctr">
+                      <a:solidFill>
+                        <a:schemeClr val="tx1"/>
+                      </a:solidFill>
+                      <a:prstDash val="solid"/>
+                      <a:round/>
+                      <a:headEnd type="none" w="med" len="med"/>
+                      <a:tailEnd type="none" w="med" len="med"/>
+                    </a:lnR>
+                    <a:lnT w="12700" cap="flat" cmpd="sng" algn="ctr">
+                      <a:solidFill>
+                        <a:schemeClr val="tx1"/>
+                      </a:solidFill>
+                      <a:prstDash val="solid"/>
+                      <a:round/>
+                      <a:headEnd type="none" w="med" len="med"/>
+                      <a:tailEnd type="none" w="med" len="med"/>
+                    </a:lnT>
+                    <a:lnB w="12700" cap="flat" cmpd="sng" algn="ctr">
+                      <a:solidFill>
+                        <a:schemeClr val="tx1"/>
+                      </a:solidFill>
+                      <a:prstDash val="solid"/>
+                      <a:round/>
+                      <a:headEnd type="none" w="med" len="med"/>
+                      <a:tailEnd type="none" w="med" len="med"/>
+                    </a:lnB>
+                    <a:noFill/>
+                  </a:tcPr>
+                </a:tc>
+                <a:tc>
+                  <a:txBody>
+                    <a:bodyPr/>
+                    <a:lstStyle/>
+                    <a:p>
+                      <a:pPr>
+                        <a:buNone/>
+                      </a:pPr>
+                      <a:r>
+                        <a:rPr lang="es-CO" sz="1600" noProof="0" dirty="0"/>
+                        <a:t>Detección de calor corporal, vigilancia</a:t>
+                      </a:r>
+                    </a:p>
+                  </a:txBody>
+                  <a:tcPr marL="53065" marR="53065" marT="26533" marB="26533" anchor="ctr">
+                    <a:lnL w="12700" cap="flat" cmpd="sng" algn="ctr">
+                      <a:solidFill>
+                        <a:schemeClr val="tx1"/>
+                      </a:solidFill>
+                      <a:prstDash val="solid"/>
+                      <a:round/>
+                      <a:headEnd type="none" w="med" len="med"/>
+                      <a:tailEnd type="none" w="med" len="med"/>
+                    </a:lnL>
+                    <a:lnR w="12700" cap="flat" cmpd="sng" algn="ctr">
+                      <a:solidFill>
+                        <a:schemeClr val="tx1"/>
+                      </a:solidFill>
+                      <a:prstDash val="solid"/>
+                      <a:round/>
+                      <a:headEnd type="none" w="med" len="med"/>
+                      <a:tailEnd type="none" w="med" len="med"/>
+                    </a:lnR>
+                    <a:lnT w="12700" cap="flat" cmpd="sng" algn="ctr">
+                      <a:solidFill>
+                        <a:schemeClr val="tx1"/>
+                      </a:solidFill>
+                      <a:prstDash val="solid"/>
+                      <a:round/>
+                      <a:headEnd type="none" w="med" len="med"/>
+                      <a:tailEnd type="none" w="med" len="med"/>
+                    </a:lnT>
+                    <a:lnB w="12700" cap="flat" cmpd="sng" algn="ctr">
+                      <a:solidFill>
+                        <a:schemeClr val="tx1"/>
+                      </a:solidFill>
+                      <a:prstDash val="solid"/>
+                      <a:round/>
+                      <a:headEnd type="none" w="med" len="med"/>
+                      <a:tailEnd type="none" w="med" len="med"/>
+                    </a:lnB>
+                    <a:noFill/>
+                  </a:tcPr>
+                </a:tc>
+                <a:extLst>
+                  <a:ext uri="{0D108BD9-81ED-4DB2-BD59-A6C34878D82A}">
+                    <a16:rowId xmlns:a16="http://schemas.microsoft.com/office/drawing/2014/main" val="495219523"/>
+                  </a:ext>
+                </a:extLst>
+              </a:tr>
+              <a:tr h="689846">
+                <a:tc>
+                  <a:txBody>
+                    <a:bodyPr/>
+                    <a:lstStyle/>
+                    <a:p>
+                      <a:pPr>
+                        <a:buNone/>
+                      </a:pPr>
+                      <a:r>
+                        <a:rPr lang="es-CO" sz="1600" noProof="0" dirty="0"/>
+                        <a:t>5</a:t>
+                      </a:r>
+                    </a:p>
+                  </a:txBody>
+                  <a:tcPr marL="53065" marR="53065" marT="26533" marB="26533" anchor="ctr">
+                    <a:lnL w="12700" cap="flat" cmpd="sng" algn="ctr">
+                      <a:solidFill>
+                        <a:schemeClr val="tx1"/>
+                      </a:solidFill>
+                      <a:prstDash val="solid"/>
+                      <a:round/>
+                      <a:headEnd type="none" w="med" len="med"/>
+                      <a:tailEnd type="none" w="med" len="med"/>
+                    </a:lnL>
+                    <a:lnR w="12700" cap="flat" cmpd="sng" algn="ctr">
+                      <a:solidFill>
+                        <a:schemeClr val="tx1"/>
+                      </a:solidFill>
+                      <a:prstDash val="solid"/>
+                      <a:round/>
+                      <a:headEnd type="none" w="med" len="med"/>
+                      <a:tailEnd type="none" w="med" len="med"/>
+                    </a:lnR>
+                    <a:lnT w="12700" cap="flat" cmpd="sng" algn="ctr">
+                      <a:solidFill>
+                        <a:schemeClr val="tx1"/>
+                      </a:solidFill>
+                      <a:prstDash val="solid"/>
+                      <a:round/>
+                      <a:headEnd type="none" w="med" len="med"/>
+                      <a:tailEnd type="none" w="med" len="med"/>
+                    </a:lnT>
+                    <a:lnB w="12700" cap="flat" cmpd="sng" algn="ctr">
+                      <a:solidFill>
+                        <a:schemeClr val="tx1"/>
+                      </a:solidFill>
+                      <a:prstDash val="solid"/>
+                      <a:round/>
+                      <a:headEnd type="none" w="med" len="med"/>
+                      <a:tailEnd type="none" w="med" len="med"/>
+                    </a:lnB>
+                    <a:noFill/>
+                  </a:tcPr>
+                </a:tc>
+                <a:tc>
+                  <a:txBody>
+                    <a:bodyPr/>
+                    <a:lstStyle/>
+                    <a:p>
+                      <a:pPr>
+                        <a:buNone/>
+                      </a:pPr>
+                      <a:r>
+                        <a:rPr lang="es-CO" sz="1600" b="1" noProof="0" dirty="0"/>
+                        <a:t>Espectros múltiples (hiperespectrales)</a:t>
+                      </a:r>
+                      <a:endParaRPr lang="es-CO" sz="1600" noProof="0" dirty="0"/>
+                    </a:p>
+                  </a:txBody>
+                  <a:tcPr marL="53065" marR="53065" marT="26533" marB="26533" anchor="ctr">
+                    <a:lnL w="12700" cap="flat" cmpd="sng" algn="ctr">
+                      <a:solidFill>
+                        <a:schemeClr val="tx1"/>
+                      </a:solidFill>
+                      <a:prstDash val="solid"/>
+                      <a:round/>
+                      <a:headEnd type="none" w="med" len="med"/>
+                      <a:tailEnd type="none" w="med" len="med"/>
+                    </a:lnL>
+                    <a:lnR w="12700" cap="flat" cmpd="sng" algn="ctr">
+                      <a:solidFill>
+                        <a:schemeClr val="tx1"/>
+                      </a:solidFill>
+                      <a:prstDash val="solid"/>
+                      <a:round/>
+                      <a:headEnd type="none" w="med" len="med"/>
+                      <a:tailEnd type="none" w="med" len="med"/>
+                    </a:lnR>
+                    <a:lnT w="12700" cap="flat" cmpd="sng" algn="ctr">
+                      <a:solidFill>
+                        <a:schemeClr val="tx1"/>
+                      </a:solidFill>
+                      <a:prstDash val="solid"/>
+                      <a:round/>
+                      <a:headEnd type="none" w="med" len="med"/>
+                      <a:tailEnd type="none" w="med" len="med"/>
+                    </a:lnT>
+                    <a:lnB w="12700" cap="flat" cmpd="sng" algn="ctr">
+                      <a:solidFill>
+                        <a:schemeClr val="tx1"/>
+                      </a:solidFill>
+                      <a:prstDash val="solid"/>
+                      <a:round/>
+                      <a:headEnd type="none" w="med" len="med"/>
+                      <a:tailEnd type="none" w="med" len="med"/>
+                    </a:lnB>
+                    <a:noFill/>
+                  </a:tcPr>
+                </a:tc>
+                <a:tc>
+                  <a:txBody>
+                    <a:bodyPr/>
+                    <a:lstStyle/>
+                    <a:p>
+                      <a:pPr>
+                        <a:buNone/>
+                      </a:pPr>
+                      <a:r>
+                        <a:rPr lang="es-CO" sz="1600" noProof="0" dirty="0"/>
+                        <a:t>300 – 2500+ nm</a:t>
+                      </a:r>
+                    </a:p>
+                  </a:txBody>
+                  <a:tcPr marL="53065" marR="53065" marT="26533" marB="26533" anchor="ctr">
+                    <a:lnL w="12700" cap="flat" cmpd="sng" algn="ctr">
+                      <a:solidFill>
+                        <a:schemeClr val="tx1"/>
+                      </a:solidFill>
+                      <a:prstDash val="solid"/>
+                      <a:round/>
+                      <a:headEnd type="none" w="med" len="med"/>
+                      <a:tailEnd type="none" w="med" len="med"/>
+                    </a:lnL>
+                    <a:lnR w="12700" cap="flat" cmpd="sng" algn="ctr">
+                      <a:solidFill>
+                        <a:schemeClr val="tx1"/>
+                      </a:solidFill>
+                      <a:prstDash val="solid"/>
+                      <a:round/>
+                      <a:headEnd type="none" w="med" len="med"/>
+                      <a:tailEnd type="none" w="med" len="med"/>
+                    </a:lnR>
+                    <a:lnT w="12700" cap="flat" cmpd="sng" algn="ctr">
+                      <a:solidFill>
+                        <a:schemeClr val="tx1"/>
+                      </a:solidFill>
+                      <a:prstDash val="solid"/>
+                      <a:round/>
+                      <a:headEnd type="none" w="med" len="med"/>
+                      <a:tailEnd type="none" w="med" len="med"/>
+                    </a:lnT>
+                    <a:lnB w="12700" cap="flat" cmpd="sng" algn="ctr">
+                      <a:solidFill>
+                        <a:schemeClr val="tx1"/>
+                      </a:solidFill>
+                      <a:prstDash val="solid"/>
+                      <a:round/>
+                      <a:headEnd type="none" w="med" len="med"/>
+                      <a:tailEnd type="none" w="med" len="med"/>
+                    </a:lnB>
+                    <a:noFill/>
+                  </a:tcPr>
+                </a:tc>
+                <a:tc>
+                  <a:txBody>
+                    <a:bodyPr/>
+                    <a:lstStyle/>
+                    <a:p>
+                      <a:pPr>
+                        <a:buNone/>
+                      </a:pPr>
+                      <a:r>
+                        <a:rPr lang="es-CO" sz="1600" noProof="0" dirty="0"/>
+                        <a:t>No (más allá del RGB)</a:t>
+                      </a:r>
+                    </a:p>
+                  </a:txBody>
+                  <a:tcPr marL="53065" marR="53065" marT="26533" marB="26533" anchor="ctr">
+                    <a:lnL w="12700" cap="flat" cmpd="sng" algn="ctr">
+                      <a:solidFill>
+                        <a:schemeClr val="tx1"/>
+                      </a:solidFill>
+                      <a:prstDash val="solid"/>
+                      <a:round/>
+                      <a:headEnd type="none" w="med" len="med"/>
+                      <a:tailEnd type="none" w="med" len="med"/>
+                    </a:lnL>
+                    <a:lnR w="12700" cap="flat" cmpd="sng" algn="ctr">
+                      <a:solidFill>
+                        <a:schemeClr val="tx1"/>
+                      </a:solidFill>
+                      <a:prstDash val="solid"/>
+                      <a:round/>
+                      <a:headEnd type="none" w="med" len="med"/>
+                      <a:tailEnd type="none" w="med" len="med"/>
+                    </a:lnR>
+                    <a:lnT w="12700" cap="flat" cmpd="sng" algn="ctr">
+                      <a:solidFill>
+                        <a:schemeClr val="tx1"/>
+                      </a:solidFill>
+                      <a:prstDash val="solid"/>
+                      <a:round/>
+                      <a:headEnd type="none" w="med" len="med"/>
+                      <a:tailEnd type="none" w="med" len="med"/>
+                    </a:lnT>
+                    <a:lnB w="12700" cap="flat" cmpd="sng" algn="ctr">
+                      <a:solidFill>
+                        <a:schemeClr val="tx1"/>
+                      </a:solidFill>
+                      <a:prstDash val="solid"/>
+                      <a:round/>
+                      <a:headEnd type="none" w="med" len="med"/>
+                      <a:tailEnd type="none" w="med" len="med"/>
+                    </a:lnB>
+                    <a:noFill/>
+                  </a:tcPr>
+                </a:tc>
+                <a:tc>
+                  <a:txBody>
+                    <a:bodyPr/>
+                    <a:lstStyle/>
+                    <a:p>
+                      <a:pPr>
+                        <a:buNone/>
+                      </a:pPr>
+                      <a:r>
+                        <a:rPr lang="es-CO" sz="1600" noProof="0" dirty="0"/>
+                        <a:t>Satélites, drones agrícolas, diagnóstico</a:t>
+                      </a:r>
+                    </a:p>
+                  </a:txBody>
+                  <a:tcPr marL="53065" marR="53065" marT="26533" marB="26533" anchor="ctr">
+                    <a:lnL w="12700" cap="flat" cmpd="sng" algn="ctr">
+                      <a:solidFill>
+                        <a:schemeClr val="tx1"/>
+                      </a:solidFill>
+                      <a:prstDash val="solid"/>
+                      <a:round/>
+                      <a:headEnd type="none" w="med" len="med"/>
+                      <a:tailEnd type="none" w="med" len="med"/>
+                    </a:lnL>
+                    <a:lnR w="12700" cap="flat" cmpd="sng" algn="ctr">
+                      <a:solidFill>
+                        <a:schemeClr val="tx1"/>
+                      </a:solidFill>
+                      <a:prstDash val="solid"/>
+                      <a:round/>
+                      <a:headEnd type="none" w="med" len="med"/>
+                      <a:tailEnd type="none" w="med" len="med"/>
+                    </a:lnR>
+                    <a:lnT w="12700" cap="flat" cmpd="sng" algn="ctr">
+                      <a:solidFill>
+                        <a:schemeClr val="tx1"/>
+                      </a:solidFill>
+                      <a:prstDash val="solid"/>
+                      <a:round/>
+                      <a:headEnd type="none" w="med" len="med"/>
+                      <a:tailEnd type="none" w="med" len="med"/>
+                    </a:lnT>
+                    <a:lnB w="12700" cap="flat" cmpd="sng" algn="ctr">
+                      <a:solidFill>
+                        <a:schemeClr val="tx1"/>
+                      </a:solidFill>
+                      <a:prstDash val="solid"/>
+                      <a:round/>
+                      <a:headEnd type="none" w="med" len="med"/>
+                      <a:tailEnd type="none" w="med" len="med"/>
+                    </a:lnB>
+                    <a:noFill/>
+                  </a:tcPr>
+                </a:tc>
+                <a:tc>
+                  <a:txBody>
+                    <a:bodyPr/>
+                    <a:lstStyle/>
+                    <a:p>
+                      <a:pPr>
+                        <a:buNone/>
+                      </a:pPr>
+                      <a:r>
+                        <a:rPr lang="es-CO" sz="1600" noProof="0" dirty="0"/>
+                        <a:t>Agricultura, medicina, geología</a:t>
+                      </a:r>
+                    </a:p>
+                  </a:txBody>
+                  <a:tcPr marL="53065" marR="53065" marT="26533" marB="26533" anchor="ctr">
+                    <a:lnL w="12700" cap="flat" cmpd="sng" algn="ctr">
+                      <a:solidFill>
+                        <a:schemeClr val="tx1"/>
+                      </a:solidFill>
+                      <a:prstDash val="solid"/>
+                      <a:round/>
+                      <a:headEnd type="none" w="med" len="med"/>
+                      <a:tailEnd type="none" w="med" len="med"/>
+                    </a:lnL>
+                    <a:lnR w="12700" cap="flat" cmpd="sng" algn="ctr">
+                      <a:solidFill>
+                        <a:schemeClr val="tx1"/>
+                      </a:solidFill>
+                      <a:prstDash val="solid"/>
+                      <a:round/>
+                      <a:headEnd type="none" w="med" len="med"/>
+                      <a:tailEnd type="none" w="med" len="med"/>
+                    </a:lnR>
+                    <a:lnT w="12700" cap="flat" cmpd="sng" algn="ctr">
+                      <a:solidFill>
+                        <a:schemeClr val="tx1"/>
+                      </a:solidFill>
+                      <a:prstDash val="solid"/>
+                      <a:round/>
+                      <a:headEnd type="none" w="med" len="med"/>
+                      <a:tailEnd type="none" w="med" len="med"/>
+                    </a:lnT>
+                    <a:lnB w="12700" cap="flat" cmpd="sng" algn="ctr">
+                      <a:solidFill>
+                        <a:schemeClr val="tx1"/>
+                      </a:solidFill>
+                      <a:prstDash val="solid"/>
+                      <a:round/>
+                      <a:headEnd type="none" w="med" len="med"/>
+                      <a:tailEnd type="none" w="med" len="med"/>
+                    </a:lnB>
+                    <a:noFill/>
+                  </a:tcPr>
+                </a:tc>
+                <a:extLst>
+                  <a:ext uri="{0D108BD9-81ED-4DB2-BD59-A6C34878D82A}">
+                    <a16:rowId xmlns:a16="http://schemas.microsoft.com/office/drawing/2014/main" val="203145402"/>
+                  </a:ext>
+                </a:extLst>
+              </a:tr>
+              <a:tr h="689846">
+                <a:tc>
+                  <a:txBody>
+                    <a:bodyPr/>
+                    <a:lstStyle/>
+                    <a:p>
+                      <a:pPr>
+                        <a:buNone/>
+                      </a:pPr>
+                      <a:r>
+                        <a:rPr lang="es-CO" sz="1600" noProof="0" dirty="0"/>
+                        <a:t>6</a:t>
+                      </a:r>
+                    </a:p>
+                  </a:txBody>
+                  <a:tcPr marL="53065" marR="53065" marT="26533" marB="26533" anchor="ctr">
+                    <a:lnL w="12700" cap="flat" cmpd="sng" algn="ctr">
+                      <a:solidFill>
+                        <a:schemeClr val="tx1"/>
+                      </a:solidFill>
+                      <a:prstDash val="solid"/>
+                      <a:round/>
+                      <a:headEnd type="none" w="med" len="med"/>
+                      <a:tailEnd type="none" w="med" len="med"/>
+                    </a:lnL>
+                    <a:lnR w="12700" cap="flat" cmpd="sng" algn="ctr">
+                      <a:solidFill>
+                        <a:schemeClr val="tx1"/>
+                      </a:solidFill>
+                      <a:prstDash val="solid"/>
+                      <a:round/>
+                      <a:headEnd type="none" w="med" len="med"/>
+                      <a:tailEnd type="none" w="med" len="med"/>
+                    </a:lnR>
+                    <a:lnT w="12700" cap="flat" cmpd="sng" algn="ctr">
+                      <a:solidFill>
+                        <a:schemeClr val="tx1"/>
+                      </a:solidFill>
+                      <a:prstDash val="solid"/>
+                      <a:round/>
+                      <a:headEnd type="none" w="med" len="med"/>
+                      <a:tailEnd type="none" w="med" len="med"/>
+                    </a:lnT>
+                    <a:lnB w="12700" cap="flat" cmpd="sng" algn="ctr">
+                      <a:solidFill>
+                        <a:schemeClr val="tx1"/>
+                      </a:solidFill>
+                      <a:prstDash val="solid"/>
+                      <a:round/>
+                      <a:headEnd type="none" w="med" len="med"/>
+                      <a:tailEnd type="none" w="med" len="med"/>
+                    </a:lnB>
+                    <a:noFill/>
+                  </a:tcPr>
+                </a:tc>
+                <a:tc>
+                  <a:txBody>
+                    <a:bodyPr/>
+                    <a:lstStyle/>
+                    <a:p>
+                      <a:pPr>
+                        <a:buNone/>
+                      </a:pPr>
+                      <a:r>
+                        <a:rPr lang="es-CO" sz="1600" b="1" noProof="0" dirty="0"/>
+                        <a:t>Polarización</a:t>
+                      </a:r>
+                      <a:endParaRPr lang="es-CO" sz="1600" noProof="0" dirty="0"/>
+                    </a:p>
+                  </a:txBody>
+                  <a:tcPr marL="53065" marR="53065" marT="26533" marB="26533" anchor="ctr">
+                    <a:lnL w="12700" cap="flat" cmpd="sng" algn="ctr">
+                      <a:solidFill>
+                        <a:schemeClr val="tx1"/>
+                      </a:solidFill>
+                      <a:prstDash val="solid"/>
+                      <a:round/>
+                      <a:headEnd type="none" w="med" len="med"/>
+                      <a:tailEnd type="none" w="med" len="med"/>
+                    </a:lnL>
+                    <a:lnR w="12700" cap="flat" cmpd="sng" algn="ctr">
+                      <a:solidFill>
+                        <a:schemeClr val="tx1"/>
+                      </a:solidFill>
+                      <a:prstDash val="solid"/>
+                      <a:round/>
+                      <a:headEnd type="none" w="med" len="med"/>
+                      <a:tailEnd type="none" w="med" len="med"/>
+                    </a:lnR>
+                    <a:lnT w="12700" cap="flat" cmpd="sng" algn="ctr">
+                      <a:solidFill>
+                        <a:schemeClr val="tx1"/>
+                      </a:solidFill>
+                      <a:prstDash val="solid"/>
+                      <a:round/>
+                      <a:headEnd type="none" w="med" len="med"/>
+                      <a:tailEnd type="none" w="med" len="med"/>
+                    </a:lnT>
+                    <a:lnB w="12700" cap="flat" cmpd="sng" algn="ctr">
+                      <a:solidFill>
+                        <a:schemeClr val="tx1"/>
+                      </a:solidFill>
+                      <a:prstDash val="solid"/>
+                      <a:round/>
+                      <a:headEnd type="none" w="med" len="med"/>
+                      <a:tailEnd type="none" w="med" len="med"/>
+                    </a:lnB>
+                    <a:noFill/>
+                  </a:tcPr>
+                </a:tc>
+                <a:tc>
+                  <a:txBody>
+                    <a:bodyPr/>
+                    <a:lstStyle/>
+                    <a:p>
+                      <a:pPr>
+                        <a:buNone/>
+                      </a:pPr>
+                      <a:r>
+                        <a:rPr lang="es-CO" sz="1600" noProof="0" dirty="0"/>
+                        <a:t>No es espectro, es orientación de ondas</a:t>
+                      </a:r>
+                    </a:p>
+                  </a:txBody>
+                  <a:tcPr marL="53065" marR="53065" marT="26533" marB="26533" anchor="ctr">
+                    <a:lnL w="12700" cap="flat" cmpd="sng" algn="ctr">
+                      <a:solidFill>
+                        <a:schemeClr val="tx1"/>
+                      </a:solidFill>
+                      <a:prstDash val="solid"/>
+                      <a:round/>
+                      <a:headEnd type="none" w="med" len="med"/>
+                      <a:tailEnd type="none" w="med" len="med"/>
+                    </a:lnL>
+                    <a:lnR w="12700" cap="flat" cmpd="sng" algn="ctr">
+                      <a:solidFill>
+                        <a:schemeClr val="tx1"/>
+                      </a:solidFill>
+                      <a:prstDash val="solid"/>
+                      <a:round/>
+                      <a:headEnd type="none" w="med" len="med"/>
+                      <a:tailEnd type="none" w="med" len="med"/>
+                    </a:lnR>
+                    <a:lnT w="12700" cap="flat" cmpd="sng" algn="ctr">
+                      <a:solidFill>
+                        <a:schemeClr val="tx1"/>
+                      </a:solidFill>
+                      <a:prstDash val="solid"/>
+                      <a:round/>
+                      <a:headEnd type="none" w="med" len="med"/>
+                      <a:tailEnd type="none" w="med" len="med"/>
+                    </a:lnT>
+                    <a:lnB w="12700" cap="flat" cmpd="sng" algn="ctr">
+                      <a:solidFill>
+                        <a:schemeClr val="tx1"/>
+                      </a:solidFill>
+                      <a:prstDash val="solid"/>
+                      <a:round/>
+                      <a:headEnd type="none" w="med" len="med"/>
+                      <a:tailEnd type="none" w="med" len="med"/>
+                    </a:lnB>
+                    <a:noFill/>
+                  </a:tcPr>
+                </a:tc>
+                <a:tc>
+                  <a:txBody>
+                    <a:bodyPr/>
+                    <a:lstStyle/>
+                    <a:p>
+                      <a:pPr>
+                        <a:buNone/>
+                      </a:pPr>
+                      <a:r>
+                        <a:rPr lang="es-CO" sz="1600" noProof="0" dirty="0"/>
+                        <a:t>Parcialmente (con filtros)</a:t>
+                      </a:r>
+                    </a:p>
+                  </a:txBody>
+                  <a:tcPr marL="53065" marR="53065" marT="26533" marB="26533" anchor="ctr">
+                    <a:lnL w="12700" cap="flat" cmpd="sng" algn="ctr">
+                      <a:solidFill>
+                        <a:schemeClr val="tx1"/>
+                      </a:solidFill>
+                      <a:prstDash val="solid"/>
+                      <a:round/>
+                      <a:headEnd type="none" w="med" len="med"/>
+                      <a:tailEnd type="none" w="med" len="med"/>
+                    </a:lnL>
+                    <a:lnR w="12700" cap="flat" cmpd="sng" algn="ctr">
+                      <a:solidFill>
+                        <a:schemeClr val="tx1"/>
+                      </a:solidFill>
+                      <a:prstDash val="solid"/>
+                      <a:round/>
+                      <a:headEnd type="none" w="med" len="med"/>
+                      <a:tailEnd type="none" w="med" len="med"/>
+                    </a:lnR>
+                    <a:lnT w="12700" cap="flat" cmpd="sng" algn="ctr">
+                      <a:solidFill>
+                        <a:schemeClr val="tx1"/>
+                      </a:solidFill>
+                      <a:prstDash val="solid"/>
+                      <a:round/>
+                      <a:headEnd type="none" w="med" len="med"/>
+                      <a:tailEnd type="none" w="med" len="med"/>
+                    </a:lnT>
+                    <a:lnB w="12700" cap="flat" cmpd="sng" algn="ctr">
+                      <a:solidFill>
+                        <a:schemeClr val="tx1"/>
+                      </a:solidFill>
+                      <a:prstDash val="solid"/>
+                      <a:round/>
+                      <a:headEnd type="none" w="med" len="med"/>
+                      <a:tailEnd type="none" w="med" len="med"/>
+                    </a:lnB>
+                    <a:noFill/>
+                  </a:tcPr>
+                </a:tc>
+                <a:tc>
+                  <a:txBody>
+                    <a:bodyPr/>
+                    <a:lstStyle/>
+                    <a:p>
+                      <a:pPr>
+                        <a:buNone/>
+                      </a:pPr>
+                      <a:r>
+                        <a:rPr lang="es-CO" sz="1600" noProof="0" dirty="0"/>
+                        <a:t>Camarón mantis, insectos acuáticos</a:t>
+                      </a:r>
+                    </a:p>
+                  </a:txBody>
+                  <a:tcPr marL="53065" marR="53065" marT="26533" marB="26533" anchor="ctr">
+                    <a:lnL w="12700" cap="flat" cmpd="sng" algn="ctr">
+                      <a:solidFill>
+                        <a:schemeClr val="tx1"/>
+                      </a:solidFill>
+                      <a:prstDash val="solid"/>
+                      <a:round/>
+                      <a:headEnd type="none" w="med" len="med"/>
+                      <a:tailEnd type="none" w="med" len="med"/>
+                    </a:lnL>
+                    <a:lnR w="12700" cap="flat" cmpd="sng" algn="ctr">
+                      <a:solidFill>
+                        <a:schemeClr val="tx1"/>
+                      </a:solidFill>
+                      <a:prstDash val="solid"/>
+                      <a:round/>
+                      <a:headEnd type="none" w="med" len="med"/>
+                      <a:tailEnd type="none" w="med" len="med"/>
+                    </a:lnR>
+                    <a:lnT w="12700" cap="flat" cmpd="sng" algn="ctr">
+                      <a:solidFill>
+                        <a:schemeClr val="tx1"/>
+                      </a:solidFill>
+                      <a:prstDash val="solid"/>
+                      <a:round/>
+                      <a:headEnd type="none" w="med" len="med"/>
+                      <a:tailEnd type="none" w="med" len="med"/>
+                    </a:lnT>
+                    <a:lnB w="12700" cap="flat" cmpd="sng" algn="ctr">
+                      <a:solidFill>
+                        <a:schemeClr val="tx1"/>
+                      </a:solidFill>
+                      <a:prstDash val="solid"/>
+                      <a:round/>
+                      <a:headEnd type="none" w="med" len="med"/>
+                      <a:tailEnd type="none" w="med" len="med"/>
+                    </a:lnB>
+                    <a:noFill/>
+                  </a:tcPr>
+                </a:tc>
+                <a:tc>
+                  <a:txBody>
+                    <a:bodyPr/>
+                    <a:lstStyle/>
+                    <a:p>
+                      <a:pPr>
+                        <a:buNone/>
+                      </a:pPr>
+                      <a:r>
+                        <a:rPr lang="es-CO" sz="1600" noProof="0" dirty="0"/>
+                        <a:t>Visión submarina, camuflaje, contraste</a:t>
+                      </a:r>
+                    </a:p>
+                  </a:txBody>
+                  <a:tcPr marL="53065" marR="53065" marT="26533" marB="26533" anchor="ctr">
+                    <a:lnL w="12700" cap="flat" cmpd="sng" algn="ctr">
+                      <a:solidFill>
+                        <a:schemeClr val="tx1"/>
+                      </a:solidFill>
+                      <a:prstDash val="solid"/>
+                      <a:round/>
+                      <a:headEnd type="none" w="med" len="med"/>
+                      <a:tailEnd type="none" w="med" len="med"/>
+                    </a:lnL>
+                    <a:lnR w="12700" cap="flat" cmpd="sng" algn="ctr">
+                      <a:solidFill>
+                        <a:schemeClr val="tx1"/>
+                      </a:solidFill>
+                      <a:prstDash val="solid"/>
+                      <a:round/>
+                      <a:headEnd type="none" w="med" len="med"/>
+                      <a:tailEnd type="none" w="med" len="med"/>
+                    </a:lnR>
+                    <a:lnT w="12700" cap="flat" cmpd="sng" algn="ctr">
+                      <a:solidFill>
+                        <a:schemeClr val="tx1"/>
+                      </a:solidFill>
+                      <a:prstDash val="solid"/>
+                      <a:round/>
+                      <a:headEnd type="none" w="med" len="med"/>
+                      <a:tailEnd type="none" w="med" len="med"/>
+                    </a:lnT>
+                    <a:lnB w="12700" cap="flat" cmpd="sng" algn="ctr">
+                      <a:solidFill>
+                        <a:schemeClr val="tx1"/>
+                      </a:solidFill>
+                      <a:prstDash val="solid"/>
+                      <a:round/>
+                      <a:headEnd type="none" w="med" len="med"/>
+                      <a:tailEnd type="none" w="med" len="med"/>
+                    </a:lnB>
+                    <a:noFill/>
+                  </a:tcPr>
+                </a:tc>
+                <a:extLst>
+                  <a:ext uri="{0D108BD9-81ED-4DB2-BD59-A6C34878D82A}">
+                    <a16:rowId xmlns:a16="http://schemas.microsoft.com/office/drawing/2014/main" val="1448546744"/>
+                  </a:ext>
+                </a:extLst>
+              </a:tr>
+              <a:tr h="689846">
+                <a:tc>
+                  <a:txBody>
+                    <a:bodyPr/>
+                    <a:lstStyle/>
+                    <a:p>
+                      <a:pPr>
+                        <a:buNone/>
+                      </a:pPr>
+                      <a:r>
+                        <a:rPr lang="es-CO" sz="1600" noProof="0" dirty="0"/>
+                        <a:t>7</a:t>
+                      </a:r>
+                    </a:p>
+                  </a:txBody>
+                  <a:tcPr marL="53065" marR="53065" marT="26533" marB="26533" anchor="ctr">
+                    <a:lnL w="12700" cap="flat" cmpd="sng" algn="ctr">
+                      <a:solidFill>
+                        <a:schemeClr val="tx1"/>
+                      </a:solidFill>
+                      <a:prstDash val="solid"/>
+                      <a:round/>
+                      <a:headEnd type="none" w="med" len="med"/>
+                      <a:tailEnd type="none" w="med" len="med"/>
+                    </a:lnL>
+                    <a:lnR w="12700" cap="flat" cmpd="sng" algn="ctr">
+                      <a:solidFill>
+                        <a:schemeClr val="tx1"/>
+                      </a:solidFill>
+                      <a:prstDash val="solid"/>
+                      <a:round/>
+                      <a:headEnd type="none" w="med" len="med"/>
+                      <a:tailEnd type="none" w="med" len="med"/>
+                    </a:lnR>
+                    <a:lnT w="12700" cap="flat" cmpd="sng" algn="ctr">
+                      <a:solidFill>
+                        <a:schemeClr val="tx1"/>
+                      </a:solidFill>
+                      <a:prstDash val="solid"/>
+                      <a:round/>
+                      <a:headEnd type="none" w="med" len="med"/>
+                      <a:tailEnd type="none" w="med" len="med"/>
+                    </a:lnT>
+                    <a:lnB w="12700" cap="flat" cmpd="sng" algn="ctr">
+                      <a:solidFill>
+                        <a:schemeClr val="tx1"/>
+                      </a:solidFill>
+                      <a:prstDash val="solid"/>
+                      <a:round/>
+                      <a:headEnd type="none" w="med" len="med"/>
+                      <a:tailEnd type="none" w="med" len="med"/>
+                    </a:lnB>
+                    <a:noFill/>
+                  </a:tcPr>
+                </a:tc>
+                <a:tc>
+                  <a:txBody>
+                    <a:bodyPr/>
+                    <a:lstStyle/>
+                    <a:p>
+                      <a:pPr>
+                        <a:buNone/>
+                      </a:pPr>
+                      <a:r>
+                        <a:rPr lang="es-CO" sz="1600" b="1" kern="1200" noProof="0" dirty="0">
+                          <a:solidFill>
+                            <a:schemeClr val="tx1"/>
+                          </a:solidFill>
+                          <a:latin typeface="+mn-lt"/>
+                          <a:ea typeface="+mn-ea"/>
+                          <a:cs typeface="+mn-cs"/>
+                        </a:rPr>
+                        <a:t>Aberración cromática (óptica)</a:t>
+                      </a:r>
+                    </a:p>
+                  </a:txBody>
+                  <a:tcPr anchor="ctr">
+                    <a:lnL w="12700" cap="flat" cmpd="sng" algn="ctr">
+                      <a:solidFill>
+                        <a:schemeClr val="tx1"/>
+                      </a:solidFill>
+                      <a:prstDash val="solid"/>
+                      <a:round/>
+                      <a:headEnd type="none" w="med" len="med"/>
+                      <a:tailEnd type="none" w="med" len="med"/>
+                    </a:lnL>
+                    <a:lnR w="12700" cap="flat" cmpd="sng" algn="ctr">
+                      <a:solidFill>
+                        <a:schemeClr val="tx1"/>
+                      </a:solidFill>
+                      <a:prstDash val="solid"/>
+                      <a:round/>
+                      <a:headEnd type="none" w="med" len="med"/>
+                      <a:tailEnd type="none" w="med" len="med"/>
+                    </a:lnR>
+                    <a:lnT w="12700" cap="flat" cmpd="sng" algn="ctr">
+                      <a:solidFill>
+                        <a:schemeClr val="tx1"/>
+                      </a:solidFill>
+                      <a:prstDash val="solid"/>
+                      <a:round/>
+                      <a:headEnd type="none" w="med" len="med"/>
+                      <a:tailEnd type="none" w="med" len="med"/>
+                    </a:lnT>
+                    <a:lnB w="12700" cap="flat" cmpd="sng" algn="ctr">
+                      <a:solidFill>
+                        <a:schemeClr val="tx1"/>
+                      </a:solidFill>
+                      <a:prstDash val="solid"/>
+                      <a:round/>
+                      <a:headEnd type="none" w="med" len="med"/>
+                      <a:tailEnd type="none" w="med" len="med"/>
+                    </a:lnB>
+                    <a:noFill/>
+                  </a:tcPr>
+                </a:tc>
+                <a:tc>
+                  <a:txBody>
+                    <a:bodyPr/>
+                    <a:lstStyle/>
+                    <a:p>
+                      <a:pPr>
+                        <a:buNone/>
+                      </a:pPr>
+                      <a:r>
+                        <a:rPr lang="es-CO" sz="1600" kern="1200" noProof="0" dirty="0">
+                          <a:solidFill>
+                            <a:schemeClr val="tx1"/>
+                          </a:solidFill>
+                          <a:latin typeface="+mn-lt"/>
+                          <a:ea typeface="+mn-ea"/>
+                          <a:cs typeface="+mn-cs"/>
+                        </a:rPr>
+                        <a:t>Basada en enfoque diferencial por color</a:t>
+                      </a:r>
+                    </a:p>
+                  </a:txBody>
+                  <a:tcPr anchor="ctr">
+                    <a:lnL w="12700" cap="flat" cmpd="sng" algn="ctr">
+                      <a:solidFill>
+                        <a:schemeClr val="tx1"/>
+                      </a:solidFill>
+                      <a:prstDash val="solid"/>
+                      <a:round/>
+                      <a:headEnd type="none" w="med" len="med"/>
+                      <a:tailEnd type="none" w="med" len="med"/>
+                    </a:lnL>
+                    <a:lnR w="12700" cap="flat" cmpd="sng" algn="ctr">
+                      <a:solidFill>
+                        <a:schemeClr val="tx1"/>
+                      </a:solidFill>
+                      <a:prstDash val="solid"/>
+                      <a:round/>
+                      <a:headEnd type="none" w="med" len="med"/>
+                      <a:tailEnd type="none" w="med" len="med"/>
+                    </a:lnR>
+                    <a:lnT w="12700" cap="flat" cmpd="sng" algn="ctr">
+                      <a:solidFill>
+                        <a:schemeClr val="tx1"/>
+                      </a:solidFill>
+                      <a:prstDash val="solid"/>
+                      <a:round/>
+                      <a:headEnd type="none" w="med" len="med"/>
+                      <a:tailEnd type="none" w="med" len="med"/>
+                    </a:lnT>
+                    <a:lnB w="12700" cap="flat" cmpd="sng" algn="ctr">
+                      <a:solidFill>
+                        <a:schemeClr val="tx1"/>
+                      </a:solidFill>
+                      <a:prstDash val="solid"/>
+                      <a:round/>
+                      <a:headEnd type="none" w="med" len="med"/>
+                      <a:tailEnd type="none" w="med" len="med"/>
+                    </a:lnB>
+                    <a:noFill/>
+                  </a:tcPr>
+                </a:tc>
+                <a:tc>
+                  <a:txBody>
+                    <a:bodyPr/>
+                    <a:lstStyle/>
+                    <a:p>
+                      <a:pPr>
+                        <a:buNone/>
+                      </a:pPr>
+                      <a:r>
+                        <a:rPr lang="es-CO" sz="1600" kern="1200" noProof="0" dirty="0">
+                          <a:solidFill>
+                            <a:schemeClr val="tx1"/>
+                          </a:solidFill>
+                          <a:latin typeface="+mn-lt"/>
+                          <a:ea typeface="+mn-ea"/>
+                          <a:cs typeface="+mn-cs"/>
+                        </a:rPr>
+                        <a:t>No directo</a:t>
+                      </a:r>
+                    </a:p>
+                  </a:txBody>
+                  <a:tcPr anchor="ctr">
+                    <a:lnL w="12700" cap="flat" cmpd="sng" algn="ctr">
+                      <a:solidFill>
+                        <a:schemeClr val="tx1"/>
+                      </a:solidFill>
+                      <a:prstDash val="solid"/>
+                      <a:round/>
+                      <a:headEnd type="none" w="med" len="med"/>
+                      <a:tailEnd type="none" w="med" len="med"/>
+                    </a:lnL>
+                    <a:lnR w="12700" cap="flat" cmpd="sng" algn="ctr">
+                      <a:solidFill>
+                        <a:schemeClr val="tx1"/>
+                      </a:solidFill>
+                      <a:prstDash val="solid"/>
+                      <a:round/>
+                      <a:headEnd type="none" w="med" len="med"/>
+                      <a:tailEnd type="none" w="med" len="med"/>
+                    </a:lnR>
+                    <a:lnT w="12700" cap="flat" cmpd="sng" algn="ctr">
+                      <a:solidFill>
+                        <a:schemeClr val="tx1"/>
+                      </a:solidFill>
+                      <a:prstDash val="solid"/>
+                      <a:round/>
+                      <a:headEnd type="none" w="med" len="med"/>
+                      <a:tailEnd type="none" w="med" len="med"/>
+                    </a:lnT>
+                    <a:lnB w="12700" cap="flat" cmpd="sng" algn="ctr">
+                      <a:solidFill>
+                        <a:schemeClr val="tx1"/>
+                      </a:solidFill>
+                      <a:prstDash val="solid"/>
+                      <a:round/>
+                      <a:headEnd type="none" w="med" len="med"/>
+                      <a:tailEnd type="none" w="med" len="med"/>
+                    </a:lnB>
+                    <a:noFill/>
+                  </a:tcPr>
+                </a:tc>
+                <a:tc>
+                  <a:txBody>
+                    <a:bodyPr/>
+                    <a:lstStyle/>
+                    <a:p>
+                      <a:pPr>
+                        <a:buNone/>
+                      </a:pPr>
+                      <a:r>
+                        <a:rPr lang="es-CO" sz="1600" kern="1200" noProof="0" dirty="0">
+                          <a:solidFill>
+                            <a:schemeClr val="tx1"/>
+                          </a:solidFill>
+                          <a:latin typeface="+mn-lt"/>
+                          <a:ea typeface="+mn-ea"/>
+                          <a:cs typeface="+mn-cs"/>
+                        </a:rPr>
+                        <a:t>Pulpos, Calamares, Arañas saltarina</a:t>
+                      </a:r>
+                    </a:p>
+                  </a:txBody>
+                  <a:tcPr anchor="ctr">
+                    <a:lnL w="12700" cap="flat" cmpd="sng" algn="ctr">
+                      <a:solidFill>
+                        <a:schemeClr val="tx1"/>
+                      </a:solidFill>
+                      <a:prstDash val="solid"/>
+                      <a:round/>
+                      <a:headEnd type="none" w="med" len="med"/>
+                      <a:tailEnd type="none" w="med" len="med"/>
+                    </a:lnL>
+                    <a:lnR w="12700" cap="flat" cmpd="sng" algn="ctr">
+                      <a:solidFill>
+                        <a:schemeClr val="tx1"/>
+                      </a:solidFill>
+                      <a:prstDash val="solid"/>
+                      <a:round/>
+                      <a:headEnd type="none" w="med" len="med"/>
+                      <a:tailEnd type="none" w="med" len="med"/>
+                    </a:lnR>
+                    <a:lnT w="12700" cap="flat" cmpd="sng" algn="ctr">
+                      <a:solidFill>
+                        <a:schemeClr val="tx1"/>
+                      </a:solidFill>
+                      <a:prstDash val="solid"/>
+                      <a:round/>
+                      <a:headEnd type="none" w="med" len="med"/>
+                      <a:tailEnd type="none" w="med" len="med"/>
+                    </a:lnT>
+                    <a:lnB w="12700" cap="flat" cmpd="sng" algn="ctr">
+                      <a:solidFill>
+                        <a:schemeClr val="tx1"/>
+                      </a:solidFill>
+                      <a:prstDash val="solid"/>
+                      <a:round/>
+                      <a:headEnd type="none" w="med" len="med"/>
+                      <a:tailEnd type="none" w="med" len="med"/>
+                    </a:lnB>
+                    <a:noFill/>
+                  </a:tcPr>
+                </a:tc>
+                <a:tc>
+                  <a:txBody>
+                    <a:bodyPr/>
+                    <a:lstStyle/>
+                    <a:p>
+                      <a:pPr>
+                        <a:buNone/>
+                      </a:pPr>
+                      <a:r>
+                        <a:rPr lang="es-CO" sz="1600" kern="1200" noProof="0" dirty="0">
+                          <a:solidFill>
+                            <a:schemeClr val="tx1"/>
+                          </a:solidFill>
+                          <a:latin typeface="+mn-lt"/>
+                          <a:ea typeface="+mn-ea"/>
+                          <a:cs typeface="+mn-cs"/>
+                        </a:rPr>
+                        <a:t>Detección de color sin conos múltiples</a:t>
+                      </a:r>
+                    </a:p>
+                  </a:txBody>
+                  <a:tcPr anchor="ctr">
+                    <a:lnL w="12700" cap="flat" cmpd="sng" algn="ctr">
+                      <a:solidFill>
+                        <a:schemeClr val="tx1"/>
+                      </a:solidFill>
+                      <a:prstDash val="solid"/>
+                      <a:round/>
+                      <a:headEnd type="none" w="med" len="med"/>
+                      <a:tailEnd type="none" w="med" len="med"/>
+                    </a:lnL>
+                    <a:lnR w="12700" cap="flat" cmpd="sng" algn="ctr">
+                      <a:solidFill>
+                        <a:schemeClr val="tx1"/>
+                      </a:solidFill>
+                      <a:prstDash val="solid"/>
+                      <a:round/>
+                      <a:headEnd type="none" w="med" len="med"/>
+                      <a:tailEnd type="none" w="med" len="med"/>
+                    </a:lnR>
+                    <a:lnT w="12700" cap="flat" cmpd="sng" algn="ctr">
+                      <a:solidFill>
+                        <a:schemeClr val="tx1"/>
+                      </a:solidFill>
+                      <a:prstDash val="solid"/>
+                      <a:round/>
+                      <a:headEnd type="none" w="med" len="med"/>
+                      <a:tailEnd type="none" w="med" len="med"/>
+                    </a:lnT>
+                    <a:lnB w="12700" cap="flat" cmpd="sng" algn="ctr">
+                      <a:solidFill>
+                        <a:schemeClr val="tx1"/>
+                      </a:solidFill>
+                      <a:prstDash val="solid"/>
+                      <a:round/>
+                      <a:headEnd type="none" w="med" len="med"/>
+                      <a:tailEnd type="none" w="med" len="med"/>
+                    </a:lnB>
+                    <a:noFill/>
+                  </a:tcPr>
+                </a:tc>
+                <a:extLst>
+                  <a:ext uri="{0D108BD9-81ED-4DB2-BD59-A6C34878D82A}">
+                    <a16:rowId xmlns:a16="http://schemas.microsoft.com/office/drawing/2014/main" val="3041401527"/>
+                  </a:ext>
+                </a:extLst>
+              </a:tr>
+            </a:tbl>
+          </a:graphicData>
+        </a:graphic>
+      </p:graphicFrame>
+    </p:spTree>
+    <p:extLst>
+      <p:ext uri="{BB962C8B-B14F-4D97-AF65-F5344CB8AC3E}">
+        <p14:creationId xmlns:p14="http://schemas.microsoft.com/office/powerpoint/2010/main" val="969323611"/>
+      </p:ext>
+    </p:extLst>
+  </p:cSld>
+  <p:clrMapOvr>
+    <a:masterClrMapping/>
+  </p:clrMapOvr>
+</p:sld>
+</file>
+
+<file path=ppt/slides/slide5.xml><?xml version="1.0" encoding="utf-8"?>
 <p:sld xmlns:a="http://schemas.openxmlformats.org/drawingml/2006/main" xmlns:r="http://schemas.openxmlformats.org/officeDocument/2006/relationships" xmlns:p="http://schemas.openxmlformats.org/presentationml/2006/main">
   <p:cSld>
     <p:spTree>
@@ -7720,18 +9155,9 @@
           <a:lstStyle/>
           <a:p>
             <a:r>
-              <a:rPr lang="en-US" dirty="0" err="1"/>
-              <a:t>Percepción</a:t>
+              <a:rPr lang="es-CO" noProof="0" dirty="0"/>
+              <a:t>Percepción de profundidad</a:t>
             </a:r>
-            <a:r>
-              <a:rPr lang="en-US" dirty="0"/>
-              <a:t> de </a:t>
-            </a:r>
-            <a:r>
-              <a:rPr lang="en-US" dirty="0" err="1"/>
-              <a:t>profundidad</a:t>
-            </a:r>
-            <a:endParaRPr lang="en-US" dirty="0"/>
           </a:p>
         </p:txBody>
       </p:sp>
@@ -7751,7 +9177,7 @@
             <p:ph idx="1"/>
             <p:extLst>
               <p:ext uri="{D42A27DB-BD31-4B8C-83A1-F6EECF244321}">
-                <p14:modId xmlns:p14="http://schemas.microsoft.com/office/powerpoint/2010/main" val="936944174"/>
+                <p14:modId xmlns:p14="http://schemas.microsoft.com/office/powerpoint/2010/main" val="3940422975"/>
               </p:ext>
             </p:extLst>
           </p:nvPr>
@@ -7818,9 +9244,10 @@
                         <a:buNone/>
                       </a:pPr>
                       <a:r>
-                        <a:rPr lang="en-US" sz="1600"/>
+                        <a:rPr lang="es-CO" sz="1600" noProof="0" dirty="0" err="1"/>
                         <a:t>Nº</a:t>
                       </a:r>
+                      <a:endParaRPr lang="es-CO" sz="1600" noProof="0" dirty="0"/>
                     </a:p>
                   </a:txBody>
                   <a:tcPr marL="36261" marR="36261" marT="18131" marB="18131" anchor="ctr">
@@ -7872,7 +9299,7 @@
                         <a:buNone/>
                       </a:pPr>
                       <a:r>
-                        <a:rPr lang="en-US" sz="1600"/>
+                        <a:rPr lang="es-CO" sz="1600" noProof="0" dirty="0"/>
                         <a:t>Método de percepción</a:t>
                       </a:r>
                     </a:p>
@@ -7926,14 +9353,9 @@
                         <a:buNone/>
                       </a:pPr>
                       <a:r>
-                        <a:rPr lang="en-US" sz="1600" dirty="0"/>
-                        <a:t>Tipo de </a:t>
-                      </a:r>
-                      <a:r>
-                        <a:rPr lang="en-US" sz="1600" dirty="0" err="1"/>
-                        <a:t>pista</a:t>
-                      </a:r>
-                      <a:endParaRPr lang="en-US" sz="1600" dirty="0"/>
+                        <a:rPr lang="es-CO" sz="1600" noProof="0" dirty="0"/>
+                        <a:t>Tipo de pista</a:t>
+                      </a:r>
                     </a:p>
                   </a:txBody>
                   <a:tcPr marL="36261" marR="36261" marT="18131" marB="18131" anchor="ctr">
@@ -7985,7 +9407,7 @@
                         <a:buNone/>
                       </a:pPr>
                       <a:r>
-                        <a:rPr lang="en-US" sz="1600"/>
+                        <a:rPr lang="es-CO" sz="1600" noProof="0" dirty="0"/>
                         <a:t>Usado por...</a:t>
                       </a:r>
                     </a:p>
@@ -8039,7 +9461,7 @@
                         <a:buNone/>
                       </a:pPr>
                       <a:r>
-                        <a:rPr lang="en-US" sz="1600"/>
+                        <a:rPr lang="es-CO" sz="1600" noProof="0" dirty="0"/>
                         <a:t>Precisión relativa</a:t>
                       </a:r>
                     </a:p>
@@ -8093,7 +9515,7 @@
                         <a:buNone/>
                       </a:pPr>
                       <a:r>
-                        <a:rPr lang="en-US" sz="1600"/>
+                        <a:rPr lang="es-CO" sz="1600" noProof="0" dirty="0"/>
                         <a:t>Observaciones clave</a:t>
                       </a:r>
                     </a:p>
@@ -8154,7 +9576,7 @@
                         <a:buNone/>
                       </a:pPr>
                       <a:r>
-                        <a:rPr lang="en-US" sz="1600"/>
+                        <a:rPr lang="es-CO" sz="1600" noProof="0" dirty="0"/>
                         <a:t>1</a:t>
                       </a:r>
                     </a:p>
@@ -8208,7 +9630,7 @@
                         <a:buNone/>
                       </a:pPr>
                       <a:r>
-                        <a:rPr lang="en-US" sz="1600"/>
+                        <a:rPr lang="es-CO" sz="1600" noProof="0" dirty="0"/>
                         <a:t>Estereopsis (visión binocular)</a:t>
                       </a:r>
                     </a:p>
@@ -8262,7 +9684,7 @@
                         <a:buNone/>
                       </a:pPr>
                       <a:r>
-                        <a:rPr lang="en-US" sz="1600"/>
+                        <a:rPr lang="es-CO" sz="1600" noProof="0" dirty="0"/>
                         <a:t>Geométrica</a:t>
                       </a:r>
                     </a:p>
@@ -8316,7 +9738,7 @@
                         <a:buNone/>
                       </a:pPr>
                       <a:r>
-                        <a:rPr lang="en-US" sz="1600"/>
+                        <a:rPr lang="es-CO" sz="1600" noProof="0" dirty="0"/>
                         <a:t>Humanos, primates, aves rapaces</a:t>
                       </a:r>
                     </a:p>
@@ -8370,7 +9792,7 @@
                         <a:buNone/>
                       </a:pPr>
                       <a:r>
-                        <a:rPr lang="en-US" sz="1600"/>
+                        <a:rPr lang="es-CO" sz="1600" noProof="0" dirty="0"/>
                         <a:t>⭐⭐⭐⭐</a:t>
                       </a:r>
                     </a:p>
@@ -8424,7 +9846,7 @@
                         <a:buNone/>
                       </a:pPr>
                       <a:r>
-                        <a:rPr lang="es-MX" sz="1600"/>
+                        <a:rPr lang="es-CO" sz="1600" noProof="0" dirty="0"/>
                         <a:t>Muy precisa a corta distancia</a:t>
                       </a:r>
                     </a:p>
@@ -8485,7 +9907,7 @@
                         <a:buNone/>
                       </a:pPr>
                       <a:r>
-                        <a:rPr lang="en-US" sz="1600"/>
+                        <a:rPr lang="es-CO" sz="1600" noProof="0" dirty="0"/>
                         <a:t>2</a:t>
                       </a:r>
                     </a:p>
@@ -8539,7 +9961,7 @@
                         <a:buNone/>
                       </a:pPr>
                       <a:r>
-                        <a:rPr lang="en-US" sz="1600"/>
+                        <a:rPr lang="es-CO" sz="1600" noProof="0" dirty="0"/>
                         <a:t>Parallax de movimiento</a:t>
                       </a:r>
                     </a:p>
@@ -8593,7 +10015,7 @@
                         <a:buNone/>
                       </a:pPr>
                       <a:r>
-                        <a:rPr lang="en-US" sz="1600"/>
+                        <a:rPr lang="es-CO" sz="1600" noProof="0" dirty="0"/>
                         <a:t>Dinámica</a:t>
                       </a:r>
                     </a:p>
@@ -8647,7 +10069,7 @@
                         <a:buNone/>
                       </a:pPr>
                       <a:r>
-                        <a:rPr lang="en-US" sz="1600"/>
+                        <a:rPr lang="es-CO" sz="1600" noProof="0" dirty="0"/>
                         <a:t>Arañas saltadoras, camaleones</a:t>
                       </a:r>
                     </a:p>
@@ -8701,7 +10123,7 @@
                         <a:buNone/>
                       </a:pPr>
                       <a:r>
-                        <a:rPr lang="en-US" sz="1600"/>
+                        <a:rPr lang="es-CO" sz="1600" noProof="0" dirty="0"/>
                         <a:t>⭐⭐⭐</a:t>
                       </a:r>
                     </a:p>
@@ -8755,7 +10177,7 @@
                         <a:buNone/>
                       </a:pPr>
                       <a:r>
-                        <a:rPr lang="es-MX" sz="1600"/>
+                        <a:rPr lang="es-CO" sz="1600" noProof="0" dirty="0"/>
                         <a:t>Requiere movimiento activo del observador</a:t>
                       </a:r>
                     </a:p>
@@ -8816,7 +10238,7 @@
                         <a:buNone/>
                       </a:pPr>
                       <a:r>
-                        <a:rPr lang="en-US" sz="1600"/>
+                        <a:rPr lang="es-CO" sz="1600" noProof="0" dirty="0"/>
                         <a:t>3</a:t>
                       </a:r>
                     </a:p>
@@ -8870,7 +10292,7 @@
                         <a:buNone/>
                       </a:pPr>
                       <a:r>
-                        <a:rPr lang="en-US" sz="1600"/>
+                        <a:rPr lang="es-CO" sz="1600" noProof="0" dirty="0"/>
                         <a:t>Tamaño relativo y perspectiva</a:t>
                       </a:r>
                     </a:p>
@@ -8924,7 +10346,7 @@
                         <a:buNone/>
                       </a:pPr>
                       <a:r>
-                        <a:rPr lang="en-US" sz="1600"/>
+                        <a:rPr lang="es-CO" sz="1600" noProof="0" dirty="0"/>
                         <a:t>Visual/geométrica</a:t>
                       </a:r>
                     </a:p>
@@ -8978,7 +10400,7 @@
                         <a:buNone/>
                       </a:pPr>
                       <a:r>
-                        <a:rPr lang="en-US" sz="1600"/>
+                        <a:rPr lang="es-CO" sz="1600" noProof="0" dirty="0"/>
                         <a:t>Casi todos los animales</a:t>
                       </a:r>
                     </a:p>
@@ -9032,7 +10454,7 @@
                         <a:buNone/>
                       </a:pPr>
                       <a:r>
-                        <a:rPr lang="en-US" sz="1600"/>
+                        <a:rPr lang="es-CO" sz="1600" noProof="0" dirty="0"/>
                         <a:t>⭐⭐</a:t>
                       </a:r>
                     </a:p>
@@ -9086,7 +10508,7 @@
                         <a:buNone/>
                       </a:pPr>
                       <a:r>
-                        <a:rPr lang="es-MX" sz="1600"/>
+                        <a:rPr lang="es-CO" sz="1600" noProof="0" dirty="0"/>
                         <a:t>Basado en experiencia previa del tamaño</a:t>
                       </a:r>
                     </a:p>
@@ -9147,7 +10569,7 @@
                         <a:buNone/>
                       </a:pPr>
                       <a:r>
-                        <a:rPr lang="en-US" sz="1600"/>
+                        <a:rPr lang="es-CO" sz="1600" noProof="0" dirty="0"/>
                         <a:t>4</a:t>
                       </a:r>
                     </a:p>
@@ -9201,7 +10623,7 @@
                         <a:buNone/>
                       </a:pPr>
                       <a:r>
-                        <a:rPr lang="en-US" sz="1600"/>
+                        <a:rPr lang="es-CO" sz="1600" noProof="0" dirty="0"/>
                         <a:t>Oclusión</a:t>
                       </a:r>
                     </a:p>
@@ -9255,7 +10677,7 @@
                         <a:buNone/>
                       </a:pPr>
                       <a:r>
-                        <a:rPr lang="en-US" sz="1600"/>
+                        <a:rPr lang="es-CO" sz="1600" noProof="0" dirty="0"/>
                         <a:t>Visual</a:t>
                       </a:r>
                     </a:p>
@@ -9309,7 +10731,7 @@
                         <a:buNone/>
                       </a:pPr>
                       <a:r>
-                        <a:rPr lang="en-US" sz="1600"/>
+                        <a:rPr lang="es-CO" sz="1600" noProof="0" dirty="0"/>
                         <a:t>Humanos, vertebrados, cefalópodos</a:t>
                       </a:r>
                     </a:p>
@@ -9363,7 +10785,7 @@
                         <a:buNone/>
                       </a:pPr>
                       <a:r>
-                        <a:rPr lang="en-US" sz="1600"/>
+                        <a:rPr lang="es-CO" sz="1600" noProof="0" dirty="0"/>
                         <a:t>⭐⭐</a:t>
                       </a:r>
                     </a:p>
@@ -9417,7 +10839,7 @@
                         <a:buNone/>
                       </a:pPr>
                       <a:r>
-                        <a:rPr lang="en-US" sz="1600"/>
+                        <a:rPr lang="es-CO" sz="1600" noProof="0" dirty="0"/>
                         <a:t>No da distancia exacta, pero ordena objetos</a:t>
                       </a:r>
                     </a:p>
@@ -9478,7 +10900,7 @@
                         <a:buNone/>
                       </a:pPr>
                       <a:r>
-                        <a:rPr lang="en-US" sz="1600"/>
+                        <a:rPr lang="es-CO" sz="1600" noProof="0" dirty="0"/>
                         <a:t>5</a:t>
                       </a:r>
                     </a:p>
@@ -9532,7 +10954,7 @@
                         <a:buNone/>
                       </a:pPr>
                       <a:r>
-                        <a:rPr lang="en-US" sz="1600"/>
+                        <a:rPr lang="es-CO" sz="1600" noProof="0" dirty="0"/>
                         <a:t>Gradiente de textura/desenfoque</a:t>
                       </a:r>
                     </a:p>
@@ -9586,7 +11008,7 @@
                         <a:buNone/>
                       </a:pPr>
                       <a:r>
-                        <a:rPr lang="en-US" sz="1600"/>
+                        <a:rPr lang="es-CO" sz="1600" noProof="0" dirty="0"/>
                         <a:t>Óptica</a:t>
                       </a:r>
                     </a:p>
@@ -9640,7 +11062,7 @@
                         <a:buNone/>
                       </a:pPr>
                       <a:r>
-                        <a:rPr lang="en-US" sz="1600"/>
+                        <a:rPr lang="es-CO" sz="1600" noProof="0" dirty="0"/>
                         <a:t>Humanos, aves, algunos cefalópodos</a:t>
                       </a:r>
                     </a:p>
@@ -9694,7 +11116,7 @@
                         <a:buNone/>
                       </a:pPr>
                       <a:r>
-                        <a:rPr lang="en-US" sz="1600"/>
+                        <a:rPr lang="es-CO" sz="1600" noProof="0" dirty="0"/>
                         <a:t>⭐⭐</a:t>
                       </a:r>
                     </a:p>
@@ -9748,7 +11170,7 @@
                         <a:buNone/>
                       </a:pPr>
                       <a:r>
-                        <a:rPr lang="es-MX" sz="1600"/>
+                        <a:rPr lang="es-CO" sz="1600" noProof="0" dirty="0"/>
                         <a:t>Utiliza densidad o nitidez de detalles</a:t>
                       </a:r>
                     </a:p>
@@ -9809,7 +11231,7 @@
                         <a:buNone/>
                       </a:pPr>
                       <a:r>
-                        <a:rPr lang="en-US" sz="1600"/>
+                        <a:rPr lang="es-CO" sz="1600" noProof="0" dirty="0"/>
                         <a:t>6</a:t>
                       </a:r>
                     </a:p>
@@ -9863,7 +11285,7 @@
                         <a:buNone/>
                       </a:pPr>
                       <a:r>
-                        <a:rPr lang="en-US" sz="1600"/>
+                        <a:rPr lang="es-CO" sz="1600" noProof="0" dirty="0"/>
                         <a:t>Aberración cromática</a:t>
                       </a:r>
                     </a:p>
@@ -9917,7 +11339,7 @@
                         <a:buNone/>
                       </a:pPr>
                       <a:r>
-                        <a:rPr lang="en-US" sz="1600"/>
+                        <a:rPr lang="es-CO" sz="1600" noProof="0" dirty="0"/>
                         <a:t>Óptica/espectral</a:t>
                       </a:r>
                     </a:p>
@@ -9971,7 +11393,7 @@
                         <a:buNone/>
                       </a:pPr>
                       <a:r>
-                        <a:rPr lang="en-US" sz="1600"/>
+                        <a:rPr lang="es-CO" sz="1600" noProof="0" dirty="0"/>
                         <a:t>Pulpos, sepias (posible)</a:t>
                       </a:r>
                     </a:p>
@@ -10025,7 +11447,7 @@
                         <a:buNone/>
                       </a:pPr>
                       <a:r>
-                        <a:rPr lang="en-US" sz="1600"/>
+                        <a:rPr lang="es-CO" sz="1600" noProof="0" dirty="0"/>
                         <a:t>⭐⭐</a:t>
                       </a:r>
                     </a:p>
@@ -10079,7 +11501,7 @@
                         <a:buNone/>
                       </a:pPr>
                       <a:r>
-                        <a:rPr lang="es-MX" sz="1600"/>
+                        <a:rPr lang="es-CO" sz="1600" noProof="0" dirty="0"/>
                         <a:t>Detecta profundidad mediante el enfoque cromático</a:t>
                       </a:r>
                     </a:p>
@@ -10140,7 +11562,7 @@
                         <a:buNone/>
                       </a:pPr>
                       <a:r>
-                        <a:rPr lang="en-US" sz="1600"/>
+                        <a:rPr lang="es-CO" sz="1600" noProof="0" dirty="0"/>
                         <a:t>7</a:t>
                       </a:r>
                     </a:p>
@@ -10194,15 +11616,15 @@
                         <a:buNone/>
                       </a:pPr>
                       <a:r>
-                        <a:rPr lang="es-MX" sz="1600" dirty="0"/>
+                        <a:rPr lang="es-CO" sz="1600" noProof="0" dirty="0"/>
                         <a:t>Tiempo de vuelo (</a:t>
                       </a:r>
                       <a:r>
-                        <a:rPr lang="es-MX" sz="1600" dirty="0" err="1"/>
+                        <a:rPr lang="es-CO" sz="1600" noProof="0" dirty="0" err="1"/>
                         <a:t>ToF</a:t>
                       </a:r>
                       <a:r>
-                        <a:rPr lang="es-MX" sz="1600" dirty="0"/>
+                        <a:rPr lang="es-CO" sz="1600" noProof="0" dirty="0"/>
                         <a:t> óptico)</a:t>
                       </a:r>
                     </a:p>
@@ -10256,7 +11678,7 @@
                         <a:buNone/>
                       </a:pPr>
                       <a:r>
-                        <a:rPr lang="en-US" sz="1600"/>
+                        <a:rPr lang="es-CO" sz="1600" noProof="0" dirty="0"/>
                         <a:t>Física (luz)</a:t>
                       </a:r>
                     </a:p>
@@ -10310,8 +11732,16 @@
                         <a:buNone/>
                       </a:pPr>
                       <a:r>
-                        <a:rPr lang="en-US" sz="1600"/>
-                        <a:t>Tecnología (LiDAR, sensores RGB-D)</a:t>
+                        <a:rPr lang="es-CO" sz="1600" noProof="0" dirty="0"/>
+                        <a:t>Tecnología (</a:t>
+                      </a:r>
+                      <a:r>
+                        <a:rPr lang="es-CO" sz="1600" noProof="0" dirty="0" err="1"/>
+                        <a:t>LiDAR</a:t>
+                      </a:r>
+                      <a:r>
+                        <a:rPr lang="es-CO" sz="1600" noProof="0" dirty="0"/>
+                        <a:t>, sensores RGB-D)</a:t>
                       </a:r>
                     </a:p>
                   </a:txBody>
@@ -10364,7 +11794,7 @@
                         <a:buNone/>
                       </a:pPr>
                       <a:r>
-                        <a:rPr lang="en-US" sz="1600"/>
+                        <a:rPr lang="es-CO" sz="1600" noProof="0" dirty="0"/>
                         <a:t>⭐⭐⭐⭐</a:t>
                       </a:r>
                     </a:p>
@@ -10418,7 +11848,7 @@
                         <a:buNone/>
                       </a:pPr>
                       <a:r>
-                        <a:rPr lang="es-MX" sz="1600"/>
+                        <a:rPr lang="es-CO" sz="1600" noProof="0" dirty="0"/>
                         <a:t>Usa la velocidad de la luz para medir distancia</a:t>
                       </a:r>
                     </a:p>
@@ -10479,7 +11909,7 @@
                         <a:buNone/>
                       </a:pPr>
                       <a:r>
-                        <a:rPr lang="en-US" sz="1600"/>
+                        <a:rPr lang="es-CO" sz="1600" noProof="0" dirty="0"/>
                         <a:t>8</a:t>
                       </a:r>
                     </a:p>
@@ -10533,32 +11963,16 @@
                         <a:buNone/>
                       </a:pPr>
                       <a:r>
-                        <a:rPr lang="en-US" sz="1600" b="0" dirty="0"/>
-                        <a:t>Eco-</a:t>
-                      </a:r>
-                      <a:r>
-                        <a:rPr lang="en-US" sz="1600" b="0" dirty="0" err="1"/>
-                        <a:t>localización</a:t>
-                      </a:r>
-                      <a:r>
-                        <a:rPr lang="en-US" sz="1600" b="0" dirty="0"/>
-                        <a:t> (</a:t>
-                      </a:r>
-                      <a:r>
-                        <a:rPr lang="en-US" sz="1600" b="0" dirty="0" err="1"/>
+                        <a:rPr lang="es-CO" sz="1600" b="0" noProof="0" dirty="0"/>
+                        <a:t>Eco-localización (</a:t>
+                      </a:r>
+                      <a:r>
+                        <a:rPr lang="es-CO" sz="1600" b="0" noProof="0" dirty="0" err="1"/>
                         <a:t>ToF</a:t>
                       </a:r>
                       <a:r>
-                        <a:rPr lang="en-US" sz="1600" b="0" dirty="0"/>
-                        <a:t> </a:t>
-                      </a:r>
-                      <a:r>
-                        <a:rPr lang="en-US" sz="1600" b="0" dirty="0" err="1"/>
-                        <a:t>acústico</a:t>
-                      </a:r>
-                      <a:r>
-                        <a:rPr lang="en-US" sz="1600" b="0" dirty="0"/>
-                        <a:t>)</a:t>
+                        <a:rPr lang="es-CO" sz="1600" b="0" noProof="0" dirty="0"/>
+                        <a:t> acústico)</a:t>
                       </a:r>
                     </a:p>
                   </a:txBody>
@@ -10611,20 +12025,8 @@
                         <a:buNone/>
                       </a:pPr>
                       <a:r>
-                        <a:rPr lang="en-US" sz="1600" dirty="0" err="1"/>
-                        <a:t>Física</a:t>
-                      </a:r>
-                      <a:r>
-                        <a:rPr lang="en-US" sz="1600" dirty="0"/>
-                        <a:t> (</a:t>
-                      </a:r>
-                      <a:r>
-                        <a:rPr lang="en-US" sz="1600" dirty="0" err="1"/>
-                        <a:t>sonido</a:t>
-                      </a:r>
-                      <a:r>
-                        <a:rPr lang="en-US" sz="1600" dirty="0"/>
-                        <a:t>)</a:t>
+                        <a:rPr lang="es-CO" sz="1600" noProof="0" dirty="0"/>
+                        <a:t>Física (sonido)</a:t>
                       </a:r>
                     </a:p>
                   </a:txBody>
@@ -10677,7 +12079,7 @@
                         <a:buNone/>
                       </a:pPr>
                       <a:r>
-                        <a:rPr lang="es-MX" sz="1600"/>
+                        <a:rPr lang="es-CO" sz="1600" noProof="0" dirty="0"/>
                         <a:t>🦇 Murciélagos, 🐬 delfines, 🦉 aves nocturnas</a:t>
                       </a:r>
                     </a:p>
@@ -10731,7 +12133,7 @@
                         <a:buNone/>
                       </a:pPr>
                       <a:r>
-                        <a:rPr lang="en-US" sz="1600" dirty="0"/>
+                        <a:rPr lang="es-CO" sz="1600" noProof="0" dirty="0"/>
                         <a:t>⭐⭐⭐⭐</a:t>
                       </a:r>
                     </a:p>
@@ -10785,7 +12187,7 @@
                         <a:buNone/>
                       </a:pPr>
                       <a:r>
-                        <a:rPr lang="es-MX" sz="1600" dirty="0"/>
+                        <a:rPr lang="es-CO" sz="1600" noProof="0" dirty="0"/>
                         <a:t>Muy precisa, incluso en oscuridad o agua</a:t>
                       </a:r>
                     </a:p>
@@ -10844,6 +12246,457 @@
     <p:extLst>
       <p:ext uri="{BB962C8B-B14F-4D97-AF65-F5344CB8AC3E}">
         <p14:creationId xmlns:p14="http://schemas.microsoft.com/office/powerpoint/2010/main" val="4261449164"/>
+      </p:ext>
+    </p:extLst>
+  </p:cSld>
+  <p:clrMapOvr>
+    <a:masterClrMapping/>
+  </p:clrMapOvr>
+</p:sld>
+</file>
+
+<file path=ppt/slides/slide6.xml><?xml version="1.0" encoding="utf-8"?>
+<p:sld xmlns:a="http://schemas.openxmlformats.org/drawingml/2006/main" xmlns:r="http://schemas.openxmlformats.org/officeDocument/2006/relationships" xmlns:p="http://schemas.openxmlformats.org/presentationml/2006/main">
+  <p:cSld>
+    <p:spTree>
+      <p:nvGrpSpPr>
+        <p:cNvPr id="1" name=""/>
+        <p:cNvGrpSpPr/>
+        <p:nvPr/>
+      </p:nvGrpSpPr>
+      <p:grpSpPr>
+        <a:xfrm>
+          <a:off x="0" y="0"/>
+          <a:ext cx="0" cy="0"/>
+          <a:chOff x="0" y="0"/>
+          <a:chExt cx="0" cy="0"/>
+        </a:xfrm>
+      </p:grpSpPr>
+      <p:sp>
+        <p:nvSpPr>
+          <p:cNvPr id="6" name="Title 5">
+            <a:extLst>
+              <a:ext uri="{FF2B5EF4-FFF2-40B4-BE49-F238E27FC236}">
+                <a16:creationId xmlns:a16="http://schemas.microsoft.com/office/drawing/2014/main" id="{B8A1A04E-DC91-E989-E7D5-69D98B4AA4D4}"/>
+              </a:ext>
+            </a:extLst>
+          </p:cNvPr>
+          <p:cNvSpPr>
+            <a:spLocks noGrp="1"/>
+          </p:cNvSpPr>
+          <p:nvPr>
+            <p:ph type="title"/>
+          </p:nvPr>
+        </p:nvSpPr>
+        <p:spPr/>
+        <p:txBody>
+          <a:bodyPr/>
+          <a:lstStyle/>
+          <a:p>
+            <a:r>
+              <a:rPr lang="es-CO" noProof="0" dirty="0"/>
+              <a:t>SENSOR DE ULTRASONIDO</a:t>
+            </a:r>
+          </a:p>
+        </p:txBody>
+      </p:sp>
+      <p:sp>
+        <p:nvSpPr>
+          <p:cNvPr id="7" name="Content Placeholder 6">
+            <a:extLst>
+              <a:ext uri="{FF2B5EF4-FFF2-40B4-BE49-F238E27FC236}">
+                <a16:creationId xmlns:a16="http://schemas.microsoft.com/office/drawing/2014/main" id="{F94B07B4-AF9B-1B20-0FBE-2FF0F7043656}"/>
+              </a:ext>
+            </a:extLst>
+          </p:cNvPr>
+          <p:cNvSpPr>
+            <a:spLocks noGrp="1"/>
+          </p:cNvSpPr>
+          <p:nvPr>
+            <p:ph sz="half" idx="2"/>
+          </p:nvPr>
+        </p:nvSpPr>
+        <p:spPr/>
+        <p:txBody>
+          <a:bodyPr>
+            <a:normAutofit lnSpcReduction="10000"/>
+          </a:bodyPr>
+          <a:lstStyle/>
+          <a:p>
+            <a:r>
+              <a:rPr lang="es-CO" sz="1600" noProof="0" dirty="0"/>
+              <a:t>Ventajas</a:t>
+            </a:r>
+          </a:p>
+          <a:p>
+            <a:pPr lvl="1"/>
+            <a:r>
+              <a:rPr lang="es-CO" sz="1600" noProof="0" dirty="0"/>
+              <a:t>Bajo costo</a:t>
+            </a:r>
+          </a:p>
+          <a:p>
+            <a:pPr lvl="1"/>
+            <a:r>
+              <a:rPr lang="es-CO" sz="1600" noProof="0" dirty="0"/>
+              <a:t>No depende de la luz (funciona en la oscuridad)</a:t>
+            </a:r>
+          </a:p>
+          <a:p>
+            <a:pPr lvl="1"/>
+            <a:r>
+              <a:rPr lang="es-CO" sz="1600" noProof="0" dirty="0"/>
+              <a:t>Fácil de implementar</a:t>
+            </a:r>
+          </a:p>
+          <a:p>
+            <a:r>
+              <a:rPr lang="es-CO" sz="1600" noProof="0" dirty="0"/>
+              <a:t> Limitaciones y defectos</a:t>
+            </a:r>
+          </a:p>
+          <a:p>
+            <a:pPr lvl="1"/>
+            <a:r>
+              <a:rPr lang="es-CO" sz="1600" noProof="0" dirty="0"/>
+              <a:t>No direccional: Las ondas se dispersan en un ángulo amplio (~30°), dificultando precisión.</a:t>
+            </a:r>
+          </a:p>
+          <a:p>
+            <a:pPr lvl="1"/>
+            <a:r>
+              <a:rPr lang="es-CO" sz="1600" noProof="0" dirty="0"/>
+              <a:t>Rebotes falsos: Superficies anguladas reflejan el eco en otra.</a:t>
+            </a:r>
+          </a:p>
+          <a:p>
+            <a:pPr lvl="1"/>
+            <a:r>
+              <a:rPr lang="es-CO" sz="1600" noProof="0" dirty="0"/>
+              <a:t>Interferencias: Otros sonidos o sensores ultrasónicos cercanos pueden generar errores.</a:t>
+            </a:r>
+          </a:p>
+          <a:p>
+            <a:pPr lvl="1"/>
+            <a:r>
+              <a:rPr lang="es-CO" sz="1600" noProof="0" dirty="0"/>
+              <a:t>Material absorbente: Telas, espumas o superficies irregulares absorben o difunden el sonido.</a:t>
+            </a:r>
+          </a:p>
+          <a:p>
+            <a:r>
+              <a:rPr lang="es-CO" sz="2000" noProof="0" dirty="0"/>
+              <a:t>Pregunta:</a:t>
+            </a:r>
+          </a:p>
+          <a:p>
+            <a:pPr lvl="1"/>
+            <a:r>
+              <a:rPr lang="es-CO" sz="1600" noProof="0" dirty="0"/>
+              <a:t>¿Se puede mejorar utilizando interferometría?</a:t>
+            </a:r>
+          </a:p>
+        </p:txBody>
+      </p:sp>
+      <p:pic>
+        <p:nvPicPr>
+          <p:cNvPr id="1026" name="Picture 2" descr="Que es un sensor ultrasónico y como funciona">
+            <a:extLst>
+              <a:ext uri="{FF2B5EF4-FFF2-40B4-BE49-F238E27FC236}">
+                <a16:creationId xmlns:a16="http://schemas.microsoft.com/office/drawing/2014/main" id="{61BF8352-FF8A-C977-BB1F-803655334575}"/>
+              </a:ext>
+            </a:extLst>
+          </p:cNvPr>
+          <p:cNvPicPr>
+            <a:picLocks noChangeAspect="1" noChangeArrowheads="1"/>
+          </p:cNvPicPr>
+          <p:nvPr/>
+        </p:nvPicPr>
+        <p:blipFill rotWithShape="1">
+          <a:blip r:embed="rId2">
+            <a:extLst>
+              <a:ext uri="{28A0092B-C50C-407E-A947-70E740481C1C}">
+                <a14:useLocalDpi xmlns:a14="http://schemas.microsoft.com/office/drawing/2010/main" val="0"/>
+              </a:ext>
+            </a:extLst>
+          </a:blip>
+          <a:srcRect l="16333" t="15018" r="17023"/>
+          <a:stretch>
+            <a:fillRect/>
+          </a:stretch>
+        </p:blipFill>
+        <p:spPr bwMode="auto">
+          <a:xfrm>
+            <a:off x="2471057" y="4578000"/>
+            <a:ext cx="3178628" cy="2280000"/>
+          </a:xfrm>
+          <a:prstGeom prst="rect">
+            <a:avLst/>
+          </a:prstGeom>
+          <a:noFill/>
+          <a:extLst>
+            <a:ext uri="{909E8E84-426E-40DD-AFC4-6F175D3DCCD1}">
+              <a14:hiddenFill xmlns:a14="http://schemas.microsoft.com/office/drawing/2010/main">
+                <a:solidFill>
+                  <a:srgbClr val="FFFFFF"/>
+                </a:solidFill>
+              </a14:hiddenFill>
+            </a:ext>
+          </a:extLst>
+        </p:spPr>
+      </p:pic>
+      <p:sp>
+        <p:nvSpPr>
+          <p:cNvPr id="5" name="TextBox 4">
+            <a:extLst>
+              <a:ext uri="{FF2B5EF4-FFF2-40B4-BE49-F238E27FC236}">
+                <a16:creationId xmlns:a16="http://schemas.microsoft.com/office/drawing/2014/main" id="{DEB0F638-6662-9272-6411-263F00AABE0A}"/>
+              </a:ext>
+            </a:extLst>
+          </p:cNvPr>
+          <p:cNvSpPr txBox="1"/>
+          <p:nvPr/>
+        </p:nvSpPr>
+        <p:spPr>
+          <a:xfrm>
+            <a:off x="1578432" y="6370947"/>
+            <a:ext cx="4963885" cy="338554"/>
+          </a:xfrm>
+          <a:prstGeom prst="rect">
+            <a:avLst/>
+          </a:prstGeom>
+          <a:noFill/>
+        </p:spPr>
+        <p:txBody>
+          <a:bodyPr wrap="square">
+            <a:spAutoFit/>
+          </a:bodyPr>
+          <a:lstStyle/>
+          <a:p>
+            <a:r>
+              <a:rPr lang="es-CO" sz="800" noProof="0" dirty="0"/>
+              <a:t>Imagen tomada de:</a:t>
+            </a:r>
+          </a:p>
+          <a:p>
+            <a:r>
+              <a:rPr lang="es-CO" sz="800" noProof="0" dirty="0"/>
+              <a:t>https://www.ingmecafenix.com/automatizacion/sensores/ultrasonico/</a:t>
+            </a:r>
+          </a:p>
+        </p:txBody>
+      </p:sp>
+      <mc:AlternateContent xmlns:mc="http://schemas.openxmlformats.org/markup-compatibility/2006">
+        <mc:Choice xmlns:a14="http://schemas.microsoft.com/office/drawing/2010/main" Requires="a14">
+          <p:sp>
+            <p:nvSpPr>
+              <p:cNvPr id="3" name="Content Placeholder 2">
+                <a:extLst>
+                  <a:ext uri="{FF2B5EF4-FFF2-40B4-BE49-F238E27FC236}">
+                    <a16:creationId xmlns:a16="http://schemas.microsoft.com/office/drawing/2014/main" id="{F2898060-EA20-5CFA-F5B0-E5C689E2C6C8}"/>
+                  </a:ext>
+                </a:extLst>
+              </p:cNvPr>
+              <p:cNvSpPr>
+                <a:spLocks noGrp="1"/>
+              </p:cNvSpPr>
+              <p:nvPr>
+                <p:ph sz="half" idx="1"/>
+              </p:nvPr>
+            </p:nvSpPr>
+            <p:spPr/>
+            <p:txBody>
+              <a:bodyPr>
+                <a:normAutofit lnSpcReduction="10000"/>
+              </a:bodyPr>
+              <a:lstStyle/>
+              <a:p>
+                <a:r>
+                  <a:rPr lang="es-CO" sz="1600" noProof="0" dirty="0"/>
+                  <a:t>El </a:t>
+                </a:r>
+                <a:r>
+                  <a:rPr lang="es-CO" sz="1600" b="1" noProof="0" dirty="0"/>
+                  <a:t>emisor</a:t>
+                </a:r>
+                <a:r>
+                  <a:rPr lang="es-CO" sz="1600" noProof="0" dirty="0"/>
+                  <a:t> (transductor) genera un pulso ultrasónico.</a:t>
+                </a:r>
+              </a:p>
+              <a:p>
+                <a:r>
+                  <a:rPr lang="es-CO" sz="1600" noProof="0" dirty="0"/>
+                  <a:t>El pulso viaja por el aire hasta chocar con un objeto.</a:t>
+                </a:r>
+              </a:p>
+              <a:p>
+                <a:r>
+                  <a:rPr lang="es-CO" sz="1600" noProof="0" dirty="0"/>
+                  <a:t>El </a:t>
+                </a:r>
+                <a:r>
+                  <a:rPr lang="es-CO" sz="1600" b="1" noProof="0" dirty="0"/>
+                  <a:t>eco reflejado</a:t>
+                </a:r>
+                <a:r>
+                  <a:rPr lang="es-CO" sz="1600" noProof="0" dirty="0"/>
+                  <a:t> vuelve al receptor.</a:t>
+                </a:r>
+              </a:p>
+              <a:p>
+                <a:r>
+                  <a:rPr lang="es-CO" sz="1600" noProof="0" dirty="0"/>
+                  <a:t>El sensor mide el </a:t>
+                </a:r>
+                <a:r>
+                  <a:rPr lang="es-CO" sz="1600" b="1" noProof="0" dirty="0"/>
+                  <a:t>tiempo de ida y vuelta (t)</a:t>
+                </a:r>
+                <a:r>
+                  <a:rPr lang="es-CO" sz="1600" noProof="0" dirty="0"/>
+                  <a:t>.</a:t>
+                </a:r>
+              </a:p>
+              <a:p>
+                <a:r>
+                  <a:rPr lang="es-CO" sz="1600" noProof="0" dirty="0"/>
+                  <a:t>Se calcula la distancia con la fórmula:</a:t>
+                </a:r>
+              </a:p>
+              <a:p>
+                <a14:m>
+                  <m:oMath xmlns:m="http://schemas.openxmlformats.org/officeDocument/2006/math">
+                    <m:r>
+                      <a:rPr lang="es-CO" sz="1600" i="1" noProof="0" smtClean="0">
+                        <a:latin typeface="Cambria Math" panose="02040503050406030204" pitchFamily="18" charset="0"/>
+                      </a:rPr>
+                      <m:t>𝐷𝑖𝑠𝑡𝑎𝑛𝑐𝑖𝑎</m:t>
+                    </m:r>
+                    <m:r>
+                      <a:rPr lang="es-CO" sz="1600" i="1" noProof="0" smtClean="0">
+                        <a:latin typeface="Cambria Math" panose="02040503050406030204" pitchFamily="18" charset="0"/>
+                      </a:rPr>
+                      <m:t>=</m:t>
+                    </m:r>
+                    <m:f>
+                      <m:fPr>
+                        <m:ctrlPr>
+                          <a:rPr lang="es-CO" sz="1600" b="0" i="1" noProof="0" smtClean="0">
+                            <a:latin typeface="Cambria Math" panose="02040503050406030204" pitchFamily="18" charset="0"/>
+                          </a:rPr>
+                        </m:ctrlPr>
+                      </m:fPr>
+                      <m:num>
+                        <m:r>
+                          <a:rPr lang="es-CO" sz="1600" i="1" noProof="0" smtClean="0">
+                            <a:latin typeface="Cambria Math" panose="02040503050406030204" pitchFamily="18" charset="0"/>
+                          </a:rPr>
+                          <m:t>𝑣</m:t>
+                        </m:r>
+                        <m:r>
+                          <a:rPr lang="es-CO" sz="1600" i="1" noProof="0" smtClean="0">
+                            <a:latin typeface="Cambria Math" panose="02040503050406030204" pitchFamily="18" charset="0"/>
+                          </a:rPr>
+                          <m:t>⋅</m:t>
+                        </m:r>
+                        <m:r>
+                          <a:rPr lang="es-CO" sz="1600" i="1" noProof="0" smtClean="0">
+                            <a:latin typeface="Cambria Math" panose="02040503050406030204" pitchFamily="18" charset="0"/>
+                          </a:rPr>
+                          <m:t>𝑡</m:t>
+                        </m:r>
+                      </m:num>
+                      <m:den>
+                        <m:r>
+                          <a:rPr lang="es-CO" sz="1600" i="1" noProof="0" smtClean="0">
+                            <a:latin typeface="Cambria Math" panose="02040503050406030204" pitchFamily="18" charset="0"/>
+                          </a:rPr>
+                          <m:t>2</m:t>
+                        </m:r>
+                      </m:den>
+                    </m:f>
+                  </m:oMath>
+                </a14:m>
+                <a:endParaRPr lang="es-CO" sz="1600" noProof="0" dirty="0"/>
+              </a:p>
+              <a:p>
+                <a:r>
+                  <a:rPr lang="es-CO" sz="1600" noProof="0" dirty="0"/>
+                  <a:t>Donde </a:t>
+                </a:r>
+                <a14:m>
+                  <m:oMath xmlns:m="http://schemas.openxmlformats.org/officeDocument/2006/math">
+                    <m:r>
+                      <a:rPr lang="es-CO" sz="1600" i="1" noProof="0" smtClean="0">
+                        <a:latin typeface="Cambria Math" panose="02040503050406030204" pitchFamily="18" charset="0"/>
+                      </a:rPr>
+                      <m:t>𝑣</m:t>
+                    </m:r>
+                  </m:oMath>
+                </a14:m>
+                <a:r>
+                  <a:rPr lang="es-CO" sz="1600" noProof="0" dirty="0"/>
+                  <a:t> es la velocidad del sonido (~343 </a:t>
+                </a:r>
+                <a:r>
+                  <a:rPr lang="es-CO" sz="2100" noProof="0" dirty="0"/>
+                  <a:t>m/s en aire).</a:t>
+                </a:r>
+              </a:p>
+              <a:p>
+                <a:r>
+                  <a:rPr lang="es-CO" sz="2100" noProof="0" dirty="0"/>
+                  <a:t>Resolución 1 cm aprox.</a:t>
+                </a:r>
+              </a:p>
+            </p:txBody>
+          </p:sp>
+        </mc:Choice>
+        <mc:Fallback>
+          <p:sp>
+            <p:nvSpPr>
+              <p:cNvPr id="3" name="Content Placeholder 2">
+                <a:extLst>
+                  <a:ext uri="{FF2B5EF4-FFF2-40B4-BE49-F238E27FC236}">
+                    <a16:creationId xmlns:a16="http://schemas.microsoft.com/office/drawing/2014/main" id="{F2898060-EA20-5CFA-F5B0-E5C689E2C6C8}"/>
+                  </a:ext>
+                </a:extLst>
+              </p:cNvPr>
+              <p:cNvSpPr>
+                <a:spLocks noGrp="1" noRot="1" noChangeAspect="1" noMove="1" noResize="1" noEditPoints="1" noAdjustHandles="1" noChangeArrowheads="1" noChangeShapeType="1" noTextEdit="1"/>
+              </p:cNvSpPr>
+              <p:nvPr>
+                <p:ph sz="half" idx="1"/>
+              </p:nvPr>
+            </p:nvSpPr>
+            <p:spPr>
+              <a:blipFill>
+                <a:blip r:embed="rId3"/>
+                <a:stretch>
+                  <a:fillRect l="-1176" t="-1401"/>
+                </a:stretch>
+              </a:blipFill>
+            </p:spPr>
+            <p:txBody>
+              <a:bodyPr/>
+              <a:lstStyle/>
+              <a:p>
+                <a:r>
+                  <a:rPr lang="en-US">
+                    <a:noFill/>
+                  </a:rPr>
+                  <a:t> </a:t>
+                </a:r>
+              </a:p>
+            </p:txBody>
+          </p:sp>
+        </mc:Fallback>
+      </mc:AlternateContent>
+    </p:spTree>
+    <p:extLst>
+      <p:ext uri="{BB962C8B-B14F-4D97-AF65-F5344CB8AC3E}">
+        <p14:creationId xmlns:p14="http://schemas.microsoft.com/office/powerpoint/2010/main" val="1131813189"/>
       </p:ext>
     </p:extLst>
   </p:cSld>
@@ -10875,7 +12728,7 @@
           <p:cNvPr id="2" name="Title 1">
             <a:extLst>
               <a:ext uri="{FF2B5EF4-FFF2-40B4-BE49-F238E27FC236}">
-                <a16:creationId xmlns:a16="http://schemas.microsoft.com/office/drawing/2014/main" id="{FF680D7E-564E-1569-8D95-667FD0688F24}"/>
+                <a16:creationId xmlns:a16="http://schemas.microsoft.com/office/drawing/2014/main" id="{F129E6C1-5508-DA0E-86A5-C04974B54E90}"/>
               </a:ext>
             </a:extLst>
           </p:cNvPr>
@@ -10888,7 +12741,7 @@
         </p:nvSpPr>
         <p:spPr>
           <a:xfrm>
-            <a:off x="1164772" y="-385989"/>
+            <a:off x="762000" y="515866"/>
             <a:ext cx="10515600" cy="1325563"/>
           </a:xfrm>
         </p:spPr>
@@ -10897,2976 +12750,1061 @@
           <a:lstStyle/>
           <a:p>
             <a:r>
-              <a:rPr lang="es-CO" dirty="0"/>
-              <a:t>Espectros, Colores y otros</a:t>
+              <a:rPr lang="es-CO" noProof="0" dirty="0"/>
+              <a:t>LÍDAR (</a:t>
             </a:r>
-            <a:endParaRPr lang="en-US" dirty="0"/>
+            <a:r>
+              <a:rPr lang="es-CO" i="1" noProof="0" dirty="0"/>
+              <a:t>Light </a:t>
+            </a:r>
+            <a:r>
+              <a:rPr lang="es-CO" i="1" noProof="0" dirty="0" err="1"/>
+              <a:t>Detection</a:t>
+            </a:r>
+            <a:r>
+              <a:rPr lang="es-CO" i="1" noProof="0" dirty="0"/>
+              <a:t> and </a:t>
+            </a:r>
+            <a:r>
+              <a:rPr lang="es-CO" i="1" noProof="0" dirty="0" err="1"/>
+              <a:t>Ranging</a:t>
+            </a:r>
+            <a:r>
+              <a:rPr lang="es-CO" noProof="0" dirty="0"/>
+              <a:t>)</a:t>
+            </a:r>
           </a:p>
         </p:txBody>
       </p:sp>
-      <p:graphicFrame>
-        <p:nvGraphicFramePr>
+      <p:sp>
+        <p:nvSpPr>
           <p:cNvPr id="4" name="Content Placeholder 3">
             <a:extLst>
               <a:ext uri="{FF2B5EF4-FFF2-40B4-BE49-F238E27FC236}">
-                <a16:creationId xmlns:a16="http://schemas.microsoft.com/office/drawing/2014/main" id="{351D1B04-427A-965D-9D90-9D8FE2B3FF08}"/>
+                <a16:creationId xmlns:a16="http://schemas.microsoft.com/office/drawing/2014/main" id="{888E015C-C3ED-7E74-6A2A-2426E709CB3F}"/>
               </a:ext>
             </a:extLst>
           </p:cNvPr>
-          <p:cNvGraphicFramePr>
-            <a:graphicFrameLocks noGrp="1"/>
-          </p:cNvGraphicFramePr>
+          <p:cNvSpPr>
+            <a:spLocks noGrp="1"/>
+          </p:cNvSpPr>
           <p:nvPr>
-            <p:ph idx="1"/>
-            <p:extLst>
-              <p:ext uri="{D42A27DB-BD31-4B8C-83A1-F6EECF244321}">
-                <p14:modId xmlns:p14="http://schemas.microsoft.com/office/powerpoint/2010/main" val="3764248104"/>
-              </p:ext>
-            </p:extLst>
+            <p:ph sz="half" idx="2"/>
           </p:nvPr>
-        </p:nvGraphicFramePr>
-        <p:xfrm>
-          <a:off x="467656" y="758825"/>
-          <a:ext cx="11495742" cy="5797098"/>
-        </p:xfrm>
-        <a:graphic>
-          <a:graphicData uri="http://schemas.openxmlformats.org/drawingml/2006/table">
-            <a:tbl>
-              <a:tblPr/>
-              <a:tblGrid>
-                <a:gridCol w="535757">
-                  <a:extLst>
-                    <a:ext uri="{9D8B030D-6E8A-4147-A177-3AD203B41FA5}">
-                      <a16:colId xmlns:a16="http://schemas.microsoft.com/office/drawing/2014/main" val="3920753679"/>
-                    </a:ext>
-                  </a:extLst>
-                </a:gridCol>
-                <a:gridCol w="1532959">
-                  <a:extLst>
-                    <a:ext uri="{9D8B030D-6E8A-4147-A177-3AD203B41FA5}">
-                      <a16:colId xmlns:a16="http://schemas.microsoft.com/office/drawing/2014/main" val="424731653"/>
-                    </a:ext>
-                  </a:extLst>
-                </a:gridCol>
-                <a:gridCol w="2035628">
-                  <a:extLst>
-                    <a:ext uri="{9D8B030D-6E8A-4147-A177-3AD203B41FA5}">
-                      <a16:colId xmlns:a16="http://schemas.microsoft.com/office/drawing/2014/main" val="3432426061"/>
-                    </a:ext>
-                  </a:extLst>
-                </a:gridCol>
-                <a:gridCol w="1273629">
-                  <a:extLst>
-                    <a:ext uri="{9D8B030D-6E8A-4147-A177-3AD203B41FA5}">
-                      <a16:colId xmlns:a16="http://schemas.microsoft.com/office/drawing/2014/main" val="1415628104"/>
-                    </a:ext>
-                  </a:extLst>
-                </a:gridCol>
-                <a:gridCol w="4201812">
-                  <a:extLst>
-                    <a:ext uri="{9D8B030D-6E8A-4147-A177-3AD203B41FA5}">
-                      <a16:colId xmlns:a16="http://schemas.microsoft.com/office/drawing/2014/main" val="3565271087"/>
-                    </a:ext>
-                  </a:extLst>
-                </a:gridCol>
-                <a:gridCol w="1915957">
-                  <a:extLst>
-                    <a:ext uri="{9D8B030D-6E8A-4147-A177-3AD203B41FA5}">
-                      <a16:colId xmlns:a16="http://schemas.microsoft.com/office/drawing/2014/main" val="1887588002"/>
-                    </a:ext>
-                  </a:extLst>
-                </a:gridCol>
-              </a:tblGrid>
-              <a:tr h="371456">
-                <a:tc>
-                  <a:txBody>
-                    <a:bodyPr/>
-                    <a:lstStyle/>
-                    <a:p>
-                      <a:pPr>
-                        <a:buNone/>
-                      </a:pPr>
-                      <a:r>
-                        <a:rPr lang="en-US" sz="1600"/>
-                        <a:t>Nº</a:t>
-                      </a:r>
-                    </a:p>
-                  </a:txBody>
-                  <a:tcPr marL="53065" marR="53065" marT="26533" marB="26533" anchor="ctr">
-                    <a:lnL w="12700" cap="flat" cmpd="sng" algn="ctr">
-                      <a:solidFill>
-                        <a:schemeClr val="tx1"/>
-                      </a:solidFill>
-                      <a:prstDash val="solid"/>
-                      <a:round/>
-                      <a:headEnd type="none" w="med" len="med"/>
-                      <a:tailEnd type="none" w="med" len="med"/>
-                    </a:lnL>
-                    <a:lnR w="12700" cap="flat" cmpd="sng" algn="ctr">
-                      <a:solidFill>
-                        <a:schemeClr val="tx1"/>
-                      </a:solidFill>
-                      <a:prstDash val="solid"/>
-                      <a:round/>
-                      <a:headEnd type="none" w="med" len="med"/>
-                      <a:tailEnd type="none" w="med" len="med"/>
-                    </a:lnR>
-                    <a:lnT w="12700" cap="flat" cmpd="sng" algn="ctr">
-                      <a:solidFill>
-                        <a:schemeClr val="tx1"/>
-                      </a:solidFill>
-                      <a:prstDash val="solid"/>
-                      <a:round/>
-                      <a:headEnd type="none" w="med" len="med"/>
-                      <a:tailEnd type="none" w="med" len="med"/>
-                    </a:lnT>
-                    <a:lnB w="12700" cap="flat" cmpd="sng" algn="ctr">
-                      <a:solidFill>
-                        <a:schemeClr val="tx1"/>
-                      </a:solidFill>
-                      <a:prstDash val="solid"/>
-                      <a:round/>
-                      <a:headEnd type="none" w="med" len="med"/>
-                      <a:tailEnd type="none" w="med" len="med"/>
-                    </a:lnB>
-                    <a:noFill/>
-                  </a:tcPr>
-                </a:tc>
-                <a:tc>
-                  <a:txBody>
-                    <a:bodyPr/>
-                    <a:lstStyle/>
-                    <a:p>
-                      <a:pPr>
-                        <a:buNone/>
-                      </a:pPr>
-                      <a:endParaRPr lang="en-US" sz="1600" dirty="0"/>
-                    </a:p>
-                  </a:txBody>
-                  <a:tcPr marL="53065" marR="53065" marT="26533" marB="26533" anchor="ctr">
-                    <a:lnL w="12700" cap="flat" cmpd="sng" algn="ctr">
-                      <a:solidFill>
-                        <a:schemeClr val="tx1"/>
-                      </a:solidFill>
-                      <a:prstDash val="solid"/>
-                      <a:round/>
-                      <a:headEnd type="none" w="med" len="med"/>
-                      <a:tailEnd type="none" w="med" len="med"/>
-                    </a:lnL>
-                    <a:lnR w="12700" cap="flat" cmpd="sng" algn="ctr">
-                      <a:solidFill>
-                        <a:schemeClr val="tx1"/>
-                      </a:solidFill>
-                      <a:prstDash val="solid"/>
-                      <a:round/>
-                      <a:headEnd type="none" w="med" len="med"/>
-                      <a:tailEnd type="none" w="med" len="med"/>
-                    </a:lnR>
-                    <a:lnT w="12700" cap="flat" cmpd="sng" algn="ctr">
-                      <a:solidFill>
-                        <a:schemeClr val="tx1"/>
-                      </a:solidFill>
-                      <a:prstDash val="solid"/>
-                      <a:round/>
-                      <a:headEnd type="none" w="med" len="med"/>
-                      <a:tailEnd type="none" w="med" len="med"/>
-                    </a:lnT>
-                    <a:lnB w="12700" cap="flat" cmpd="sng" algn="ctr">
-                      <a:solidFill>
-                        <a:schemeClr val="tx1"/>
-                      </a:solidFill>
-                      <a:prstDash val="solid"/>
-                      <a:round/>
-                      <a:headEnd type="none" w="med" len="med"/>
-                      <a:tailEnd type="none" w="med" len="med"/>
-                    </a:lnB>
-                    <a:noFill/>
-                  </a:tcPr>
-                </a:tc>
-                <a:tc>
-                  <a:txBody>
-                    <a:bodyPr/>
-                    <a:lstStyle/>
-                    <a:p>
-                      <a:pPr>
-                        <a:buNone/>
-                      </a:pPr>
-                      <a:r>
-                        <a:rPr lang="en-US" sz="1600"/>
-                        <a:t>Longitud de onda (aprox.)</a:t>
-                      </a:r>
-                    </a:p>
-                  </a:txBody>
-                  <a:tcPr marL="53065" marR="53065" marT="26533" marB="26533" anchor="ctr">
-                    <a:lnL w="12700" cap="flat" cmpd="sng" algn="ctr">
-                      <a:solidFill>
-                        <a:schemeClr val="tx1"/>
-                      </a:solidFill>
-                      <a:prstDash val="solid"/>
-                      <a:round/>
-                      <a:headEnd type="none" w="med" len="med"/>
-                      <a:tailEnd type="none" w="med" len="med"/>
-                    </a:lnL>
-                    <a:lnR w="12700" cap="flat" cmpd="sng" algn="ctr">
-                      <a:solidFill>
-                        <a:schemeClr val="tx1"/>
-                      </a:solidFill>
-                      <a:prstDash val="solid"/>
-                      <a:round/>
-                      <a:headEnd type="none" w="med" len="med"/>
-                      <a:tailEnd type="none" w="med" len="med"/>
-                    </a:lnR>
-                    <a:lnT w="12700" cap="flat" cmpd="sng" algn="ctr">
-                      <a:solidFill>
-                        <a:schemeClr val="tx1"/>
-                      </a:solidFill>
-                      <a:prstDash val="solid"/>
-                      <a:round/>
-                      <a:headEnd type="none" w="med" len="med"/>
-                      <a:tailEnd type="none" w="med" len="med"/>
-                    </a:lnT>
-                    <a:lnB w="12700" cap="flat" cmpd="sng" algn="ctr">
-                      <a:solidFill>
-                        <a:schemeClr val="tx1"/>
-                      </a:solidFill>
-                      <a:prstDash val="solid"/>
-                      <a:round/>
-                      <a:headEnd type="none" w="med" len="med"/>
-                      <a:tailEnd type="none" w="med" len="med"/>
-                    </a:lnB>
-                    <a:noFill/>
-                  </a:tcPr>
-                </a:tc>
-                <a:tc>
-                  <a:txBody>
-                    <a:bodyPr/>
-                    <a:lstStyle/>
-                    <a:p>
-                      <a:pPr>
-                        <a:buNone/>
-                      </a:pPr>
-                      <a:r>
-                        <a:rPr lang="en-US" sz="1600"/>
-                        <a:t>¿Visible para humanos?</a:t>
-                      </a:r>
-                    </a:p>
-                  </a:txBody>
-                  <a:tcPr marL="53065" marR="53065" marT="26533" marB="26533" anchor="ctr">
-                    <a:lnL w="12700" cap="flat" cmpd="sng" algn="ctr">
-                      <a:solidFill>
-                        <a:schemeClr val="tx1"/>
-                      </a:solidFill>
-                      <a:prstDash val="solid"/>
-                      <a:round/>
-                      <a:headEnd type="none" w="med" len="med"/>
-                      <a:tailEnd type="none" w="med" len="med"/>
-                    </a:lnL>
-                    <a:lnR w="12700" cap="flat" cmpd="sng" algn="ctr">
-                      <a:solidFill>
-                        <a:schemeClr val="tx1"/>
-                      </a:solidFill>
-                      <a:prstDash val="solid"/>
-                      <a:round/>
-                      <a:headEnd type="none" w="med" len="med"/>
-                      <a:tailEnd type="none" w="med" len="med"/>
-                    </a:lnR>
-                    <a:lnT w="12700" cap="flat" cmpd="sng" algn="ctr">
-                      <a:solidFill>
-                        <a:schemeClr val="tx1"/>
-                      </a:solidFill>
-                      <a:prstDash val="solid"/>
-                      <a:round/>
-                      <a:headEnd type="none" w="med" len="med"/>
-                      <a:tailEnd type="none" w="med" len="med"/>
-                    </a:lnT>
-                    <a:lnB w="12700" cap="flat" cmpd="sng" algn="ctr">
-                      <a:solidFill>
-                        <a:schemeClr val="tx1"/>
-                      </a:solidFill>
-                      <a:prstDash val="solid"/>
-                      <a:round/>
-                      <a:headEnd type="none" w="med" len="med"/>
-                      <a:tailEnd type="none" w="med" len="med"/>
-                    </a:lnB>
-                    <a:noFill/>
-                  </a:tcPr>
-                </a:tc>
-                <a:tc>
-                  <a:txBody>
-                    <a:bodyPr/>
-                    <a:lstStyle/>
-                    <a:p>
-                      <a:pPr>
-                        <a:buNone/>
-                      </a:pPr>
-                      <a:r>
-                        <a:rPr lang="en-US" sz="1600"/>
-                        <a:t>Usado por...</a:t>
-                      </a:r>
-                    </a:p>
-                  </a:txBody>
-                  <a:tcPr marL="53065" marR="53065" marT="26533" marB="26533" anchor="ctr">
-                    <a:lnL w="12700" cap="flat" cmpd="sng" algn="ctr">
-                      <a:solidFill>
-                        <a:schemeClr val="tx1"/>
-                      </a:solidFill>
-                      <a:prstDash val="solid"/>
-                      <a:round/>
-                      <a:headEnd type="none" w="med" len="med"/>
-                      <a:tailEnd type="none" w="med" len="med"/>
-                    </a:lnL>
-                    <a:lnR w="12700" cap="flat" cmpd="sng" algn="ctr">
-                      <a:solidFill>
-                        <a:schemeClr val="tx1"/>
-                      </a:solidFill>
-                      <a:prstDash val="solid"/>
-                      <a:round/>
-                      <a:headEnd type="none" w="med" len="med"/>
-                      <a:tailEnd type="none" w="med" len="med"/>
-                    </a:lnR>
-                    <a:lnT w="12700" cap="flat" cmpd="sng" algn="ctr">
-                      <a:solidFill>
-                        <a:schemeClr val="tx1"/>
-                      </a:solidFill>
-                      <a:prstDash val="solid"/>
-                      <a:round/>
-                      <a:headEnd type="none" w="med" len="med"/>
-                      <a:tailEnd type="none" w="med" len="med"/>
-                    </a:lnT>
-                    <a:lnB w="12700" cap="flat" cmpd="sng" algn="ctr">
-                      <a:solidFill>
-                        <a:schemeClr val="tx1"/>
-                      </a:solidFill>
-                      <a:prstDash val="solid"/>
-                      <a:round/>
-                      <a:headEnd type="none" w="med" len="med"/>
-                      <a:tailEnd type="none" w="med" len="med"/>
-                    </a:lnB>
-                    <a:noFill/>
-                  </a:tcPr>
-                </a:tc>
-                <a:tc>
-                  <a:txBody>
-                    <a:bodyPr/>
-                    <a:lstStyle/>
-                    <a:p>
-                      <a:pPr>
-                        <a:buNone/>
-                      </a:pPr>
-                      <a:r>
-                        <a:rPr lang="en-US" sz="1600"/>
-                        <a:t>Ejemplo de aplicación</a:t>
-                      </a:r>
-                    </a:p>
-                  </a:txBody>
-                  <a:tcPr marL="53065" marR="53065" marT="26533" marB="26533" anchor="ctr">
-                    <a:lnL w="12700" cap="flat" cmpd="sng" algn="ctr">
-                      <a:solidFill>
-                        <a:schemeClr val="tx1"/>
-                      </a:solidFill>
-                      <a:prstDash val="solid"/>
-                      <a:round/>
-                      <a:headEnd type="none" w="med" len="med"/>
-                      <a:tailEnd type="none" w="med" len="med"/>
-                    </a:lnL>
-                    <a:lnR w="12700" cap="flat" cmpd="sng" algn="ctr">
-                      <a:solidFill>
-                        <a:schemeClr val="tx1"/>
-                      </a:solidFill>
-                      <a:prstDash val="solid"/>
-                      <a:round/>
-                      <a:headEnd type="none" w="med" len="med"/>
-                      <a:tailEnd type="none" w="med" len="med"/>
-                    </a:lnR>
-                    <a:lnT w="12700" cap="flat" cmpd="sng" algn="ctr">
-                      <a:solidFill>
-                        <a:schemeClr val="tx1"/>
-                      </a:solidFill>
-                      <a:prstDash val="solid"/>
-                      <a:round/>
-                      <a:headEnd type="none" w="med" len="med"/>
-                      <a:tailEnd type="none" w="med" len="med"/>
-                    </a:lnT>
-                    <a:lnB w="12700" cap="flat" cmpd="sng" algn="ctr">
-                      <a:solidFill>
-                        <a:schemeClr val="tx1"/>
-                      </a:solidFill>
-                      <a:prstDash val="solid"/>
-                      <a:round/>
-                      <a:headEnd type="none" w="med" len="med"/>
-                      <a:tailEnd type="none" w="med" len="med"/>
-                    </a:lnB>
-                    <a:noFill/>
-                  </a:tcPr>
-                </a:tc>
+        </p:nvSpPr>
+        <p:spPr/>
+        <p:txBody>
+          <a:bodyPr>
+            <a:normAutofit fontScale="70000" lnSpcReduction="20000"/>
+          </a:bodyPr>
+          <a:lstStyle/>
+          <a:p>
+            <a:r>
+              <a:rPr lang="es-CO" noProof="0" dirty="0"/>
+              <a:t>Ventajas</a:t>
+            </a:r>
+          </a:p>
+          <a:p>
+            <a:pPr lvl="1"/>
+            <a:r>
+              <a:rPr lang="es-CO" noProof="0" dirty="0"/>
+              <a:t>Alta precisión (mm)</a:t>
+            </a:r>
+          </a:p>
+          <a:p>
+            <a:pPr lvl="1"/>
+            <a:r>
+              <a:rPr lang="es-CO" noProof="0" dirty="0"/>
+              <a:t>Mapea entornos en 2D o 3D</a:t>
+            </a:r>
+          </a:p>
+          <a:p>
+            <a:pPr lvl="1"/>
+            <a:r>
+              <a:rPr lang="es-CO" noProof="0" dirty="0"/>
+              <a:t>Funciona a largas distancias (decenas o cientos de metros)</a:t>
+            </a:r>
+          </a:p>
+          <a:p>
+            <a:pPr lvl="1"/>
+            <a:r>
+              <a:rPr lang="es-CO" noProof="0" dirty="0"/>
+              <a:t>Se puede montar en drones, autos, aviones, trípodes</a:t>
+            </a:r>
+          </a:p>
+          <a:p>
+            <a:pPr lvl="1"/>
+            <a:r>
+              <a:rPr lang="es-CO" noProof="0" dirty="0"/>
+              <a:t>Ángulo de apertura menor a 1°</a:t>
+            </a:r>
+          </a:p>
+          <a:p>
+            <a:r>
+              <a:rPr lang="es-CO" noProof="0" dirty="0"/>
+              <a:t>Problemas	</a:t>
+            </a:r>
+          </a:p>
+          <a:p>
+            <a:pPr lvl="1"/>
+            <a:r>
+              <a:rPr lang="es-CO" noProof="0" dirty="0"/>
+              <a:t>Sensibilidad a niebla, lluvia</a:t>
+            </a:r>
+          </a:p>
+          <a:p>
+            <a:pPr lvl="1"/>
+            <a:r>
+              <a:rPr lang="es-CO" noProof="0" dirty="0"/>
+              <a:t>Alto costo	</a:t>
+            </a:r>
+          </a:p>
+          <a:p>
+            <a:pPr lvl="1"/>
+            <a:r>
+              <a:rPr lang="es-CO" noProof="0" dirty="0"/>
+              <a:t>Alto consumo</a:t>
+            </a:r>
+          </a:p>
+          <a:p>
+            <a:pPr lvl="1"/>
+            <a:r>
+              <a:rPr lang="es-CO" noProof="0" dirty="0"/>
+              <a:t>Superficies reflectantes u oscuras</a:t>
+            </a:r>
+          </a:p>
+          <a:p>
+            <a:r>
+              <a:rPr lang="es-CO" noProof="0" dirty="0"/>
+              <a:t>Preguntas</a:t>
+            </a:r>
+          </a:p>
+          <a:p>
+            <a:pPr lvl="1"/>
+            <a:r>
+              <a:rPr lang="es-CO" noProof="0" dirty="0"/>
+              <a:t>¿Puede ser peligros mirar un </a:t>
+            </a:r>
+            <a:r>
+              <a:rPr lang="es-CO" noProof="0" dirty="0" err="1"/>
+              <a:t>LiDAR</a:t>
+            </a:r>
+            <a:r>
+              <a:rPr lang="es-CO" noProof="0" dirty="0"/>
+              <a:t>?</a:t>
+            </a:r>
+          </a:p>
+          <a:p>
+            <a:pPr lvl="1"/>
+            <a:r>
+              <a:rPr lang="es-CO" noProof="0" dirty="0"/>
+              <a:t>¿Qué requisitos de velocidad de respuesta debe tener el circuito asociado?</a:t>
+            </a:r>
+          </a:p>
+        </p:txBody>
+      </p:sp>
+      <p:sp>
+        <p:nvSpPr>
+          <p:cNvPr id="8" name="AutoShape 7" descr="1D micro-scanning LiDAR illuminating the scenery with a vertical laser... |  Download Scientific Diagram">
+            <a:extLst>
+              <a:ext uri="{FF2B5EF4-FFF2-40B4-BE49-F238E27FC236}">
+                <a16:creationId xmlns:a16="http://schemas.microsoft.com/office/drawing/2014/main" id="{5D791E3B-16BC-E29D-98B8-4696908199EF}"/>
+              </a:ext>
+            </a:extLst>
+          </p:cNvPr>
+          <p:cNvSpPr>
+            <a:spLocks noChangeAspect="1" noChangeArrowheads="1"/>
+          </p:cNvSpPr>
+          <p:nvPr/>
+        </p:nvSpPr>
+        <p:spPr bwMode="auto">
+          <a:xfrm>
+            <a:off x="5943600" y="3276600"/>
+            <a:ext cx="304800" cy="304800"/>
+          </a:xfrm>
+          <a:prstGeom prst="rect">
+            <a:avLst/>
+          </a:prstGeom>
+          <a:noFill/>
+          <a:extLst>
+            <a:ext uri="{909E8E84-426E-40DD-AFC4-6F175D3DCCD1}">
+              <a14:hiddenFill xmlns:a14="http://schemas.microsoft.com/office/drawing/2010/main">
+                <a:solidFill>
+                  <a:srgbClr val="FFFFFF"/>
+                </a:solidFill>
+              </a14:hiddenFill>
+            </a:ext>
+          </a:extLst>
+        </p:spPr>
+        <p:txBody>
+          <a:bodyPr vert="horz" wrap="square" lIns="91440" tIns="45720" rIns="91440" bIns="45720" numCol="1" anchor="t" anchorCtr="0" compatLnSpc="1">
+            <a:prstTxWarp prst="textNoShape">
+              <a:avLst/>
+            </a:prstTxWarp>
+          </a:bodyPr>
+          <a:lstStyle/>
+          <a:p>
+            <a:endParaRPr lang="es-CO" noProof="0" dirty="0"/>
+          </a:p>
+        </p:txBody>
+      </p:sp>
+      <p:pic>
+        <p:nvPicPr>
+          <p:cNvPr id="2057" name="Picture 9" descr="1D micro-scanning LiDAR illuminating the scenery with a vertical laser beam line and scanning horizontally. Obtained with changes from [2].">
+            <a:extLst>
+              <a:ext uri="{FF2B5EF4-FFF2-40B4-BE49-F238E27FC236}">
+                <a16:creationId xmlns:a16="http://schemas.microsoft.com/office/drawing/2014/main" id="{89B9D7D7-D4DE-2CEE-3FA8-6497851B2438}"/>
+              </a:ext>
+            </a:extLst>
+          </p:cNvPr>
+          <p:cNvPicPr>
+            <a:picLocks noChangeAspect="1" noChangeArrowheads="1"/>
+          </p:cNvPicPr>
+          <p:nvPr/>
+        </p:nvPicPr>
+        <p:blipFill>
+          <a:blip r:embed="rId2">
+            <a:extLst>
+              <a:ext uri="{28A0092B-C50C-407E-A947-70E740481C1C}">
+                <a14:useLocalDpi xmlns:a14="http://schemas.microsoft.com/office/drawing/2010/main" val="0"/>
+              </a:ext>
+            </a:extLst>
+          </a:blip>
+          <a:srcRect/>
+          <a:stretch>
+            <a:fillRect/>
+          </a:stretch>
+        </p:blipFill>
+        <p:spPr bwMode="auto">
+          <a:xfrm>
+            <a:off x="955497" y="3729888"/>
+            <a:ext cx="4551452" cy="2447075"/>
+          </a:xfrm>
+          <a:prstGeom prst="rect">
+            <a:avLst/>
+          </a:prstGeom>
+          <a:noFill/>
+          <a:extLst>
+            <a:ext uri="{909E8E84-426E-40DD-AFC4-6F175D3DCCD1}">
+              <a14:hiddenFill xmlns:a14="http://schemas.microsoft.com/office/drawing/2010/main">
+                <a:solidFill>
+                  <a:srgbClr val="FFFFFF"/>
+                </a:solidFill>
+              </a14:hiddenFill>
+            </a:ext>
+          </a:extLst>
+        </p:spPr>
+      </p:pic>
+      <mc:AlternateContent xmlns:mc="http://schemas.openxmlformats.org/markup-compatibility/2006">
+        <mc:Choice xmlns:a14="http://schemas.microsoft.com/office/drawing/2010/main" Requires="a14">
+          <p:sp>
+            <p:nvSpPr>
+              <p:cNvPr id="5" name="Rectangle 1">
                 <a:extLst>
-                  <a:ext uri="{0D108BD9-81ED-4DB2-BD59-A6C34878D82A}">
-                    <a16:rowId xmlns:a16="http://schemas.microsoft.com/office/drawing/2014/main" val="2833365528"/>
+                  <a:ext uri="{FF2B5EF4-FFF2-40B4-BE49-F238E27FC236}">
+                    <a16:creationId xmlns:a16="http://schemas.microsoft.com/office/drawing/2014/main" id="{5F96198F-B288-E649-93C1-C4D90259B6DC}"/>
                   </a:ext>
                 </a:extLst>
-              </a:tr>
-              <a:tr h="849042">
-                <a:tc>
-                  <a:txBody>
-                    <a:bodyPr/>
-                    <a:lstStyle/>
-                    <a:p>
-                      <a:pPr>
-                        <a:buNone/>
-                      </a:pPr>
-                      <a:r>
-                        <a:rPr lang="en-US" sz="1600"/>
-                        <a:t>1</a:t>
-                      </a:r>
-                    </a:p>
-                  </a:txBody>
-                  <a:tcPr marL="53065" marR="53065" marT="26533" marB="26533" anchor="ctr">
-                    <a:lnL w="12700" cap="flat" cmpd="sng" algn="ctr">
-                      <a:solidFill>
-                        <a:schemeClr val="tx1"/>
-                      </a:solidFill>
-                      <a:prstDash val="solid"/>
-                      <a:round/>
-                      <a:headEnd type="none" w="med" len="med"/>
-                      <a:tailEnd type="none" w="med" len="med"/>
-                    </a:lnL>
-                    <a:lnR w="12700" cap="flat" cmpd="sng" algn="ctr">
-                      <a:solidFill>
-                        <a:schemeClr val="tx1"/>
-                      </a:solidFill>
-                      <a:prstDash val="solid"/>
-                      <a:round/>
-                      <a:headEnd type="none" w="med" len="med"/>
-                      <a:tailEnd type="none" w="med" len="med"/>
-                    </a:lnR>
-                    <a:lnT w="12700" cap="flat" cmpd="sng" algn="ctr">
-                      <a:solidFill>
-                        <a:schemeClr val="tx1"/>
-                      </a:solidFill>
-                      <a:prstDash val="solid"/>
-                      <a:round/>
-                      <a:headEnd type="none" w="med" len="med"/>
-                      <a:tailEnd type="none" w="med" len="med"/>
-                    </a:lnT>
-                    <a:lnB w="12700" cap="flat" cmpd="sng" algn="ctr">
-                      <a:solidFill>
-                        <a:schemeClr val="tx1"/>
-                      </a:solidFill>
-                      <a:prstDash val="solid"/>
-                      <a:round/>
-                      <a:headEnd type="none" w="med" len="med"/>
-                      <a:tailEnd type="none" w="med" len="med"/>
-                    </a:lnB>
-                    <a:noFill/>
-                  </a:tcPr>
-                </a:tc>
-                <a:tc>
-                  <a:txBody>
-                    <a:bodyPr/>
-                    <a:lstStyle/>
-                    <a:p>
-                      <a:pPr>
-                        <a:buNone/>
-                      </a:pPr>
-                      <a:r>
-                        <a:rPr lang="en-US" sz="1600" b="1"/>
-                        <a:t>Ultravioleta (UV)</a:t>
-                      </a:r>
-                      <a:endParaRPr lang="en-US" sz="1600"/>
-                    </a:p>
-                  </a:txBody>
-                  <a:tcPr marL="53065" marR="53065" marT="26533" marB="26533" anchor="ctr">
-                    <a:lnL w="12700" cap="flat" cmpd="sng" algn="ctr">
-                      <a:solidFill>
-                        <a:schemeClr val="tx1"/>
-                      </a:solidFill>
-                      <a:prstDash val="solid"/>
-                      <a:round/>
-                      <a:headEnd type="none" w="med" len="med"/>
-                      <a:tailEnd type="none" w="med" len="med"/>
-                    </a:lnL>
-                    <a:lnR w="12700" cap="flat" cmpd="sng" algn="ctr">
-                      <a:solidFill>
-                        <a:schemeClr val="tx1"/>
-                      </a:solidFill>
-                      <a:prstDash val="solid"/>
-                      <a:round/>
-                      <a:headEnd type="none" w="med" len="med"/>
-                      <a:tailEnd type="none" w="med" len="med"/>
-                    </a:lnR>
-                    <a:lnT w="12700" cap="flat" cmpd="sng" algn="ctr">
-                      <a:solidFill>
-                        <a:schemeClr val="tx1"/>
-                      </a:solidFill>
-                      <a:prstDash val="solid"/>
-                      <a:round/>
-                      <a:headEnd type="none" w="med" len="med"/>
-                      <a:tailEnd type="none" w="med" len="med"/>
-                    </a:lnT>
-                    <a:lnB w="12700" cap="flat" cmpd="sng" algn="ctr">
-                      <a:solidFill>
-                        <a:schemeClr val="tx1"/>
-                      </a:solidFill>
-                      <a:prstDash val="solid"/>
-                      <a:round/>
-                      <a:headEnd type="none" w="med" len="med"/>
-                      <a:tailEnd type="none" w="med" len="med"/>
-                    </a:lnB>
-                    <a:noFill/>
-                  </a:tcPr>
-                </a:tc>
-                <a:tc>
-                  <a:txBody>
-                    <a:bodyPr/>
-                    <a:lstStyle/>
-                    <a:p>
-                      <a:pPr>
-                        <a:buNone/>
-                      </a:pPr>
-                      <a:r>
-                        <a:rPr lang="en-US" sz="1600"/>
-                        <a:t>10 – 400 nm</a:t>
-                      </a:r>
-                    </a:p>
-                  </a:txBody>
-                  <a:tcPr marL="53065" marR="53065" marT="26533" marB="26533" anchor="ctr">
-                    <a:lnL w="12700" cap="flat" cmpd="sng" algn="ctr">
-                      <a:solidFill>
-                        <a:schemeClr val="tx1"/>
-                      </a:solidFill>
-                      <a:prstDash val="solid"/>
-                      <a:round/>
-                      <a:headEnd type="none" w="med" len="med"/>
-                      <a:tailEnd type="none" w="med" len="med"/>
-                    </a:lnL>
-                    <a:lnR w="12700" cap="flat" cmpd="sng" algn="ctr">
-                      <a:solidFill>
-                        <a:schemeClr val="tx1"/>
-                      </a:solidFill>
-                      <a:prstDash val="solid"/>
-                      <a:round/>
-                      <a:headEnd type="none" w="med" len="med"/>
-                      <a:tailEnd type="none" w="med" len="med"/>
-                    </a:lnR>
-                    <a:lnT w="12700" cap="flat" cmpd="sng" algn="ctr">
-                      <a:solidFill>
-                        <a:schemeClr val="tx1"/>
-                      </a:solidFill>
-                      <a:prstDash val="solid"/>
-                      <a:round/>
-                      <a:headEnd type="none" w="med" len="med"/>
-                      <a:tailEnd type="none" w="med" len="med"/>
-                    </a:lnT>
-                    <a:lnB w="12700" cap="flat" cmpd="sng" algn="ctr">
-                      <a:solidFill>
-                        <a:schemeClr val="tx1"/>
-                      </a:solidFill>
-                      <a:prstDash val="solid"/>
-                      <a:round/>
-                      <a:headEnd type="none" w="med" len="med"/>
-                      <a:tailEnd type="none" w="med" len="med"/>
-                    </a:lnB>
-                    <a:noFill/>
-                  </a:tcPr>
-                </a:tc>
-                <a:tc>
-                  <a:txBody>
-                    <a:bodyPr/>
-                    <a:lstStyle/>
-                    <a:p>
-                      <a:pPr>
-                        <a:buNone/>
-                      </a:pPr>
-                      <a:r>
-                        <a:rPr lang="en-US" sz="1600" dirty="0"/>
-                        <a:t>No</a:t>
-                      </a:r>
-                    </a:p>
-                  </a:txBody>
-                  <a:tcPr marL="53065" marR="53065" marT="26533" marB="26533" anchor="ctr">
-                    <a:lnL w="12700" cap="flat" cmpd="sng" algn="ctr">
-                      <a:solidFill>
-                        <a:schemeClr val="tx1"/>
-                      </a:solidFill>
-                      <a:prstDash val="solid"/>
-                      <a:round/>
-                      <a:headEnd type="none" w="med" len="med"/>
-                      <a:tailEnd type="none" w="med" len="med"/>
-                    </a:lnL>
-                    <a:lnR w="12700" cap="flat" cmpd="sng" algn="ctr">
-                      <a:solidFill>
-                        <a:schemeClr val="tx1"/>
-                      </a:solidFill>
-                      <a:prstDash val="solid"/>
-                      <a:round/>
-                      <a:headEnd type="none" w="med" len="med"/>
-                      <a:tailEnd type="none" w="med" len="med"/>
-                    </a:lnR>
-                    <a:lnT w="12700" cap="flat" cmpd="sng" algn="ctr">
-                      <a:solidFill>
-                        <a:schemeClr val="tx1"/>
-                      </a:solidFill>
-                      <a:prstDash val="solid"/>
-                      <a:round/>
-                      <a:headEnd type="none" w="med" len="med"/>
-                      <a:tailEnd type="none" w="med" len="med"/>
-                    </a:lnT>
-                    <a:lnB w="12700" cap="flat" cmpd="sng" algn="ctr">
-                      <a:solidFill>
-                        <a:schemeClr val="tx1"/>
-                      </a:solidFill>
-                      <a:prstDash val="solid"/>
-                      <a:round/>
-                      <a:headEnd type="none" w="med" len="med"/>
-                      <a:tailEnd type="none" w="med" len="med"/>
-                    </a:lnB>
-                    <a:noFill/>
-                  </a:tcPr>
-                </a:tc>
-                <a:tc>
-                  <a:txBody>
-                    <a:bodyPr/>
-                    <a:lstStyle/>
-                    <a:p>
-                      <a:pPr>
-                        <a:buNone/>
-                      </a:pPr>
-                      <a:r>
-                        <a:rPr lang="en-US" sz="1600"/>
-                        <a:t>Abejas, mariposas, aves, camarones mantis</a:t>
-                      </a:r>
-                    </a:p>
-                  </a:txBody>
-                  <a:tcPr marL="53065" marR="53065" marT="26533" marB="26533" anchor="ctr">
-                    <a:lnL w="12700" cap="flat" cmpd="sng" algn="ctr">
-                      <a:solidFill>
-                        <a:schemeClr val="tx1"/>
-                      </a:solidFill>
-                      <a:prstDash val="solid"/>
-                      <a:round/>
-                      <a:headEnd type="none" w="med" len="med"/>
-                      <a:tailEnd type="none" w="med" len="med"/>
-                    </a:lnL>
-                    <a:lnR w="12700" cap="flat" cmpd="sng" algn="ctr">
-                      <a:solidFill>
-                        <a:schemeClr val="tx1"/>
-                      </a:solidFill>
-                      <a:prstDash val="solid"/>
-                      <a:round/>
-                      <a:headEnd type="none" w="med" len="med"/>
-                      <a:tailEnd type="none" w="med" len="med"/>
-                    </a:lnR>
-                    <a:lnT w="12700" cap="flat" cmpd="sng" algn="ctr">
-                      <a:solidFill>
-                        <a:schemeClr val="tx1"/>
-                      </a:solidFill>
-                      <a:prstDash val="solid"/>
-                      <a:round/>
-                      <a:headEnd type="none" w="med" len="med"/>
-                      <a:tailEnd type="none" w="med" len="med"/>
-                    </a:lnT>
-                    <a:lnB w="12700" cap="flat" cmpd="sng" algn="ctr">
-                      <a:solidFill>
-                        <a:schemeClr val="tx1"/>
-                      </a:solidFill>
-                      <a:prstDash val="solid"/>
-                      <a:round/>
-                      <a:headEnd type="none" w="med" len="med"/>
-                      <a:tailEnd type="none" w="med" len="med"/>
-                    </a:lnB>
-                    <a:noFill/>
-                  </a:tcPr>
-                </a:tc>
-                <a:tc>
-                  <a:txBody>
-                    <a:bodyPr/>
-                    <a:lstStyle/>
-                    <a:p>
-                      <a:pPr>
-                        <a:buNone/>
-                      </a:pPr>
-                      <a:r>
-                        <a:rPr lang="es-MX" sz="1600" dirty="0"/>
-                        <a:t>Polinización, detección de señales ocultas</a:t>
-                      </a:r>
-                    </a:p>
-                  </a:txBody>
-                  <a:tcPr marL="53065" marR="53065" marT="26533" marB="26533" anchor="ctr">
-                    <a:lnL w="12700" cap="flat" cmpd="sng" algn="ctr">
-                      <a:solidFill>
-                        <a:schemeClr val="tx1"/>
-                      </a:solidFill>
-                      <a:prstDash val="solid"/>
-                      <a:round/>
-                      <a:headEnd type="none" w="med" len="med"/>
-                      <a:tailEnd type="none" w="med" len="med"/>
-                    </a:lnL>
-                    <a:lnR w="12700" cap="flat" cmpd="sng" algn="ctr">
-                      <a:solidFill>
-                        <a:schemeClr val="tx1"/>
-                      </a:solidFill>
-                      <a:prstDash val="solid"/>
-                      <a:round/>
-                      <a:headEnd type="none" w="med" len="med"/>
-                      <a:tailEnd type="none" w="med" len="med"/>
-                    </a:lnR>
-                    <a:lnT w="12700" cap="flat" cmpd="sng" algn="ctr">
-                      <a:solidFill>
-                        <a:schemeClr val="tx1"/>
-                      </a:solidFill>
-                      <a:prstDash val="solid"/>
-                      <a:round/>
-                      <a:headEnd type="none" w="med" len="med"/>
-                      <a:tailEnd type="none" w="med" len="med"/>
-                    </a:lnT>
-                    <a:lnB w="12700" cap="flat" cmpd="sng" algn="ctr">
-                      <a:solidFill>
-                        <a:schemeClr val="tx1"/>
-                      </a:solidFill>
-                      <a:prstDash val="solid"/>
-                      <a:round/>
-                      <a:headEnd type="none" w="med" len="med"/>
-                      <a:tailEnd type="none" w="med" len="med"/>
-                    </a:lnB>
-                    <a:noFill/>
-                  </a:tcPr>
-                </a:tc>
-                <a:extLst>
-                  <a:ext uri="{0D108BD9-81ED-4DB2-BD59-A6C34878D82A}">
-                    <a16:rowId xmlns:a16="http://schemas.microsoft.com/office/drawing/2014/main" val="2309933280"/>
-                  </a:ext>
-                </a:extLst>
-              </a:tr>
-              <a:tr h="689846">
-                <a:tc>
-                  <a:txBody>
-                    <a:bodyPr/>
-                    <a:lstStyle/>
-                    <a:p>
-                      <a:pPr>
-                        <a:buNone/>
-                      </a:pPr>
-                      <a:r>
-                        <a:rPr lang="en-US" sz="1600"/>
-                        <a:t>2</a:t>
-                      </a:r>
-                    </a:p>
-                  </a:txBody>
-                  <a:tcPr marL="53065" marR="53065" marT="26533" marB="26533" anchor="ctr">
-                    <a:lnL w="12700" cap="flat" cmpd="sng" algn="ctr">
-                      <a:solidFill>
-                        <a:schemeClr val="tx1"/>
-                      </a:solidFill>
-                      <a:prstDash val="solid"/>
-                      <a:round/>
-                      <a:headEnd type="none" w="med" len="med"/>
-                      <a:tailEnd type="none" w="med" len="med"/>
-                    </a:lnL>
-                    <a:lnR w="12700" cap="flat" cmpd="sng" algn="ctr">
-                      <a:solidFill>
-                        <a:schemeClr val="tx1"/>
-                      </a:solidFill>
-                      <a:prstDash val="solid"/>
-                      <a:round/>
-                      <a:headEnd type="none" w="med" len="med"/>
-                      <a:tailEnd type="none" w="med" len="med"/>
-                    </a:lnR>
-                    <a:lnT w="12700" cap="flat" cmpd="sng" algn="ctr">
-                      <a:solidFill>
-                        <a:schemeClr val="tx1"/>
-                      </a:solidFill>
-                      <a:prstDash val="solid"/>
-                      <a:round/>
-                      <a:headEnd type="none" w="med" len="med"/>
-                      <a:tailEnd type="none" w="med" len="med"/>
-                    </a:lnT>
-                    <a:lnB w="12700" cap="flat" cmpd="sng" algn="ctr">
-                      <a:solidFill>
-                        <a:schemeClr val="tx1"/>
-                      </a:solidFill>
-                      <a:prstDash val="solid"/>
-                      <a:round/>
-                      <a:headEnd type="none" w="med" len="med"/>
-                      <a:tailEnd type="none" w="med" len="med"/>
-                    </a:lnB>
-                    <a:noFill/>
-                  </a:tcPr>
-                </a:tc>
-                <a:tc>
-                  <a:txBody>
-                    <a:bodyPr/>
-                    <a:lstStyle/>
-                    <a:p>
-                      <a:pPr>
-                        <a:buNone/>
-                      </a:pPr>
-                      <a:r>
-                        <a:rPr lang="en-US" sz="1600" b="1"/>
-                        <a:t>Visible (RGB)</a:t>
-                      </a:r>
-                      <a:endParaRPr lang="en-US" sz="1600"/>
-                    </a:p>
-                  </a:txBody>
-                  <a:tcPr marL="53065" marR="53065" marT="26533" marB="26533" anchor="ctr">
-                    <a:lnL w="12700" cap="flat" cmpd="sng" algn="ctr">
-                      <a:solidFill>
-                        <a:schemeClr val="tx1"/>
-                      </a:solidFill>
-                      <a:prstDash val="solid"/>
-                      <a:round/>
-                      <a:headEnd type="none" w="med" len="med"/>
-                      <a:tailEnd type="none" w="med" len="med"/>
-                    </a:lnL>
-                    <a:lnR w="12700" cap="flat" cmpd="sng" algn="ctr">
-                      <a:solidFill>
-                        <a:schemeClr val="tx1"/>
-                      </a:solidFill>
-                      <a:prstDash val="solid"/>
-                      <a:round/>
-                      <a:headEnd type="none" w="med" len="med"/>
-                      <a:tailEnd type="none" w="med" len="med"/>
-                    </a:lnR>
-                    <a:lnT w="12700" cap="flat" cmpd="sng" algn="ctr">
-                      <a:solidFill>
-                        <a:schemeClr val="tx1"/>
-                      </a:solidFill>
-                      <a:prstDash val="solid"/>
-                      <a:round/>
-                      <a:headEnd type="none" w="med" len="med"/>
-                      <a:tailEnd type="none" w="med" len="med"/>
-                    </a:lnT>
-                    <a:lnB w="12700" cap="flat" cmpd="sng" algn="ctr">
-                      <a:solidFill>
-                        <a:schemeClr val="tx1"/>
-                      </a:solidFill>
-                      <a:prstDash val="solid"/>
-                      <a:round/>
-                      <a:headEnd type="none" w="med" len="med"/>
-                      <a:tailEnd type="none" w="med" len="med"/>
-                    </a:lnB>
-                    <a:noFill/>
-                  </a:tcPr>
-                </a:tc>
-                <a:tc>
-                  <a:txBody>
-                    <a:bodyPr/>
-                    <a:lstStyle/>
-                    <a:p>
-                      <a:pPr>
-                        <a:buNone/>
-                      </a:pPr>
-                      <a:r>
-                        <a:rPr lang="en-US" sz="1600"/>
-                        <a:t>400 – 700 nm</a:t>
-                      </a:r>
-                    </a:p>
-                  </a:txBody>
-                  <a:tcPr marL="53065" marR="53065" marT="26533" marB="26533" anchor="ctr">
-                    <a:lnL w="12700" cap="flat" cmpd="sng" algn="ctr">
-                      <a:solidFill>
-                        <a:schemeClr val="tx1"/>
-                      </a:solidFill>
-                      <a:prstDash val="solid"/>
-                      <a:round/>
-                      <a:headEnd type="none" w="med" len="med"/>
-                      <a:tailEnd type="none" w="med" len="med"/>
-                    </a:lnL>
-                    <a:lnR w="12700" cap="flat" cmpd="sng" algn="ctr">
-                      <a:solidFill>
-                        <a:schemeClr val="tx1"/>
-                      </a:solidFill>
-                      <a:prstDash val="solid"/>
-                      <a:round/>
-                      <a:headEnd type="none" w="med" len="med"/>
-                      <a:tailEnd type="none" w="med" len="med"/>
-                    </a:lnR>
-                    <a:lnT w="12700" cap="flat" cmpd="sng" algn="ctr">
-                      <a:solidFill>
-                        <a:schemeClr val="tx1"/>
-                      </a:solidFill>
-                      <a:prstDash val="solid"/>
-                      <a:round/>
-                      <a:headEnd type="none" w="med" len="med"/>
-                      <a:tailEnd type="none" w="med" len="med"/>
-                    </a:lnT>
-                    <a:lnB w="12700" cap="flat" cmpd="sng" algn="ctr">
-                      <a:solidFill>
-                        <a:schemeClr val="tx1"/>
-                      </a:solidFill>
-                      <a:prstDash val="solid"/>
-                      <a:round/>
-                      <a:headEnd type="none" w="med" len="med"/>
-                      <a:tailEnd type="none" w="med" len="med"/>
-                    </a:lnB>
-                    <a:noFill/>
-                  </a:tcPr>
-                </a:tc>
-                <a:tc>
-                  <a:txBody>
-                    <a:bodyPr/>
-                    <a:lstStyle/>
-                    <a:p>
-                      <a:pPr>
-                        <a:buNone/>
-                      </a:pPr>
-                      <a:r>
-                        <a:rPr lang="en-US" sz="1600" dirty="0" err="1"/>
-                        <a:t>Sí</a:t>
-                      </a:r>
-                      <a:endParaRPr lang="en-US" sz="1600" dirty="0"/>
-                    </a:p>
-                  </a:txBody>
-                  <a:tcPr marL="53065" marR="53065" marT="26533" marB="26533" anchor="ctr">
-                    <a:lnL w="12700" cap="flat" cmpd="sng" algn="ctr">
-                      <a:solidFill>
-                        <a:schemeClr val="tx1"/>
-                      </a:solidFill>
-                      <a:prstDash val="solid"/>
-                      <a:round/>
-                      <a:headEnd type="none" w="med" len="med"/>
-                      <a:tailEnd type="none" w="med" len="med"/>
-                    </a:lnL>
-                    <a:lnR w="12700" cap="flat" cmpd="sng" algn="ctr">
-                      <a:solidFill>
-                        <a:schemeClr val="tx1"/>
-                      </a:solidFill>
-                      <a:prstDash val="solid"/>
-                      <a:round/>
-                      <a:headEnd type="none" w="med" len="med"/>
-                      <a:tailEnd type="none" w="med" len="med"/>
-                    </a:lnR>
-                    <a:lnT w="12700" cap="flat" cmpd="sng" algn="ctr">
-                      <a:solidFill>
-                        <a:schemeClr val="tx1"/>
-                      </a:solidFill>
-                      <a:prstDash val="solid"/>
-                      <a:round/>
-                      <a:headEnd type="none" w="med" len="med"/>
-                      <a:tailEnd type="none" w="med" len="med"/>
-                    </a:lnT>
-                    <a:lnB w="12700" cap="flat" cmpd="sng" algn="ctr">
-                      <a:solidFill>
-                        <a:schemeClr val="tx1"/>
-                      </a:solidFill>
-                      <a:prstDash val="solid"/>
-                      <a:round/>
-                      <a:headEnd type="none" w="med" len="med"/>
-                      <a:tailEnd type="none" w="med" len="med"/>
-                    </a:lnB>
-                    <a:noFill/>
-                  </a:tcPr>
-                </a:tc>
-                <a:tc>
-                  <a:txBody>
-                    <a:bodyPr/>
-                    <a:lstStyle/>
-                    <a:p>
-                      <a:pPr>
-                        <a:buNone/>
-                      </a:pPr>
-                      <a:r>
-                        <a:rPr lang="en-US" sz="1600"/>
-                        <a:t>Humanos, primates, cámaras digitales</a:t>
-                      </a:r>
-                    </a:p>
-                  </a:txBody>
-                  <a:tcPr marL="53065" marR="53065" marT="26533" marB="26533" anchor="ctr">
-                    <a:lnL w="12700" cap="flat" cmpd="sng" algn="ctr">
-                      <a:solidFill>
-                        <a:schemeClr val="tx1"/>
-                      </a:solidFill>
-                      <a:prstDash val="solid"/>
-                      <a:round/>
-                      <a:headEnd type="none" w="med" len="med"/>
-                      <a:tailEnd type="none" w="med" len="med"/>
-                    </a:lnL>
-                    <a:lnR w="12700" cap="flat" cmpd="sng" algn="ctr">
-                      <a:solidFill>
-                        <a:schemeClr val="tx1"/>
-                      </a:solidFill>
-                      <a:prstDash val="solid"/>
-                      <a:round/>
-                      <a:headEnd type="none" w="med" len="med"/>
-                      <a:tailEnd type="none" w="med" len="med"/>
-                    </a:lnR>
-                    <a:lnT w="12700" cap="flat" cmpd="sng" algn="ctr">
-                      <a:solidFill>
-                        <a:schemeClr val="tx1"/>
-                      </a:solidFill>
-                      <a:prstDash val="solid"/>
-                      <a:round/>
-                      <a:headEnd type="none" w="med" len="med"/>
-                      <a:tailEnd type="none" w="med" len="med"/>
-                    </a:lnT>
-                    <a:lnB w="12700" cap="flat" cmpd="sng" algn="ctr">
-                      <a:solidFill>
-                        <a:schemeClr val="tx1"/>
-                      </a:solidFill>
-                      <a:prstDash val="solid"/>
-                      <a:round/>
-                      <a:headEnd type="none" w="med" len="med"/>
-                      <a:tailEnd type="none" w="med" len="med"/>
-                    </a:lnB>
-                    <a:noFill/>
-                  </a:tcPr>
-                </a:tc>
-                <a:tc>
-                  <a:txBody>
-                    <a:bodyPr/>
-                    <a:lstStyle/>
-                    <a:p>
-                      <a:pPr>
-                        <a:buNone/>
-                      </a:pPr>
-                      <a:r>
-                        <a:rPr lang="es-MX" sz="1600"/>
-                        <a:t>Visión cotidiana, procesamiento de imágenes</a:t>
-                      </a:r>
-                    </a:p>
-                  </a:txBody>
-                  <a:tcPr marL="53065" marR="53065" marT="26533" marB="26533" anchor="ctr">
-                    <a:lnL w="12700" cap="flat" cmpd="sng" algn="ctr">
-                      <a:solidFill>
-                        <a:schemeClr val="tx1"/>
-                      </a:solidFill>
-                      <a:prstDash val="solid"/>
-                      <a:round/>
-                      <a:headEnd type="none" w="med" len="med"/>
-                      <a:tailEnd type="none" w="med" len="med"/>
-                    </a:lnL>
-                    <a:lnR w="12700" cap="flat" cmpd="sng" algn="ctr">
-                      <a:solidFill>
-                        <a:schemeClr val="tx1"/>
-                      </a:solidFill>
-                      <a:prstDash val="solid"/>
-                      <a:round/>
-                      <a:headEnd type="none" w="med" len="med"/>
-                      <a:tailEnd type="none" w="med" len="med"/>
-                    </a:lnR>
-                    <a:lnT w="12700" cap="flat" cmpd="sng" algn="ctr">
-                      <a:solidFill>
-                        <a:schemeClr val="tx1"/>
-                      </a:solidFill>
-                      <a:prstDash val="solid"/>
-                      <a:round/>
-                      <a:headEnd type="none" w="med" len="med"/>
-                      <a:tailEnd type="none" w="med" len="med"/>
-                    </a:lnT>
-                    <a:lnB w="12700" cap="flat" cmpd="sng" algn="ctr">
-                      <a:solidFill>
-                        <a:schemeClr val="tx1"/>
-                      </a:solidFill>
-                      <a:prstDash val="solid"/>
-                      <a:round/>
-                      <a:headEnd type="none" w="med" len="med"/>
-                      <a:tailEnd type="none" w="med" len="med"/>
-                    </a:lnB>
-                    <a:noFill/>
-                  </a:tcPr>
-                </a:tc>
-                <a:extLst>
-                  <a:ext uri="{0D108BD9-81ED-4DB2-BD59-A6C34878D82A}">
-                    <a16:rowId xmlns:a16="http://schemas.microsoft.com/office/drawing/2014/main" val="4005046479"/>
-                  </a:ext>
-                </a:extLst>
-              </a:tr>
-              <a:tr h="530651">
-                <a:tc>
-                  <a:txBody>
-                    <a:bodyPr/>
-                    <a:lstStyle/>
-                    <a:p>
-                      <a:pPr>
-                        <a:buNone/>
-                      </a:pPr>
-                      <a:r>
-                        <a:rPr lang="en-US" sz="1600"/>
-                        <a:t>3</a:t>
-                      </a:r>
-                    </a:p>
-                  </a:txBody>
-                  <a:tcPr marL="53065" marR="53065" marT="26533" marB="26533" anchor="ctr">
-                    <a:lnL w="12700" cap="flat" cmpd="sng" algn="ctr">
-                      <a:solidFill>
-                        <a:schemeClr val="tx1"/>
-                      </a:solidFill>
-                      <a:prstDash val="solid"/>
-                      <a:round/>
-                      <a:headEnd type="none" w="med" len="med"/>
-                      <a:tailEnd type="none" w="med" len="med"/>
-                    </a:lnL>
-                    <a:lnR w="12700" cap="flat" cmpd="sng" algn="ctr">
-                      <a:solidFill>
-                        <a:schemeClr val="tx1"/>
-                      </a:solidFill>
-                      <a:prstDash val="solid"/>
-                      <a:round/>
-                      <a:headEnd type="none" w="med" len="med"/>
-                      <a:tailEnd type="none" w="med" len="med"/>
-                    </a:lnR>
-                    <a:lnT w="12700" cap="flat" cmpd="sng" algn="ctr">
-                      <a:solidFill>
-                        <a:schemeClr val="tx1"/>
-                      </a:solidFill>
-                      <a:prstDash val="solid"/>
-                      <a:round/>
-                      <a:headEnd type="none" w="med" len="med"/>
-                      <a:tailEnd type="none" w="med" len="med"/>
-                    </a:lnT>
-                    <a:lnB w="12700" cap="flat" cmpd="sng" algn="ctr">
-                      <a:solidFill>
-                        <a:schemeClr val="tx1"/>
-                      </a:solidFill>
-                      <a:prstDash val="solid"/>
-                      <a:round/>
-                      <a:headEnd type="none" w="med" len="med"/>
-                      <a:tailEnd type="none" w="med" len="med"/>
-                    </a:lnB>
-                    <a:noFill/>
-                  </a:tcPr>
-                </a:tc>
-                <a:tc>
-                  <a:txBody>
-                    <a:bodyPr/>
-                    <a:lstStyle/>
-                    <a:p>
-                      <a:pPr>
-                        <a:buNone/>
-                      </a:pPr>
-                      <a:r>
-                        <a:rPr lang="en-US" sz="1600" b="1"/>
-                        <a:t>Infrarrojo cercano (NIR)</a:t>
-                      </a:r>
-                      <a:endParaRPr lang="en-US" sz="1600"/>
-                    </a:p>
-                  </a:txBody>
-                  <a:tcPr marL="53065" marR="53065" marT="26533" marB="26533" anchor="ctr">
-                    <a:lnL w="12700" cap="flat" cmpd="sng" algn="ctr">
-                      <a:solidFill>
-                        <a:schemeClr val="tx1"/>
-                      </a:solidFill>
-                      <a:prstDash val="solid"/>
-                      <a:round/>
-                      <a:headEnd type="none" w="med" len="med"/>
-                      <a:tailEnd type="none" w="med" len="med"/>
-                    </a:lnL>
-                    <a:lnR w="12700" cap="flat" cmpd="sng" algn="ctr">
-                      <a:solidFill>
-                        <a:schemeClr val="tx1"/>
-                      </a:solidFill>
-                      <a:prstDash val="solid"/>
-                      <a:round/>
-                      <a:headEnd type="none" w="med" len="med"/>
-                      <a:tailEnd type="none" w="med" len="med"/>
-                    </a:lnR>
-                    <a:lnT w="12700" cap="flat" cmpd="sng" algn="ctr">
-                      <a:solidFill>
-                        <a:schemeClr val="tx1"/>
-                      </a:solidFill>
-                      <a:prstDash val="solid"/>
-                      <a:round/>
-                      <a:headEnd type="none" w="med" len="med"/>
-                      <a:tailEnd type="none" w="med" len="med"/>
-                    </a:lnT>
-                    <a:lnB w="12700" cap="flat" cmpd="sng" algn="ctr">
-                      <a:solidFill>
-                        <a:schemeClr val="tx1"/>
-                      </a:solidFill>
-                      <a:prstDash val="solid"/>
-                      <a:round/>
-                      <a:headEnd type="none" w="med" len="med"/>
-                      <a:tailEnd type="none" w="med" len="med"/>
-                    </a:lnB>
-                    <a:noFill/>
-                  </a:tcPr>
-                </a:tc>
-                <a:tc>
-                  <a:txBody>
-                    <a:bodyPr/>
-                    <a:lstStyle/>
-                    <a:p>
-                      <a:pPr>
-                        <a:buNone/>
-                      </a:pPr>
-                      <a:r>
-                        <a:rPr lang="en-US" sz="1600"/>
-                        <a:t>700 – 1400 nm</a:t>
-                      </a:r>
-                    </a:p>
-                  </a:txBody>
-                  <a:tcPr marL="53065" marR="53065" marT="26533" marB="26533" anchor="ctr">
-                    <a:lnL w="12700" cap="flat" cmpd="sng" algn="ctr">
-                      <a:solidFill>
-                        <a:schemeClr val="tx1"/>
-                      </a:solidFill>
-                      <a:prstDash val="solid"/>
-                      <a:round/>
-                      <a:headEnd type="none" w="med" len="med"/>
-                      <a:tailEnd type="none" w="med" len="med"/>
-                    </a:lnL>
-                    <a:lnR w="12700" cap="flat" cmpd="sng" algn="ctr">
-                      <a:solidFill>
-                        <a:schemeClr val="tx1"/>
-                      </a:solidFill>
-                      <a:prstDash val="solid"/>
-                      <a:round/>
-                      <a:headEnd type="none" w="med" len="med"/>
-                      <a:tailEnd type="none" w="med" len="med"/>
-                    </a:lnR>
-                    <a:lnT w="12700" cap="flat" cmpd="sng" algn="ctr">
-                      <a:solidFill>
-                        <a:schemeClr val="tx1"/>
-                      </a:solidFill>
-                      <a:prstDash val="solid"/>
-                      <a:round/>
-                      <a:headEnd type="none" w="med" len="med"/>
-                      <a:tailEnd type="none" w="med" len="med"/>
-                    </a:lnT>
-                    <a:lnB w="12700" cap="flat" cmpd="sng" algn="ctr">
-                      <a:solidFill>
-                        <a:schemeClr val="tx1"/>
-                      </a:solidFill>
-                      <a:prstDash val="solid"/>
-                      <a:round/>
-                      <a:headEnd type="none" w="med" len="med"/>
-                      <a:tailEnd type="none" w="med" len="med"/>
-                    </a:lnB>
-                    <a:noFill/>
-                  </a:tcPr>
-                </a:tc>
-                <a:tc>
-                  <a:txBody>
-                    <a:bodyPr/>
-                    <a:lstStyle/>
-                    <a:p>
-                      <a:pPr>
-                        <a:buNone/>
-                      </a:pPr>
-                      <a:r>
-                        <a:rPr lang="en-US" sz="1600" dirty="0"/>
-                        <a:t>No</a:t>
-                      </a:r>
-                    </a:p>
-                  </a:txBody>
-                  <a:tcPr marL="53065" marR="53065" marT="26533" marB="26533" anchor="ctr">
-                    <a:lnL w="12700" cap="flat" cmpd="sng" algn="ctr">
-                      <a:solidFill>
-                        <a:schemeClr val="tx1"/>
-                      </a:solidFill>
-                      <a:prstDash val="solid"/>
-                      <a:round/>
-                      <a:headEnd type="none" w="med" len="med"/>
-                      <a:tailEnd type="none" w="med" len="med"/>
-                    </a:lnL>
-                    <a:lnR w="12700" cap="flat" cmpd="sng" algn="ctr">
-                      <a:solidFill>
-                        <a:schemeClr val="tx1"/>
-                      </a:solidFill>
-                      <a:prstDash val="solid"/>
-                      <a:round/>
-                      <a:headEnd type="none" w="med" len="med"/>
-                      <a:tailEnd type="none" w="med" len="med"/>
-                    </a:lnR>
-                    <a:lnT w="12700" cap="flat" cmpd="sng" algn="ctr">
-                      <a:solidFill>
-                        <a:schemeClr val="tx1"/>
-                      </a:solidFill>
-                      <a:prstDash val="solid"/>
-                      <a:round/>
-                      <a:headEnd type="none" w="med" len="med"/>
-                      <a:tailEnd type="none" w="med" len="med"/>
-                    </a:lnT>
-                    <a:lnB w="12700" cap="flat" cmpd="sng" algn="ctr">
-                      <a:solidFill>
-                        <a:schemeClr val="tx1"/>
-                      </a:solidFill>
-                      <a:prstDash val="solid"/>
-                      <a:round/>
-                      <a:headEnd type="none" w="med" len="med"/>
-                      <a:tailEnd type="none" w="med" len="med"/>
-                    </a:lnB>
-                    <a:noFill/>
-                  </a:tcPr>
-                </a:tc>
-                <a:tc>
-                  <a:txBody>
-                    <a:bodyPr/>
-                    <a:lstStyle/>
-                    <a:p>
-                      <a:pPr>
-                        <a:buNone/>
-                      </a:pPr>
-                      <a:r>
-                        <a:rPr lang="es-MX" sz="1600"/>
-                        <a:t>Cámaras de seguridad, visión nocturna</a:t>
-                      </a:r>
-                    </a:p>
-                  </a:txBody>
-                  <a:tcPr marL="53065" marR="53065" marT="26533" marB="26533" anchor="ctr">
-                    <a:lnL w="12700" cap="flat" cmpd="sng" algn="ctr">
-                      <a:solidFill>
-                        <a:schemeClr val="tx1"/>
-                      </a:solidFill>
-                      <a:prstDash val="solid"/>
-                      <a:round/>
-                      <a:headEnd type="none" w="med" len="med"/>
-                      <a:tailEnd type="none" w="med" len="med"/>
-                    </a:lnL>
-                    <a:lnR w="12700" cap="flat" cmpd="sng" algn="ctr">
-                      <a:solidFill>
-                        <a:schemeClr val="tx1"/>
-                      </a:solidFill>
-                      <a:prstDash val="solid"/>
-                      <a:round/>
-                      <a:headEnd type="none" w="med" len="med"/>
-                      <a:tailEnd type="none" w="med" len="med"/>
-                    </a:lnR>
-                    <a:lnT w="12700" cap="flat" cmpd="sng" algn="ctr">
-                      <a:solidFill>
-                        <a:schemeClr val="tx1"/>
-                      </a:solidFill>
-                      <a:prstDash val="solid"/>
-                      <a:round/>
-                      <a:headEnd type="none" w="med" len="med"/>
-                      <a:tailEnd type="none" w="med" len="med"/>
-                    </a:lnT>
-                    <a:lnB w="12700" cap="flat" cmpd="sng" algn="ctr">
-                      <a:solidFill>
-                        <a:schemeClr val="tx1"/>
-                      </a:solidFill>
-                      <a:prstDash val="solid"/>
-                      <a:round/>
-                      <a:headEnd type="none" w="med" len="med"/>
-                      <a:tailEnd type="none" w="med" len="med"/>
-                    </a:lnB>
-                    <a:noFill/>
-                  </a:tcPr>
-                </a:tc>
-                <a:tc>
-                  <a:txBody>
-                    <a:bodyPr/>
-                    <a:lstStyle/>
-                    <a:p>
-                      <a:pPr>
-                        <a:buNone/>
-                      </a:pPr>
-                      <a:r>
-                        <a:rPr lang="es-MX" sz="1600" dirty="0"/>
-                        <a:t>Visión en oscuridad, sensores 3D</a:t>
-                      </a:r>
-                    </a:p>
-                  </a:txBody>
-                  <a:tcPr marL="53065" marR="53065" marT="26533" marB="26533" anchor="ctr">
-                    <a:lnL w="12700" cap="flat" cmpd="sng" algn="ctr">
-                      <a:solidFill>
-                        <a:schemeClr val="tx1"/>
-                      </a:solidFill>
-                      <a:prstDash val="solid"/>
-                      <a:round/>
-                      <a:headEnd type="none" w="med" len="med"/>
-                      <a:tailEnd type="none" w="med" len="med"/>
-                    </a:lnL>
-                    <a:lnR w="12700" cap="flat" cmpd="sng" algn="ctr">
-                      <a:solidFill>
-                        <a:schemeClr val="tx1"/>
-                      </a:solidFill>
-                      <a:prstDash val="solid"/>
-                      <a:round/>
-                      <a:headEnd type="none" w="med" len="med"/>
-                      <a:tailEnd type="none" w="med" len="med"/>
-                    </a:lnR>
-                    <a:lnT w="12700" cap="flat" cmpd="sng" algn="ctr">
-                      <a:solidFill>
-                        <a:schemeClr val="tx1"/>
-                      </a:solidFill>
-                      <a:prstDash val="solid"/>
-                      <a:round/>
-                      <a:headEnd type="none" w="med" len="med"/>
-                      <a:tailEnd type="none" w="med" len="med"/>
-                    </a:lnT>
-                    <a:lnB w="12700" cap="flat" cmpd="sng" algn="ctr">
-                      <a:solidFill>
-                        <a:schemeClr val="tx1"/>
-                      </a:solidFill>
-                      <a:prstDash val="solid"/>
-                      <a:round/>
-                      <a:headEnd type="none" w="med" len="med"/>
-                      <a:tailEnd type="none" w="med" len="med"/>
-                    </a:lnB>
-                    <a:noFill/>
-                  </a:tcPr>
-                </a:tc>
-                <a:extLst>
-                  <a:ext uri="{0D108BD9-81ED-4DB2-BD59-A6C34878D82A}">
-                    <a16:rowId xmlns:a16="http://schemas.microsoft.com/office/drawing/2014/main" val="1133990824"/>
-                  </a:ext>
-                </a:extLst>
-              </a:tr>
-              <a:tr h="530651">
-                <a:tc>
-                  <a:txBody>
-                    <a:bodyPr/>
-                    <a:lstStyle/>
-                    <a:p>
-                      <a:pPr>
-                        <a:buNone/>
-                      </a:pPr>
-                      <a:r>
-                        <a:rPr lang="en-US" sz="1600"/>
-                        <a:t>4</a:t>
-                      </a:r>
-                    </a:p>
-                  </a:txBody>
-                  <a:tcPr marL="53065" marR="53065" marT="26533" marB="26533" anchor="ctr">
-                    <a:lnL w="12700" cap="flat" cmpd="sng" algn="ctr">
-                      <a:solidFill>
-                        <a:schemeClr val="tx1"/>
-                      </a:solidFill>
-                      <a:prstDash val="solid"/>
-                      <a:round/>
-                      <a:headEnd type="none" w="med" len="med"/>
-                      <a:tailEnd type="none" w="med" len="med"/>
-                    </a:lnL>
-                    <a:lnR w="12700" cap="flat" cmpd="sng" algn="ctr">
-                      <a:solidFill>
-                        <a:schemeClr val="tx1"/>
-                      </a:solidFill>
-                      <a:prstDash val="solid"/>
-                      <a:round/>
-                      <a:headEnd type="none" w="med" len="med"/>
-                      <a:tailEnd type="none" w="med" len="med"/>
-                    </a:lnR>
-                    <a:lnT w="12700" cap="flat" cmpd="sng" algn="ctr">
-                      <a:solidFill>
-                        <a:schemeClr val="tx1"/>
-                      </a:solidFill>
-                      <a:prstDash val="solid"/>
-                      <a:round/>
-                      <a:headEnd type="none" w="med" len="med"/>
-                      <a:tailEnd type="none" w="med" len="med"/>
-                    </a:lnT>
-                    <a:lnB w="12700" cap="flat" cmpd="sng" algn="ctr">
-                      <a:solidFill>
-                        <a:schemeClr val="tx1"/>
-                      </a:solidFill>
-                      <a:prstDash val="solid"/>
-                      <a:round/>
-                      <a:headEnd type="none" w="med" len="med"/>
-                      <a:tailEnd type="none" w="med" len="med"/>
-                    </a:lnB>
-                    <a:noFill/>
-                  </a:tcPr>
-                </a:tc>
-                <a:tc>
-                  <a:txBody>
-                    <a:bodyPr/>
-                    <a:lstStyle/>
-                    <a:p>
-                      <a:pPr>
-                        <a:buNone/>
-                      </a:pPr>
-                      <a:r>
-                        <a:rPr lang="en-US" sz="1600" b="1"/>
-                        <a:t>Infrarrojo medio/lejos</a:t>
-                      </a:r>
-                      <a:endParaRPr lang="en-US" sz="1600"/>
-                    </a:p>
-                  </a:txBody>
-                  <a:tcPr marL="53065" marR="53065" marT="26533" marB="26533" anchor="ctr">
-                    <a:lnL w="12700" cap="flat" cmpd="sng" algn="ctr">
-                      <a:solidFill>
-                        <a:schemeClr val="tx1"/>
-                      </a:solidFill>
-                      <a:prstDash val="solid"/>
-                      <a:round/>
-                      <a:headEnd type="none" w="med" len="med"/>
-                      <a:tailEnd type="none" w="med" len="med"/>
-                    </a:lnL>
-                    <a:lnR w="12700" cap="flat" cmpd="sng" algn="ctr">
-                      <a:solidFill>
-                        <a:schemeClr val="tx1"/>
-                      </a:solidFill>
-                      <a:prstDash val="solid"/>
-                      <a:round/>
-                      <a:headEnd type="none" w="med" len="med"/>
-                      <a:tailEnd type="none" w="med" len="med"/>
-                    </a:lnR>
-                    <a:lnT w="12700" cap="flat" cmpd="sng" algn="ctr">
-                      <a:solidFill>
-                        <a:schemeClr val="tx1"/>
-                      </a:solidFill>
-                      <a:prstDash val="solid"/>
-                      <a:round/>
-                      <a:headEnd type="none" w="med" len="med"/>
-                      <a:tailEnd type="none" w="med" len="med"/>
-                    </a:lnT>
-                    <a:lnB w="12700" cap="flat" cmpd="sng" algn="ctr">
-                      <a:solidFill>
-                        <a:schemeClr val="tx1"/>
-                      </a:solidFill>
-                      <a:prstDash val="solid"/>
-                      <a:round/>
-                      <a:headEnd type="none" w="med" len="med"/>
-                      <a:tailEnd type="none" w="med" len="med"/>
-                    </a:lnB>
-                    <a:noFill/>
-                  </a:tcPr>
-                </a:tc>
-                <a:tc>
-                  <a:txBody>
-                    <a:bodyPr/>
-                    <a:lstStyle/>
-                    <a:p>
-                      <a:pPr>
-                        <a:buNone/>
-                      </a:pPr>
-                      <a:r>
-                        <a:rPr lang="en-US" sz="1600"/>
-                        <a:t>1400 – 15,000+ nm</a:t>
-                      </a:r>
-                    </a:p>
-                  </a:txBody>
-                  <a:tcPr marL="53065" marR="53065" marT="26533" marB="26533" anchor="ctr">
-                    <a:lnL w="12700" cap="flat" cmpd="sng" algn="ctr">
-                      <a:solidFill>
-                        <a:schemeClr val="tx1"/>
-                      </a:solidFill>
-                      <a:prstDash val="solid"/>
-                      <a:round/>
-                      <a:headEnd type="none" w="med" len="med"/>
-                      <a:tailEnd type="none" w="med" len="med"/>
-                    </a:lnL>
-                    <a:lnR w="12700" cap="flat" cmpd="sng" algn="ctr">
-                      <a:solidFill>
-                        <a:schemeClr val="tx1"/>
-                      </a:solidFill>
-                      <a:prstDash val="solid"/>
-                      <a:round/>
-                      <a:headEnd type="none" w="med" len="med"/>
-                      <a:tailEnd type="none" w="med" len="med"/>
-                    </a:lnR>
-                    <a:lnT w="12700" cap="flat" cmpd="sng" algn="ctr">
-                      <a:solidFill>
-                        <a:schemeClr val="tx1"/>
-                      </a:solidFill>
-                      <a:prstDash val="solid"/>
-                      <a:round/>
-                      <a:headEnd type="none" w="med" len="med"/>
-                      <a:tailEnd type="none" w="med" len="med"/>
-                    </a:lnT>
-                    <a:lnB w="12700" cap="flat" cmpd="sng" algn="ctr">
-                      <a:solidFill>
-                        <a:schemeClr val="tx1"/>
-                      </a:solidFill>
-                      <a:prstDash val="solid"/>
-                      <a:round/>
-                      <a:headEnd type="none" w="med" len="med"/>
-                      <a:tailEnd type="none" w="med" len="med"/>
-                    </a:lnB>
-                    <a:noFill/>
-                  </a:tcPr>
-                </a:tc>
-                <a:tc>
-                  <a:txBody>
-                    <a:bodyPr/>
-                    <a:lstStyle/>
-                    <a:p>
-                      <a:pPr>
-                        <a:buNone/>
-                      </a:pPr>
-                      <a:r>
-                        <a:rPr lang="en-US" sz="1600" dirty="0"/>
-                        <a:t>No</a:t>
-                      </a:r>
-                    </a:p>
-                  </a:txBody>
-                  <a:tcPr marL="53065" marR="53065" marT="26533" marB="26533" anchor="ctr">
-                    <a:lnL w="12700" cap="flat" cmpd="sng" algn="ctr">
-                      <a:solidFill>
-                        <a:schemeClr val="tx1"/>
-                      </a:solidFill>
-                      <a:prstDash val="solid"/>
-                      <a:round/>
-                      <a:headEnd type="none" w="med" len="med"/>
-                      <a:tailEnd type="none" w="med" len="med"/>
-                    </a:lnL>
-                    <a:lnR w="12700" cap="flat" cmpd="sng" algn="ctr">
-                      <a:solidFill>
-                        <a:schemeClr val="tx1"/>
-                      </a:solidFill>
-                      <a:prstDash val="solid"/>
-                      <a:round/>
-                      <a:headEnd type="none" w="med" len="med"/>
-                      <a:tailEnd type="none" w="med" len="med"/>
-                    </a:lnR>
-                    <a:lnT w="12700" cap="flat" cmpd="sng" algn="ctr">
-                      <a:solidFill>
-                        <a:schemeClr val="tx1"/>
-                      </a:solidFill>
-                      <a:prstDash val="solid"/>
-                      <a:round/>
-                      <a:headEnd type="none" w="med" len="med"/>
-                      <a:tailEnd type="none" w="med" len="med"/>
-                    </a:lnT>
-                    <a:lnB w="12700" cap="flat" cmpd="sng" algn="ctr">
-                      <a:solidFill>
-                        <a:schemeClr val="tx1"/>
-                      </a:solidFill>
-                      <a:prstDash val="solid"/>
-                      <a:round/>
-                      <a:headEnd type="none" w="med" len="med"/>
-                      <a:tailEnd type="none" w="med" len="med"/>
-                    </a:lnB>
-                    <a:noFill/>
-                  </a:tcPr>
-                </a:tc>
-                <a:tc>
-                  <a:txBody>
-                    <a:bodyPr/>
-                    <a:lstStyle/>
-                    <a:p>
-                      <a:pPr>
-                        <a:buNone/>
-                      </a:pPr>
-                      <a:r>
-                        <a:rPr lang="en-US" sz="1600"/>
-                        <a:t>Serpientes, cámaras térmicas</a:t>
-                      </a:r>
-                    </a:p>
-                  </a:txBody>
-                  <a:tcPr marL="53065" marR="53065" marT="26533" marB="26533" anchor="ctr">
-                    <a:lnL w="12700" cap="flat" cmpd="sng" algn="ctr">
-                      <a:solidFill>
-                        <a:schemeClr val="tx1"/>
-                      </a:solidFill>
-                      <a:prstDash val="solid"/>
-                      <a:round/>
-                      <a:headEnd type="none" w="med" len="med"/>
-                      <a:tailEnd type="none" w="med" len="med"/>
-                    </a:lnL>
-                    <a:lnR w="12700" cap="flat" cmpd="sng" algn="ctr">
-                      <a:solidFill>
-                        <a:schemeClr val="tx1"/>
-                      </a:solidFill>
-                      <a:prstDash val="solid"/>
-                      <a:round/>
-                      <a:headEnd type="none" w="med" len="med"/>
-                      <a:tailEnd type="none" w="med" len="med"/>
-                    </a:lnR>
-                    <a:lnT w="12700" cap="flat" cmpd="sng" algn="ctr">
-                      <a:solidFill>
-                        <a:schemeClr val="tx1"/>
-                      </a:solidFill>
-                      <a:prstDash val="solid"/>
-                      <a:round/>
-                      <a:headEnd type="none" w="med" len="med"/>
-                      <a:tailEnd type="none" w="med" len="med"/>
-                    </a:lnT>
-                    <a:lnB w="12700" cap="flat" cmpd="sng" algn="ctr">
-                      <a:solidFill>
-                        <a:schemeClr val="tx1"/>
-                      </a:solidFill>
-                      <a:prstDash val="solid"/>
-                      <a:round/>
-                      <a:headEnd type="none" w="med" len="med"/>
-                      <a:tailEnd type="none" w="med" len="med"/>
-                    </a:lnB>
-                    <a:noFill/>
-                  </a:tcPr>
-                </a:tc>
-                <a:tc>
-                  <a:txBody>
-                    <a:bodyPr/>
-                    <a:lstStyle/>
-                    <a:p>
-                      <a:pPr>
-                        <a:buNone/>
-                      </a:pPr>
-                      <a:r>
-                        <a:rPr lang="en-US" sz="1600"/>
-                        <a:t>Detección de calor corporal, vigilancia</a:t>
-                      </a:r>
-                    </a:p>
-                  </a:txBody>
-                  <a:tcPr marL="53065" marR="53065" marT="26533" marB="26533" anchor="ctr">
-                    <a:lnL w="12700" cap="flat" cmpd="sng" algn="ctr">
-                      <a:solidFill>
-                        <a:schemeClr val="tx1"/>
-                      </a:solidFill>
-                      <a:prstDash val="solid"/>
-                      <a:round/>
-                      <a:headEnd type="none" w="med" len="med"/>
-                      <a:tailEnd type="none" w="med" len="med"/>
-                    </a:lnL>
-                    <a:lnR w="12700" cap="flat" cmpd="sng" algn="ctr">
-                      <a:solidFill>
-                        <a:schemeClr val="tx1"/>
-                      </a:solidFill>
-                      <a:prstDash val="solid"/>
-                      <a:round/>
-                      <a:headEnd type="none" w="med" len="med"/>
-                      <a:tailEnd type="none" w="med" len="med"/>
-                    </a:lnR>
-                    <a:lnT w="12700" cap="flat" cmpd="sng" algn="ctr">
-                      <a:solidFill>
-                        <a:schemeClr val="tx1"/>
-                      </a:solidFill>
-                      <a:prstDash val="solid"/>
-                      <a:round/>
-                      <a:headEnd type="none" w="med" len="med"/>
-                      <a:tailEnd type="none" w="med" len="med"/>
-                    </a:lnT>
-                    <a:lnB w="12700" cap="flat" cmpd="sng" algn="ctr">
-                      <a:solidFill>
-                        <a:schemeClr val="tx1"/>
-                      </a:solidFill>
-                      <a:prstDash val="solid"/>
-                      <a:round/>
-                      <a:headEnd type="none" w="med" len="med"/>
-                      <a:tailEnd type="none" w="med" len="med"/>
-                    </a:lnB>
-                    <a:noFill/>
-                  </a:tcPr>
-                </a:tc>
-                <a:extLst>
-                  <a:ext uri="{0D108BD9-81ED-4DB2-BD59-A6C34878D82A}">
-                    <a16:rowId xmlns:a16="http://schemas.microsoft.com/office/drawing/2014/main" val="495219523"/>
-                  </a:ext>
-                </a:extLst>
-              </a:tr>
-              <a:tr h="689846">
-                <a:tc>
-                  <a:txBody>
-                    <a:bodyPr/>
-                    <a:lstStyle/>
-                    <a:p>
-                      <a:pPr>
-                        <a:buNone/>
-                      </a:pPr>
-                      <a:r>
-                        <a:rPr lang="es-CO" sz="1600" dirty="0"/>
-                        <a:t>5</a:t>
-                      </a:r>
-                      <a:endParaRPr lang="en-US" sz="1600" dirty="0"/>
-                    </a:p>
-                  </a:txBody>
-                  <a:tcPr marL="53065" marR="53065" marT="26533" marB="26533" anchor="ctr">
-                    <a:lnL w="12700" cap="flat" cmpd="sng" algn="ctr">
-                      <a:solidFill>
-                        <a:schemeClr val="tx1"/>
-                      </a:solidFill>
-                      <a:prstDash val="solid"/>
-                      <a:round/>
-                      <a:headEnd type="none" w="med" len="med"/>
-                      <a:tailEnd type="none" w="med" len="med"/>
-                    </a:lnL>
-                    <a:lnR w="12700" cap="flat" cmpd="sng" algn="ctr">
-                      <a:solidFill>
-                        <a:schemeClr val="tx1"/>
-                      </a:solidFill>
-                      <a:prstDash val="solid"/>
-                      <a:round/>
-                      <a:headEnd type="none" w="med" len="med"/>
-                      <a:tailEnd type="none" w="med" len="med"/>
-                    </a:lnR>
-                    <a:lnT w="12700" cap="flat" cmpd="sng" algn="ctr">
-                      <a:solidFill>
-                        <a:schemeClr val="tx1"/>
-                      </a:solidFill>
-                      <a:prstDash val="solid"/>
-                      <a:round/>
-                      <a:headEnd type="none" w="med" len="med"/>
-                      <a:tailEnd type="none" w="med" len="med"/>
-                    </a:lnT>
-                    <a:lnB w="12700" cap="flat" cmpd="sng" algn="ctr">
-                      <a:solidFill>
-                        <a:schemeClr val="tx1"/>
-                      </a:solidFill>
-                      <a:prstDash val="solid"/>
-                      <a:round/>
-                      <a:headEnd type="none" w="med" len="med"/>
-                      <a:tailEnd type="none" w="med" len="med"/>
-                    </a:lnB>
-                    <a:noFill/>
-                  </a:tcPr>
-                </a:tc>
-                <a:tc>
-                  <a:txBody>
-                    <a:bodyPr/>
-                    <a:lstStyle/>
-                    <a:p>
-                      <a:pPr>
-                        <a:buNone/>
-                      </a:pPr>
-                      <a:r>
-                        <a:rPr lang="en-US" sz="1600" b="1" dirty="0" err="1"/>
-                        <a:t>Espectros</a:t>
-                      </a:r>
-                      <a:r>
-                        <a:rPr lang="en-US" sz="1600" b="1" dirty="0"/>
-                        <a:t> </a:t>
-                      </a:r>
-                      <a:r>
-                        <a:rPr lang="en-US" sz="1600" b="1" dirty="0" err="1"/>
-                        <a:t>múltiples</a:t>
-                      </a:r>
-                      <a:r>
-                        <a:rPr lang="en-US" sz="1600" b="1" dirty="0"/>
-                        <a:t> (</a:t>
-                      </a:r>
-                      <a:r>
-                        <a:rPr lang="en-US" sz="1600" b="1" dirty="0" err="1"/>
-                        <a:t>hiperespectrales</a:t>
-                      </a:r>
-                      <a:r>
-                        <a:rPr lang="en-US" sz="1600" b="1" dirty="0"/>
-                        <a:t>)</a:t>
-                      </a:r>
-                      <a:endParaRPr lang="en-US" sz="1600" dirty="0"/>
-                    </a:p>
-                  </a:txBody>
-                  <a:tcPr marL="53065" marR="53065" marT="26533" marB="26533" anchor="ctr">
-                    <a:lnL w="12700" cap="flat" cmpd="sng" algn="ctr">
-                      <a:solidFill>
-                        <a:schemeClr val="tx1"/>
-                      </a:solidFill>
-                      <a:prstDash val="solid"/>
-                      <a:round/>
-                      <a:headEnd type="none" w="med" len="med"/>
-                      <a:tailEnd type="none" w="med" len="med"/>
-                    </a:lnL>
-                    <a:lnR w="12700" cap="flat" cmpd="sng" algn="ctr">
-                      <a:solidFill>
-                        <a:schemeClr val="tx1"/>
-                      </a:solidFill>
-                      <a:prstDash val="solid"/>
-                      <a:round/>
-                      <a:headEnd type="none" w="med" len="med"/>
-                      <a:tailEnd type="none" w="med" len="med"/>
-                    </a:lnR>
-                    <a:lnT w="12700" cap="flat" cmpd="sng" algn="ctr">
-                      <a:solidFill>
-                        <a:schemeClr val="tx1"/>
-                      </a:solidFill>
-                      <a:prstDash val="solid"/>
-                      <a:round/>
-                      <a:headEnd type="none" w="med" len="med"/>
-                      <a:tailEnd type="none" w="med" len="med"/>
-                    </a:lnT>
-                    <a:lnB w="12700" cap="flat" cmpd="sng" algn="ctr">
-                      <a:solidFill>
-                        <a:schemeClr val="tx1"/>
-                      </a:solidFill>
-                      <a:prstDash val="solid"/>
-                      <a:round/>
-                      <a:headEnd type="none" w="med" len="med"/>
-                      <a:tailEnd type="none" w="med" len="med"/>
-                    </a:lnB>
-                    <a:noFill/>
-                  </a:tcPr>
-                </a:tc>
-                <a:tc>
-                  <a:txBody>
-                    <a:bodyPr/>
-                    <a:lstStyle/>
-                    <a:p>
-                      <a:pPr>
-                        <a:buNone/>
-                      </a:pPr>
-                      <a:r>
-                        <a:rPr lang="en-US" sz="1600" dirty="0"/>
-                        <a:t>300 – 2500+ nm</a:t>
-                      </a:r>
-                    </a:p>
-                  </a:txBody>
-                  <a:tcPr marL="53065" marR="53065" marT="26533" marB="26533" anchor="ctr">
-                    <a:lnL w="12700" cap="flat" cmpd="sng" algn="ctr">
-                      <a:solidFill>
-                        <a:schemeClr val="tx1"/>
-                      </a:solidFill>
-                      <a:prstDash val="solid"/>
-                      <a:round/>
-                      <a:headEnd type="none" w="med" len="med"/>
-                      <a:tailEnd type="none" w="med" len="med"/>
-                    </a:lnL>
-                    <a:lnR w="12700" cap="flat" cmpd="sng" algn="ctr">
-                      <a:solidFill>
-                        <a:schemeClr val="tx1"/>
-                      </a:solidFill>
-                      <a:prstDash val="solid"/>
-                      <a:round/>
-                      <a:headEnd type="none" w="med" len="med"/>
-                      <a:tailEnd type="none" w="med" len="med"/>
-                    </a:lnR>
-                    <a:lnT w="12700" cap="flat" cmpd="sng" algn="ctr">
-                      <a:solidFill>
-                        <a:schemeClr val="tx1"/>
-                      </a:solidFill>
-                      <a:prstDash val="solid"/>
-                      <a:round/>
-                      <a:headEnd type="none" w="med" len="med"/>
-                      <a:tailEnd type="none" w="med" len="med"/>
-                    </a:lnT>
-                    <a:lnB w="12700" cap="flat" cmpd="sng" algn="ctr">
-                      <a:solidFill>
-                        <a:schemeClr val="tx1"/>
-                      </a:solidFill>
-                      <a:prstDash val="solid"/>
-                      <a:round/>
-                      <a:headEnd type="none" w="med" len="med"/>
-                      <a:tailEnd type="none" w="med" len="med"/>
-                    </a:lnB>
-                    <a:noFill/>
-                  </a:tcPr>
-                </a:tc>
-                <a:tc>
-                  <a:txBody>
-                    <a:bodyPr/>
-                    <a:lstStyle/>
-                    <a:p>
-                      <a:pPr>
-                        <a:buNone/>
-                      </a:pPr>
-                      <a:r>
-                        <a:rPr lang="es-MX" sz="1600" dirty="0"/>
-                        <a:t>No (más allá del RGB)</a:t>
-                      </a:r>
-                    </a:p>
-                  </a:txBody>
-                  <a:tcPr marL="53065" marR="53065" marT="26533" marB="26533" anchor="ctr">
-                    <a:lnL w="12700" cap="flat" cmpd="sng" algn="ctr">
-                      <a:solidFill>
-                        <a:schemeClr val="tx1"/>
-                      </a:solidFill>
-                      <a:prstDash val="solid"/>
-                      <a:round/>
-                      <a:headEnd type="none" w="med" len="med"/>
-                      <a:tailEnd type="none" w="med" len="med"/>
-                    </a:lnL>
-                    <a:lnR w="12700" cap="flat" cmpd="sng" algn="ctr">
-                      <a:solidFill>
-                        <a:schemeClr val="tx1"/>
-                      </a:solidFill>
-                      <a:prstDash val="solid"/>
-                      <a:round/>
-                      <a:headEnd type="none" w="med" len="med"/>
-                      <a:tailEnd type="none" w="med" len="med"/>
-                    </a:lnR>
-                    <a:lnT w="12700" cap="flat" cmpd="sng" algn="ctr">
-                      <a:solidFill>
-                        <a:schemeClr val="tx1"/>
-                      </a:solidFill>
-                      <a:prstDash val="solid"/>
-                      <a:round/>
-                      <a:headEnd type="none" w="med" len="med"/>
-                      <a:tailEnd type="none" w="med" len="med"/>
-                    </a:lnT>
-                    <a:lnB w="12700" cap="flat" cmpd="sng" algn="ctr">
-                      <a:solidFill>
-                        <a:schemeClr val="tx1"/>
-                      </a:solidFill>
-                      <a:prstDash val="solid"/>
-                      <a:round/>
-                      <a:headEnd type="none" w="med" len="med"/>
-                      <a:tailEnd type="none" w="med" len="med"/>
-                    </a:lnB>
-                    <a:noFill/>
-                  </a:tcPr>
-                </a:tc>
-                <a:tc>
-                  <a:txBody>
-                    <a:bodyPr/>
-                    <a:lstStyle/>
-                    <a:p>
-                      <a:pPr>
-                        <a:buNone/>
-                      </a:pPr>
-                      <a:r>
-                        <a:rPr lang="en-US" sz="1600"/>
-                        <a:t>Satélites, drones agrícolas, diagnóstico</a:t>
-                      </a:r>
-                    </a:p>
-                  </a:txBody>
-                  <a:tcPr marL="53065" marR="53065" marT="26533" marB="26533" anchor="ctr">
-                    <a:lnL w="12700" cap="flat" cmpd="sng" algn="ctr">
-                      <a:solidFill>
-                        <a:schemeClr val="tx1"/>
-                      </a:solidFill>
-                      <a:prstDash val="solid"/>
-                      <a:round/>
-                      <a:headEnd type="none" w="med" len="med"/>
-                      <a:tailEnd type="none" w="med" len="med"/>
-                    </a:lnL>
-                    <a:lnR w="12700" cap="flat" cmpd="sng" algn="ctr">
-                      <a:solidFill>
-                        <a:schemeClr val="tx1"/>
-                      </a:solidFill>
-                      <a:prstDash val="solid"/>
-                      <a:round/>
-                      <a:headEnd type="none" w="med" len="med"/>
-                      <a:tailEnd type="none" w="med" len="med"/>
-                    </a:lnR>
-                    <a:lnT w="12700" cap="flat" cmpd="sng" algn="ctr">
-                      <a:solidFill>
-                        <a:schemeClr val="tx1"/>
-                      </a:solidFill>
-                      <a:prstDash val="solid"/>
-                      <a:round/>
-                      <a:headEnd type="none" w="med" len="med"/>
-                      <a:tailEnd type="none" w="med" len="med"/>
-                    </a:lnT>
-                    <a:lnB w="12700" cap="flat" cmpd="sng" algn="ctr">
-                      <a:solidFill>
-                        <a:schemeClr val="tx1"/>
-                      </a:solidFill>
-                      <a:prstDash val="solid"/>
-                      <a:round/>
-                      <a:headEnd type="none" w="med" len="med"/>
-                      <a:tailEnd type="none" w="med" len="med"/>
-                    </a:lnB>
-                    <a:noFill/>
-                  </a:tcPr>
-                </a:tc>
-                <a:tc>
-                  <a:txBody>
-                    <a:bodyPr/>
-                    <a:lstStyle/>
-                    <a:p>
-                      <a:pPr>
-                        <a:buNone/>
-                      </a:pPr>
-                      <a:r>
-                        <a:rPr lang="en-US" sz="1600" dirty="0"/>
-                        <a:t>Agricultura, </a:t>
-                      </a:r>
-                      <a:r>
-                        <a:rPr lang="en-US" sz="1600" dirty="0" err="1"/>
-                        <a:t>medicina</a:t>
-                      </a:r>
-                      <a:r>
-                        <a:rPr lang="en-US" sz="1600" dirty="0"/>
-                        <a:t>, </a:t>
-                      </a:r>
-                      <a:r>
-                        <a:rPr lang="en-US" sz="1600" dirty="0" err="1"/>
-                        <a:t>geología</a:t>
-                      </a:r>
-                      <a:endParaRPr lang="en-US" sz="1600" dirty="0"/>
-                    </a:p>
-                  </a:txBody>
-                  <a:tcPr marL="53065" marR="53065" marT="26533" marB="26533" anchor="ctr">
-                    <a:lnL w="12700" cap="flat" cmpd="sng" algn="ctr">
-                      <a:solidFill>
-                        <a:schemeClr val="tx1"/>
-                      </a:solidFill>
-                      <a:prstDash val="solid"/>
-                      <a:round/>
-                      <a:headEnd type="none" w="med" len="med"/>
-                      <a:tailEnd type="none" w="med" len="med"/>
-                    </a:lnL>
-                    <a:lnR w="12700" cap="flat" cmpd="sng" algn="ctr">
-                      <a:solidFill>
-                        <a:schemeClr val="tx1"/>
-                      </a:solidFill>
-                      <a:prstDash val="solid"/>
-                      <a:round/>
-                      <a:headEnd type="none" w="med" len="med"/>
-                      <a:tailEnd type="none" w="med" len="med"/>
-                    </a:lnR>
-                    <a:lnT w="12700" cap="flat" cmpd="sng" algn="ctr">
-                      <a:solidFill>
-                        <a:schemeClr val="tx1"/>
-                      </a:solidFill>
-                      <a:prstDash val="solid"/>
-                      <a:round/>
-                      <a:headEnd type="none" w="med" len="med"/>
-                      <a:tailEnd type="none" w="med" len="med"/>
-                    </a:lnT>
-                    <a:lnB w="12700" cap="flat" cmpd="sng" algn="ctr">
-                      <a:solidFill>
-                        <a:schemeClr val="tx1"/>
-                      </a:solidFill>
-                      <a:prstDash val="solid"/>
-                      <a:round/>
-                      <a:headEnd type="none" w="med" len="med"/>
-                      <a:tailEnd type="none" w="med" len="med"/>
-                    </a:lnB>
-                    <a:noFill/>
-                  </a:tcPr>
-                </a:tc>
-                <a:extLst>
-                  <a:ext uri="{0D108BD9-81ED-4DB2-BD59-A6C34878D82A}">
-                    <a16:rowId xmlns:a16="http://schemas.microsoft.com/office/drawing/2014/main" val="203145402"/>
-                  </a:ext>
-                </a:extLst>
-              </a:tr>
-              <a:tr h="689846">
-                <a:tc>
-                  <a:txBody>
-                    <a:bodyPr/>
-                    <a:lstStyle/>
-                    <a:p>
-                      <a:pPr>
-                        <a:buNone/>
-                      </a:pPr>
-                      <a:r>
-                        <a:rPr lang="es-CO" sz="1600" dirty="0"/>
-                        <a:t>6</a:t>
-                      </a:r>
-                      <a:endParaRPr lang="en-US" sz="1600" dirty="0"/>
-                    </a:p>
-                  </a:txBody>
-                  <a:tcPr marL="53065" marR="53065" marT="26533" marB="26533" anchor="ctr">
-                    <a:lnL w="12700" cap="flat" cmpd="sng" algn="ctr">
-                      <a:solidFill>
-                        <a:schemeClr val="tx1"/>
-                      </a:solidFill>
-                      <a:prstDash val="solid"/>
-                      <a:round/>
-                      <a:headEnd type="none" w="med" len="med"/>
-                      <a:tailEnd type="none" w="med" len="med"/>
-                    </a:lnL>
-                    <a:lnR w="12700" cap="flat" cmpd="sng" algn="ctr">
-                      <a:solidFill>
-                        <a:schemeClr val="tx1"/>
-                      </a:solidFill>
-                      <a:prstDash val="solid"/>
-                      <a:round/>
-                      <a:headEnd type="none" w="med" len="med"/>
-                      <a:tailEnd type="none" w="med" len="med"/>
-                    </a:lnR>
-                    <a:lnT w="12700" cap="flat" cmpd="sng" algn="ctr">
-                      <a:solidFill>
-                        <a:schemeClr val="tx1"/>
-                      </a:solidFill>
-                      <a:prstDash val="solid"/>
-                      <a:round/>
-                      <a:headEnd type="none" w="med" len="med"/>
-                      <a:tailEnd type="none" w="med" len="med"/>
-                    </a:lnT>
-                    <a:lnB w="12700" cap="flat" cmpd="sng" algn="ctr">
-                      <a:solidFill>
-                        <a:schemeClr val="tx1"/>
-                      </a:solidFill>
-                      <a:prstDash val="solid"/>
-                      <a:round/>
-                      <a:headEnd type="none" w="med" len="med"/>
-                      <a:tailEnd type="none" w="med" len="med"/>
-                    </a:lnB>
-                    <a:noFill/>
-                  </a:tcPr>
-                </a:tc>
-                <a:tc>
-                  <a:txBody>
-                    <a:bodyPr/>
-                    <a:lstStyle/>
-                    <a:p>
-                      <a:pPr>
-                        <a:buNone/>
-                      </a:pPr>
-                      <a:r>
-                        <a:rPr lang="en-US" sz="1600" b="1"/>
-                        <a:t>Polarización</a:t>
-                      </a:r>
-                      <a:endParaRPr lang="en-US" sz="1600"/>
-                    </a:p>
-                  </a:txBody>
-                  <a:tcPr marL="53065" marR="53065" marT="26533" marB="26533" anchor="ctr">
-                    <a:lnL w="12700" cap="flat" cmpd="sng" algn="ctr">
-                      <a:solidFill>
-                        <a:schemeClr val="tx1"/>
-                      </a:solidFill>
-                      <a:prstDash val="solid"/>
-                      <a:round/>
-                      <a:headEnd type="none" w="med" len="med"/>
-                      <a:tailEnd type="none" w="med" len="med"/>
-                    </a:lnL>
-                    <a:lnR w="12700" cap="flat" cmpd="sng" algn="ctr">
-                      <a:solidFill>
-                        <a:schemeClr val="tx1"/>
-                      </a:solidFill>
-                      <a:prstDash val="solid"/>
-                      <a:round/>
-                      <a:headEnd type="none" w="med" len="med"/>
-                      <a:tailEnd type="none" w="med" len="med"/>
-                    </a:lnR>
-                    <a:lnT w="12700" cap="flat" cmpd="sng" algn="ctr">
-                      <a:solidFill>
-                        <a:schemeClr val="tx1"/>
-                      </a:solidFill>
-                      <a:prstDash val="solid"/>
-                      <a:round/>
-                      <a:headEnd type="none" w="med" len="med"/>
-                      <a:tailEnd type="none" w="med" len="med"/>
-                    </a:lnT>
-                    <a:lnB w="12700" cap="flat" cmpd="sng" algn="ctr">
-                      <a:solidFill>
-                        <a:schemeClr val="tx1"/>
-                      </a:solidFill>
-                      <a:prstDash val="solid"/>
-                      <a:round/>
-                      <a:headEnd type="none" w="med" len="med"/>
-                      <a:tailEnd type="none" w="med" len="med"/>
-                    </a:lnB>
-                    <a:noFill/>
-                  </a:tcPr>
-                </a:tc>
-                <a:tc>
-                  <a:txBody>
-                    <a:bodyPr/>
-                    <a:lstStyle/>
-                    <a:p>
-                      <a:pPr>
-                        <a:buNone/>
-                      </a:pPr>
-                      <a:r>
-                        <a:rPr lang="es-MX" sz="1600"/>
-                        <a:t>No es espectro, es orientación de ondas</a:t>
-                      </a:r>
-                    </a:p>
-                  </a:txBody>
-                  <a:tcPr marL="53065" marR="53065" marT="26533" marB="26533" anchor="ctr">
-                    <a:lnL w="12700" cap="flat" cmpd="sng" algn="ctr">
-                      <a:solidFill>
-                        <a:schemeClr val="tx1"/>
-                      </a:solidFill>
-                      <a:prstDash val="solid"/>
-                      <a:round/>
-                      <a:headEnd type="none" w="med" len="med"/>
-                      <a:tailEnd type="none" w="med" len="med"/>
-                    </a:lnL>
-                    <a:lnR w="12700" cap="flat" cmpd="sng" algn="ctr">
-                      <a:solidFill>
-                        <a:schemeClr val="tx1"/>
-                      </a:solidFill>
-                      <a:prstDash val="solid"/>
-                      <a:round/>
-                      <a:headEnd type="none" w="med" len="med"/>
-                      <a:tailEnd type="none" w="med" len="med"/>
-                    </a:lnR>
-                    <a:lnT w="12700" cap="flat" cmpd="sng" algn="ctr">
-                      <a:solidFill>
-                        <a:schemeClr val="tx1"/>
-                      </a:solidFill>
-                      <a:prstDash val="solid"/>
-                      <a:round/>
-                      <a:headEnd type="none" w="med" len="med"/>
-                      <a:tailEnd type="none" w="med" len="med"/>
-                    </a:lnT>
-                    <a:lnB w="12700" cap="flat" cmpd="sng" algn="ctr">
-                      <a:solidFill>
-                        <a:schemeClr val="tx1"/>
-                      </a:solidFill>
-                      <a:prstDash val="solid"/>
-                      <a:round/>
-                      <a:headEnd type="none" w="med" len="med"/>
-                      <a:tailEnd type="none" w="med" len="med"/>
-                    </a:lnB>
-                    <a:noFill/>
-                  </a:tcPr>
-                </a:tc>
-                <a:tc>
-                  <a:txBody>
-                    <a:bodyPr/>
-                    <a:lstStyle/>
-                    <a:p>
-                      <a:pPr>
-                        <a:buNone/>
-                      </a:pPr>
-                      <a:r>
-                        <a:rPr lang="en-US" sz="1600" dirty="0" err="1"/>
-                        <a:t>Parcialmente</a:t>
-                      </a:r>
-                      <a:r>
-                        <a:rPr lang="en-US" sz="1600" dirty="0"/>
-                        <a:t> (con </a:t>
-                      </a:r>
-                      <a:r>
-                        <a:rPr lang="en-US" sz="1600" dirty="0" err="1"/>
-                        <a:t>filtros</a:t>
-                      </a:r>
-                      <a:r>
-                        <a:rPr lang="en-US" sz="1600" dirty="0"/>
-                        <a:t>)</a:t>
-                      </a:r>
-                    </a:p>
-                  </a:txBody>
-                  <a:tcPr marL="53065" marR="53065" marT="26533" marB="26533" anchor="ctr">
-                    <a:lnL w="12700" cap="flat" cmpd="sng" algn="ctr">
-                      <a:solidFill>
-                        <a:schemeClr val="tx1"/>
-                      </a:solidFill>
-                      <a:prstDash val="solid"/>
-                      <a:round/>
-                      <a:headEnd type="none" w="med" len="med"/>
-                      <a:tailEnd type="none" w="med" len="med"/>
-                    </a:lnL>
-                    <a:lnR w="12700" cap="flat" cmpd="sng" algn="ctr">
-                      <a:solidFill>
-                        <a:schemeClr val="tx1"/>
-                      </a:solidFill>
-                      <a:prstDash val="solid"/>
-                      <a:round/>
-                      <a:headEnd type="none" w="med" len="med"/>
-                      <a:tailEnd type="none" w="med" len="med"/>
-                    </a:lnR>
-                    <a:lnT w="12700" cap="flat" cmpd="sng" algn="ctr">
-                      <a:solidFill>
-                        <a:schemeClr val="tx1"/>
-                      </a:solidFill>
-                      <a:prstDash val="solid"/>
-                      <a:round/>
-                      <a:headEnd type="none" w="med" len="med"/>
-                      <a:tailEnd type="none" w="med" len="med"/>
-                    </a:lnT>
-                    <a:lnB w="12700" cap="flat" cmpd="sng" algn="ctr">
-                      <a:solidFill>
-                        <a:schemeClr val="tx1"/>
-                      </a:solidFill>
-                      <a:prstDash val="solid"/>
-                      <a:round/>
-                      <a:headEnd type="none" w="med" len="med"/>
-                      <a:tailEnd type="none" w="med" len="med"/>
-                    </a:lnB>
-                    <a:noFill/>
-                  </a:tcPr>
-                </a:tc>
-                <a:tc>
-                  <a:txBody>
-                    <a:bodyPr/>
-                    <a:lstStyle/>
-                    <a:p>
-                      <a:pPr>
-                        <a:buNone/>
-                      </a:pPr>
-                      <a:r>
-                        <a:rPr lang="en-US" sz="1600"/>
-                        <a:t>Camarón mantis, insectos acuáticos</a:t>
-                      </a:r>
-                    </a:p>
-                  </a:txBody>
-                  <a:tcPr marL="53065" marR="53065" marT="26533" marB="26533" anchor="ctr">
-                    <a:lnL w="12700" cap="flat" cmpd="sng" algn="ctr">
-                      <a:solidFill>
-                        <a:schemeClr val="tx1"/>
-                      </a:solidFill>
-                      <a:prstDash val="solid"/>
-                      <a:round/>
-                      <a:headEnd type="none" w="med" len="med"/>
-                      <a:tailEnd type="none" w="med" len="med"/>
-                    </a:lnL>
-                    <a:lnR w="12700" cap="flat" cmpd="sng" algn="ctr">
-                      <a:solidFill>
-                        <a:schemeClr val="tx1"/>
-                      </a:solidFill>
-                      <a:prstDash val="solid"/>
-                      <a:round/>
-                      <a:headEnd type="none" w="med" len="med"/>
-                      <a:tailEnd type="none" w="med" len="med"/>
-                    </a:lnR>
-                    <a:lnT w="12700" cap="flat" cmpd="sng" algn="ctr">
-                      <a:solidFill>
-                        <a:schemeClr val="tx1"/>
-                      </a:solidFill>
-                      <a:prstDash val="solid"/>
-                      <a:round/>
-                      <a:headEnd type="none" w="med" len="med"/>
-                      <a:tailEnd type="none" w="med" len="med"/>
-                    </a:lnT>
-                    <a:lnB w="12700" cap="flat" cmpd="sng" algn="ctr">
-                      <a:solidFill>
-                        <a:schemeClr val="tx1"/>
-                      </a:solidFill>
-                      <a:prstDash val="solid"/>
-                      <a:round/>
-                      <a:headEnd type="none" w="med" len="med"/>
-                      <a:tailEnd type="none" w="med" len="med"/>
-                    </a:lnB>
-                    <a:noFill/>
-                  </a:tcPr>
-                </a:tc>
-                <a:tc>
-                  <a:txBody>
-                    <a:bodyPr/>
-                    <a:lstStyle/>
-                    <a:p>
-                      <a:pPr>
-                        <a:buNone/>
-                      </a:pPr>
-                      <a:r>
-                        <a:rPr lang="en-US" sz="1600" dirty="0"/>
-                        <a:t>Visión </a:t>
-                      </a:r>
-                      <a:r>
-                        <a:rPr lang="en-US" sz="1600" dirty="0" err="1"/>
-                        <a:t>submarina</a:t>
-                      </a:r>
-                      <a:r>
-                        <a:rPr lang="en-US" sz="1600" dirty="0"/>
-                        <a:t>, </a:t>
-                      </a:r>
-                      <a:r>
-                        <a:rPr lang="en-US" sz="1600" dirty="0" err="1"/>
-                        <a:t>camuflaje</a:t>
-                      </a:r>
-                      <a:r>
-                        <a:rPr lang="en-US" sz="1600" dirty="0"/>
-                        <a:t>, </a:t>
-                      </a:r>
-                      <a:r>
-                        <a:rPr lang="en-US" sz="1600" dirty="0" err="1"/>
-                        <a:t>contraste</a:t>
-                      </a:r>
-                      <a:endParaRPr lang="en-US" sz="1600" dirty="0"/>
-                    </a:p>
-                  </a:txBody>
-                  <a:tcPr marL="53065" marR="53065" marT="26533" marB="26533" anchor="ctr">
-                    <a:lnL w="12700" cap="flat" cmpd="sng" algn="ctr">
-                      <a:solidFill>
-                        <a:schemeClr val="tx1"/>
-                      </a:solidFill>
-                      <a:prstDash val="solid"/>
-                      <a:round/>
-                      <a:headEnd type="none" w="med" len="med"/>
-                      <a:tailEnd type="none" w="med" len="med"/>
-                    </a:lnL>
-                    <a:lnR w="12700" cap="flat" cmpd="sng" algn="ctr">
-                      <a:solidFill>
-                        <a:schemeClr val="tx1"/>
-                      </a:solidFill>
-                      <a:prstDash val="solid"/>
-                      <a:round/>
-                      <a:headEnd type="none" w="med" len="med"/>
-                      <a:tailEnd type="none" w="med" len="med"/>
-                    </a:lnR>
-                    <a:lnT w="12700" cap="flat" cmpd="sng" algn="ctr">
-                      <a:solidFill>
-                        <a:schemeClr val="tx1"/>
-                      </a:solidFill>
-                      <a:prstDash val="solid"/>
-                      <a:round/>
-                      <a:headEnd type="none" w="med" len="med"/>
-                      <a:tailEnd type="none" w="med" len="med"/>
-                    </a:lnT>
-                    <a:lnB w="12700" cap="flat" cmpd="sng" algn="ctr">
-                      <a:solidFill>
-                        <a:schemeClr val="tx1"/>
-                      </a:solidFill>
-                      <a:prstDash val="solid"/>
-                      <a:round/>
-                      <a:headEnd type="none" w="med" len="med"/>
-                      <a:tailEnd type="none" w="med" len="med"/>
-                    </a:lnB>
-                    <a:noFill/>
-                  </a:tcPr>
-                </a:tc>
-                <a:extLst>
-                  <a:ext uri="{0D108BD9-81ED-4DB2-BD59-A6C34878D82A}">
-                    <a16:rowId xmlns:a16="http://schemas.microsoft.com/office/drawing/2014/main" val="1448546744"/>
-                  </a:ext>
-                </a:extLst>
-              </a:tr>
-              <a:tr h="689846">
-                <a:tc>
-                  <a:txBody>
-                    <a:bodyPr/>
-                    <a:lstStyle/>
-                    <a:p>
-                      <a:pPr>
-                        <a:buNone/>
-                      </a:pPr>
-                      <a:r>
-                        <a:rPr lang="es-CO" sz="1600" dirty="0"/>
-                        <a:t>7</a:t>
-                      </a:r>
-                      <a:endParaRPr lang="en-US" sz="1600" dirty="0"/>
-                    </a:p>
-                  </a:txBody>
-                  <a:tcPr marL="53065" marR="53065" marT="26533" marB="26533" anchor="ctr">
-                    <a:lnL w="12700" cap="flat" cmpd="sng" algn="ctr">
-                      <a:solidFill>
-                        <a:schemeClr val="tx1"/>
-                      </a:solidFill>
-                      <a:prstDash val="solid"/>
-                      <a:round/>
-                      <a:headEnd type="none" w="med" len="med"/>
-                      <a:tailEnd type="none" w="med" len="med"/>
-                    </a:lnL>
-                    <a:lnR w="12700" cap="flat" cmpd="sng" algn="ctr">
-                      <a:solidFill>
-                        <a:schemeClr val="tx1"/>
-                      </a:solidFill>
-                      <a:prstDash val="solid"/>
-                      <a:round/>
-                      <a:headEnd type="none" w="med" len="med"/>
-                      <a:tailEnd type="none" w="med" len="med"/>
-                    </a:lnR>
-                    <a:lnT w="12700" cap="flat" cmpd="sng" algn="ctr">
-                      <a:solidFill>
-                        <a:schemeClr val="tx1"/>
-                      </a:solidFill>
-                      <a:prstDash val="solid"/>
-                      <a:round/>
-                      <a:headEnd type="none" w="med" len="med"/>
-                      <a:tailEnd type="none" w="med" len="med"/>
-                    </a:lnT>
-                    <a:lnB w="12700" cap="flat" cmpd="sng" algn="ctr">
-                      <a:solidFill>
-                        <a:schemeClr val="tx1"/>
-                      </a:solidFill>
-                      <a:prstDash val="solid"/>
-                      <a:round/>
-                      <a:headEnd type="none" w="med" len="med"/>
-                      <a:tailEnd type="none" w="med" len="med"/>
-                    </a:lnB>
-                    <a:noFill/>
-                  </a:tcPr>
-                </a:tc>
-                <a:tc>
-                  <a:txBody>
-                    <a:bodyPr/>
-                    <a:lstStyle/>
-                    <a:p>
-                      <a:pPr>
-                        <a:buNone/>
-                      </a:pPr>
-                      <a:r>
-                        <a:rPr lang="en-US" sz="1600" b="1" kern="1200" dirty="0" err="1">
+              </p:cNvPr>
+              <p:cNvSpPr>
+                <a:spLocks noGrp="1" noChangeArrowheads="1"/>
+              </p:cNvSpPr>
+              <p:nvPr>
+                <p:ph sz="half" idx="1"/>
+              </p:nvPr>
+            </p:nvSpPr>
+            <p:spPr bwMode="auto">
+              <a:xfrm>
+                <a:off x="838201" y="1825625"/>
+                <a:ext cx="5038618" cy="2598967"/>
+              </a:xfrm>
+              <a:prstGeom prst="rect">
+                <a:avLst/>
+              </a:prstGeom>
+              <a:noFill/>
+              <a:ln>
+                <a:noFill/>
+              </a:ln>
+              <a:effectLst/>
+              <a:extLst>
+                <a:ext uri="{909E8E84-426E-40DD-AFC4-6F175D3DCCD1}">
+                  <a14:hiddenFill>
+                    <a:solidFill>
+                      <a:schemeClr val="accent1"/>
+                    </a:solidFill>
+                  </a14:hiddenFill>
+                </a:ext>
+                <a:ext uri="{91240B29-F687-4F45-9708-019B960494DF}">
+                  <a14:hiddenLine w="9525">
+                    <a:solidFill>
+                      <a:schemeClr val="tx1"/>
+                    </a:solidFill>
+                    <a:miter lim="800000"/>
+                    <a:headEnd/>
+                    <a:tailEnd/>
+                  </a14:hiddenLine>
+                </a:ext>
+                <a:ext uri="{AF507438-7753-43E0-B8FC-AC1667EBCBE1}">
+                  <a14:hiddenEffects>
+                    <a:effectLst>
+                      <a:outerShdw dist="35921" dir="2700000" algn="ctr" rotWithShape="0">
+                        <a:schemeClr val="bg2"/>
+                      </a:outerShdw>
+                    </a:effectLst>
+                  </a14:hiddenEffects>
+                </a:ext>
+              </a:extLst>
+            </p:spPr>
+            <p:txBody>
+              <a:bodyPr vert="horz" wrap="square" lIns="91440" tIns="45720" rIns="91440" bIns="108000" numCol="1" anchor="t" anchorCtr="0" compatLnSpc="1">
+                <a:prstTxWarp prst="textNoShape">
+                  <a:avLst/>
+                </a:prstTxWarp>
+                <a:spAutoFit/>
+              </a:bodyPr>
+              <a:lstStyle/>
+              <a:p>
+                <a:pPr marL="0" marR="0" lvl="0" indent="0" algn="l" defTabSz="914400" rtl="0" eaLnBrk="0" fontAlgn="base" latinLnBrk="0" hangingPunct="0">
+                  <a:lnSpc>
+                    <a:spcPct val="100000"/>
+                  </a:lnSpc>
+                  <a:spcBef>
+                    <a:spcPct val="0"/>
+                  </a:spcBef>
+                  <a:spcAft>
+                    <a:spcPct val="0"/>
+                  </a:spcAft>
+                  <a:buClrTx/>
+                  <a:buSzTx/>
+                  <a:buFontTx/>
+                  <a:buChar char="•"/>
+                  <a:tabLst/>
+                </a:pPr>
+                <a:r>
+                  <a:rPr kumimoji="0" lang="es-CO" sz="1600" b="0" i="0" u="none" strike="noStrike" cap="none" normalizeH="0" baseline="0" noProof="0" dirty="0">
+                    <a:ln>
+                      <a:noFill/>
+                    </a:ln>
+                    <a:solidFill>
+                      <a:schemeClr val="tx1"/>
+                    </a:solidFill>
+                    <a:effectLst/>
+                    <a:latin typeface="Arial" panose="020B0604020202020204" pitchFamily="34" charset="0"/>
+                  </a:rPr>
+                  <a:t>El sensor </a:t>
+                </a:r>
+                <a:r>
+                  <a:rPr kumimoji="0" lang="es-CO" sz="1600" b="1" i="0" u="none" strike="noStrike" cap="none" normalizeH="0" baseline="0" noProof="0" dirty="0">
+                    <a:ln>
+                      <a:noFill/>
+                    </a:ln>
+                    <a:solidFill>
+                      <a:schemeClr val="tx1"/>
+                    </a:solidFill>
+                    <a:effectLst/>
+                    <a:latin typeface="Arial" panose="020B0604020202020204" pitchFamily="34" charset="0"/>
+                  </a:rPr>
+                  <a:t>emite un pulso láser</a:t>
+                </a:r>
+                <a:r>
+                  <a:rPr kumimoji="0" lang="es-CO" sz="1600" b="0" i="0" u="none" strike="noStrike" cap="none" normalizeH="0" baseline="0" noProof="0" dirty="0">
+                    <a:ln>
+                      <a:noFill/>
+                    </a:ln>
+                    <a:solidFill>
+                      <a:schemeClr val="tx1"/>
+                    </a:solidFill>
+                    <a:effectLst/>
+                    <a:latin typeface="Arial" panose="020B0604020202020204" pitchFamily="34" charset="0"/>
+                  </a:rPr>
+                  <a:t> (infrarrojo o visible).</a:t>
+                </a:r>
+              </a:p>
+              <a:p>
+                <a:pPr marL="0" marR="0" lvl="0" indent="0" algn="l" defTabSz="914400" rtl="0" eaLnBrk="0" fontAlgn="base" latinLnBrk="0" hangingPunct="0">
+                  <a:lnSpc>
+                    <a:spcPct val="100000"/>
+                  </a:lnSpc>
+                  <a:spcBef>
+                    <a:spcPct val="0"/>
+                  </a:spcBef>
+                  <a:spcAft>
+                    <a:spcPct val="0"/>
+                  </a:spcAft>
+                  <a:buClrTx/>
+                  <a:buSzTx/>
+                  <a:buNone/>
+                  <a:tabLst/>
+                </a:pPr>
+                <a:endParaRPr kumimoji="0" lang="es-CO" sz="1600" b="0" i="0" u="none" strike="noStrike" cap="none" normalizeH="0" baseline="0" noProof="0" dirty="0">
+                  <a:ln>
+                    <a:noFill/>
+                  </a:ln>
+                  <a:solidFill>
+                    <a:schemeClr val="tx1"/>
+                  </a:solidFill>
+                  <a:effectLst/>
+                  <a:latin typeface="Arial" panose="020B0604020202020204" pitchFamily="34" charset="0"/>
+                </a:endParaRPr>
+              </a:p>
+              <a:p>
+                <a:pPr marL="0" marR="0" lvl="0" indent="0" algn="l" defTabSz="914400" rtl="0" eaLnBrk="0" fontAlgn="base" latinLnBrk="0" hangingPunct="0">
+                  <a:lnSpc>
+                    <a:spcPct val="100000"/>
+                  </a:lnSpc>
+                  <a:spcBef>
+                    <a:spcPct val="0"/>
+                  </a:spcBef>
+                  <a:spcAft>
+                    <a:spcPct val="0"/>
+                  </a:spcAft>
+                  <a:buClrTx/>
+                  <a:buSzTx/>
+                  <a:buFontTx/>
+                  <a:buChar char="•"/>
+                  <a:tabLst/>
+                </a:pPr>
+                <a:r>
+                  <a:rPr kumimoji="0" lang="es-CO" sz="1600" b="0" i="0" u="none" strike="noStrike" cap="none" normalizeH="0" baseline="0" noProof="0" dirty="0">
+                    <a:ln>
+                      <a:noFill/>
+                    </a:ln>
+                    <a:solidFill>
+                      <a:schemeClr val="tx1"/>
+                    </a:solidFill>
+                    <a:effectLst/>
+                    <a:latin typeface="Arial" panose="020B0604020202020204" pitchFamily="34" charset="0"/>
+                  </a:rPr>
+                  <a:t>La luz </a:t>
+                </a:r>
+                <a:r>
+                  <a:rPr kumimoji="0" lang="es-CO" sz="1600" b="1" i="0" u="none" strike="noStrike" cap="none" normalizeH="0" baseline="0" noProof="0" dirty="0">
+                    <a:ln>
+                      <a:noFill/>
+                    </a:ln>
+                    <a:solidFill>
+                      <a:schemeClr val="tx1"/>
+                    </a:solidFill>
+                    <a:effectLst/>
+                    <a:latin typeface="Arial" panose="020B0604020202020204" pitchFamily="34" charset="0"/>
+                  </a:rPr>
+                  <a:t>rebota en el objeto</a:t>
+                </a:r>
+                <a:r>
+                  <a:rPr kumimoji="0" lang="es-CO" sz="1600" b="0" i="0" u="none" strike="noStrike" cap="none" normalizeH="0" baseline="0" noProof="0" dirty="0">
+                    <a:ln>
+                      <a:noFill/>
+                    </a:ln>
+                    <a:solidFill>
+                      <a:schemeClr val="tx1"/>
+                    </a:solidFill>
+                    <a:effectLst/>
+                    <a:latin typeface="Arial" panose="020B0604020202020204" pitchFamily="34" charset="0"/>
+                  </a:rPr>
+                  <a:t>.</a:t>
+                </a:r>
+              </a:p>
+              <a:p>
+                <a:pPr marL="0" marR="0" lvl="0" indent="0" algn="l" defTabSz="914400" rtl="0" eaLnBrk="0" fontAlgn="base" latinLnBrk="0" hangingPunct="0">
+                  <a:lnSpc>
+                    <a:spcPct val="100000"/>
+                  </a:lnSpc>
+                  <a:spcBef>
+                    <a:spcPct val="0"/>
+                  </a:spcBef>
+                  <a:spcAft>
+                    <a:spcPct val="0"/>
+                  </a:spcAft>
+                  <a:buClrTx/>
+                  <a:buSzTx/>
+                  <a:buNone/>
+                  <a:tabLst/>
+                </a:pPr>
+                <a:endParaRPr kumimoji="0" lang="es-CO" sz="1600" b="0" i="0" u="none" strike="noStrike" cap="none" normalizeH="0" baseline="0" noProof="0" dirty="0">
+                  <a:ln>
+                    <a:noFill/>
+                  </a:ln>
+                  <a:solidFill>
+                    <a:schemeClr val="tx1"/>
+                  </a:solidFill>
+                  <a:effectLst/>
+                  <a:latin typeface="Arial" panose="020B0604020202020204" pitchFamily="34" charset="0"/>
+                </a:endParaRPr>
+              </a:p>
+              <a:p>
+                <a:pPr marL="0" marR="0" lvl="0" indent="0" algn="l" defTabSz="914400" rtl="0" eaLnBrk="0" fontAlgn="base" latinLnBrk="0" hangingPunct="0">
+                  <a:lnSpc>
+                    <a:spcPct val="100000"/>
+                  </a:lnSpc>
+                  <a:spcBef>
+                    <a:spcPct val="0"/>
+                  </a:spcBef>
+                  <a:spcAft>
+                    <a:spcPct val="0"/>
+                  </a:spcAft>
+                  <a:buClrTx/>
+                  <a:buSzTx/>
+                  <a:buFontTx/>
+                  <a:buChar char="•"/>
+                  <a:tabLst/>
+                </a:pPr>
+                <a:r>
+                  <a:rPr kumimoji="0" lang="es-CO" sz="1600" b="0" i="0" u="none" strike="noStrike" cap="none" normalizeH="0" baseline="0" noProof="0" dirty="0">
+                    <a:ln>
+                      <a:noFill/>
+                    </a:ln>
+                    <a:solidFill>
+                      <a:schemeClr val="tx1"/>
+                    </a:solidFill>
+                    <a:effectLst/>
+                    <a:latin typeface="Arial" panose="020B0604020202020204" pitchFamily="34" charset="0"/>
+                  </a:rPr>
+                  <a:t>El sistema mide el </a:t>
+                </a:r>
+                <a:r>
+                  <a:rPr kumimoji="0" lang="es-CO" sz="1600" b="1" i="0" u="none" strike="noStrike" cap="none" normalizeH="0" baseline="0" noProof="0" dirty="0">
+                    <a:ln>
+                      <a:noFill/>
+                    </a:ln>
+                    <a:solidFill>
+                      <a:schemeClr val="tx1"/>
+                    </a:solidFill>
+                    <a:effectLst/>
+                    <a:latin typeface="Arial" panose="020B0604020202020204" pitchFamily="34" charset="0"/>
+                  </a:rPr>
+                  <a:t>tiempo de ida y vuelta</a:t>
+                </a:r>
+                <a:r>
+                  <a:rPr kumimoji="0" lang="es-CO" sz="1600" b="0" i="0" u="none" strike="noStrike" cap="none" normalizeH="0" baseline="0" noProof="0" dirty="0">
+                    <a:ln>
+                      <a:noFill/>
+                    </a:ln>
+                    <a:solidFill>
+                      <a:schemeClr val="tx1"/>
+                    </a:solidFill>
+                    <a:effectLst/>
+                    <a:latin typeface="Arial" panose="020B0604020202020204" pitchFamily="34" charset="0"/>
+                  </a:rPr>
+                  <a:t> del pulso.</a:t>
+                </a:r>
+              </a:p>
+              <a:p>
+                <a:pPr marL="0" marR="0" lvl="0" indent="0" algn="l" defTabSz="914400" rtl="0" eaLnBrk="0" fontAlgn="base" latinLnBrk="0" hangingPunct="0">
+                  <a:lnSpc>
+                    <a:spcPct val="100000"/>
+                  </a:lnSpc>
+                  <a:spcBef>
+                    <a:spcPct val="0"/>
+                  </a:spcBef>
+                  <a:spcAft>
+                    <a:spcPct val="0"/>
+                  </a:spcAft>
+                  <a:buClrTx/>
+                  <a:buSzTx/>
+                  <a:buFontTx/>
+                  <a:buNone/>
+                  <a:tabLst/>
+                </a:pPr>
+                <a14:m>
+                  <m:oMathPara xmlns:m="http://schemas.openxmlformats.org/officeDocument/2006/math">
+                    <m:oMathParaPr>
+                      <m:jc m:val="centerGroup"/>
+                    </m:oMathParaPr>
+                    <m:oMath xmlns:m="http://schemas.openxmlformats.org/officeDocument/2006/math">
+                      <m:r>
+                        <a:rPr kumimoji="0" lang="es-CO" sz="1600" b="0" i="1" u="none" strike="noStrike" cap="none" normalizeH="0" baseline="0" noProof="0" smtClean="0">
+                          <a:ln>
+                            <a:noFill/>
+                          </a:ln>
                           <a:solidFill>
                             <a:schemeClr val="tx1"/>
                           </a:solidFill>
-                          <a:latin typeface="+mn-lt"/>
-                          <a:ea typeface="+mn-ea"/>
-                          <a:cs typeface="+mn-cs"/>
+                          <a:effectLst/>
+                          <a:latin typeface="Cambria Math" panose="02040503050406030204" pitchFamily="18" charset="0"/>
                         </a:rPr>
-                        <a:t>Aberración</a:t>
-                      </a:r>
-                      <a:r>
-                        <a:rPr lang="en-US" sz="1600" b="1" kern="1200" dirty="0">
+                        <m:t>𝐷𝑖𝑠𝑡𝑎𝑛𝑐𝑖𝑎</m:t>
+                      </m:r>
+                      <m:r>
+                        <a:rPr kumimoji="0" lang="es-CO" sz="1600" b="0" i="1" u="none" strike="noStrike" cap="none" normalizeH="0" baseline="0" noProof="0" smtClean="0">
+                          <a:ln>
+                            <a:noFill/>
+                          </a:ln>
                           <a:solidFill>
                             <a:schemeClr val="tx1"/>
                           </a:solidFill>
-                          <a:latin typeface="+mn-lt"/>
-                          <a:ea typeface="+mn-ea"/>
-                          <a:cs typeface="+mn-cs"/>
+                          <a:effectLst/>
+                          <a:latin typeface="Cambria Math" panose="02040503050406030204" pitchFamily="18" charset="0"/>
                         </a:rPr>
-                        <a:t> </a:t>
-                      </a:r>
-                      <a:r>
-                        <a:rPr lang="en-US" sz="1600" b="1" kern="1200" dirty="0" err="1">
+                        <m:t>=</m:t>
+                      </m:r>
+                      <m:f>
+                        <m:fPr>
+                          <m:ctrlPr>
+                            <a:rPr kumimoji="0" lang="es-CO" sz="1600" b="0" i="1" u="none" strike="noStrike" cap="none" normalizeH="0" baseline="0" noProof="0" smtClean="0">
+                              <a:ln>
+                                <a:noFill/>
+                              </a:ln>
+                              <a:solidFill>
+                                <a:schemeClr val="tx1"/>
+                              </a:solidFill>
+                              <a:effectLst/>
+                              <a:latin typeface="Cambria Math" panose="02040503050406030204" pitchFamily="18" charset="0"/>
+                            </a:rPr>
+                          </m:ctrlPr>
+                        </m:fPr>
+                        <m:num>
+                          <m:r>
+                            <a:rPr kumimoji="0" lang="es-CO" sz="1600" b="0" i="1" u="none" strike="noStrike" cap="none" normalizeH="0" baseline="0" noProof="0" smtClean="0">
+                              <a:ln>
+                                <a:noFill/>
+                              </a:ln>
+                              <a:solidFill>
+                                <a:schemeClr val="tx1"/>
+                              </a:solidFill>
+                              <a:effectLst/>
+                              <a:latin typeface="Cambria Math" panose="02040503050406030204" pitchFamily="18" charset="0"/>
+                            </a:rPr>
+                            <m:t>𝑐</m:t>
+                          </m:r>
+                          <m:r>
+                            <a:rPr kumimoji="0" lang="es-CO" sz="1600" b="0" i="1" u="none" strike="noStrike" cap="none" normalizeH="0" baseline="0" noProof="0" smtClean="0">
+                              <a:ln>
+                                <a:noFill/>
+                              </a:ln>
+                              <a:solidFill>
+                                <a:schemeClr val="tx1"/>
+                              </a:solidFill>
+                              <a:effectLst/>
+                              <a:latin typeface="Cambria Math" panose="02040503050406030204" pitchFamily="18" charset="0"/>
+                            </a:rPr>
+                            <m:t>⋅</m:t>
+                          </m:r>
+                          <m:r>
+                            <a:rPr kumimoji="0" lang="es-CO" sz="1600" b="0" i="1" u="none" strike="noStrike" cap="none" normalizeH="0" baseline="0" noProof="0" smtClean="0">
+                              <a:ln>
+                                <a:noFill/>
+                              </a:ln>
+                              <a:solidFill>
+                                <a:schemeClr val="tx1"/>
+                              </a:solidFill>
+                              <a:effectLst/>
+                              <a:latin typeface="Cambria Math" panose="02040503050406030204" pitchFamily="18" charset="0"/>
+                            </a:rPr>
+                            <m:t>𝑡</m:t>
+                          </m:r>
+                        </m:num>
+                        <m:den>
+                          <m:r>
+                            <a:rPr kumimoji="0" lang="es-CO" sz="1600" b="0" i="1" u="none" strike="noStrike" cap="none" normalizeH="0" baseline="0" noProof="0" smtClean="0">
+                              <a:ln>
+                                <a:noFill/>
+                              </a:ln>
+                              <a:solidFill>
+                                <a:schemeClr val="tx1"/>
+                              </a:solidFill>
+                              <a:effectLst/>
+                              <a:latin typeface="Cambria Math" panose="02040503050406030204" pitchFamily="18" charset="0"/>
+                            </a:rPr>
+                            <m:t>2</m:t>
+                          </m:r>
+                        </m:den>
+                      </m:f>
+                      <m:r>
+                        <a:rPr kumimoji="0" lang="es-CO" sz="1600" b="0" i="1" u="none" strike="noStrike" cap="none" normalizeH="0" baseline="0" noProof="0" smtClean="0">
+                          <a:ln>
+                            <a:noFill/>
+                          </a:ln>
                           <a:solidFill>
                             <a:schemeClr val="tx1"/>
                           </a:solidFill>
-                          <a:latin typeface="+mn-lt"/>
-                          <a:ea typeface="+mn-ea"/>
-                          <a:cs typeface="+mn-cs"/>
+                          <a:effectLst/>
+                          <a:latin typeface="Cambria Math" panose="02040503050406030204" pitchFamily="18" charset="0"/>
                         </a:rPr>
-                        <a:t>cromática</a:t>
-                      </a:r>
-                      <a:r>
-                        <a:rPr lang="en-US" sz="1600" b="1" kern="1200" dirty="0">
-                          <a:solidFill>
-                            <a:schemeClr val="tx1"/>
-                          </a:solidFill>
-                          <a:latin typeface="+mn-lt"/>
-                          <a:ea typeface="+mn-ea"/>
-                          <a:cs typeface="+mn-cs"/>
-                        </a:rPr>
-                        <a:t> (</a:t>
-                      </a:r>
-                      <a:r>
-                        <a:rPr lang="en-US" sz="1600" b="1" kern="1200" dirty="0" err="1">
-                          <a:solidFill>
-                            <a:schemeClr val="tx1"/>
-                          </a:solidFill>
-                          <a:latin typeface="+mn-lt"/>
-                          <a:ea typeface="+mn-ea"/>
-                          <a:cs typeface="+mn-cs"/>
-                        </a:rPr>
-                        <a:t>óptica</a:t>
-                      </a:r>
-                      <a:r>
-                        <a:rPr lang="en-US" sz="1600" b="1" kern="1200" dirty="0">
-                          <a:solidFill>
-                            <a:schemeClr val="tx1"/>
-                          </a:solidFill>
-                          <a:latin typeface="+mn-lt"/>
-                          <a:ea typeface="+mn-ea"/>
-                          <a:cs typeface="+mn-cs"/>
-                        </a:rPr>
-                        <a:t>)</a:t>
-                      </a:r>
-                    </a:p>
-                  </a:txBody>
-                  <a:tcPr anchor="ctr">
-                    <a:lnL w="12700" cap="flat" cmpd="sng" algn="ctr">
-                      <a:solidFill>
-                        <a:schemeClr val="tx1"/>
-                      </a:solidFill>
-                      <a:prstDash val="solid"/>
-                      <a:round/>
-                      <a:headEnd type="none" w="med" len="med"/>
-                      <a:tailEnd type="none" w="med" len="med"/>
-                    </a:lnL>
-                    <a:lnR w="12700" cap="flat" cmpd="sng" algn="ctr">
-                      <a:solidFill>
-                        <a:schemeClr val="tx1"/>
-                      </a:solidFill>
-                      <a:prstDash val="solid"/>
-                      <a:round/>
-                      <a:headEnd type="none" w="med" len="med"/>
-                      <a:tailEnd type="none" w="med" len="med"/>
-                    </a:lnR>
-                    <a:lnT w="12700" cap="flat" cmpd="sng" algn="ctr">
-                      <a:solidFill>
-                        <a:schemeClr val="tx1"/>
-                      </a:solidFill>
-                      <a:prstDash val="solid"/>
-                      <a:round/>
-                      <a:headEnd type="none" w="med" len="med"/>
-                      <a:tailEnd type="none" w="med" len="med"/>
-                    </a:lnT>
-                    <a:lnB w="12700" cap="flat" cmpd="sng" algn="ctr">
-                      <a:solidFill>
-                        <a:schemeClr val="tx1"/>
-                      </a:solidFill>
-                      <a:prstDash val="solid"/>
-                      <a:round/>
-                      <a:headEnd type="none" w="med" len="med"/>
-                      <a:tailEnd type="none" w="med" len="med"/>
-                    </a:lnB>
-                    <a:noFill/>
-                  </a:tcPr>
-                </a:tc>
-                <a:tc>
-                  <a:txBody>
-                    <a:bodyPr/>
-                    <a:lstStyle/>
-                    <a:p>
-                      <a:pPr>
-                        <a:buNone/>
-                      </a:pPr>
-                      <a:r>
-                        <a:rPr lang="es-MX" sz="1600" kern="1200" dirty="0">
-                          <a:solidFill>
-                            <a:schemeClr val="tx1"/>
-                          </a:solidFill>
-                          <a:latin typeface="+mn-lt"/>
-                          <a:ea typeface="+mn-ea"/>
-                          <a:cs typeface="+mn-cs"/>
-                        </a:rPr>
-                        <a:t>Basada en enfoque diferencial por color</a:t>
-                      </a:r>
-                    </a:p>
-                  </a:txBody>
-                  <a:tcPr anchor="ctr">
-                    <a:lnL w="12700" cap="flat" cmpd="sng" algn="ctr">
-                      <a:solidFill>
-                        <a:schemeClr val="tx1"/>
-                      </a:solidFill>
-                      <a:prstDash val="solid"/>
-                      <a:round/>
-                      <a:headEnd type="none" w="med" len="med"/>
-                      <a:tailEnd type="none" w="med" len="med"/>
-                    </a:lnL>
-                    <a:lnR w="12700" cap="flat" cmpd="sng" algn="ctr">
-                      <a:solidFill>
-                        <a:schemeClr val="tx1"/>
-                      </a:solidFill>
-                      <a:prstDash val="solid"/>
-                      <a:round/>
-                      <a:headEnd type="none" w="med" len="med"/>
-                      <a:tailEnd type="none" w="med" len="med"/>
-                    </a:lnR>
-                    <a:lnT w="12700" cap="flat" cmpd="sng" algn="ctr">
-                      <a:solidFill>
-                        <a:schemeClr val="tx1"/>
-                      </a:solidFill>
-                      <a:prstDash val="solid"/>
-                      <a:round/>
-                      <a:headEnd type="none" w="med" len="med"/>
-                      <a:tailEnd type="none" w="med" len="med"/>
-                    </a:lnT>
-                    <a:lnB w="12700" cap="flat" cmpd="sng" algn="ctr">
-                      <a:solidFill>
-                        <a:schemeClr val="tx1"/>
-                      </a:solidFill>
-                      <a:prstDash val="solid"/>
-                      <a:round/>
-                      <a:headEnd type="none" w="med" len="med"/>
-                      <a:tailEnd type="none" w="med" len="med"/>
-                    </a:lnB>
-                    <a:noFill/>
-                  </a:tcPr>
-                </a:tc>
-                <a:tc>
-                  <a:txBody>
-                    <a:bodyPr/>
-                    <a:lstStyle/>
-                    <a:p>
-                      <a:pPr>
-                        <a:buNone/>
-                      </a:pPr>
-                      <a:r>
-                        <a:rPr lang="en-US" sz="1600" kern="1200" dirty="0">
-                          <a:solidFill>
-                            <a:schemeClr val="tx1"/>
-                          </a:solidFill>
-                          <a:latin typeface="+mn-lt"/>
-                          <a:ea typeface="+mn-ea"/>
-                          <a:cs typeface="+mn-cs"/>
-                        </a:rPr>
-                        <a:t>No </a:t>
-                      </a:r>
-                      <a:r>
-                        <a:rPr lang="en-US" sz="1600" kern="1200" dirty="0" err="1">
-                          <a:solidFill>
-                            <a:schemeClr val="tx1"/>
-                          </a:solidFill>
-                          <a:latin typeface="+mn-lt"/>
-                          <a:ea typeface="+mn-ea"/>
-                          <a:cs typeface="+mn-cs"/>
-                        </a:rPr>
-                        <a:t>directo</a:t>
-                      </a:r>
-                      <a:endParaRPr lang="en-US" sz="1600" kern="1200" dirty="0">
+                        <m:t>​ </m:t>
+                      </m:r>
+                    </m:oMath>
+                  </m:oMathPara>
+                </a14:m>
+                <a:endParaRPr kumimoji="0" lang="es-CO" sz="1600" b="0" i="0" u="none" strike="noStrike" cap="none" normalizeH="0" baseline="0" noProof="0" dirty="0">
+                  <a:ln>
+                    <a:noFill/>
+                  </a:ln>
+                  <a:solidFill>
+                    <a:schemeClr val="tx1"/>
+                  </a:solidFill>
+                  <a:effectLst/>
+                  <a:latin typeface="Arial" panose="020B0604020202020204" pitchFamily="34" charset="0"/>
+                </a:endParaRPr>
+              </a:p>
+              <a:p>
+                <a:pPr marL="0" marR="0" lvl="0" indent="0" algn="l" defTabSz="914400" rtl="0" eaLnBrk="0" fontAlgn="base" latinLnBrk="0" hangingPunct="0">
+                  <a:lnSpc>
+                    <a:spcPct val="100000"/>
+                  </a:lnSpc>
+                  <a:spcBef>
+                    <a:spcPct val="0"/>
+                  </a:spcBef>
+                  <a:spcAft>
+                    <a:spcPct val="0"/>
+                  </a:spcAft>
+                  <a:buClrTx/>
+                  <a:buSzTx/>
+                  <a:buFontTx/>
+                  <a:buNone/>
+                  <a:tabLst/>
+                </a:pPr>
+                <a:r>
+                  <a:rPr kumimoji="0" lang="es-CO" sz="1600" b="0" i="0" u="none" strike="noStrike" cap="none" normalizeH="0" baseline="0" noProof="0" dirty="0">
+                    <a:ln>
+                      <a:noFill/>
+                    </a:ln>
+                    <a:solidFill>
+                      <a:schemeClr val="tx1"/>
+                    </a:solidFill>
+                    <a:effectLst/>
+                    <a:latin typeface="Arial" panose="020B0604020202020204" pitchFamily="34" charset="0"/>
+                  </a:rPr>
+                  <a:t>Donde </a:t>
+                </a:r>
+                <a14:m>
+                  <m:oMath xmlns:m="http://schemas.openxmlformats.org/officeDocument/2006/math">
+                    <m:r>
+                      <a:rPr kumimoji="0" lang="es-CO" sz="1600" b="0" i="1" u="none" strike="noStrike" cap="none" normalizeH="0" baseline="0" noProof="0" smtClean="0">
+                        <a:ln>
+                          <a:noFill/>
+                        </a:ln>
                         <a:solidFill>
                           <a:schemeClr val="tx1"/>
                         </a:solidFill>
-                        <a:latin typeface="+mn-lt"/>
-                        <a:ea typeface="+mn-ea"/>
-                        <a:cs typeface="+mn-cs"/>
-                      </a:endParaRPr>
-                    </a:p>
-                  </a:txBody>
-                  <a:tcPr anchor="ctr">
-                    <a:lnL w="12700" cap="flat" cmpd="sng" algn="ctr">
-                      <a:solidFill>
-                        <a:schemeClr val="tx1"/>
-                      </a:solidFill>
-                      <a:prstDash val="solid"/>
-                      <a:round/>
-                      <a:headEnd type="none" w="med" len="med"/>
-                      <a:tailEnd type="none" w="med" len="med"/>
-                    </a:lnL>
-                    <a:lnR w="12700" cap="flat" cmpd="sng" algn="ctr">
-                      <a:solidFill>
-                        <a:schemeClr val="tx1"/>
-                      </a:solidFill>
-                      <a:prstDash val="solid"/>
-                      <a:round/>
-                      <a:headEnd type="none" w="med" len="med"/>
-                      <a:tailEnd type="none" w="med" len="med"/>
-                    </a:lnR>
-                    <a:lnT w="12700" cap="flat" cmpd="sng" algn="ctr">
-                      <a:solidFill>
-                        <a:schemeClr val="tx1"/>
-                      </a:solidFill>
-                      <a:prstDash val="solid"/>
-                      <a:round/>
-                      <a:headEnd type="none" w="med" len="med"/>
-                      <a:tailEnd type="none" w="med" len="med"/>
-                    </a:lnT>
-                    <a:lnB w="12700" cap="flat" cmpd="sng" algn="ctr">
-                      <a:solidFill>
-                        <a:schemeClr val="tx1"/>
-                      </a:solidFill>
-                      <a:prstDash val="solid"/>
-                      <a:round/>
-                      <a:headEnd type="none" w="med" len="med"/>
-                      <a:tailEnd type="none" w="med" len="med"/>
-                    </a:lnB>
-                    <a:noFill/>
-                  </a:tcPr>
-                </a:tc>
-                <a:tc>
-                  <a:txBody>
-                    <a:bodyPr/>
-                    <a:lstStyle/>
-                    <a:p>
-                      <a:pPr>
-                        <a:buNone/>
-                      </a:pPr>
-                      <a:r>
-                        <a:rPr lang="en-US" sz="1600" kern="1200" dirty="0" err="1">
-                          <a:solidFill>
-                            <a:schemeClr val="tx1"/>
-                          </a:solidFill>
-                          <a:latin typeface="+mn-lt"/>
-                          <a:ea typeface="+mn-ea"/>
-                          <a:cs typeface="+mn-cs"/>
-                        </a:rPr>
-                        <a:t>Pulpos</a:t>
-                      </a:r>
-                      <a:r>
-                        <a:rPr lang="en-US" sz="1600" kern="1200" dirty="0">
-                          <a:solidFill>
-                            <a:schemeClr val="tx1"/>
-                          </a:solidFill>
-                          <a:latin typeface="+mn-lt"/>
-                          <a:ea typeface="+mn-ea"/>
-                          <a:cs typeface="+mn-cs"/>
-                        </a:rPr>
-                        <a:t>, </a:t>
-                      </a:r>
-                      <a:r>
-                        <a:rPr lang="en-US" sz="1600" kern="1200" dirty="0" err="1">
-                          <a:solidFill>
-                            <a:schemeClr val="tx1"/>
-                          </a:solidFill>
-                          <a:latin typeface="+mn-lt"/>
-                          <a:ea typeface="+mn-ea"/>
-                          <a:cs typeface="+mn-cs"/>
-                        </a:rPr>
-                        <a:t>Calamares</a:t>
-                      </a:r>
-                      <a:r>
-                        <a:rPr lang="en-US" sz="1600" kern="1200" dirty="0">
-                          <a:solidFill>
-                            <a:schemeClr val="tx1"/>
-                          </a:solidFill>
-                          <a:latin typeface="+mn-lt"/>
-                          <a:ea typeface="+mn-ea"/>
-                          <a:cs typeface="+mn-cs"/>
-                        </a:rPr>
-                        <a:t>, Arañas </a:t>
-                      </a:r>
-                      <a:r>
-                        <a:rPr lang="en-US" sz="1600" kern="1200" dirty="0" err="1">
-                          <a:solidFill>
-                            <a:schemeClr val="tx1"/>
-                          </a:solidFill>
-                          <a:latin typeface="+mn-lt"/>
-                          <a:ea typeface="+mn-ea"/>
-                          <a:cs typeface="+mn-cs"/>
-                        </a:rPr>
-                        <a:t>saltarina</a:t>
-                      </a:r>
-                      <a:endParaRPr lang="en-US" sz="1600" kern="1200" dirty="0">
-                        <a:solidFill>
-                          <a:schemeClr val="tx1"/>
-                        </a:solidFill>
-                        <a:latin typeface="+mn-lt"/>
-                        <a:ea typeface="+mn-ea"/>
-                        <a:cs typeface="+mn-cs"/>
-                      </a:endParaRPr>
-                    </a:p>
-                  </a:txBody>
-                  <a:tcPr anchor="ctr">
-                    <a:lnL w="12700" cap="flat" cmpd="sng" algn="ctr">
-                      <a:solidFill>
-                        <a:schemeClr val="tx1"/>
-                      </a:solidFill>
-                      <a:prstDash val="solid"/>
-                      <a:round/>
-                      <a:headEnd type="none" w="med" len="med"/>
-                      <a:tailEnd type="none" w="med" len="med"/>
-                    </a:lnL>
-                    <a:lnR w="12700" cap="flat" cmpd="sng" algn="ctr">
-                      <a:solidFill>
-                        <a:schemeClr val="tx1"/>
-                      </a:solidFill>
-                      <a:prstDash val="solid"/>
-                      <a:round/>
-                      <a:headEnd type="none" w="med" len="med"/>
-                      <a:tailEnd type="none" w="med" len="med"/>
-                    </a:lnR>
-                    <a:lnT w="12700" cap="flat" cmpd="sng" algn="ctr">
-                      <a:solidFill>
-                        <a:schemeClr val="tx1"/>
-                      </a:solidFill>
-                      <a:prstDash val="solid"/>
-                      <a:round/>
-                      <a:headEnd type="none" w="med" len="med"/>
-                      <a:tailEnd type="none" w="med" len="med"/>
-                    </a:lnT>
-                    <a:lnB w="12700" cap="flat" cmpd="sng" algn="ctr">
-                      <a:solidFill>
-                        <a:schemeClr val="tx1"/>
-                      </a:solidFill>
-                      <a:prstDash val="solid"/>
-                      <a:round/>
-                      <a:headEnd type="none" w="med" len="med"/>
-                      <a:tailEnd type="none" w="med" len="med"/>
-                    </a:lnB>
-                    <a:noFill/>
-                  </a:tcPr>
-                </a:tc>
-                <a:tc>
-                  <a:txBody>
-                    <a:bodyPr/>
-                    <a:lstStyle/>
-                    <a:p>
-                      <a:pPr>
-                        <a:buNone/>
-                      </a:pPr>
-                      <a:r>
-                        <a:rPr lang="es-MX" sz="1600" kern="1200" dirty="0">
-                          <a:solidFill>
-                            <a:schemeClr val="tx1"/>
-                          </a:solidFill>
-                          <a:latin typeface="+mn-lt"/>
-                          <a:ea typeface="+mn-ea"/>
-                          <a:cs typeface="+mn-cs"/>
-                        </a:rPr>
-                        <a:t>Detección de color sin conos múltiples</a:t>
-                      </a:r>
-                    </a:p>
-                  </a:txBody>
-                  <a:tcPr anchor="ctr">
-                    <a:lnL w="12700" cap="flat" cmpd="sng" algn="ctr">
-                      <a:solidFill>
-                        <a:schemeClr val="tx1"/>
-                      </a:solidFill>
-                      <a:prstDash val="solid"/>
-                      <a:round/>
-                      <a:headEnd type="none" w="med" len="med"/>
-                      <a:tailEnd type="none" w="med" len="med"/>
-                    </a:lnL>
-                    <a:lnR w="12700" cap="flat" cmpd="sng" algn="ctr">
-                      <a:solidFill>
-                        <a:schemeClr val="tx1"/>
-                      </a:solidFill>
-                      <a:prstDash val="solid"/>
-                      <a:round/>
-                      <a:headEnd type="none" w="med" len="med"/>
-                      <a:tailEnd type="none" w="med" len="med"/>
-                    </a:lnR>
-                    <a:lnT w="12700" cap="flat" cmpd="sng" algn="ctr">
-                      <a:solidFill>
-                        <a:schemeClr val="tx1"/>
-                      </a:solidFill>
-                      <a:prstDash val="solid"/>
-                      <a:round/>
-                      <a:headEnd type="none" w="med" len="med"/>
-                      <a:tailEnd type="none" w="med" len="med"/>
-                    </a:lnT>
-                    <a:lnB w="12700" cap="flat" cmpd="sng" algn="ctr">
-                      <a:solidFill>
-                        <a:schemeClr val="tx1"/>
-                      </a:solidFill>
-                      <a:prstDash val="solid"/>
-                      <a:round/>
-                      <a:headEnd type="none" w="med" len="med"/>
-                      <a:tailEnd type="none" w="med" len="med"/>
-                    </a:lnB>
-                    <a:noFill/>
-                  </a:tcPr>
-                </a:tc>
+                        <a:effectLst/>
+                        <a:latin typeface="Cambria Math" panose="02040503050406030204" pitchFamily="18" charset="0"/>
+                      </a:rPr>
+                      <m:t>𝑐</m:t>
+                    </m:r>
+                  </m:oMath>
+                </a14:m>
+                <a:r>
+                  <a:rPr kumimoji="0" lang="es-CO" sz="1600" b="0" i="0" u="none" strike="noStrike" cap="none" normalizeH="0" baseline="0" noProof="0" dirty="0">
+                    <a:ln>
+                      <a:noFill/>
+                    </a:ln>
+                    <a:solidFill>
+                      <a:schemeClr val="tx1"/>
+                    </a:solidFill>
+                    <a:effectLst/>
+                    <a:latin typeface="Arial" panose="020B0604020202020204" pitchFamily="34" charset="0"/>
+                  </a:rPr>
+                  <a:t> es la velocidad de la luz (~3×1083 \times 10^83×108 m/s).</a:t>
+                </a:r>
+              </a:p>
+              <a:p>
+                <a:pPr marL="0" marR="0" lvl="0" indent="0" algn="l" defTabSz="914400" rtl="0" eaLnBrk="0" fontAlgn="base" latinLnBrk="0" hangingPunct="0">
+                  <a:lnSpc>
+                    <a:spcPct val="100000"/>
+                  </a:lnSpc>
+                  <a:spcBef>
+                    <a:spcPct val="0"/>
+                  </a:spcBef>
+                  <a:spcAft>
+                    <a:spcPct val="0"/>
+                  </a:spcAft>
+                  <a:buClrTx/>
+                  <a:buSzTx/>
+                  <a:buFontTx/>
+                  <a:buNone/>
+                  <a:tabLst/>
+                </a:pPr>
+                <a:endParaRPr kumimoji="0" lang="es-CO" sz="1800" b="0" i="0" u="none" strike="noStrike" cap="none" normalizeH="0" baseline="0" noProof="0" dirty="0">
+                  <a:ln>
+                    <a:noFill/>
+                  </a:ln>
+                  <a:solidFill>
+                    <a:schemeClr val="tx1"/>
+                  </a:solidFill>
+                  <a:effectLst/>
+                  <a:latin typeface="Arial" panose="020B0604020202020204" pitchFamily="34" charset="0"/>
+                </a:endParaRPr>
+              </a:p>
+            </p:txBody>
+          </p:sp>
+        </mc:Choice>
+        <mc:Fallback>
+          <p:sp>
+            <p:nvSpPr>
+              <p:cNvPr id="5" name="Rectangle 1">
                 <a:extLst>
-                  <a:ext uri="{0D108BD9-81ED-4DB2-BD59-A6C34878D82A}">
-                    <a16:rowId xmlns:a16="http://schemas.microsoft.com/office/drawing/2014/main" val="3041401527"/>
+                  <a:ext uri="{FF2B5EF4-FFF2-40B4-BE49-F238E27FC236}">
+                    <a16:creationId xmlns:a16="http://schemas.microsoft.com/office/drawing/2014/main" id="{5F96198F-B288-E649-93C1-C4D90259B6DC}"/>
                   </a:ext>
                 </a:extLst>
-              </a:tr>
-            </a:tbl>
-          </a:graphicData>
-        </a:graphic>
-      </p:graphicFrame>
+              </p:cNvPr>
+              <p:cNvSpPr>
+                <a:spLocks noGrp="1" noRot="1" noChangeAspect="1" noMove="1" noResize="1" noEditPoints="1" noAdjustHandles="1" noChangeArrowheads="1" noChangeShapeType="1" noTextEdit="1"/>
+              </p:cNvSpPr>
+              <p:nvPr>
+                <p:ph sz="half" idx="1"/>
+              </p:nvPr>
+            </p:nvSpPr>
+            <p:spPr bwMode="auto">
+              <a:xfrm>
+                <a:off x="838201" y="1825625"/>
+                <a:ext cx="5038618" cy="2598967"/>
+              </a:xfrm>
+              <a:prstGeom prst="rect">
+                <a:avLst/>
+              </a:prstGeom>
+              <a:blipFill>
+                <a:blip r:embed="rId3"/>
+                <a:stretch>
+                  <a:fillRect l="-726" t="-703"/>
+                </a:stretch>
+              </a:blipFill>
+              <a:ln>
+                <a:noFill/>
+              </a:ln>
+              <a:effectLst/>
+              <a:extLst>
+                <a:ext uri="{909E8E84-426E-40DD-AFC4-6F175D3DCCD1}">
+                  <a14:hiddenFill xmlns:a14="http://schemas.microsoft.com/office/drawing/2010/main">
+                    <a:solidFill>
+                      <a:schemeClr val="accent1"/>
+                    </a:solidFill>
+                  </a14:hiddenFill>
+                </a:ext>
+                <a:ext uri="{91240B29-F687-4F45-9708-019B960494DF}">
+                  <a14:hiddenLine xmlns:a14="http://schemas.microsoft.com/office/drawing/2010/main" w="9525">
+                    <a:solidFill>
+                      <a:schemeClr val="tx1"/>
+                    </a:solidFill>
+                    <a:miter lim="800000"/>
+                    <a:headEnd/>
+                    <a:tailEnd/>
+                  </a14:hiddenLine>
+                </a:ext>
+                <a:ext uri="{AF507438-7753-43E0-B8FC-AC1667EBCBE1}">
+                  <a14:hiddenEffects xmlns:a14="http://schemas.microsoft.com/office/drawing/2010/main">
+                    <a:effectLst>
+                      <a:outerShdw dist="35921" dir="2700000" algn="ctr" rotWithShape="0">
+                        <a:schemeClr val="bg2"/>
+                      </a:outerShdw>
+                    </a:effectLst>
+                  </a14:hiddenEffects>
+                </a:ext>
+              </a:extLst>
+            </p:spPr>
+            <p:txBody>
+              <a:bodyPr/>
+              <a:lstStyle/>
+              <a:p>
+                <a:r>
+                  <a:rPr lang="en-US">
+                    <a:noFill/>
+                  </a:rPr>
+                  <a:t> </a:t>
+                </a:r>
+              </a:p>
+            </p:txBody>
+          </p:sp>
+        </mc:Fallback>
+      </mc:AlternateContent>
+      <p:sp>
+        <p:nvSpPr>
+          <p:cNvPr id="10" name="TextBox 9">
+            <a:extLst>
+              <a:ext uri="{FF2B5EF4-FFF2-40B4-BE49-F238E27FC236}">
+                <a16:creationId xmlns:a16="http://schemas.microsoft.com/office/drawing/2014/main" id="{874EFCC6-2C71-D04C-E17F-457D888E506B}"/>
+              </a:ext>
+            </a:extLst>
+          </p:cNvPr>
+          <p:cNvSpPr txBox="1"/>
+          <p:nvPr/>
+        </p:nvSpPr>
+        <p:spPr>
+          <a:xfrm>
+            <a:off x="500864" y="6111301"/>
+            <a:ext cx="6097712" cy="461665"/>
+          </a:xfrm>
+          <a:prstGeom prst="rect">
+            <a:avLst/>
+          </a:prstGeom>
+          <a:noFill/>
+        </p:spPr>
+        <p:txBody>
+          <a:bodyPr wrap="square">
+            <a:spAutoFit/>
+          </a:bodyPr>
+          <a:lstStyle/>
+          <a:p>
+            <a:r>
+              <a:rPr lang="es-CO" sz="800" noProof="0" dirty="0"/>
+              <a:t>Imagen tomada de</a:t>
+            </a:r>
+          </a:p>
+          <a:p>
+            <a:r>
+              <a:rPr lang="es-CO" sz="800" noProof="0" dirty="0"/>
+              <a:t>https://www.researchgate.net/figure/D-micro-scanning-LiDAR-illuminating-the-scenery-with-a-vertical-laser-beam-line-and_fig1_331302767</a:t>
+            </a:r>
+          </a:p>
+        </p:txBody>
+      </p:sp>
     </p:spTree>
     <p:extLst>
       <p:ext uri="{BB962C8B-B14F-4D97-AF65-F5344CB8AC3E}">
-        <p14:creationId xmlns:p14="http://schemas.microsoft.com/office/powerpoint/2010/main" val="969323611"/>
+        <p14:creationId xmlns:p14="http://schemas.microsoft.com/office/powerpoint/2010/main" val="1561124657"/>
+      </p:ext>
+    </p:extLst>
+  </p:cSld>
+  <p:clrMapOvr>
+    <a:masterClrMapping/>
+  </p:clrMapOvr>
+</p:sld>
+</file>
+
+<file path=ppt/slides/slide8.xml><?xml version="1.0" encoding="utf-8"?>
+<p:sld xmlns:a="http://schemas.openxmlformats.org/drawingml/2006/main" xmlns:r="http://schemas.openxmlformats.org/officeDocument/2006/relationships" xmlns:p="http://schemas.openxmlformats.org/presentationml/2006/main">
+  <p:cSld>
+    <p:spTree>
+      <p:nvGrpSpPr>
+        <p:cNvPr id="1" name=""/>
+        <p:cNvGrpSpPr/>
+        <p:nvPr/>
+      </p:nvGrpSpPr>
+      <p:grpSpPr>
+        <a:xfrm>
+          <a:off x="0" y="0"/>
+          <a:ext cx="0" cy="0"/>
+          <a:chOff x="0" y="0"/>
+          <a:chExt cx="0" cy="0"/>
+        </a:xfrm>
+      </p:grpSpPr>
+      <p:sp>
+        <p:nvSpPr>
+          <p:cNvPr id="2" name="Title 1">
+            <a:extLst>
+              <a:ext uri="{FF2B5EF4-FFF2-40B4-BE49-F238E27FC236}">
+                <a16:creationId xmlns:a16="http://schemas.microsoft.com/office/drawing/2014/main" id="{0CB6701C-49D9-E749-F217-D483C10E8CF9}"/>
+              </a:ext>
+            </a:extLst>
+          </p:cNvPr>
+          <p:cNvSpPr>
+            <a:spLocks noGrp="1"/>
+          </p:cNvSpPr>
+          <p:nvPr>
+            <p:ph type="title"/>
+          </p:nvPr>
+        </p:nvSpPr>
+        <p:spPr>
+          <a:xfrm>
+            <a:off x="7371341" y="365125"/>
+            <a:ext cx="3766457" cy="1325563"/>
+          </a:xfrm>
+        </p:spPr>
+        <p:txBody>
+          <a:bodyPr>
+            <a:normAutofit fontScale="90000"/>
+          </a:bodyPr>
+          <a:lstStyle/>
+          <a:p>
+            <a:r>
+              <a:rPr lang="es-CO" dirty="0"/>
+              <a:t>Estereopsis (visión binocular)</a:t>
+            </a:r>
+            <a:br>
+              <a:rPr lang="es-CO" dirty="0"/>
+            </a:br>
+            <a:endParaRPr lang="en-US" dirty="0"/>
+          </a:p>
+        </p:txBody>
+      </p:sp>
+      <p:pic>
+        <p:nvPicPr>
+          <p:cNvPr id="7170" name="Picture 2" descr="vision binocular">
+            <a:extLst>
+              <a:ext uri="{FF2B5EF4-FFF2-40B4-BE49-F238E27FC236}">
+                <a16:creationId xmlns:a16="http://schemas.microsoft.com/office/drawing/2014/main" id="{0CA2D039-0435-1E60-42B1-8B9712A74EFC}"/>
+              </a:ext>
+            </a:extLst>
+          </p:cNvPr>
+          <p:cNvPicPr>
+            <a:picLocks noGrp="1" noChangeAspect="1" noChangeArrowheads="1"/>
+          </p:cNvPicPr>
+          <p:nvPr>
+            <p:ph idx="1"/>
+          </p:nvPr>
+        </p:nvPicPr>
+        <p:blipFill>
+          <a:blip r:embed="rId2">
+            <a:extLst>
+              <a:ext uri="{28A0092B-C50C-407E-A947-70E740481C1C}">
+                <a14:useLocalDpi xmlns:a14="http://schemas.microsoft.com/office/drawing/2010/main" val="0"/>
+              </a:ext>
+            </a:extLst>
+          </a:blip>
+          <a:srcRect/>
+          <a:stretch>
+            <a:fillRect/>
+          </a:stretch>
+        </p:blipFill>
+        <p:spPr bwMode="auto">
+          <a:xfrm>
+            <a:off x="471975" y="-177736"/>
+            <a:ext cx="5199481" cy="7234572"/>
+          </a:xfrm>
+          <a:prstGeom prst="rect">
+            <a:avLst/>
+          </a:prstGeom>
+          <a:noFill/>
+          <a:extLst>
+            <a:ext uri="{909E8E84-426E-40DD-AFC4-6F175D3DCCD1}">
+              <a14:hiddenFill xmlns:a14="http://schemas.microsoft.com/office/drawing/2010/main">
+                <a:solidFill>
+                  <a:srgbClr val="FFFFFF"/>
+                </a:solidFill>
+              </a14:hiddenFill>
+            </a:ext>
+          </a:extLst>
+        </p:spPr>
+      </p:pic>
+      <p:sp>
+        <p:nvSpPr>
+          <p:cNvPr id="5" name="TextBox 4">
+            <a:extLst>
+              <a:ext uri="{FF2B5EF4-FFF2-40B4-BE49-F238E27FC236}">
+                <a16:creationId xmlns:a16="http://schemas.microsoft.com/office/drawing/2014/main" id="{7C4DE6E6-5965-6600-166C-7F9128DE54D3}"/>
+              </a:ext>
+            </a:extLst>
+          </p:cNvPr>
+          <p:cNvSpPr txBox="1"/>
+          <p:nvPr/>
+        </p:nvSpPr>
+        <p:spPr>
+          <a:xfrm>
+            <a:off x="3697645" y="5705931"/>
+            <a:ext cx="6097712" cy="215444"/>
+          </a:xfrm>
+          <a:prstGeom prst="rect">
+            <a:avLst/>
+          </a:prstGeom>
+          <a:noFill/>
+        </p:spPr>
+        <p:txBody>
+          <a:bodyPr wrap="square">
+            <a:spAutoFit/>
+          </a:bodyPr>
+          <a:lstStyle/>
+          <a:p>
+            <a:r>
+              <a:rPr lang="en-US" sz="800" dirty="0"/>
+              <a:t>https://areaoftalmologica.com/neurooftalmologia/vision-binocular/</a:t>
+            </a:r>
+          </a:p>
+        </p:txBody>
+      </p:sp>
+    </p:spTree>
+    <p:extLst>
+      <p:ext uri="{BB962C8B-B14F-4D97-AF65-F5344CB8AC3E}">
+        <p14:creationId xmlns:p14="http://schemas.microsoft.com/office/powerpoint/2010/main" val="4243230594"/>
       </p:ext>
     </p:extLst>
   </p:cSld>
